--- a/10.0 -- 线程 ------- 第10章.pptx
+++ b/10.0 -- 线程 ------- 第10章.pptx
@@ -291,7 +291,7 @@
             <a:fld id="{07F4A947-B69F-46AB-892A-142D315848C8}" type="datetimeFigureOut">
               <a:rPr lang="zh-CN" altLang="en-US"/>
               <a:pPr/>
-              <a:t>2020/10/25</a:t>
+              <a:t>2020/12/7</a:t>
             </a:fld>
             <a:endParaRPr lang="zh-CN" altLang="en-US">
               <a:latin typeface="Arial" panose="020B0604020202020204" pitchFamily="34" charset="0"/>
@@ -1389,7 +1389,7 @@
             <a:fld id="{C33D8BF3-04B1-4578-9944-A784348B543C}" type="datetimeFigureOut">
               <a:rPr lang="zh-CN" altLang="en-US"/>
               <a:pPr/>
-              <a:t>2020/10/25</a:t>
+              <a:t>2020/12/7</a:t>
             </a:fld>
             <a:endParaRPr lang="zh-CN" altLang="en-US"/>
           </a:p>
@@ -1588,7 +1588,7 @@
             <a:fld id="{C33D8BF3-04B1-4578-9944-A784348B543C}" type="datetimeFigureOut">
               <a:rPr lang="zh-CN" altLang="en-US"/>
               <a:pPr/>
-              <a:t>2020/10/25</a:t>
+              <a:t>2020/12/7</a:t>
             </a:fld>
             <a:endParaRPr lang="zh-CN" altLang="en-US"/>
           </a:p>
@@ -1737,7 +1737,7 @@
             <a:fld id="{C33D8BF3-04B1-4578-9944-A784348B543C}" type="datetimeFigureOut">
               <a:rPr lang="zh-CN" altLang="en-US"/>
               <a:pPr/>
-              <a:t>2020/10/25</a:t>
+              <a:t>2020/12/7</a:t>
             </a:fld>
             <a:endParaRPr lang="zh-CN" altLang="en-US"/>
           </a:p>
@@ -1939,7 +1939,7 @@
             <a:fld id="{C33D8BF3-04B1-4578-9944-A784348B543C}" type="datetimeFigureOut">
               <a:rPr lang="zh-CN" altLang="en-US"/>
               <a:pPr/>
-              <a:t>2020/10/25</a:t>
+              <a:t>2020/12/7</a:t>
             </a:fld>
             <a:endParaRPr lang="zh-CN" altLang="en-US"/>
           </a:p>
@@ -2328,7 +2328,7 @@
             <a:fld id="{C33D8BF3-04B1-4578-9944-A784348B543C}" type="datetimeFigureOut">
               <a:rPr lang="zh-CN" altLang="en-US"/>
               <a:pPr/>
-              <a:t>2020/10/25</a:t>
+              <a:t>2020/12/7</a:t>
             </a:fld>
             <a:endParaRPr lang="zh-CN" altLang="en-US"/>
           </a:p>
@@ -2596,7 +2596,7 @@
             <a:fld id="{C33D8BF3-04B1-4578-9944-A784348B543C}" type="datetimeFigureOut">
               <a:rPr lang="zh-CN" altLang="en-US"/>
               <a:pPr/>
-              <a:t>2020/10/25</a:t>
+              <a:t>2020/12/7</a:t>
             </a:fld>
             <a:endParaRPr lang="zh-CN" altLang="en-US"/>
           </a:p>
@@ -2999,7 +2999,7 @@
             <a:fld id="{C33D8BF3-04B1-4578-9944-A784348B543C}" type="datetimeFigureOut">
               <a:rPr lang="zh-CN" altLang="en-US"/>
               <a:pPr/>
-              <a:t>2020/10/25</a:t>
+              <a:t>2020/12/7</a:t>
             </a:fld>
             <a:endParaRPr lang="zh-CN" altLang="en-US"/>
           </a:p>
@@ -5364,7 +5364,7 @@
             <a:fld id="{C33D8BF3-04B1-4578-9944-A784348B543C}" type="datetimeFigureOut">
               <a:rPr lang="zh-CN" altLang="en-US"/>
               <a:pPr/>
-              <a:t>2020/10/25</a:t>
+              <a:t>2020/12/7</a:t>
             </a:fld>
             <a:endParaRPr lang="zh-CN" altLang="en-US"/>
           </a:p>
@@ -5491,7 +5491,7 @@
             <a:fld id="{C33D8BF3-04B1-4578-9944-A784348B543C}" type="datetimeFigureOut">
               <a:rPr lang="zh-CN" altLang="en-US"/>
               <a:pPr/>
-              <a:t>2020/10/25</a:t>
+              <a:t>2020/12/7</a:t>
             </a:fld>
             <a:endParaRPr lang="zh-CN" altLang="en-US"/>
           </a:p>
@@ -5707,7 +5707,7 @@
             <a:fld id="{C33D8BF3-04B1-4578-9944-A784348B543C}" type="datetimeFigureOut">
               <a:rPr lang="zh-CN" altLang="en-US"/>
               <a:pPr/>
-              <a:t>2020/10/25</a:t>
+              <a:t>2020/12/7</a:t>
             </a:fld>
             <a:endParaRPr lang="zh-CN" altLang="en-US"/>
           </a:p>
@@ -5929,7 +5929,7 @@
             <a:fld id="{C33D8BF3-04B1-4578-9944-A784348B543C}" type="datetimeFigureOut">
               <a:rPr lang="zh-CN" altLang="en-US"/>
               <a:pPr/>
-              <a:t>2020/10/25</a:t>
+              <a:t>2020/12/7</a:t>
             </a:fld>
             <a:endParaRPr lang="zh-CN" altLang="en-US"/>
           </a:p>
@@ -6339,7 +6339,7 @@
             <a:fld id="{C33D8BF3-04B1-4578-9944-A784348B543C}" type="datetimeFigureOut">
               <a:rPr lang="zh-CN" altLang="en-US"/>
               <a:pPr/>
-              <a:t>2020/10/25</a:t>
+              <a:t>2020/12/7</a:t>
             </a:fld>
             <a:endParaRPr lang="zh-CN" altLang="en-US"/>
           </a:p>
@@ -7047,7 +7047,12 @@
           <a:prstGeom prst="rect">
             <a:avLst/>
           </a:prstGeom>
-          <a:noFill/>
+          <a:solidFill>
+            <a:schemeClr val="tx1">
+              <a:lumMod val="20000"/>
+              <a:lumOff val="80000"/>
+            </a:schemeClr>
+          </a:solidFill>
           <a:ln w="9525">
             <a:noFill/>
           </a:ln>
@@ -8122,38 +8127,24 @@
         </p:nvSpPr>
         <p:spPr bwMode="auto">
           <a:xfrm>
-            <a:off x="201613" y="830263"/>
-            <a:ext cx="3405187" cy="3830637"/>
+            <a:off x="201614" y="830263"/>
+            <a:ext cx="3146302" cy="4198393"/>
           </a:xfrm>
           <a:prstGeom prst="rect">
             <a:avLst/>
           </a:prstGeom>
-          <a:noFill/>
+          <a:solidFill>
+            <a:schemeClr val="tx1">
+              <a:lumMod val="20000"/>
+              <a:lumOff val="80000"/>
+            </a:schemeClr>
+          </a:solidFill>
           <a:ln>
             <a:noFill/>
           </a:ln>
-          <a:extLst>
-            <a:ext uri="{909E8E84-426E-40DD-AFC4-6F175D3DCCD1}">
-              <a14:hiddenFill xmlns:a14="http://schemas.microsoft.com/office/drawing/2010/main">
-                <a:solidFill>
-                  <a:srgbClr val="FFFFFF"/>
-                </a:solidFill>
-              </a14:hiddenFill>
-            </a:ext>
-            <a:ext uri="{91240B29-F687-4F45-9708-019B960494DF}">
-              <a14:hiddenLine xmlns:a14="http://schemas.microsoft.com/office/drawing/2010/main" w="9525">
-                <a:solidFill>
-                  <a:srgbClr val="000000"/>
-                </a:solidFill>
-                <a:miter lim="800000"/>
-                <a:headEnd/>
-                <a:tailEnd/>
-              </a14:hiddenLine>
-            </a:ext>
-          </a:extLst>
         </p:spPr>
         <p:txBody>
-          <a:bodyPr>
+          <a:bodyPr wrap="square">
             <a:spAutoFit/>
           </a:bodyPr>
           <a:lstStyle>
@@ -8274,12 +8265,16 @@
               </a:lnSpc>
             </a:pPr>
             <a:r>
-              <a:rPr lang="en-US" altLang="zh-CN">
+              <a:rPr lang="en-US" altLang="zh-CN" dirty="0" err="1">
                 <a:latin typeface="微软雅黑" panose="020B0503020204020204" pitchFamily="34" charset="-122"/>
                 <a:ea typeface="微软雅黑" panose="020B0503020204020204" pitchFamily="34" charset="-122"/>
               </a:rPr>
               <a:t>ThreadUpdateTest</a:t>
             </a:r>
+            <a:endParaRPr lang="en-US" altLang="zh-CN" dirty="0">
+              <a:latin typeface="微软雅黑" panose="020B0503020204020204" pitchFamily="34" charset="-122"/>
+              <a:ea typeface="微软雅黑" panose="020B0503020204020204" pitchFamily="34" charset="-122"/>
+            </a:endParaRPr>
           </a:p>
           <a:p>
             <a:pPr>
@@ -8288,21 +8283,21 @@
               </a:lnSpc>
             </a:pPr>
             <a:r>
-              <a:rPr lang="zh-CN" altLang="en-US">
+              <a:rPr lang="zh-CN" altLang="en-US" dirty="0">
                 <a:latin typeface="微软雅黑" panose="020B0503020204020204" pitchFamily="34" charset="-122"/>
                 <a:ea typeface="微软雅黑" panose="020B0503020204020204" pitchFamily="34" charset="-122"/>
               </a:rPr>
               <a:t>点击按钮</a:t>
             </a:r>
             <a:r>
-              <a:rPr lang="en-US" altLang="zh-CN">
+              <a:rPr lang="en-US" altLang="zh-CN" dirty="0">
                 <a:latin typeface="微软雅黑" panose="020B0503020204020204" pitchFamily="34" charset="-122"/>
                 <a:ea typeface="微软雅黑" panose="020B0503020204020204" pitchFamily="34" charset="-122"/>
               </a:rPr>
               <a:t>1</a:t>
             </a:r>
             <a:r>
-              <a:rPr lang="zh-CN" altLang="en-US">
+              <a:rPr lang="zh-CN" altLang="en-US" dirty="0">
                 <a:latin typeface="微软雅黑" panose="020B0503020204020204" pitchFamily="34" charset="-122"/>
                 <a:ea typeface="微软雅黑" panose="020B0503020204020204" pitchFamily="34" charset="-122"/>
               </a:rPr>
@@ -8316,21 +8311,21 @@
               </a:lnSpc>
             </a:pPr>
             <a:r>
-              <a:rPr lang="zh-CN" altLang="en-US">
+              <a:rPr lang="zh-CN" altLang="en-US" dirty="0">
                 <a:latin typeface="微软雅黑" panose="020B0503020204020204" pitchFamily="34" charset="-122"/>
                 <a:ea typeface="微软雅黑" panose="020B0503020204020204" pitchFamily="34" charset="-122"/>
               </a:rPr>
               <a:t>点击按钮</a:t>
             </a:r>
             <a:r>
-              <a:rPr lang="en-US" altLang="zh-CN">
+              <a:rPr lang="en-US" altLang="zh-CN" dirty="0">
                 <a:latin typeface="微软雅黑" panose="020B0503020204020204" pitchFamily="34" charset="-122"/>
                 <a:ea typeface="微软雅黑" panose="020B0503020204020204" pitchFamily="34" charset="-122"/>
               </a:rPr>
               <a:t>2</a:t>
             </a:r>
             <a:r>
-              <a:rPr lang="zh-CN" altLang="en-US">
+              <a:rPr lang="zh-CN" altLang="en-US" dirty="0">
                 <a:latin typeface="微软雅黑" panose="020B0503020204020204" pitchFamily="34" charset="-122"/>
                 <a:ea typeface="微软雅黑" panose="020B0503020204020204" pitchFamily="34" charset="-122"/>
               </a:rPr>
@@ -8343,7 +8338,7 @@
                 <a:spcPct val="150000"/>
               </a:lnSpc>
             </a:pPr>
-            <a:endParaRPr lang="zh-CN" altLang="en-US">
+            <a:endParaRPr lang="zh-CN" altLang="en-US" dirty="0">
               <a:latin typeface="微软雅黑" panose="020B0503020204020204" pitchFamily="34" charset="-122"/>
               <a:ea typeface="微软雅黑" panose="020B0503020204020204" pitchFamily="34" charset="-122"/>
             </a:endParaRPr>
@@ -8355,49 +8350,49 @@
               </a:lnSpc>
             </a:pPr>
             <a:r>
-              <a:rPr lang="zh-CN" altLang="en-US">
+              <a:rPr lang="zh-CN" altLang="en-US" dirty="0">
                 <a:latin typeface="微软雅黑" panose="020B0503020204020204" pitchFamily="34" charset="-122"/>
                 <a:ea typeface="微软雅黑" panose="020B0503020204020204" pitchFamily="34" charset="-122"/>
               </a:rPr>
               <a:t>证明直接在子线程更新</a:t>
             </a:r>
             <a:r>
-              <a:rPr lang="en-US" altLang="zh-CN">
+              <a:rPr lang="en-US" altLang="zh-CN" dirty="0">
                 <a:latin typeface="微软雅黑" panose="020B0503020204020204" pitchFamily="34" charset="-122"/>
                 <a:ea typeface="微软雅黑" panose="020B0503020204020204" pitchFamily="34" charset="-122"/>
               </a:rPr>
               <a:t>UI</a:t>
             </a:r>
             <a:r>
-              <a:rPr lang="zh-CN" altLang="en-US">
+              <a:rPr lang="zh-CN" altLang="en-US" dirty="0">
                 <a:latin typeface="微软雅黑" panose="020B0503020204020204" pitchFamily="34" charset="-122"/>
                 <a:ea typeface="微软雅黑" panose="020B0503020204020204" pitchFamily="34" charset="-122"/>
               </a:rPr>
               <a:t>将会导致程序崩溃。必须通过子线程给主线程的</a:t>
             </a:r>
             <a:r>
-              <a:rPr lang="en-US" altLang="zh-CN">
+              <a:rPr lang="en-US" altLang="zh-CN" dirty="0">
                 <a:latin typeface="微软雅黑" panose="020B0503020204020204" pitchFamily="34" charset="-122"/>
                 <a:ea typeface="微软雅黑" panose="020B0503020204020204" pitchFamily="34" charset="-122"/>
               </a:rPr>
               <a:t>Handler</a:t>
             </a:r>
             <a:r>
-              <a:rPr lang="zh-CN" altLang="en-US">
+              <a:rPr lang="zh-CN" altLang="en-US" dirty="0">
                 <a:latin typeface="微软雅黑" panose="020B0503020204020204" pitchFamily="34" charset="-122"/>
                 <a:ea typeface="微软雅黑" panose="020B0503020204020204" pitchFamily="34" charset="-122"/>
               </a:rPr>
               <a:t>发送消息来完成更新</a:t>
             </a:r>
             <a:r>
-              <a:rPr lang="en-US" altLang="zh-CN">
+              <a:rPr lang="en-US" altLang="zh-CN" dirty="0">
                 <a:latin typeface="微软雅黑" panose="020B0503020204020204" pitchFamily="34" charset="-122"/>
                 <a:ea typeface="微软雅黑" panose="020B0503020204020204" pitchFamily="34" charset="-122"/>
               </a:rPr>
               <a:t>UI</a:t>
             </a:r>
             <a:r>
-              <a:rPr lang="zh-CN" altLang="en-US">
+              <a:rPr lang="zh-CN" altLang="en-US" dirty="0">
                 <a:latin typeface="微软雅黑" panose="020B0503020204020204" pitchFamily="34" charset="-122"/>
                 <a:ea typeface="微软雅黑" panose="020B0503020204020204" pitchFamily="34" charset="-122"/>
               </a:rPr>
@@ -8410,7 +8405,7 @@
                 <a:spcPct val="150000"/>
               </a:lnSpc>
             </a:pPr>
-            <a:endParaRPr lang="zh-CN" altLang="en-US">
+            <a:endParaRPr lang="zh-CN" altLang="en-US" dirty="0">
               <a:latin typeface="微软雅黑" panose="020B0503020204020204" pitchFamily="34" charset="-122"/>
               <a:ea typeface="微软雅黑" panose="020B0503020204020204" pitchFamily="34" charset="-122"/>
             </a:endParaRPr>
@@ -8578,35 +8573,21 @@
         </p:nvSpPr>
         <p:spPr bwMode="auto">
           <a:xfrm>
-            <a:off x="201613" y="830263"/>
+            <a:off x="539720" y="915635"/>
             <a:ext cx="3405187" cy="3414712"/>
           </a:xfrm>
           <a:prstGeom prst="rect">
             <a:avLst/>
           </a:prstGeom>
-          <a:noFill/>
+          <a:solidFill>
+            <a:schemeClr val="tx1">
+              <a:lumMod val="20000"/>
+              <a:lumOff val="80000"/>
+            </a:schemeClr>
+          </a:solidFill>
           <a:ln>
             <a:noFill/>
           </a:ln>
-          <a:extLst>
-            <a:ext uri="{909E8E84-426E-40DD-AFC4-6F175D3DCCD1}">
-              <a14:hiddenFill xmlns:a14="http://schemas.microsoft.com/office/drawing/2010/main">
-                <a:solidFill>
-                  <a:srgbClr val="FFFFFF"/>
-                </a:solidFill>
-              </a14:hiddenFill>
-            </a:ext>
-            <a:ext uri="{91240B29-F687-4F45-9708-019B960494DF}">
-              <a14:hiddenLine xmlns:a14="http://schemas.microsoft.com/office/drawing/2010/main" w="9525">
-                <a:solidFill>
-                  <a:srgbClr val="000000"/>
-                </a:solidFill>
-                <a:miter lim="800000"/>
-                <a:headEnd/>
-                <a:tailEnd/>
-              </a14:hiddenLine>
-            </a:ext>
-          </a:extLst>
         </p:spPr>
         <p:txBody>
           <a:bodyPr>
@@ -8730,12 +8711,16 @@
               </a:lnSpc>
             </a:pPr>
             <a:r>
-              <a:rPr lang="en-US" altLang="zh-CN">
+              <a:rPr lang="en-US" altLang="zh-CN" dirty="0" err="1">
                 <a:latin typeface="微软雅黑" panose="020B0503020204020204" pitchFamily="34" charset="-122"/>
                 <a:ea typeface="微软雅黑" panose="020B0503020204020204" pitchFamily="34" charset="-122"/>
               </a:rPr>
               <a:t>Handler_learning</a:t>
             </a:r>
+            <a:endParaRPr lang="en-US" altLang="zh-CN" dirty="0">
+              <a:latin typeface="微软雅黑" panose="020B0503020204020204" pitchFamily="34" charset="-122"/>
+              <a:ea typeface="微软雅黑" panose="020B0503020204020204" pitchFamily="34" charset="-122"/>
+            </a:endParaRPr>
           </a:p>
           <a:p>
             <a:pPr>
@@ -8743,7 +8728,7 @@
                 <a:spcPct val="150000"/>
               </a:lnSpc>
             </a:pPr>
-            <a:endParaRPr lang="zh-CN" altLang="en-US">
+            <a:endParaRPr lang="zh-CN" altLang="en-US" dirty="0">
               <a:latin typeface="微软雅黑" panose="020B0503020204020204" pitchFamily="34" charset="-122"/>
               <a:ea typeface="微软雅黑" panose="020B0503020204020204" pitchFamily="34" charset="-122"/>
             </a:endParaRPr>
@@ -8755,28 +8740,28 @@
               </a:lnSpc>
             </a:pPr>
             <a:r>
-              <a:rPr lang="zh-CN" altLang="en-US">
+              <a:rPr lang="zh-CN" altLang="en-US" dirty="0">
                 <a:latin typeface="微软雅黑" panose="020B0503020204020204" pitchFamily="34" charset="-122"/>
                 <a:ea typeface="微软雅黑" panose="020B0503020204020204" pitchFamily="34" charset="-122"/>
               </a:rPr>
               <a:t>通过主线程</a:t>
             </a:r>
             <a:r>
-              <a:rPr lang="en-US" altLang="zh-CN">
+              <a:rPr lang="en-US" altLang="zh-CN" dirty="0">
                 <a:latin typeface="微软雅黑" panose="020B0503020204020204" pitchFamily="34" charset="-122"/>
                 <a:ea typeface="微软雅黑" panose="020B0503020204020204" pitchFamily="34" charset="-122"/>
               </a:rPr>
               <a:t>Handler</a:t>
             </a:r>
             <a:r>
-              <a:rPr lang="zh-CN" altLang="en-US">
+              <a:rPr lang="zh-CN" altLang="en-US" dirty="0">
                 <a:latin typeface="微软雅黑" panose="020B0503020204020204" pitchFamily="34" charset="-122"/>
                 <a:ea typeface="微软雅黑" panose="020B0503020204020204" pitchFamily="34" charset="-122"/>
               </a:rPr>
               <a:t>更改</a:t>
             </a:r>
             <a:r>
-              <a:rPr lang="en-US" altLang="zh-CN">
+              <a:rPr lang="en-US" altLang="zh-CN" dirty="0">
                 <a:latin typeface="微软雅黑" panose="020B0503020204020204" pitchFamily="34" charset="-122"/>
                 <a:ea typeface="微软雅黑" panose="020B0503020204020204" pitchFamily="34" charset="-122"/>
               </a:rPr>
@@ -8790,7 +8775,7 @@
               </a:lnSpc>
             </a:pPr>
             <a:r>
-              <a:rPr lang="zh-CN" altLang="en-US">
+              <a:rPr lang="zh-CN" altLang="en-US" dirty="0">
                 <a:latin typeface="微软雅黑" panose="020B0503020204020204" pitchFamily="34" charset="-122"/>
                 <a:ea typeface="微软雅黑" panose="020B0503020204020204" pitchFamily="34" charset="-122"/>
               </a:rPr>
@@ -8804,14 +8789,14 @@
               </a:lnSpc>
             </a:pPr>
             <a:r>
-              <a:rPr lang="zh-CN" altLang="en-US">
+              <a:rPr lang="zh-CN" altLang="en-US" dirty="0">
                 <a:latin typeface="微软雅黑" panose="020B0503020204020204" pitchFamily="34" charset="-122"/>
                 <a:ea typeface="微软雅黑" panose="020B0503020204020204" pitchFamily="34" charset="-122"/>
               </a:rPr>
               <a:t>五秒后子线程更改</a:t>
             </a:r>
             <a:r>
-              <a:rPr lang="en-US" altLang="zh-CN">
+              <a:rPr lang="en-US" altLang="zh-CN" dirty="0">
                 <a:latin typeface="微软雅黑" panose="020B0503020204020204" pitchFamily="34" charset="-122"/>
                 <a:ea typeface="微软雅黑" panose="020B0503020204020204" pitchFamily="34" charset="-122"/>
               </a:rPr>
@@ -8825,14 +8810,14 @@
               </a:lnSpc>
             </a:pPr>
             <a:r>
-              <a:rPr lang="zh-CN" altLang="en-US">
+              <a:rPr lang="zh-CN" altLang="en-US" dirty="0">
                 <a:latin typeface="微软雅黑" panose="020B0503020204020204" pitchFamily="34" charset="-122"/>
                 <a:ea typeface="微软雅黑" panose="020B0503020204020204" pitchFamily="34" charset="-122"/>
               </a:rPr>
               <a:t>十秒后第二个子线程更改</a:t>
             </a:r>
             <a:r>
-              <a:rPr lang="en-US" altLang="zh-CN">
+              <a:rPr lang="en-US" altLang="zh-CN" dirty="0">
                 <a:latin typeface="微软雅黑" panose="020B0503020204020204" pitchFamily="34" charset="-122"/>
                 <a:ea typeface="微软雅黑" panose="020B0503020204020204" pitchFamily="34" charset="-122"/>
               </a:rPr>
@@ -8846,21 +8831,21 @@
               </a:lnSpc>
             </a:pPr>
             <a:r>
-              <a:rPr lang="zh-CN" altLang="en-US">
+              <a:rPr lang="zh-CN" altLang="en-US" dirty="0">
                 <a:latin typeface="微软雅黑" panose="020B0503020204020204" pitchFamily="34" charset="-122"/>
                 <a:ea typeface="微软雅黑" panose="020B0503020204020204" pitchFamily="34" charset="-122"/>
               </a:rPr>
               <a:t>采用</a:t>
             </a:r>
             <a:r>
-              <a:rPr lang="en-US" altLang="zh-CN">
+              <a:rPr lang="en-US" altLang="zh-CN" dirty="0" err="1">
                 <a:latin typeface="微软雅黑" panose="020B0503020204020204" pitchFamily="34" charset="-122"/>
                 <a:ea typeface="微软雅黑" panose="020B0503020204020204" pitchFamily="34" charset="-122"/>
               </a:rPr>
               <a:t>Handler.post</a:t>
             </a:r>
             <a:r>
-              <a:rPr lang="zh-CN" altLang="en-US">
+              <a:rPr lang="zh-CN" altLang="en-US" dirty="0">
                 <a:latin typeface="微软雅黑" panose="020B0503020204020204" pitchFamily="34" charset="-122"/>
                 <a:ea typeface="微软雅黑" panose="020B0503020204020204" pitchFamily="34" charset="-122"/>
               </a:rPr>
@@ -8873,7 +8858,7 @@
                 <a:spcPct val="150000"/>
               </a:lnSpc>
             </a:pPr>
-            <a:endParaRPr lang="zh-CN" altLang="en-US">
+            <a:endParaRPr lang="zh-CN" altLang="en-US" dirty="0">
               <a:latin typeface="微软雅黑" panose="020B0503020204020204" pitchFamily="34" charset="-122"/>
               <a:ea typeface="微软雅黑" panose="020B0503020204020204" pitchFamily="34" charset="-122"/>
             </a:endParaRPr>
@@ -9041,35 +9026,21 @@
         </p:nvSpPr>
         <p:spPr bwMode="auto">
           <a:xfrm>
-            <a:off x="201613" y="830263"/>
+            <a:off x="323705" y="843630"/>
             <a:ext cx="5040312" cy="2168525"/>
           </a:xfrm>
           <a:prstGeom prst="rect">
             <a:avLst/>
           </a:prstGeom>
-          <a:noFill/>
+          <a:solidFill>
+            <a:schemeClr val="tx1">
+              <a:lumMod val="20000"/>
+              <a:lumOff val="80000"/>
+            </a:schemeClr>
+          </a:solidFill>
           <a:ln>
             <a:noFill/>
           </a:ln>
-          <a:extLst>
-            <a:ext uri="{909E8E84-426E-40DD-AFC4-6F175D3DCCD1}">
-              <a14:hiddenFill xmlns:a14="http://schemas.microsoft.com/office/drawing/2010/main">
-                <a:solidFill>
-                  <a:srgbClr val="FFFFFF"/>
-                </a:solidFill>
-              </a14:hiddenFill>
-            </a:ext>
-            <a:ext uri="{91240B29-F687-4F45-9708-019B960494DF}">
-              <a14:hiddenLine xmlns:a14="http://schemas.microsoft.com/office/drawing/2010/main" w="9525">
-                <a:solidFill>
-                  <a:srgbClr val="000000"/>
-                </a:solidFill>
-                <a:miter lim="800000"/>
-                <a:headEnd/>
-                <a:tailEnd/>
-              </a14:hiddenLine>
-            </a:ext>
-          </a:extLst>
         </p:spPr>
         <p:txBody>
           <a:bodyPr>
@@ -9193,12 +9164,16 @@
               </a:lnSpc>
             </a:pPr>
             <a:r>
-              <a:rPr lang="en-US" altLang="zh-CN">
+              <a:rPr lang="en-US" altLang="zh-CN" dirty="0" err="1">
                 <a:latin typeface="微软雅黑" panose="020B0503020204020204" pitchFamily="34" charset="-122"/>
                 <a:ea typeface="微软雅黑" panose="020B0503020204020204" pitchFamily="34" charset="-122"/>
               </a:rPr>
               <a:t>UpdateUIinSubthread</a:t>
             </a:r>
+            <a:endParaRPr lang="en-US" altLang="zh-CN" dirty="0">
+              <a:latin typeface="微软雅黑" panose="020B0503020204020204" pitchFamily="34" charset="-122"/>
+              <a:ea typeface="微软雅黑" panose="020B0503020204020204" pitchFamily="34" charset="-122"/>
+            </a:endParaRPr>
           </a:p>
           <a:p>
             <a:pPr>
@@ -9206,7 +9181,7 @@
                 <a:spcPct val="150000"/>
               </a:lnSpc>
             </a:pPr>
-            <a:endParaRPr lang="en-US" altLang="zh-CN">
+            <a:endParaRPr lang="en-US" altLang="zh-CN" dirty="0">
               <a:latin typeface="微软雅黑" panose="020B0503020204020204" pitchFamily="34" charset="-122"/>
               <a:ea typeface="微软雅黑" panose="020B0503020204020204" pitchFamily="34" charset="-122"/>
             </a:endParaRPr>
@@ -9218,21 +9193,21 @@
               </a:lnSpc>
             </a:pPr>
             <a:r>
-              <a:rPr lang="zh-CN" altLang="en-US">
+              <a:rPr lang="zh-CN" altLang="en-US" dirty="0">
                 <a:latin typeface="微软雅黑" panose="020B0503020204020204" pitchFamily="34" charset="-122"/>
                 <a:ea typeface="微软雅黑" panose="020B0503020204020204" pitchFamily="34" charset="-122"/>
               </a:rPr>
               <a:t>本质是相同的：利用主线程</a:t>
             </a:r>
             <a:r>
-              <a:rPr lang="en-US" altLang="zh-CN">
+              <a:rPr lang="en-US" altLang="zh-CN" dirty="0">
                 <a:latin typeface="微软雅黑" panose="020B0503020204020204" pitchFamily="34" charset="-122"/>
                 <a:ea typeface="微软雅黑" panose="020B0503020204020204" pitchFamily="34" charset="-122"/>
               </a:rPr>
               <a:t>Handler</a:t>
             </a:r>
             <a:r>
-              <a:rPr lang="zh-CN" altLang="en-US">
+              <a:rPr lang="zh-CN" altLang="en-US" dirty="0">
                 <a:latin typeface="微软雅黑" panose="020B0503020204020204" pitchFamily="34" charset="-122"/>
                 <a:ea typeface="微软雅黑" panose="020B0503020204020204" pitchFamily="34" charset="-122"/>
               </a:rPr>
@@ -9246,7 +9221,7 @@
               </a:lnSpc>
             </a:pPr>
             <a:r>
-              <a:rPr lang="zh-CN" altLang="en-US">
+              <a:rPr lang="zh-CN" altLang="en-US" dirty="0">
                 <a:latin typeface="微软雅黑" panose="020B0503020204020204" pitchFamily="34" charset="-122"/>
                 <a:ea typeface="微软雅黑" panose="020B0503020204020204" pitchFamily="34" charset="-122"/>
               </a:rPr>
@@ -9259,7 +9234,7 @@
                 <a:spcPct val="150000"/>
               </a:lnSpc>
             </a:pPr>
-            <a:endParaRPr lang="zh-CN" altLang="en-US">
+            <a:endParaRPr lang="zh-CN" altLang="en-US" dirty="0">
               <a:latin typeface="微软雅黑" panose="020B0503020204020204" pitchFamily="34" charset="-122"/>
               <a:ea typeface="微软雅黑" panose="020B0503020204020204" pitchFamily="34" charset="-122"/>
             </a:endParaRPr>
@@ -9349,29 +9324,15 @@
           <a:prstGeom prst="rect">
             <a:avLst/>
           </a:prstGeom>
-          <a:noFill/>
+          <a:solidFill>
+            <a:schemeClr val="tx1">
+              <a:lumMod val="20000"/>
+              <a:lumOff val="80000"/>
+            </a:schemeClr>
+          </a:solidFill>
           <a:ln>
             <a:noFill/>
           </a:ln>
-          <a:extLst>
-            <a:ext uri="{909E8E84-426E-40DD-AFC4-6F175D3DCCD1}">
-              <a14:hiddenFill xmlns:a14="http://schemas.microsoft.com/office/drawing/2010/main">
-                <a:solidFill>
-                  <a:srgbClr val="FFFFFF"/>
-                </a:solidFill>
-              </a14:hiddenFill>
-            </a:ext>
-            <a:ext uri="{91240B29-F687-4F45-9708-019B960494DF}">
-              <a14:hiddenLine xmlns:a14="http://schemas.microsoft.com/office/drawing/2010/main" w="9525">
-                <a:solidFill>
-                  <a:srgbClr val="000000"/>
-                </a:solidFill>
-                <a:miter lim="800000"/>
-                <a:headEnd/>
-                <a:tailEnd/>
-              </a14:hiddenLine>
-            </a:ext>
-          </a:extLst>
         </p:spPr>
         <p:txBody>
           <a:bodyPr>
@@ -9490,14 +9451,14 @@
           </a:lstStyle>
           <a:p>
             <a:r>
-              <a:rPr lang="zh-CN" altLang="en-US" b="1">
+              <a:rPr lang="zh-CN" altLang="en-US" b="1" dirty="0">
                 <a:solidFill>
                   <a:srgbClr val="0070C0"/>
                 </a:solidFill>
               </a:rPr>
               <a:t>Message 消息</a:t>
             </a:r>
-            <a:endParaRPr lang="zh-CN" altLang="en-US" sz="1600" b="1">
+            <a:endParaRPr lang="zh-CN" altLang="en-US" sz="1600" b="1" dirty="0">
               <a:solidFill>
                 <a:srgbClr val="0070C0"/>
               </a:solidFill>
@@ -9505,26 +9466,26 @@
           </a:p>
           <a:p>
             <a:r>
-              <a:rPr lang="zh-CN" altLang="en-US" sz="1600" u="sng"/>
+              <a:rPr lang="zh-CN" altLang="en-US" sz="1600" u="sng" dirty="0"/>
               <a:t>线程间通讯的数据单元</a:t>
             </a:r>
             <a:r>
-              <a:rPr lang="zh-CN" altLang="en-US" sz="1600"/>
+              <a:rPr lang="zh-CN" altLang="en-US" sz="1600" dirty="0"/>
               <a:t>（Handler接受和处理的消息对象）</a:t>
             </a:r>
           </a:p>
           <a:p>
             <a:r>
-              <a:rPr lang="zh-CN" altLang="en-US" sz="1600"/>
+              <a:rPr lang="zh-CN" altLang="en-US" sz="1600" dirty="0"/>
               <a:t>例如后台线程在处理数据完毕后需要更新UI，则可发送一条包含更新信息的Message给UI线程</a:t>
             </a:r>
           </a:p>
           <a:p>
-            <a:endParaRPr lang="zh-CN" altLang="en-US" sz="1600"/>
-          </a:p>
-          <a:p>
-            <a:r>
-              <a:rPr lang="zh-CN" altLang="en-US" b="1">
+            <a:endParaRPr lang="zh-CN" altLang="en-US" sz="1600" dirty="0"/>
+          </a:p>
+          <a:p>
+            <a:r>
+              <a:rPr lang="zh-CN" altLang="en-US" b="1" dirty="0">
                 <a:solidFill>
                   <a:srgbClr val="0070C0"/>
                 </a:solidFill>
@@ -9534,27 +9495,27 @@
           </a:p>
           <a:p>
             <a:r>
-              <a:rPr lang="zh-CN" altLang="en-US" sz="1600" u="sng"/>
+              <a:rPr lang="zh-CN" altLang="en-US" sz="1600" u="sng" dirty="0"/>
               <a:t>存放通过Handler发过来的消息</a:t>
             </a:r>
             <a:r>
-              <a:rPr lang="zh-CN" altLang="en-US" sz="1600"/>
+              <a:rPr lang="zh-CN" altLang="en-US" sz="1600" dirty="0"/>
               <a:t>，按照先进先出执行</a:t>
             </a:r>
           </a:p>
           <a:p>
-            <a:endParaRPr lang="zh-CN" altLang="en-US" sz="1600"/>
-          </a:p>
-          <a:p>
-            <a:r>
-              <a:rPr lang="zh-CN" altLang="en-US" b="1">
+            <a:endParaRPr lang="zh-CN" altLang="en-US" sz="1600" dirty="0"/>
+          </a:p>
+          <a:p>
+            <a:r>
+              <a:rPr lang="zh-CN" altLang="en-US" b="1" dirty="0">
                 <a:solidFill>
                   <a:srgbClr val="0070C0"/>
                 </a:solidFill>
               </a:rPr>
               <a:t>Handler 处理者</a:t>
             </a:r>
-            <a:endParaRPr lang="zh-CN" altLang="en-US" b="1">
+            <a:endParaRPr lang="zh-CN" altLang="en-US" b="1" dirty="0">
               <a:solidFill>
                 <a:schemeClr val="tx2"/>
               </a:solidFill>
@@ -9562,22 +9523,22 @@
           </a:p>
           <a:p>
             <a:r>
-              <a:rPr lang="zh-CN" altLang="en-US" sz="1600" u="sng"/>
+              <a:rPr lang="zh-CN" altLang="en-US" sz="1600" u="sng" dirty="0"/>
               <a:t>Handler是Message的主要处理者</a:t>
             </a:r>
           </a:p>
           <a:p>
             <a:r>
-              <a:rPr lang="zh-CN" altLang="en-US" sz="1600"/>
+              <a:rPr lang="zh-CN" altLang="en-US" sz="1600" dirty="0"/>
               <a:t>负责将Message添加到消息队列 &amp; 处理Looper分派过来的Message</a:t>
             </a:r>
           </a:p>
           <a:p>
-            <a:endParaRPr lang="zh-CN" altLang="en-US" sz="1600"/>
-          </a:p>
-          <a:p>
-            <a:r>
-              <a:rPr lang="zh-CN" altLang="en-US" b="1">
+            <a:endParaRPr lang="zh-CN" altLang="en-US" sz="1600" dirty="0"/>
+          </a:p>
+          <a:p>
+            <a:r>
+              <a:rPr lang="zh-CN" altLang="en-US" b="1" dirty="0">
                 <a:solidFill>
                   <a:srgbClr val="0070C0"/>
                 </a:solidFill>
@@ -9585,7 +9546,7 @@
               <a:t>Looper </a:t>
             </a:r>
             <a:r>
-              <a:rPr lang="zh-CN" altLang="en-US" b="1">
+              <a:rPr lang="zh-CN" altLang="en-US" b="1" dirty="0">
                 <a:solidFill>
                   <a:srgbClr val="0070C0"/>
                 </a:solidFill>
@@ -9593,28 +9554,28 @@
               </a:rPr>
               <a:t>循环器</a:t>
             </a:r>
-            <a:endParaRPr lang="zh-CN" altLang="en-US" sz="1600" b="1">
+            <a:endParaRPr lang="zh-CN" altLang="en-US" sz="1600" b="1" dirty="0">
               <a:sym typeface="黑体" panose="02010609060101010101" pitchFamily="49" charset="-122"/>
             </a:endParaRPr>
           </a:p>
           <a:p>
             <a:r>
-              <a:rPr lang="zh-CN" altLang="en-US" sz="1600" u="sng"/>
+              <a:rPr lang="zh-CN" altLang="en-US" sz="1600" u="sng" dirty="0"/>
               <a:t>Message Queue和Handler之间桥梁</a:t>
             </a:r>
           </a:p>
           <a:p>
             <a:r>
-              <a:rPr lang="zh-CN" altLang="en-US" sz="1600"/>
+              <a:rPr lang="zh-CN" altLang="en-US" sz="1600" dirty="0"/>
               <a:t>消息循环：循环取出Message Queue的Message；</a:t>
             </a:r>
           </a:p>
           <a:p>
             <a:r>
-              <a:rPr lang="zh-CN" altLang="en-US" sz="1600"/>
+              <a:rPr lang="zh-CN" altLang="en-US" sz="1600" dirty="0"/>
               <a:t>消息派发：将取出的Message交付给相应的Handler</a:t>
             </a:r>
-            <a:endParaRPr lang="zh-CN" altLang="en-US"/>
+            <a:endParaRPr lang="zh-CN" altLang="en-US" dirty="0"/>
           </a:p>
         </p:txBody>
       </p:sp>
@@ -9698,29 +9659,15 @@
           <a:prstGeom prst="rect">
             <a:avLst/>
           </a:prstGeom>
-          <a:noFill/>
+          <a:solidFill>
+            <a:schemeClr val="tx1">
+              <a:lumMod val="20000"/>
+              <a:lumOff val="80000"/>
+            </a:schemeClr>
+          </a:solidFill>
           <a:ln>
             <a:noFill/>
           </a:ln>
-          <a:extLst>
-            <a:ext uri="{909E8E84-426E-40DD-AFC4-6F175D3DCCD1}">
-              <a14:hiddenFill xmlns:a14="http://schemas.microsoft.com/office/drawing/2010/main">
-                <a:solidFill>
-                  <a:srgbClr val="FFFFFF"/>
-                </a:solidFill>
-              </a14:hiddenFill>
-            </a:ext>
-            <a:ext uri="{91240B29-F687-4F45-9708-019B960494DF}">
-              <a14:hiddenLine xmlns:a14="http://schemas.microsoft.com/office/drawing/2010/main" w="9525">
-                <a:solidFill>
-                  <a:srgbClr val="000000"/>
-                </a:solidFill>
-                <a:miter lim="800000"/>
-                <a:headEnd/>
-                <a:tailEnd/>
-              </a14:hiddenLine>
-            </a:ext>
-          </a:extLst>
         </p:spPr>
         <p:txBody>
           <a:bodyPr>
@@ -9839,7 +9786,7 @@
           </a:lstStyle>
           <a:p>
             <a:r>
-              <a:rPr lang="en-US" altLang="zh-CN">
+              <a:rPr lang="en-US" altLang="zh-CN" dirty="0">
                 <a:solidFill>
                   <a:srgbClr val="0070C0"/>
                 </a:solidFill>
@@ -9847,7 +9794,7 @@
               <a:t>1 </a:t>
             </a:r>
             <a:r>
-              <a:rPr lang="zh-CN" altLang="en-US">
+              <a:rPr lang="zh-CN" altLang="en-US" dirty="0">
                 <a:solidFill>
                   <a:srgbClr val="0070C0"/>
                 </a:solidFill>
@@ -9857,58 +9804,82 @@
           </a:p>
           <a:p>
             <a:r>
-              <a:rPr lang="zh-CN" altLang="en-US" sz="1400"/>
+              <a:rPr lang="zh-CN" altLang="en-US" sz="1400" dirty="0"/>
               <a:t>包括Looper对象的创建&amp;实例化、MessageQueue队列的创建和Handler的实例化</a:t>
             </a:r>
           </a:p>
           <a:p>
             <a:r>
-              <a:rPr lang="en-US" altLang="zh-CN">
+              <a:rPr lang="en-US" altLang="zh-CN" dirty="0">
                 <a:solidFill>
                   <a:srgbClr val="0070C0"/>
                 </a:solidFill>
               </a:rPr>
-              <a:t>2 消息发送</a:t>
-            </a:r>
-            <a:endParaRPr lang="zh-CN" altLang="en-US" sz="1400"/>
-          </a:p>
-          <a:p>
-            <a:r>
-              <a:rPr lang="zh-CN" altLang="en-US" sz="1400"/>
+              <a:t>2 </a:t>
+            </a:r>
+            <a:r>
+              <a:rPr lang="en-US" altLang="zh-CN" dirty="0" err="1">
+                <a:solidFill>
+                  <a:srgbClr val="0070C0"/>
+                </a:solidFill>
+              </a:rPr>
+              <a:t>消息发送</a:t>
+            </a:r>
+            <a:endParaRPr lang="zh-CN" altLang="en-US" sz="1400" dirty="0"/>
+          </a:p>
+          <a:p>
+            <a:r>
+              <a:rPr lang="zh-CN" altLang="en-US" sz="1400" dirty="0"/>
               <a:t>Handler将消息发送到消息队列中</a:t>
             </a:r>
           </a:p>
           <a:p>
             <a:r>
-              <a:rPr lang="en-US" altLang="zh-CN">
+              <a:rPr lang="en-US" altLang="zh-CN" dirty="0">
                 <a:solidFill>
                   <a:srgbClr val="0070C0"/>
                 </a:solidFill>
               </a:rPr>
-              <a:t>3 消息循环</a:t>
-            </a:r>
-            <a:endParaRPr lang="zh-CN" altLang="en-US" sz="1400"/>
-          </a:p>
-          <a:p>
-            <a:r>
-              <a:rPr lang="zh-CN" altLang="en-US" sz="1400"/>
+              <a:t>3 </a:t>
+            </a:r>
+            <a:r>
+              <a:rPr lang="en-US" altLang="zh-CN" dirty="0" err="1">
+                <a:solidFill>
+                  <a:srgbClr val="0070C0"/>
+                </a:solidFill>
+              </a:rPr>
+              <a:t>消息循环</a:t>
+            </a:r>
+            <a:endParaRPr lang="zh-CN" altLang="en-US" sz="1400" dirty="0"/>
+          </a:p>
+          <a:p>
+            <a:r>
+              <a:rPr lang="zh-CN" altLang="en-US" sz="1400" dirty="0"/>
               <a:t>Looper执行Looper.loop()进入消息循环，循环过程中不断从Message Queue取消息，并将取出的消息发给创建该消息的Handler</a:t>
             </a:r>
           </a:p>
           <a:p>
             <a:r>
-              <a:rPr lang="en-US" altLang="zh-CN">
+              <a:rPr lang="en-US" altLang="zh-CN" dirty="0">
                 <a:solidFill>
                   <a:srgbClr val="0070C0"/>
                 </a:solidFill>
               </a:rPr>
-              <a:t>4 消息处理</a:t>
-            </a:r>
-            <a:endParaRPr lang="zh-CN" altLang="en-US" sz="1400"/>
-          </a:p>
-          <a:p>
-            <a:r>
-              <a:rPr lang="zh-CN" altLang="en-US" sz="1400"/>
+              <a:t>4 </a:t>
+            </a:r>
+            <a:r>
+              <a:rPr lang="en-US" altLang="zh-CN" dirty="0" err="1">
+                <a:solidFill>
+                  <a:srgbClr val="0070C0"/>
+                </a:solidFill>
+              </a:rPr>
+              <a:t>消息处理</a:t>
+            </a:r>
+            <a:endParaRPr lang="zh-CN" altLang="en-US" sz="1400" dirty="0"/>
+          </a:p>
+          <a:p>
+            <a:r>
+              <a:rPr lang="zh-CN" altLang="en-US" sz="1400" dirty="0"/>
               <a:t>调用该Handler的dispatchMessage(msg)方法，即回调handleMessage(msg)处理消息</a:t>
             </a:r>
           </a:p>
@@ -10390,37 +10361,23 @@
         <p:spPr bwMode="auto">
           <a:xfrm>
             <a:off x="107950" y="673100"/>
-            <a:ext cx="6640513" cy="1198563"/>
+            <a:ext cx="6408185" cy="1198563"/>
           </a:xfrm>
           <a:prstGeom prst="rect">
             <a:avLst/>
           </a:prstGeom>
-          <a:noFill/>
+          <a:solidFill>
+            <a:schemeClr val="tx1">
+              <a:lumMod val="20000"/>
+              <a:lumOff val="80000"/>
+            </a:schemeClr>
+          </a:solidFill>
           <a:ln>
             <a:noFill/>
           </a:ln>
-          <a:extLst>
-            <a:ext uri="{909E8E84-426E-40DD-AFC4-6F175D3DCCD1}">
-              <a14:hiddenFill xmlns:a14="http://schemas.microsoft.com/office/drawing/2010/main">
-                <a:solidFill>
-                  <a:srgbClr val="FFFFFF"/>
-                </a:solidFill>
-              </a14:hiddenFill>
-            </a:ext>
-            <a:ext uri="{91240B29-F687-4F45-9708-019B960494DF}">
-              <a14:hiddenLine xmlns:a14="http://schemas.microsoft.com/office/drawing/2010/main" w="9525">
-                <a:solidFill>
-                  <a:srgbClr val="000000"/>
-                </a:solidFill>
-                <a:miter lim="800000"/>
-                <a:headEnd/>
-                <a:tailEnd/>
-              </a14:hiddenLine>
-            </a:ext>
-          </a:extLst>
         </p:spPr>
         <p:txBody>
-          <a:bodyPr>
+          <a:bodyPr wrap="square">
             <a:spAutoFit/>
           </a:bodyPr>
           <a:lstStyle>
@@ -10536,97 +10493,102 @@
           </a:lstStyle>
           <a:p>
             <a:r>
-              <a:rPr lang="en-US" altLang="zh-CN" b="1">
+              <a:rPr lang="en-US" altLang="zh-CN" b="1" dirty="0" err="1">
                 <a:solidFill>
                   <a:srgbClr val="0070C0"/>
                 </a:solidFill>
               </a:rPr>
               <a:t>HandlerDemo</a:t>
             </a:r>
-          </a:p>
-          <a:p>
-            <a:r>
-              <a:rPr lang="en-US" altLang="zh-CN"/>
+            <a:endParaRPr lang="en-US" altLang="zh-CN" b="1" dirty="0">
+              <a:solidFill>
+                <a:srgbClr val="0070C0"/>
+              </a:solidFill>
+            </a:endParaRPr>
+          </a:p>
+          <a:p>
+            <a:r>
+              <a:rPr lang="en-US" altLang="zh-CN" dirty="0"/>
               <a:t>1 </a:t>
             </a:r>
             <a:r>
-              <a:rPr lang="zh-CN" altLang="en-US"/>
+              <a:rPr lang="zh-CN" altLang="en-US" dirty="0"/>
               <a:t>在主线程定义</a:t>
             </a:r>
             <a:r>
-              <a:rPr lang="en-US" altLang="zh-CN"/>
+              <a:rPr lang="en-US" altLang="zh-CN" dirty="0"/>
               <a:t>Handler</a:t>
             </a:r>
             <a:r>
-              <a:rPr lang="zh-CN" altLang="en-US"/>
+              <a:rPr lang="zh-CN" altLang="en-US" dirty="0"/>
               <a:t>，并在主线程给</a:t>
             </a:r>
             <a:r>
-              <a:rPr lang="en-US" altLang="zh-CN"/>
+              <a:rPr lang="en-US" altLang="zh-CN" dirty="0"/>
               <a:t>Handler</a:t>
             </a:r>
             <a:r>
-              <a:rPr lang="zh-CN" altLang="en-US"/>
+              <a:rPr lang="zh-CN" altLang="en-US" dirty="0"/>
               <a:t>发消息更新</a:t>
             </a:r>
             <a:r>
-              <a:rPr lang="en-US" altLang="zh-CN"/>
+              <a:rPr lang="en-US" altLang="zh-CN" dirty="0"/>
               <a:t>UI</a:t>
             </a:r>
             <a:r>
-              <a:rPr lang="zh-CN" altLang="en-US"/>
+              <a:rPr lang="zh-CN" altLang="en-US" dirty="0"/>
               <a:t>。</a:t>
             </a:r>
           </a:p>
           <a:p>
             <a:r>
-              <a:rPr lang="en-US" altLang="zh-CN"/>
+              <a:rPr lang="en-US" altLang="zh-CN" dirty="0"/>
               <a:t>2 </a:t>
             </a:r>
             <a:r>
-              <a:rPr lang="zh-CN" altLang="en-US"/>
+              <a:rPr lang="zh-CN" altLang="en-US" dirty="0"/>
               <a:t>在子线程定义</a:t>
             </a:r>
             <a:r>
-              <a:rPr lang="en-US" altLang="zh-CN"/>
+              <a:rPr lang="en-US" altLang="zh-CN" dirty="0" err="1"/>
               <a:t>MyHandler</a:t>
             </a:r>
             <a:r>
-              <a:rPr lang="zh-CN" altLang="en-US"/>
+              <a:rPr lang="zh-CN" altLang="en-US" dirty="0"/>
               <a:t>，在子线程调用</a:t>
             </a:r>
             <a:r>
-              <a:rPr lang="en-US" altLang="zh-CN"/>
+              <a:rPr lang="en-US" altLang="zh-CN" dirty="0" err="1"/>
               <a:t>MyHandler</a:t>
             </a:r>
             <a:r>
-              <a:rPr lang="zh-CN" altLang="en-US"/>
+              <a:rPr lang="zh-CN" altLang="en-US" dirty="0"/>
               <a:t>，</a:t>
             </a:r>
           </a:p>
           <a:p>
             <a:r>
-              <a:rPr lang="en-US" altLang="zh-CN"/>
+              <a:rPr lang="en-US" altLang="zh-CN" dirty="0" err="1"/>
               <a:t>MyHandler</a:t>
             </a:r>
             <a:r>
-              <a:rPr lang="zh-CN" altLang="en-US"/>
+              <a:rPr lang="zh-CN" altLang="en-US" dirty="0"/>
               <a:t>内部再调用</a:t>
             </a:r>
             <a:r>
-              <a:rPr lang="en-US" altLang="zh-CN"/>
+              <a:rPr lang="en-US" altLang="zh-CN" dirty="0"/>
               <a:t>Handler</a:t>
             </a:r>
             <a:r>
-              <a:rPr lang="zh-CN" altLang="en-US"/>
+              <a:rPr lang="zh-CN" altLang="en-US" dirty="0"/>
               <a:t>完成更新</a:t>
             </a:r>
             <a:r>
-              <a:rPr lang="en-US" altLang="zh-CN"/>
+              <a:rPr lang="en-US" altLang="zh-CN" dirty="0"/>
               <a:t>UI</a:t>
             </a:r>
             <a:r>
-              <a:rPr lang="zh-CN" altLang="en-US"/>
+              <a:rPr lang="zh-CN" altLang="en-US" dirty="0"/>
               <a:t>。</a:t>
             </a:r>
           </a:p>
@@ -11031,37 +10993,23 @@
         <p:spPr bwMode="auto">
           <a:xfrm>
             <a:off x="619125" y="1181100"/>
-            <a:ext cx="3854450" cy="1198563"/>
+            <a:ext cx="5176960" cy="1200329"/>
           </a:xfrm>
           <a:prstGeom prst="rect">
             <a:avLst/>
           </a:prstGeom>
-          <a:noFill/>
+          <a:solidFill>
+            <a:schemeClr val="tx1">
+              <a:lumMod val="20000"/>
+              <a:lumOff val="80000"/>
+            </a:schemeClr>
+          </a:solidFill>
           <a:ln>
             <a:noFill/>
           </a:ln>
-          <a:extLst>
-            <a:ext uri="{909E8E84-426E-40DD-AFC4-6F175D3DCCD1}">
-              <a14:hiddenFill xmlns:a14="http://schemas.microsoft.com/office/drawing/2010/main">
-                <a:solidFill>
-                  <a:srgbClr val="FFFFFF"/>
-                </a:solidFill>
-              </a14:hiddenFill>
-            </a:ext>
-            <a:ext uri="{91240B29-F687-4F45-9708-019B960494DF}">
-              <a14:hiddenLine xmlns:a14="http://schemas.microsoft.com/office/drawing/2010/main" w="9525">
-                <a:solidFill>
-                  <a:srgbClr val="000000"/>
-                </a:solidFill>
-                <a:miter lim="800000"/>
-                <a:headEnd/>
-                <a:tailEnd/>
-              </a14:hiddenLine>
-            </a:ext>
-          </a:extLst>
         </p:spPr>
         <p:txBody>
-          <a:bodyPr wrap="none">
+          <a:bodyPr wrap="square">
             <a:spAutoFit/>
           </a:bodyPr>
           <a:lstStyle>
@@ -11181,11 +11129,11 @@
               <a:buChar char=""/>
             </a:pPr>
             <a:r>
-              <a:rPr lang="en-US" altLang="zh-CN" sz="2400"/>
+              <a:rPr lang="en-US" altLang="zh-CN" sz="2400" dirty="0"/>
               <a:t> </a:t>
             </a:r>
             <a:r>
-              <a:rPr lang="zh-CN" altLang="zh-CN" sz="2400">
+              <a:rPr lang="zh-CN" altLang="zh-CN" sz="2400" dirty="0">
                 <a:solidFill>
                   <a:srgbClr val="0070C0"/>
                 </a:solidFill>
@@ -11193,11 +11141,11 @@
               <a:t>主线程</a:t>
             </a:r>
             <a:r>
-              <a:rPr lang="zh-CN" altLang="zh-CN" sz="2400"/>
+              <a:rPr lang="zh-CN" altLang="zh-CN" sz="2400" dirty="0"/>
               <a:t> 给 </a:t>
             </a:r>
             <a:r>
-              <a:rPr lang="zh-CN" altLang="zh-CN" sz="2400">
+              <a:rPr lang="zh-CN" altLang="zh-CN" sz="2400" dirty="0">
                 <a:solidFill>
                   <a:srgbClr val="00B050"/>
                 </a:solidFill>
@@ -11205,7 +11153,7 @@
               <a:t>子线程</a:t>
             </a:r>
             <a:r>
-              <a:rPr lang="zh-CN" altLang="zh-CN" sz="2400"/>
+              <a:rPr lang="zh-CN" altLang="zh-CN" sz="2400" dirty="0"/>
               <a:t> 发消息</a:t>
             </a:r>
           </a:p>
@@ -11215,11 +11163,11 @@
               <a:buChar char=""/>
             </a:pPr>
             <a:r>
-              <a:rPr lang="zh-CN" altLang="zh-CN" sz="2400"/>
+              <a:rPr lang="zh-CN" altLang="zh-CN" sz="2400" dirty="0"/>
               <a:t> </a:t>
             </a:r>
             <a:r>
-              <a:rPr lang="zh-CN" altLang="zh-CN" sz="2400">
+              <a:rPr lang="zh-CN" altLang="zh-CN" sz="2400" dirty="0">
                 <a:solidFill>
                   <a:srgbClr val="00B050"/>
                 </a:solidFill>
@@ -11227,11 +11175,11 @@
               <a:t>子线程</a:t>
             </a:r>
             <a:r>
-              <a:rPr lang="zh-CN" altLang="zh-CN" sz="2400"/>
+              <a:rPr lang="zh-CN" altLang="zh-CN" sz="2400" dirty="0"/>
               <a:t> 给 </a:t>
             </a:r>
             <a:r>
-              <a:rPr lang="zh-CN" altLang="zh-CN" sz="2400">
+              <a:rPr lang="zh-CN" altLang="zh-CN" sz="2400" dirty="0">
                 <a:solidFill>
                   <a:srgbClr val="00B050"/>
                 </a:solidFill>
@@ -11239,7 +11187,7 @@
               <a:t>子线程</a:t>
             </a:r>
             <a:r>
-              <a:rPr lang="zh-CN" altLang="zh-CN" sz="2400"/>
+              <a:rPr lang="zh-CN" altLang="zh-CN" sz="2400" dirty="0"/>
               <a:t> 发消息</a:t>
             </a:r>
           </a:p>
@@ -11249,11 +11197,11 @@
               <a:buChar char=""/>
             </a:pPr>
             <a:r>
-              <a:rPr lang="zh-CN" altLang="zh-CN" sz="2400"/>
+              <a:rPr lang="zh-CN" altLang="zh-CN" sz="2400" dirty="0"/>
               <a:t> </a:t>
             </a:r>
             <a:r>
-              <a:rPr lang="zh-CN" altLang="zh-CN" sz="2400">
+              <a:rPr lang="zh-CN" altLang="zh-CN" sz="2400" dirty="0">
                 <a:solidFill>
                   <a:srgbClr val="00B050"/>
                 </a:solidFill>
@@ -11261,11 +11209,11 @@
               <a:t>子线程</a:t>
             </a:r>
             <a:r>
-              <a:rPr lang="zh-CN" altLang="zh-CN" sz="2400"/>
+              <a:rPr lang="zh-CN" altLang="zh-CN" sz="2400" dirty="0"/>
               <a:t> 给 </a:t>
             </a:r>
             <a:r>
-              <a:rPr lang="zh-CN" altLang="zh-CN" sz="2400">
+              <a:rPr lang="zh-CN" altLang="zh-CN" sz="2400" dirty="0">
                 <a:solidFill>
                   <a:srgbClr val="0070C0"/>
                 </a:solidFill>
@@ -11273,7 +11221,7 @@
               <a:t>主线程</a:t>
             </a:r>
             <a:r>
-              <a:rPr lang="zh-CN" altLang="zh-CN" sz="2400"/>
+              <a:rPr lang="zh-CN" altLang="zh-CN" sz="2400" dirty="0"/>
               <a:t> 发消息</a:t>
             </a:r>
           </a:p>
@@ -11369,7 +11317,12 @@
           <a:prstGeom prst="rect">
             <a:avLst/>
           </a:prstGeom>
-          <a:noFill/>
+          <a:solidFill>
+            <a:schemeClr val="tx1">
+              <a:lumMod val="20000"/>
+              <a:lumOff val="80000"/>
+            </a:schemeClr>
+          </a:solidFill>
           <a:ln w="9525">
             <a:noFill/>
           </a:ln>
@@ -12326,29 +12279,15 @@
           <a:prstGeom prst="rect">
             <a:avLst/>
           </a:prstGeom>
-          <a:noFill/>
+          <a:solidFill>
+            <a:schemeClr val="tx1">
+              <a:lumMod val="20000"/>
+              <a:lumOff val="80000"/>
+            </a:schemeClr>
+          </a:solidFill>
           <a:ln>
             <a:noFill/>
           </a:ln>
-          <a:extLst>
-            <a:ext uri="{909E8E84-426E-40DD-AFC4-6F175D3DCCD1}">
-              <a14:hiddenFill xmlns:a14="http://schemas.microsoft.com/office/drawing/2010/main">
-                <a:solidFill>
-                  <a:srgbClr val="FFFFFF"/>
-                </a:solidFill>
-              </a14:hiddenFill>
-            </a:ext>
-            <a:ext uri="{91240B29-F687-4F45-9708-019B960494DF}">
-              <a14:hiddenLine xmlns:a14="http://schemas.microsoft.com/office/drawing/2010/main" w="9525">
-                <a:solidFill>
-                  <a:srgbClr val="000000"/>
-                </a:solidFill>
-                <a:miter lim="800000"/>
-                <a:headEnd/>
-                <a:tailEnd/>
-              </a14:hiddenLine>
-            </a:ext>
-          </a:extLst>
         </p:spPr>
         <p:txBody>
           <a:bodyPr>
@@ -12472,19 +12411,19 @@
               </a:lnSpc>
             </a:pPr>
             <a:r>
-              <a:rPr lang="zh-CN" altLang="en-US" sz="1400" b="1"/>
+              <a:rPr lang="zh-CN" altLang="en-US" sz="1400" b="1" dirty="0"/>
               <a:t>public </a:t>
             </a:r>
             <a:r>
-              <a:rPr lang="zh-CN" altLang="en-US" sz="1400" b="1" u="sng"/>
+              <a:rPr lang="zh-CN" altLang="en-US" sz="1400" b="1" u="sng" dirty="0"/>
               <a:t>abstract </a:t>
             </a:r>
             <a:r>
-              <a:rPr lang="zh-CN" altLang="en-US" sz="1400" b="1"/>
+              <a:rPr lang="zh-CN" altLang="en-US" sz="1400" b="1" dirty="0"/>
               <a:t>class AsyncTask&lt;</a:t>
             </a:r>
             <a:r>
-              <a:rPr lang="zh-CN" altLang="en-US" sz="1400" b="1">
+              <a:rPr lang="zh-CN" altLang="en-US" sz="1400" b="1" dirty="0">
                 <a:solidFill>
                   <a:srgbClr val="FF0000"/>
                 </a:solidFill>
@@ -12492,11 +12431,11 @@
               <a:t>Params</a:t>
             </a:r>
             <a:r>
-              <a:rPr lang="zh-CN" altLang="en-US" sz="1400" b="1"/>
+              <a:rPr lang="zh-CN" altLang="en-US" sz="1400" b="1" dirty="0"/>
               <a:t>, </a:t>
             </a:r>
             <a:r>
-              <a:rPr lang="zh-CN" altLang="en-US" sz="1400" b="1">
+              <a:rPr lang="zh-CN" altLang="en-US" sz="1400" b="1" dirty="0">
                 <a:solidFill>
                   <a:srgbClr val="0070C0"/>
                 </a:solidFill>
@@ -12504,11 +12443,11 @@
               <a:t>Progress</a:t>
             </a:r>
             <a:r>
-              <a:rPr lang="zh-CN" altLang="en-US" sz="1400" b="1"/>
+              <a:rPr lang="zh-CN" altLang="en-US" sz="1400" b="1" dirty="0"/>
               <a:t>, </a:t>
             </a:r>
             <a:r>
-              <a:rPr lang="zh-CN" altLang="en-US" sz="1400" b="1">
+              <a:rPr lang="zh-CN" altLang="en-US" sz="1400" b="1" dirty="0">
                 <a:solidFill>
                   <a:srgbClr val="00B050"/>
                 </a:solidFill>
@@ -12516,7 +12455,7 @@
               <a:t>Result</a:t>
             </a:r>
             <a:r>
-              <a:rPr lang="zh-CN" altLang="en-US" sz="1400" b="1"/>
+              <a:rPr lang="zh-CN" altLang="en-US" sz="1400" b="1" dirty="0"/>
               <a:t>&gt; </a:t>
             </a:r>
           </a:p>
@@ -12526,7 +12465,7 @@
                 <a:spcPct val="150000"/>
               </a:lnSpc>
             </a:pPr>
-            <a:endParaRPr lang="zh-CN" altLang="en-US" sz="1400" b="1"/>
+            <a:endParaRPr lang="zh-CN" altLang="en-US" sz="1400" b="1" dirty="0"/>
           </a:p>
           <a:p>
             <a:pPr>
@@ -12535,15 +12474,15 @@
               </a:lnSpc>
             </a:pPr>
             <a:r>
-              <a:rPr lang="zh-CN" altLang="en-US" sz="2800" b="1"/>
+              <a:rPr lang="zh-CN" altLang="en-US" sz="2800" b="1" dirty="0"/>
               <a:t>AsyncTask为抽象类，有三个</a:t>
             </a:r>
             <a:r>
-              <a:rPr lang="zh-CN" altLang="en-US" sz="2800" b="1" i="1" u="sng"/>
+              <a:rPr lang="zh-CN" altLang="en-US" sz="2800" b="1" i="1" u="sng" dirty="0"/>
               <a:t>泛型</a:t>
             </a:r>
             <a:r>
-              <a:rPr lang="zh-CN" altLang="en-US" sz="2800" b="1"/>
+              <a:rPr lang="zh-CN" altLang="en-US" sz="2800" b="1" dirty="0"/>
               <a:t>：</a:t>
             </a:r>
           </a:p>
@@ -12553,7 +12492,7 @@
                 <a:spcPct val="150000"/>
               </a:lnSpc>
             </a:pPr>
-            <a:endParaRPr lang="zh-CN" altLang="en-US" sz="2800" b="1"/>
+            <a:endParaRPr lang="zh-CN" altLang="en-US" sz="2800" b="1" dirty="0"/>
           </a:p>
           <a:p>
             <a:pPr>
@@ -12562,7 +12501,7 @@
               </a:lnSpc>
             </a:pPr>
             <a:r>
-              <a:rPr lang="zh-CN" altLang="en-US" sz="1400" b="1">
+              <a:rPr lang="zh-CN" altLang="en-US" sz="1400" b="1" dirty="0">
                 <a:solidFill>
                   <a:srgbClr val="FF0000"/>
                 </a:solidFill>
@@ -12570,7 +12509,7 @@
               <a:t>params：</a:t>
             </a:r>
             <a:r>
-              <a:rPr lang="en-US" altLang="zh-CN" sz="1400" b="1">
+              <a:rPr lang="en-US" altLang="zh-CN" sz="1400" b="1" dirty="0">
                 <a:solidFill>
                   <a:srgbClr val="FF0000"/>
                 </a:solidFill>
@@ -12578,7 +12517,7 @@
               <a:t>	</a:t>
             </a:r>
             <a:r>
-              <a:rPr lang="zh-CN" altLang="en-US" sz="1400" b="1">
+              <a:rPr lang="zh-CN" altLang="en-US" sz="1400" b="1" dirty="0">
                 <a:solidFill>
                   <a:srgbClr val="FF0000"/>
                 </a:solidFill>
@@ -12586,19 +12525,19 @@
               <a:t>参数</a:t>
             </a:r>
             <a:r>
-              <a:rPr lang="zh-CN" altLang="en-US" sz="1400" b="1"/>
+              <a:rPr lang="zh-CN" altLang="en-US" sz="1400" b="1" dirty="0"/>
               <a:t>，</a:t>
             </a:r>
             <a:r>
-              <a:rPr lang="en-US" altLang="zh-CN" sz="1400" b="1"/>
+              <a:rPr lang="en-US" altLang="zh-CN" sz="1400" b="1" dirty="0"/>
               <a:t>	</a:t>
             </a:r>
             <a:r>
-              <a:rPr lang="zh-CN" altLang="en-US" sz="1400" b="1"/>
+              <a:rPr lang="zh-CN" altLang="en-US" sz="1400" b="1" dirty="0"/>
               <a:t>doInBackground(</a:t>
             </a:r>
             <a:r>
-              <a:rPr lang="zh-CN" altLang="en-US" sz="1400" b="1">
+              <a:rPr lang="zh-CN" altLang="en-US" sz="1400" b="1" dirty="0">
                 <a:solidFill>
                   <a:srgbClr val="FF0000"/>
                 </a:solidFill>
@@ -12606,7 +12545,7 @@
               <a:t>Params</a:t>
             </a:r>
             <a:r>
-              <a:rPr lang="zh-CN" altLang="en-US" sz="1400" b="1"/>
+              <a:rPr lang="zh-CN" altLang="en-US" sz="1400" b="1" dirty="0"/>
               <a:t>... params) ，由execute() 传入</a:t>
             </a:r>
           </a:p>
@@ -12616,7 +12555,7 @@
                 <a:spcPct val="150000"/>
               </a:lnSpc>
             </a:pPr>
-            <a:endParaRPr lang="zh-CN" altLang="en-US" sz="1400" b="1"/>
+            <a:endParaRPr lang="zh-CN" altLang="en-US" sz="1400" b="1" dirty="0"/>
           </a:p>
           <a:p>
             <a:pPr>
@@ -12625,7 +12564,7 @@
               </a:lnSpc>
             </a:pPr>
             <a:r>
-              <a:rPr lang="zh-CN" altLang="en-US" sz="1400" b="1">
+              <a:rPr lang="zh-CN" altLang="en-US" sz="1400" b="1" dirty="0">
                 <a:solidFill>
                   <a:srgbClr val="0070C0"/>
                 </a:solidFill>
@@ -12633,19 +12572,19 @@
               <a:t>Progress：进度</a:t>
             </a:r>
             <a:r>
-              <a:rPr lang="zh-CN" altLang="en-US" sz="1400" b="1"/>
+              <a:rPr lang="zh-CN" altLang="en-US" sz="1400" b="1" dirty="0"/>
               <a:t>，</a:t>
             </a:r>
             <a:r>
-              <a:rPr lang="en-US" altLang="zh-CN" sz="1400" b="1"/>
+              <a:rPr lang="en-US" altLang="zh-CN" sz="1400" b="1" dirty="0"/>
               <a:t>	</a:t>
             </a:r>
             <a:r>
-              <a:rPr lang="zh-CN" altLang="en-US" sz="1400" b="1"/>
+              <a:rPr lang="zh-CN" altLang="en-US" sz="1400" b="1" dirty="0"/>
               <a:t>onProgressUpdate(</a:t>
             </a:r>
             <a:r>
-              <a:rPr lang="zh-CN" altLang="en-US" sz="1400" b="1">
+              <a:rPr lang="zh-CN" altLang="en-US" sz="1400" b="1" dirty="0">
                 <a:solidFill>
                   <a:srgbClr val="0070C0"/>
                 </a:solidFill>
@@ -12653,7 +12592,7 @@
               <a:t>Progress</a:t>
             </a:r>
             <a:r>
-              <a:rPr lang="zh-CN" altLang="en-US" sz="1400" b="1"/>
+              <a:rPr lang="zh-CN" altLang="en-US" sz="1400" b="1" dirty="0"/>
               <a:t>… values) </a:t>
             </a:r>
           </a:p>
@@ -12663,7 +12602,7 @@
                 <a:spcPct val="150000"/>
               </a:lnSpc>
             </a:pPr>
-            <a:endParaRPr lang="zh-CN" altLang="en-US" sz="1400" b="1"/>
+            <a:endParaRPr lang="zh-CN" altLang="en-US" sz="1400" b="1" dirty="0"/>
           </a:p>
           <a:p>
             <a:pPr>
@@ -12672,7 +12611,7 @@
               </a:lnSpc>
             </a:pPr>
             <a:r>
-              <a:rPr lang="zh-CN" altLang="en-US" sz="1400" b="1">
+              <a:rPr lang="zh-CN" altLang="en-US" sz="1400" b="1" dirty="0">
                 <a:solidFill>
                   <a:srgbClr val="00B050"/>
                 </a:solidFill>
@@ -12680,7 +12619,7 @@
               <a:t>Result：</a:t>
             </a:r>
             <a:r>
-              <a:rPr lang="en-US" altLang="zh-CN" sz="1400" b="1">
+              <a:rPr lang="en-US" altLang="zh-CN" sz="1400" b="1" dirty="0">
                 <a:solidFill>
                   <a:srgbClr val="00B050"/>
                 </a:solidFill>
@@ -12688,7 +12627,7 @@
               <a:t>	</a:t>
             </a:r>
             <a:r>
-              <a:rPr lang="zh-CN" altLang="en-US" sz="1400" b="1">
+              <a:rPr lang="zh-CN" altLang="en-US" sz="1400" b="1" dirty="0">
                 <a:solidFill>
                   <a:srgbClr val="00B050"/>
                 </a:solidFill>
@@ -12696,19 +12635,19 @@
               <a:t>返回值</a:t>
             </a:r>
             <a:r>
-              <a:rPr lang="zh-CN" altLang="en-US" sz="1400" b="1"/>
+              <a:rPr lang="zh-CN" altLang="en-US" sz="1400" b="1" dirty="0"/>
               <a:t>，</a:t>
             </a:r>
             <a:r>
-              <a:rPr lang="en-US" altLang="zh-CN" sz="1400" b="1"/>
+              <a:rPr lang="en-US" altLang="zh-CN" sz="1400" b="1" dirty="0"/>
               <a:t>	</a:t>
             </a:r>
             <a:r>
-              <a:rPr lang="zh-CN" altLang="en-US" sz="1400" b="1"/>
+              <a:rPr lang="zh-CN" altLang="en-US" sz="1400" b="1" dirty="0"/>
               <a:t>onPostExecute(</a:t>
             </a:r>
             <a:r>
-              <a:rPr lang="en-US" altLang="zh-CN" sz="1400" b="1">
+              <a:rPr lang="en-US" altLang="zh-CN" sz="1400" b="1" dirty="0">
                 <a:solidFill>
                   <a:srgbClr val="00B050"/>
                 </a:solidFill>
@@ -12716,7 +12655,7 @@
               <a:t>Result </a:t>
             </a:r>
             <a:r>
-              <a:rPr lang="en-US" altLang="zh-CN" sz="1400" b="1">
+              <a:rPr lang="en-US" altLang="zh-CN" sz="1400" b="1" dirty="0" err="1">
                 <a:solidFill>
                   <a:srgbClr val="252526"/>
                 </a:solidFill>
@@ -12724,7 +12663,7 @@
               <a:t>result</a:t>
             </a:r>
             <a:r>
-              <a:rPr lang="zh-CN" altLang="en-US" sz="1400" b="1"/>
+              <a:rPr lang="zh-CN" altLang="en-US" sz="1400" b="1" dirty="0"/>
               <a:t>) ，耗时操作执行完毕调用。</a:t>
             </a:r>
           </a:p>
@@ -12734,7 +12673,7 @@
                 <a:spcPct val="150000"/>
               </a:lnSpc>
             </a:pPr>
-            <a:endParaRPr lang="en-US" altLang="zh-CN" sz="1400"/>
+            <a:endParaRPr lang="en-US" altLang="zh-CN" sz="1400" dirty="0"/>
           </a:p>
           <a:p>
             <a:pPr>
@@ -12742,7 +12681,7 @@
                 <a:spcPct val="150000"/>
               </a:lnSpc>
             </a:pPr>
-            <a:endParaRPr lang="zh-CN" altLang="en-US" sz="1400"/>
+            <a:endParaRPr lang="zh-CN" altLang="en-US" sz="1400" dirty="0"/>
           </a:p>
         </p:txBody>
       </p:sp>
@@ -13474,38 +13413,24 @@
         </p:nvSpPr>
         <p:spPr bwMode="auto">
           <a:xfrm>
-            <a:off x="196850" y="2282825"/>
-            <a:ext cx="8713788" cy="2814638"/>
+            <a:off x="153812" y="2146299"/>
+            <a:ext cx="3367080" cy="2814638"/>
           </a:xfrm>
           <a:prstGeom prst="rect">
             <a:avLst/>
           </a:prstGeom>
-          <a:noFill/>
+          <a:solidFill>
+            <a:schemeClr val="tx1">
+              <a:lumMod val="20000"/>
+              <a:lumOff val="80000"/>
+            </a:schemeClr>
+          </a:solidFill>
           <a:ln>
             <a:noFill/>
           </a:ln>
-          <a:extLst>
-            <a:ext uri="{909E8E84-426E-40DD-AFC4-6F175D3DCCD1}">
-              <a14:hiddenFill xmlns:a14="http://schemas.microsoft.com/office/drawing/2010/main">
-                <a:solidFill>
-                  <a:srgbClr val="FFFFFF"/>
-                </a:solidFill>
-              </a14:hiddenFill>
-            </a:ext>
-            <a:ext uri="{91240B29-F687-4F45-9708-019B960494DF}">
-              <a14:hiddenLine xmlns:a14="http://schemas.microsoft.com/office/drawing/2010/main" w="9525">
-                <a:solidFill>
-                  <a:srgbClr val="000000"/>
-                </a:solidFill>
-                <a:miter lim="800000"/>
-                <a:headEnd/>
-                <a:tailEnd/>
-              </a14:hiddenLine>
-            </a:ext>
-          </a:extLst>
         </p:spPr>
         <p:txBody>
-          <a:bodyPr>
+          <a:bodyPr wrap="square">
             <a:spAutoFit/>
           </a:bodyPr>
           <a:lstStyle>
@@ -13626,13 +13551,13 @@
               </a:lnSpc>
             </a:pPr>
             <a:r>
-              <a:rPr lang="en-US" altLang="zh-CN" sz="1400">
+              <a:rPr lang="en-US" altLang="zh-CN" sz="1400" dirty="0">
                 <a:latin typeface="黑体" panose="02010609060101010101" pitchFamily="49" charset="-122"/>
               </a:rPr>
               <a:t>    Android</a:t>
             </a:r>
             <a:r>
-              <a:rPr lang="zh-CN" altLang="en-US" sz="1400">
+              <a:rPr lang="zh-CN" altLang="en-US" sz="1400" dirty="0">
                 <a:latin typeface="黑体" panose="02010609060101010101" pitchFamily="49" charset="-122"/>
               </a:rPr>
               <a:t>系统按由高到低层次排列</a:t>
@@ -13645,7 +13570,7 @@
               </a:lnSpc>
             </a:pPr>
             <a:r>
-              <a:rPr lang="zh-CN" altLang="en-US">
+              <a:rPr lang="zh-CN" altLang="en-US" dirty="0">
                 <a:solidFill>
                   <a:srgbClr val="00B050"/>
                 </a:solidFill>
@@ -13661,7 +13586,7 @@
               </a:lnSpc>
             </a:pPr>
             <a:r>
-              <a:rPr lang="zh-CN" altLang="en-US">
+              <a:rPr lang="zh-CN" altLang="en-US" dirty="0">
                 <a:solidFill>
                   <a:srgbClr val="00B050"/>
                 </a:solidFill>
@@ -13677,7 +13602,7 @@
               </a:lnSpc>
             </a:pPr>
             <a:r>
-              <a:rPr lang="zh-CN" altLang="en-US">
+              <a:rPr lang="zh-CN" altLang="en-US" dirty="0">
                 <a:solidFill>
                   <a:srgbClr val="00B050"/>
                 </a:solidFill>
@@ -13693,7 +13618,7 @@
               </a:lnSpc>
             </a:pPr>
             <a:r>
-              <a:rPr lang="zh-CN" altLang="en-US">
+              <a:rPr lang="zh-CN" altLang="en-US" dirty="0">
                 <a:solidFill>
                   <a:srgbClr val="00B050"/>
                 </a:solidFill>
@@ -13709,7 +13634,7 @@
               </a:lnSpc>
             </a:pPr>
             <a:r>
-              <a:rPr lang="zh-CN" altLang="en-US">
+              <a:rPr lang="zh-CN" altLang="en-US" dirty="0">
                 <a:solidFill>
                   <a:srgbClr val="00B050"/>
                 </a:solidFill>
@@ -13725,12 +13650,12 @@
               </a:lnSpc>
             </a:pPr>
             <a:r>
-              <a:rPr lang="zh-CN" altLang="en-US" sz="1400">
+              <a:rPr lang="zh-CN" altLang="en-US" sz="1400" dirty="0">
                 <a:latin typeface="黑体" panose="02010609060101010101" pitchFamily="49" charset="-122"/>
               </a:rPr>
               <a:t>    </a:t>
             </a:r>
-            <a:endParaRPr lang="zh-CN" altLang="en-US" sz="2000"/>
+            <a:endParaRPr lang="zh-CN" altLang="en-US" sz="2000" dirty="0"/>
           </a:p>
         </p:txBody>
       </p:sp>
@@ -13881,35 +13806,21 @@
         </p:nvSpPr>
         <p:spPr bwMode="auto">
           <a:xfrm>
-            <a:off x="430213" y="700088"/>
+            <a:off x="385763" y="985838"/>
             <a:ext cx="8389937" cy="3414712"/>
           </a:xfrm>
           <a:prstGeom prst="rect">
             <a:avLst/>
           </a:prstGeom>
-          <a:noFill/>
+          <a:solidFill>
+            <a:schemeClr val="tx1">
+              <a:lumMod val="20000"/>
+              <a:lumOff val="80000"/>
+            </a:schemeClr>
+          </a:solidFill>
           <a:ln>
             <a:noFill/>
           </a:ln>
-          <a:extLst>
-            <a:ext uri="{909E8E84-426E-40DD-AFC4-6F175D3DCCD1}">
-              <a14:hiddenFill xmlns:a14="http://schemas.microsoft.com/office/drawing/2010/main">
-                <a:solidFill>
-                  <a:srgbClr val="FFFFFF"/>
-                </a:solidFill>
-              </a14:hiddenFill>
-            </a:ext>
-            <a:ext uri="{91240B29-F687-4F45-9708-019B960494DF}">
-              <a14:hiddenLine xmlns:a14="http://schemas.microsoft.com/office/drawing/2010/main" w="9525">
-                <a:solidFill>
-                  <a:srgbClr val="000000"/>
-                </a:solidFill>
-                <a:miter lim="800000"/>
-                <a:headEnd/>
-                <a:tailEnd/>
-              </a14:hiddenLine>
-            </a:ext>
-          </a:extLst>
         </p:spPr>
         <p:txBody>
           <a:bodyPr>
@@ -14033,23 +13944,23 @@
               </a:lnSpc>
             </a:pPr>
             <a:r>
-              <a:rPr lang="zh-CN" altLang="en-US" sz="1400"/>
+              <a:rPr lang="zh-CN" altLang="en-US" sz="1400" dirty="0"/>
               <a:t>使用</a:t>
             </a:r>
             <a:r>
-              <a:rPr lang="en-US" altLang="zh-CN" sz="1400"/>
+              <a:rPr lang="en-US" altLang="zh-CN" sz="1400" dirty="0" err="1"/>
               <a:t>AsyncTask</a:t>
             </a:r>
             <a:r>
-              <a:rPr lang="zh-CN" altLang="en-US" sz="1400"/>
+              <a:rPr lang="zh-CN" altLang="en-US" sz="1400" dirty="0"/>
               <a:t>的</a:t>
             </a:r>
             <a:r>
-              <a:rPr lang="en-US" altLang="zh-CN" sz="1400"/>
+              <a:rPr lang="en-US" altLang="zh-CN" sz="1400" dirty="0"/>
               <a:t>3</a:t>
             </a:r>
             <a:r>
-              <a:rPr lang="zh-CN" altLang="en-US" sz="1400"/>
+              <a:rPr lang="zh-CN" altLang="en-US" sz="1400" dirty="0"/>
               <a:t>个步骤：</a:t>
             </a:r>
           </a:p>
@@ -14059,7 +13970,7 @@
                 <a:spcPct val="150000"/>
               </a:lnSpc>
             </a:pPr>
-            <a:endParaRPr lang="en-US" altLang="zh-CN" sz="1400"/>
+            <a:endParaRPr lang="en-US" altLang="zh-CN" sz="1400" dirty="0"/>
           </a:p>
           <a:p>
             <a:pPr>
@@ -14068,7 +13979,7 @@
               </a:lnSpc>
             </a:pPr>
             <a:r>
-              <a:rPr lang="zh-CN" altLang="en-US" sz="2000" b="1">
+              <a:rPr lang="zh-CN" altLang="en-US" sz="2000" b="1" dirty="0">
                 <a:solidFill>
                   <a:srgbClr val="0070C0"/>
                 </a:solidFill>
@@ -14076,7 +13987,7 @@
               <a:t>（1）创建一个类继承自</a:t>
             </a:r>
             <a:r>
-              <a:rPr lang="zh-CN" altLang="en-US" sz="2000" b="1">
+              <a:rPr lang="zh-CN" altLang="en-US" sz="2000" b="1" dirty="0">
                 <a:solidFill>
                   <a:srgbClr val="FF0000"/>
                 </a:solidFill>
@@ -14084,7 +13995,7 @@
               <a:t>AsyncTask</a:t>
             </a:r>
             <a:r>
-              <a:rPr lang="zh-CN" altLang="en-US" sz="2000" b="1">
+              <a:rPr lang="zh-CN" altLang="en-US" sz="2000" b="1" dirty="0">
                 <a:solidFill>
                   <a:srgbClr val="0070C0"/>
                 </a:solidFill>
@@ -14099,7 +14010,7 @@
               </a:lnSpc>
             </a:pPr>
             <a:r>
-              <a:rPr lang="zh-CN" altLang="en-US" sz="2000" b="1">
+              <a:rPr lang="zh-CN" altLang="en-US" sz="2000" b="1" dirty="0">
                 <a:solidFill>
                   <a:srgbClr val="0070C0"/>
                 </a:solidFill>
@@ -14107,7 +14018,7 @@
               <a:t>（2）复写</a:t>
             </a:r>
             <a:r>
-              <a:rPr lang="zh-CN" altLang="en-US" sz="2000" b="1">
+              <a:rPr lang="zh-CN" altLang="en-US" sz="2000" b="1" dirty="0">
                 <a:solidFill>
                   <a:srgbClr val="FF0000"/>
                 </a:solidFill>
@@ -14115,7 +14026,7 @@
               <a:t>doInBackgoround()</a:t>
             </a:r>
             <a:r>
-              <a:rPr lang="zh-CN" altLang="en-US" sz="2000" b="1">
+              <a:rPr lang="zh-CN" altLang="en-US" sz="2000" b="1" dirty="0">
                 <a:solidFill>
                   <a:srgbClr val="0070C0"/>
                 </a:solidFill>
@@ -14130,7 +14041,7 @@
               </a:lnSpc>
             </a:pPr>
             <a:r>
-              <a:rPr lang="zh-CN" altLang="en-US" sz="2000" b="1">
+              <a:rPr lang="zh-CN" altLang="en-US" sz="2000" b="1" dirty="0">
                 <a:solidFill>
                   <a:srgbClr val="0070C0"/>
                 </a:solidFill>
@@ -14138,7 +14049,7 @@
               <a:t>（3）UI Thread中创建实例并调用</a:t>
             </a:r>
             <a:r>
-              <a:rPr lang="zh-CN" altLang="en-US" sz="2000" b="1">
+              <a:rPr lang="zh-CN" altLang="en-US" sz="2000" b="1" dirty="0">
                 <a:solidFill>
                   <a:srgbClr val="FF0000"/>
                 </a:solidFill>
@@ -14146,7 +14057,7 @@
               <a:t>execute()</a:t>
             </a:r>
             <a:r>
-              <a:rPr lang="zh-CN" altLang="en-US" sz="2000" b="1">
+              <a:rPr lang="zh-CN" altLang="en-US" sz="2000" b="1" dirty="0">
                 <a:solidFill>
                   <a:srgbClr val="0070C0"/>
                 </a:solidFill>
@@ -14160,7 +14071,7 @@
                 <a:spcPct val="150000"/>
               </a:lnSpc>
             </a:pPr>
-            <a:endParaRPr lang="zh-CN" altLang="en-US" sz="1400"/>
+            <a:endParaRPr lang="zh-CN" altLang="en-US" sz="1400" dirty="0"/>
           </a:p>
           <a:p>
             <a:pPr>
@@ -14168,7 +14079,7 @@
                 <a:spcPct val="150000"/>
               </a:lnSpc>
             </a:pPr>
-            <a:endParaRPr lang="zh-CN" altLang="en-US" sz="1400"/>
+            <a:endParaRPr lang="zh-CN" altLang="en-US" sz="1400" dirty="0"/>
           </a:p>
           <a:p>
             <a:pPr>
@@ -14177,10 +14088,10 @@
               </a:lnSpc>
             </a:pPr>
             <a:r>
-              <a:rPr lang="zh-CN" altLang="en-US" sz="1400"/>
+              <a:rPr lang="zh-CN" altLang="en-US" sz="1400" dirty="0"/>
               <a:t>【注意】onPreExecute（），onPostExecute（）可以访问UI 组件，doInBackgroud()中不能访问UI组件。</a:t>
             </a:r>
-            <a:endParaRPr lang="en-US" altLang="zh-CN" sz="1400"/>
+            <a:endParaRPr lang="en-US" altLang="zh-CN" sz="1400" dirty="0"/>
           </a:p>
           <a:p>
             <a:pPr>
@@ -14188,7 +14099,7 @@
                 <a:spcPct val="150000"/>
               </a:lnSpc>
             </a:pPr>
-            <a:endParaRPr lang="zh-CN" altLang="en-US" sz="1400"/>
+            <a:endParaRPr lang="zh-CN" altLang="en-US" sz="1400" dirty="0"/>
           </a:p>
         </p:txBody>
       </p:sp>
@@ -14751,29 +14662,15 @@
           <a:prstGeom prst="rect">
             <a:avLst/>
           </a:prstGeom>
-          <a:noFill/>
+          <a:solidFill>
+            <a:schemeClr val="tx1">
+              <a:lumMod val="20000"/>
+              <a:lumOff val="80000"/>
+            </a:schemeClr>
+          </a:solidFill>
           <a:ln>
             <a:noFill/>
           </a:ln>
-          <a:extLst>
-            <a:ext uri="{909E8E84-426E-40DD-AFC4-6F175D3DCCD1}">
-              <a14:hiddenFill xmlns:a14="http://schemas.microsoft.com/office/drawing/2010/main">
-                <a:solidFill>
-                  <a:srgbClr val="FFFFFF"/>
-                </a:solidFill>
-              </a14:hiddenFill>
-            </a:ext>
-            <a:ext uri="{91240B29-F687-4F45-9708-019B960494DF}">
-              <a14:hiddenLine xmlns:a14="http://schemas.microsoft.com/office/drawing/2010/main" w="9525">
-                <a:solidFill>
-                  <a:srgbClr val="000000"/>
-                </a:solidFill>
-                <a:miter lim="800000"/>
-                <a:headEnd/>
-                <a:tailEnd/>
-              </a14:hiddenLine>
-            </a:ext>
-          </a:extLst>
         </p:spPr>
         <p:txBody>
           <a:bodyPr>
@@ -14897,19 +14794,19 @@
               </a:lnSpc>
             </a:pPr>
             <a:r>
-              <a:rPr lang="zh-CN" altLang="en-US" sz="2400">
+              <a:rPr lang="zh-CN" altLang="en-US" sz="2400" dirty="0">
                 <a:latin typeface="黑体" panose="02010609060101010101" pitchFamily="49" charset="-122"/>
               </a:rPr>
               <a:t>更新进度条对话框，并在</a:t>
             </a:r>
             <a:r>
-              <a:rPr lang="en-US" altLang="zh-CN" sz="2400">
+              <a:rPr lang="en-US" altLang="zh-CN" sz="2400" dirty="0" err="1">
                 <a:latin typeface="黑体" panose="02010609060101010101" pitchFamily="49" charset="-122"/>
               </a:rPr>
               <a:t>LogCat</a:t>
             </a:r>
             <a:r>
-              <a:rPr lang="zh-CN" altLang="en-US" sz="2400">
+              <a:rPr lang="zh-CN" altLang="en-US" sz="2400" dirty="0">
                 <a:latin typeface="黑体" panose="02010609060101010101" pitchFamily="49" charset="-122"/>
               </a:rPr>
               <a:t>中观察线程。</a:t>
@@ -15145,29 +15042,15 @@
           <a:prstGeom prst="rect">
             <a:avLst/>
           </a:prstGeom>
-          <a:noFill/>
+          <a:solidFill>
+            <a:schemeClr val="tx1">
+              <a:lumMod val="20000"/>
+              <a:lumOff val="80000"/>
+            </a:schemeClr>
+          </a:solidFill>
           <a:ln>
             <a:noFill/>
           </a:ln>
-          <a:extLst>
-            <a:ext uri="{909E8E84-426E-40DD-AFC4-6F175D3DCCD1}">
-              <a14:hiddenFill xmlns:a14="http://schemas.microsoft.com/office/drawing/2010/main">
-                <a:solidFill>
-                  <a:srgbClr val="FFFFFF"/>
-                </a:solidFill>
-              </a14:hiddenFill>
-            </a:ext>
-            <a:ext uri="{91240B29-F687-4F45-9708-019B960494DF}">
-              <a14:hiddenLine xmlns:a14="http://schemas.microsoft.com/office/drawing/2010/main" w="9525">
-                <a:solidFill>
-                  <a:srgbClr val="000000"/>
-                </a:solidFill>
-                <a:miter lim="800000"/>
-                <a:headEnd/>
-                <a:tailEnd/>
-              </a14:hiddenLine>
-            </a:ext>
-          </a:extLst>
         </p:spPr>
         <p:txBody>
           <a:bodyPr>
@@ -15291,7 +15174,7 @@
               </a:lnSpc>
             </a:pPr>
             <a:r>
-              <a:rPr lang="zh-CN" altLang="en-US" sz="2000">
+              <a:rPr lang="zh-CN" altLang="en-US" sz="2000" dirty="0">
                 <a:latin typeface="黑体" panose="02010609060101010101" pitchFamily="49" charset="-122"/>
               </a:rPr>
               <a:t>上边是子进程时钟，下边是主进程时钟。</a:t>
@@ -15304,7 +15187,7 @@
               </a:lnSpc>
             </a:pPr>
             <a:r>
-              <a:rPr lang="zh-CN" altLang="en-US" sz="2000">
+              <a:rPr lang="zh-CN" altLang="en-US" sz="2000" dirty="0">
                 <a:latin typeface="黑体" panose="02010609060101010101" pitchFamily="49" charset="-122"/>
               </a:rPr>
               <a:t>在不同时间、不同条件下点击，观察线程变化，进一步理解线程操作。</a:t>
@@ -15388,38 +15271,24 @@
         </p:nvSpPr>
         <p:spPr bwMode="auto">
           <a:xfrm>
-            <a:off x="11113" y="687388"/>
-            <a:ext cx="9107487" cy="4522787"/>
+            <a:off x="539720" y="1203655"/>
+            <a:ext cx="7992555" cy="3368486"/>
           </a:xfrm>
           <a:prstGeom prst="rect">
             <a:avLst/>
           </a:prstGeom>
-          <a:noFill/>
+          <a:solidFill>
+            <a:schemeClr val="tx1">
+              <a:lumMod val="20000"/>
+              <a:lumOff val="80000"/>
+            </a:schemeClr>
+          </a:solidFill>
           <a:ln>
             <a:noFill/>
           </a:ln>
-          <a:extLst>
-            <a:ext uri="{909E8E84-426E-40DD-AFC4-6F175D3DCCD1}">
-              <a14:hiddenFill xmlns:a14="http://schemas.microsoft.com/office/drawing/2010/main">
-                <a:solidFill>
-                  <a:srgbClr val="FFFFFF"/>
-                </a:solidFill>
-              </a14:hiddenFill>
-            </a:ext>
-            <a:ext uri="{91240B29-F687-4F45-9708-019B960494DF}">
-              <a14:hiddenLine xmlns:a14="http://schemas.microsoft.com/office/drawing/2010/main" w="9525">
-                <a:solidFill>
-                  <a:srgbClr val="000000"/>
-                </a:solidFill>
-                <a:miter lim="800000"/>
-                <a:headEnd/>
-                <a:tailEnd/>
-              </a14:hiddenLine>
-            </a:ext>
-          </a:extLst>
         </p:spPr>
         <p:txBody>
-          <a:bodyPr>
+          <a:bodyPr wrap="square">
             <a:spAutoFit/>
           </a:bodyPr>
           <a:lstStyle>
@@ -15540,11 +15409,11 @@
               </a:lnSpc>
             </a:pPr>
             <a:r>
-              <a:rPr lang="zh-CN" altLang="en-US" sz="1600"/>
+              <a:rPr lang="zh-CN" altLang="en-US" sz="1600" dirty="0"/>
               <a:t>1.Handler需要和主线程交互，Handler内置于AsyncTask中，</a:t>
             </a:r>
             <a:r>
-              <a:rPr lang="zh-CN" altLang="en-US" sz="1600">
+              <a:rPr lang="zh-CN" altLang="en-US" sz="1600" dirty="0">
                 <a:solidFill>
                   <a:srgbClr val="0070C0"/>
                 </a:solidFill>
@@ -15552,7 +15421,7 @@
               <a:t>AsyncTask的创建必须在主线程</a:t>
             </a:r>
             <a:r>
-              <a:rPr lang="zh-CN" altLang="en-US" sz="1600"/>
+              <a:rPr lang="zh-CN" altLang="en-US" sz="1600" dirty="0"/>
               <a:t>。</a:t>
             </a:r>
           </a:p>
@@ -15562,7 +15431,34 @@
                 <a:spcPct val="150000"/>
               </a:lnSpc>
             </a:pPr>
-            <a:endParaRPr lang="zh-CN" altLang="en-US" sz="1600"/>
+            <a:r>
+              <a:rPr lang="zh-CN" altLang="en-US" sz="1600" dirty="0"/>
+              <a:t>2.</a:t>
+            </a:r>
+            <a:r>
+              <a:rPr lang="zh-CN" altLang="en-US" sz="1600" dirty="0">
+                <a:solidFill>
+                  <a:srgbClr val="0070C0"/>
+                </a:solidFill>
+              </a:rPr>
+              <a:t>doInBackground(Params)方法</a:t>
+            </a:r>
+            <a:r>
+              <a:rPr lang="zh-CN" altLang="en-US" sz="1600" dirty="0"/>
+              <a:t>执行异步任务</a:t>
+            </a:r>
+            <a:r>
+              <a:rPr lang="zh-CN" altLang="en-US" sz="1600" dirty="0">
+                <a:solidFill>
+                  <a:srgbClr val="0070C0"/>
+                </a:solidFill>
+              </a:rPr>
+              <a:t>运行在子线程</a:t>
+            </a:r>
+            <a:r>
+              <a:rPr lang="zh-CN" altLang="en-US" sz="1600" dirty="0"/>
+              <a:t>中。</a:t>
+            </a:r>
           </a:p>
           <a:p>
             <a:pPr>
@@ -15571,32 +15467,20 @@
               </a:lnSpc>
             </a:pPr>
             <a:r>
-              <a:rPr lang="zh-CN" altLang="en-US" sz="1600"/>
-              <a:t>2.</a:t>
-            </a:r>
-            <a:r>
-              <a:rPr lang="zh-CN" altLang="en-US" sz="1600">
+              <a:rPr lang="zh-CN" altLang="en-US" sz="1600" dirty="0"/>
+              <a:t>3.</a:t>
+            </a:r>
+            <a:r>
+              <a:rPr lang="zh-CN" altLang="en-US" sz="1600" dirty="0">
                 <a:solidFill>
                   <a:srgbClr val="0070C0"/>
                 </a:solidFill>
               </a:rPr>
-              <a:t>doInBackground(Params)方法</a:t>
-            </a:r>
-            <a:r>
-              <a:rPr lang="zh-CN" altLang="en-US" sz="1600"/>
-              <a:t>执行异步任务</a:t>
-            </a:r>
-            <a:r>
-              <a:rPr lang="zh-CN" altLang="en-US" sz="1600">
-                <a:solidFill>
-                  <a:srgbClr val="0070C0"/>
-                </a:solidFill>
-              </a:rPr>
-              <a:t>运行在子线程</a:t>
-            </a:r>
-            <a:r>
-              <a:rPr lang="zh-CN" altLang="en-US" sz="1600"/>
-              <a:t>中。</a:t>
+              <a:t>其他方法运行在主线程</a:t>
+            </a:r>
+            <a:r>
+              <a:rPr lang="zh-CN" altLang="en-US" sz="1600" dirty="0"/>
+              <a:t>中，可以操作UI组件。</a:t>
             </a:r>
           </a:p>
           <a:p>
@@ -15605,7 +15489,10 @@
                 <a:spcPct val="150000"/>
               </a:lnSpc>
             </a:pPr>
-            <a:endParaRPr lang="zh-CN" altLang="en-US" sz="1600"/>
+            <a:r>
+              <a:rPr lang="zh-CN" altLang="en-US" sz="1600" dirty="0"/>
+              <a:t>4.一个AsyncTask任务只能被执行一次。</a:t>
+            </a:r>
           </a:p>
           <a:p>
             <a:pPr>
@@ -15614,21 +15501,22 @@
               </a:lnSpc>
             </a:pPr>
             <a:r>
-              <a:rPr lang="zh-CN" altLang="en-US" sz="1600"/>
-              <a:t>3.</a:t>
-            </a:r>
-            <a:r>
-              <a:rPr lang="zh-CN" altLang="en-US" sz="1600">
+              <a:rPr lang="zh-CN" altLang="en-US" sz="1600" dirty="0"/>
+              <a:t>5.运行中可以</a:t>
+            </a:r>
+            <a:r>
+              <a:rPr lang="zh-CN" altLang="en-US" sz="1600" dirty="0">
                 <a:solidFill>
                   <a:srgbClr val="0070C0"/>
                 </a:solidFill>
               </a:rPr>
-              <a:t>其他方法运行在主线程</a:t>
-            </a:r>
-            <a:r>
-              <a:rPr lang="zh-CN" altLang="en-US" sz="1600"/>
-              <a:t>中，可以操作UI组件。</a:t>
-            </a:r>
+              <a:t>随时调用cancel(boolean)方法取消任务</a:t>
+            </a:r>
+            <a:r>
+              <a:rPr lang="zh-CN" altLang="en-US" sz="1600" dirty="0"/>
+              <a:t>。</a:t>
+            </a:r>
+            <a:endParaRPr lang="en-US" altLang="zh-CN" sz="1600" dirty="0"/>
           </a:p>
           <a:p>
             <a:pPr>
@@ -15636,82 +15524,24 @@
                 <a:spcPct val="150000"/>
               </a:lnSpc>
             </a:pPr>
-            <a:endParaRPr lang="zh-CN" altLang="en-US" sz="1600"/>
-          </a:p>
-          <a:p>
-            <a:pPr>
-              <a:lnSpc>
-                <a:spcPct val="150000"/>
-              </a:lnSpc>
-            </a:pPr>
-            <a:r>
-              <a:rPr lang="zh-CN" altLang="en-US" sz="1600"/>
-              <a:t>4.一个AsyncTask任务只能被执行一次。</a:t>
-            </a:r>
-          </a:p>
-          <a:p>
-            <a:pPr>
-              <a:lnSpc>
-                <a:spcPct val="150000"/>
-              </a:lnSpc>
-            </a:pPr>
-            <a:endParaRPr lang="zh-CN" altLang="en-US" sz="1600"/>
-          </a:p>
-          <a:p>
-            <a:pPr>
-              <a:lnSpc>
-                <a:spcPct val="150000"/>
-              </a:lnSpc>
-            </a:pPr>
-            <a:r>
-              <a:rPr lang="zh-CN" altLang="en-US" sz="1600"/>
-              <a:t>5.运行中可以</a:t>
-            </a:r>
-            <a:r>
-              <a:rPr lang="zh-CN" altLang="en-US" sz="1600">
+            <a:r>
+              <a:rPr lang="en-US" altLang="zh-CN" sz="1600" dirty="0"/>
+              <a:t>6.</a:t>
+            </a:r>
+            <a:r>
+              <a:rPr lang="zh-CN" altLang="en-US" sz="1600" dirty="0"/>
+              <a:t>不要手动的去调用AsyncTask的onPreExecute, doInBackground, publishProgress, onProgressUpdate, onPostExecute方法，这些都是由</a:t>
+            </a:r>
+            <a:r>
+              <a:rPr lang="zh-CN" altLang="en-US" sz="1600" dirty="0">
                 <a:solidFill>
                   <a:srgbClr val="0070C0"/>
                 </a:solidFill>
               </a:rPr>
-              <a:t>随时调用cancel(boolean)方法取消任务</a:t>
-            </a:r>
-            <a:r>
-              <a:rPr lang="zh-CN" altLang="en-US" sz="1600"/>
-              <a:t>。</a:t>
-            </a:r>
-          </a:p>
-          <a:p>
-            <a:pPr>
-              <a:lnSpc>
-                <a:spcPct val="150000"/>
-              </a:lnSpc>
-            </a:pPr>
-            <a:endParaRPr lang="en-US" altLang="zh-CN" sz="1600"/>
-          </a:p>
-          <a:p>
-            <a:pPr>
-              <a:lnSpc>
-                <a:spcPct val="150000"/>
-              </a:lnSpc>
-            </a:pPr>
-            <a:r>
-              <a:rPr lang="en-US" altLang="zh-CN" sz="1600"/>
-              <a:t>6.</a:t>
-            </a:r>
-            <a:r>
-              <a:rPr lang="zh-CN" altLang="en-US" sz="1600"/>
-              <a:t>不要手动的去调用AsyncTask的onPreExecute, doInBackground, publishProgress, onProgressUpdate, onPostExecute方法，这些都是由</a:t>
-            </a:r>
-            <a:r>
-              <a:rPr lang="zh-CN" altLang="en-US" sz="1600">
-                <a:solidFill>
-                  <a:srgbClr val="0070C0"/>
-                </a:solidFill>
-              </a:rPr>
               <a:t>android系统自动调用</a:t>
             </a:r>
             <a:r>
-              <a:rPr lang="zh-CN" altLang="en-US" sz="1600"/>
+              <a:rPr lang="zh-CN" altLang="en-US" sz="1600" dirty="0"/>
               <a:t>的。</a:t>
             </a:r>
           </a:p>
@@ -15929,7 +15759,12 @@
           <a:prstGeom prst="rect">
             <a:avLst/>
           </a:prstGeom>
-          <a:noFill/>
+          <a:solidFill>
+            <a:schemeClr val="tx1">
+              <a:lumMod val="20000"/>
+              <a:lumOff val="80000"/>
+            </a:schemeClr>
+          </a:solidFill>
           <a:ln w="9525">
             <a:noFill/>
           </a:ln>
@@ -16317,13 +16152,18 @@
         </p:nvSpPr>
         <p:spPr>
           <a:xfrm>
-            <a:off x="19050" y="1217613"/>
+            <a:off x="100012" y="1218406"/>
             <a:ext cx="8943975" cy="2706687"/>
           </a:xfrm>
           <a:prstGeom prst="rect">
             <a:avLst/>
           </a:prstGeom>
-          <a:noFill/>
+          <a:solidFill>
+            <a:schemeClr val="tx1">
+              <a:lumMod val="20000"/>
+              <a:lumOff val="80000"/>
+            </a:schemeClr>
+          </a:solidFill>
           <a:ln w="9525">
             <a:noFill/>
           </a:ln>
@@ -16862,13 +16702,18 @@
         </p:nvSpPr>
         <p:spPr bwMode="auto">
           <a:xfrm>
-            <a:off x="6350" y="774700"/>
+            <a:off x="6350" y="818945"/>
             <a:ext cx="9131300" cy="3738563"/>
           </a:xfrm>
           <a:prstGeom prst="rect">
             <a:avLst/>
           </a:prstGeom>
-          <a:noFill/>
+          <a:solidFill>
+            <a:schemeClr val="tx1">
+              <a:lumMod val="20000"/>
+              <a:lumOff val="80000"/>
+            </a:schemeClr>
+          </a:solidFill>
           <a:ln w="9525" cmpd="sng">
             <a:noFill/>
             <a:miter lim="800000"/>
@@ -18520,29 +18365,15 @@
           <a:prstGeom prst="rect">
             <a:avLst/>
           </a:prstGeom>
-          <a:noFill/>
+          <a:solidFill>
+            <a:schemeClr val="tx1">
+              <a:lumMod val="20000"/>
+              <a:lumOff val="80000"/>
+            </a:schemeClr>
+          </a:solidFill>
           <a:ln>
             <a:noFill/>
           </a:ln>
-          <a:extLst>
-            <a:ext uri="{909E8E84-426E-40DD-AFC4-6F175D3DCCD1}">
-              <a14:hiddenFill xmlns:a14="http://schemas.microsoft.com/office/drawing/2010/main">
-                <a:solidFill>
-                  <a:srgbClr val="FFFFFF"/>
-                </a:solidFill>
-              </a14:hiddenFill>
-            </a:ext>
-            <a:ext uri="{91240B29-F687-4F45-9708-019B960494DF}">
-              <a14:hiddenLine xmlns:a14="http://schemas.microsoft.com/office/drawing/2010/main" w="9525">
-                <a:solidFill>
-                  <a:srgbClr val="000000"/>
-                </a:solidFill>
-                <a:miter lim="800000"/>
-                <a:headEnd/>
-                <a:tailEnd/>
-              </a14:hiddenLine>
-            </a:ext>
-          </a:extLst>
         </p:spPr>
         <p:txBody>
           <a:bodyPr>
@@ -18850,29 +18681,15 @@
           <a:prstGeom prst="rect">
             <a:avLst/>
           </a:prstGeom>
-          <a:noFill/>
+          <a:solidFill>
+            <a:schemeClr val="tx1">
+              <a:lumMod val="20000"/>
+              <a:lumOff val="80000"/>
+            </a:schemeClr>
+          </a:solidFill>
           <a:ln>
             <a:noFill/>
           </a:ln>
-          <a:extLst>
-            <a:ext uri="{909E8E84-426E-40DD-AFC4-6F175D3DCCD1}">
-              <a14:hiddenFill xmlns:a14="http://schemas.microsoft.com/office/drawing/2010/main">
-                <a:solidFill>
-                  <a:srgbClr val="FFFFFF"/>
-                </a:solidFill>
-              </a14:hiddenFill>
-            </a:ext>
-            <a:ext uri="{91240B29-F687-4F45-9708-019B960494DF}">
-              <a14:hiddenLine xmlns:a14="http://schemas.microsoft.com/office/drawing/2010/main" w="9525">
-                <a:solidFill>
-                  <a:srgbClr val="000000"/>
-                </a:solidFill>
-                <a:miter lim="800000"/>
-                <a:headEnd/>
-                <a:tailEnd/>
-              </a14:hiddenLine>
-            </a:ext>
-          </a:extLst>
         </p:spPr>
         <p:txBody>
           <a:bodyPr>
@@ -18996,7 +18813,7 @@
               </a:lnSpc>
             </a:pPr>
             <a:r>
-              <a:rPr lang="zh-CN" altLang="en-US">
+              <a:rPr lang="zh-CN" altLang="en-US" dirty="0">
                 <a:latin typeface="微软雅黑" panose="020B0503020204020204" pitchFamily="34" charset="-122"/>
                 <a:ea typeface="微软雅黑" panose="020B0503020204020204" pitchFamily="34" charset="-122"/>
               </a:rPr>
@@ -19010,7 +18827,7 @@
               </a:lnSpc>
             </a:pPr>
             <a:r>
-              <a:rPr lang="zh-CN" altLang="en-US">
+              <a:rPr lang="zh-CN" altLang="en-US" dirty="0">
                 <a:latin typeface="微软雅黑" panose="020B0503020204020204" pitchFamily="34" charset="-122"/>
                 <a:ea typeface="微软雅黑" panose="020B0503020204020204" pitchFamily="34" charset="-122"/>
               </a:rPr>
@@ -19024,14 +18841,14 @@
               </a:lnSpc>
             </a:pPr>
             <a:r>
-              <a:rPr lang="zh-CN" altLang="en-US">
+              <a:rPr lang="zh-CN" altLang="en-US" dirty="0">
                 <a:latin typeface="微软雅黑" panose="020B0503020204020204" pitchFamily="34" charset="-122"/>
                 <a:ea typeface="微软雅黑" panose="020B0503020204020204" pitchFamily="34" charset="-122"/>
               </a:rPr>
               <a:t>在应用程序开发期间，由于是以</a:t>
             </a:r>
             <a:r>
-              <a:rPr lang="zh-CN" altLang="en-US" b="1">
+              <a:rPr lang="zh-CN" altLang="en-US" b="1" dirty="0">
                 <a:solidFill>
                   <a:srgbClr val="0070C0"/>
                 </a:solidFill>
@@ -19041,7 +18858,7 @@
               <a:t>Debug调试</a:t>
             </a:r>
             <a:r>
-              <a:rPr lang="zh-CN" altLang="en-US">
+              <a:rPr lang="zh-CN" altLang="en-US" dirty="0">
                 <a:latin typeface="微软雅黑" panose="020B0503020204020204" pitchFamily="34" charset="-122"/>
                 <a:ea typeface="微软雅黑" panose="020B0503020204020204" pitchFamily="34" charset="-122"/>
               </a:rPr>
@@ -19055,14 +18872,14 @@
               </a:lnSpc>
             </a:pPr>
             <a:r>
-              <a:rPr lang="zh-CN" altLang="en-US">
+              <a:rPr lang="zh-CN" altLang="en-US" dirty="0">
                 <a:latin typeface="微软雅黑" panose="020B0503020204020204" pitchFamily="34" charset="-122"/>
                 <a:ea typeface="微软雅黑" panose="020B0503020204020204" pitchFamily="34" charset="-122"/>
               </a:rPr>
               <a:t>以</a:t>
             </a:r>
             <a:r>
-              <a:rPr lang="zh-CN" altLang="en-US" b="1">
+              <a:rPr lang="zh-CN" altLang="en-US" b="1" dirty="0">
                 <a:solidFill>
                   <a:srgbClr val="0070C0"/>
                 </a:solidFill>
@@ -19072,14 +18889,14 @@
               <a:t>Release</a:t>
             </a:r>
             <a:r>
-              <a:rPr lang="zh-CN" altLang="en-US">
+              <a:rPr lang="zh-CN" altLang="en-US" dirty="0">
                 <a:latin typeface="微软雅黑" panose="020B0503020204020204" pitchFamily="34" charset="-122"/>
                 <a:ea typeface="微软雅黑" panose="020B0503020204020204" pitchFamily="34" charset="-122"/>
               </a:rPr>
               <a:t>发布模式编译时，apk文件就不会得到自动签名，这样就需要进行</a:t>
             </a:r>
             <a:r>
-              <a:rPr lang="zh-CN" altLang="en-US" b="1">
+              <a:rPr lang="zh-CN" altLang="en-US" b="1" dirty="0">
                 <a:solidFill>
                   <a:srgbClr val="0070C0"/>
                 </a:solidFill>
@@ -19089,7 +18906,7 @@
               <a:t>手工签名</a:t>
             </a:r>
             <a:r>
-              <a:rPr lang="zh-CN" altLang="en-US">
+              <a:rPr lang="zh-CN" altLang="en-US" dirty="0">
                 <a:latin typeface="微软雅黑" panose="020B0503020204020204" pitchFamily="34" charset="-122"/>
                 <a:ea typeface="微软雅黑" panose="020B0503020204020204" pitchFamily="34" charset="-122"/>
               </a:rPr>
@@ -19102,7 +18919,7 @@
                 <a:spcPct val="150000"/>
               </a:lnSpc>
             </a:pPr>
-            <a:endParaRPr lang="zh-CN" altLang="en-US">
+            <a:endParaRPr lang="zh-CN" altLang="en-US" dirty="0">
               <a:latin typeface="微软雅黑" panose="020B0503020204020204" pitchFamily="34" charset="-122"/>
               <a:ea typeface="微软雅黑" panose="020B0503020204020204" pitchFamily="34" charset="-122"/>
             </a:endParaRPr>
@@ -19114,14 +18931,14 @@
               </a:lnSpc>
             </a:pPr>
             <a:r>
-              <a:rPr lang="zh-CN" altLang="en-US" sz="1200">
+              <a:rPr lang="zh-CN" altLang="en-US" sz="1200" dirty="0">
                 <a:latin typeface="微软雅黑" panose="020B0503020204020204" pitchFamily="34" charset="-122"/>
                 <a:ea typeface="微软雅黑" panose="020B0503020204020204" pitchFamily="34" charset="-122"/>
               </a:rPr>
               <a:t>Android Studio中apk签名打包步骤：课本</a:t>
             </a:r>
             <a:r>
-              <a:rPr lang="en-US" altLang="zh-CN" sz="1200">
+              <a:rPr lang="en-US" altLang="zh-CN" sz="1200" dirty="0">
                 <a:latin typeface="微软雅黑" panose="020B0503020204020204" pitchFamily="34" charset="-122"/>
                 <a:ea typeface="微软雅黑" panose="020B0503020204020204" pitchFamily="34" charset="-122"/>
               </a:rPr>
@@ -19135,14 +18952,14 @@
               </a:lnSpc>
             </a:pPr>
             <a:r>
-              <a:rPr lang="en-US" altLang="zh-CN" sz="1200">
+              <a:rPr lang="en-US" altLang="zh-CN" sz="1200" dirty="0">
                 <a:latin typeface="微软雅黑" panose="020B0503020204020204" pitchFamily="34" charset="-122"/>
                 <a:ea typeface="微软雅黑" panose="020B0503020204020204" pitchFamily="34" charset="-122"/>
               </a:rPr>
               <a:t>Ref</a:t>
             </a:r>
             <a:r>
-              <a:rPr lang="zh-CN" altLang="en-US" sz="1200">
+              <a:rPr lang="zh-CN" altLang="en-US" sz="1200" dirty="0">
                 <a:latin typeface="微软雅黑" panose="020B0503020204020204" pitchFamily="34" charset="-122"/>
                 <a:ea typeface="微软雅黑" panose="020B0503020204020204" pitchFamily="34" charset="-122"/>
               </a:rPr>
@@ -19156,7 +18973,7 @@
               </a:lnSpc>
             </a:pPr>
             <a:r>
-              <a:rPr lang="zh-CN" altLang="en-US" sz="1200">
+              <a:rPr lang="zh-CN" altLang="en-US" sz="1200" dirty="0">
                 <a:latin typeface="微软雅黑" panose="020B0503020204020204" pitchFamily="34" charset="-122"/>
                 <a:ea typeface="微软雅黑" panose="020B0503020204020204" pitchFamily="34" charset="-122"/>
               </a:rPr>
@@ -19252,35 +19069,21 @@
         </p:nvSpPr>
         <p:spPr bwMode="auto">
           <a:xfrm>
-            <a:off x="215900" y="688975"/>
+            <a:off x="215106" y="987640"/>
             <a:ext cx="8713788" cy="3460750"/>
           </a:xfrm>
           <a:prstGeom prst="rect">
             <a:avLst/>
           </a:prstGeom>
-          <a:noFill/>
+          <a:solidFill>
+            <a:schemeClr val="tx1">
+              <a:lumMod val="20000"/>
+              <a:lumOff val="80000"/>
+            </a:schemeClr>
+          </a:solidFill>
           <a:ln>
             <a:noFill/>
           </a:ln>
-          <a:extLst>
-            <a:ext uri="{909E8E84-426E-40DD-AFC4-6F175D3DCCD1}">
-              <a14:hiddenFill xmlns:a14="http://schemas.microsoft.com/office/drawing/2010/main">
-                <a:solidFill>
-                  <a:srgbClr val="FFFFFF"/>
-                </a:solidFill>
-              </a14:hiddenFill>
-            </a:ext>
-            <a:ext uri="{91240B29-F687-4F45-9708-019B960494DF}">
-              <a14:hiddenLine xmlns:a14="http://schemas.microsoft.com/office/drawing/2010/main" w="9525">
-                <a:solidFill>
-                  <a:srgbClr val="000000"/>
-                </a:solidFill>
-                <a:miter lim="800000"/>
-                <a:headEnd/>
-                <a:tailEnd/>
-              </a14:hiddenLine>
-            </a:ext>
-          </a:extLst>
         </p:spPr>
         <p:txBody>
           <a:bodyPr>
@@ -19404,11 +19207,11 @@
               </a:lnSpc>
             </a:pPr>
             <a:r>
-              <a:rPr lang="zh-CN" altLang="en-US" sz="1400" b="1"/>
+              <a:rPr lang="zh-CN" altLang="en-US" sz="1400" b="1" dirty="0"/>
               <a:t>线程是进程中的一个实体</a:t>
             </a:r>
             <a:r>
-              <a:rPr lang="zh-CN" altLang="en-US" sz="1400"/>
+              <a:rPr lang="zh-CN" altLang="en-US" sz="1400" dirty="0"/>
               <a:t>，是CPU调度和分派的基本单位,它是比进程更小的能独立运行的基本单位。</a:t>
             </a:r>
           </a:p>
@@ -19418,7 +19221,7 @@
                 <a:spcPct val="150000"/>
               </a:lnSpc>
             </a:pPr>
-            <a:endParaRPr lang="zh-CN" altLang="en-US" sz="1400" b="1">
+            <a:endParaRPr lang="zh-CN" altLang="en-US" sz="1400" b="1" dirty="0">
               <a:solidFill>
                 <a:srgbClr val="0070C0"/>
               </a:solidFill>
@@ -19431,7 +19234,7 @@
               </a:lnSpc>
             </a:pPr>
             <a:r>
-              <a:rPr lang="zh-CN" altLang="en-US" sz="2400" b="1">
+              <a:rPr lang="zh-CN" altLang="en-US" sz="2400" b="1" dirty="0">
                 <a:solidFill>
                   <a:srgbClr val="0070C0"/>
                 </a:solidFill>
@@ -19446,7 +19249,7 @@
               </a:lnSpc>
             </a:pPr>
             <a:r>
-              <a:rPr lang="zh-CN" altLang="en-US" sz="1400" b="1">
+              <a:rPr lang="zh-CN" altLang="en-US" sz="1400" b="1" dirty="0">
                 <a:solidFill>
                   <a:schemeClr val="tx2"/>
                 </a:solidFill>
@@ -19461,7 +19264,7 @@
               </a:lnSpc>
             </a:pPr>
             <a:r>
-              <a:rPr lang="zh-CN" altLang="en-US" sz="1400" b="1">
+              <a:rPr lang="zh-CN" altLang="en-US" sz="1400" b="1" dirty="0">
                 <a:solidFill>
                   <a:schemeClr val="tx2"/>
                 </a:solidFill>
@@ -19475,7 +19278,7 @@
                 <a:spcPct val="150000"/>
               </a:lnSpc>
             </a:pPr>
-            <a:endParaRPr lang="zh-CN" altLang="en-US" sz="1400" b="1">
+            <a:endParaRPr lang="zh-CN" altLang="en-US" sz="1400" b="1" dirty="0">
               <a:solidFill>
                 <a:schemeClr val="tx2"/>
               </a:solidFill>
@@ -19488,7 +19291,7 @@
               </a:lnSpc>
             </a:pPr>
             <a:r>
-              <a:rPr lang="zh-CN" altLang="en-US" sz="2400" b="1">
+              <a:rPr lang="zh-CN" altLang="en-US" sz="2400" b="1" dirty="0">
                 <a:solidFill>
                   <a:srgbClr val="0070C0"/>
                 </a:solidFill>
@@ -19503,7 +19306,7 @@
               </a:lnSpc>
             </a:pPr>
             <a:r>
-              <a:rPr lang="zh-CN" altLang="en-US" sz="1400" b="1">
+              <a:rPr lang="zh-CN" altLang="en-US" sz="1400" b="1" dirty="0">
                 <a:solidFill>
                   <a:schemeClr val="tx2"/>
                 </a:solidFill>
@@ -19518,14 +19321,14 @@
               </a:lnSpc>
             </a:pPr>
             <a:r>
-              <a:rPr lang="zh-CN" altLang="en-US" sz="1400" b="1">
+              <a:rPr lang="zh-CN" altLang="en-US" sz="1400" b="1" dirty="0">
                 <a:solidFill>
                   <a:schemeClr val="tx2"/>
                 </a:solidFill>
               </a:rPr>
               <a:t>负责一些比较耗时的操作(联网、取数据、SD卡数据加载等操作)</a:t>
             </a:r>
-            <a:endParaRPr lang="zh-CN" altLang="en-US" sz="1400" b="1">
+            <a:endParaRPr lang="zh-CN" altLang="en-US" sz="1400" b="1" dirty="0">
               <a:solidFill>
                 <a:srgbClr val="FF0000"/>
               </a:solidFill>
@@ -20289,7 +20092,12 @@
           <a:prstGeom prst="rect">
             <a:avLst/>
           </a:prstGeom>
-          <a:noFill/>
+          <a:solidFill>
+            <a:schemeClr val="tx1">
+              <a:lumMod val="20000"/>
+              <a:lumOff val="80000"/>
+            </a:schemeClr>
+          </a:solidFill>
           <a:ln w="9525">
             <a:noFill/>
           </a:ln>
@@ -20823,29 +20631,15 @@
           <a:prstGeom prst="rect">
             <a:avLst/>
           </a:prstGeom>
-          <a:noFill/>
+          <a:solidFill>
+            <a:schemeClr val="tx1">
+              <a:lumMod val="20000"/>
+              <a:lumOff val="80000"/>
+            </a:schemeClr>
+          </a:solidFill>
           <a:ln>
             <a:noFill/>
           </a:ln>
-          <a:extLst>
-            <a:ext uri="{909E8E84-426E-40DD-AFC4-6F175D3DCCD1}">
-              <a14:hiddenFill xmlns:a14="http://schemas.microsoft.com/office/drawing/2010/main">
-                <a:solidFill>
-                  <a:srgbClr val="FFFFFF"/>
-                </a:solidFill>
-              </a14:hiddenFill>
-            </a:ext>
-            <a:ext uri="{91240B29-F687-4F45-9708-019B960494DF}">
-              <a14:hiddenLine xmlns:a14="http://schemas.microsoft.com/office/drawing/2010/main" w="9525">
-                <a:solidFill>
-                  <a:srgbClr val="000000"/>
-                </a:solidFill>
-                <a:miter lim="800000"/>
-                <a:headEnd/>
-                <a:tailEnd/>
-              </a14:hiddenLine>
-            </a:ext>
-          </a:extLst>
         </p:spPr>
         <p:txBody>
           <a:bodyPr>
@@ -20964,7 +20758,7 @@
           </a:lstStyle>
           <a:p>
             <a:r>
-              <a:rPr lang="zh-CN" altLang="en-US" b="1">
+              <a:rPr lang="zh-CN" altLang="en-US" b="1" dirty="0">
                 <a:solidFill>
                   <a:srgbClr val="0070C0"/>
                 </a:solidFill>
@@ -20974,7 +20768,7 @@
           </a:p>
           <a:p>
             <a:r>
-              <a:rPr lang="zh-CN" altLang="en-US" b="1">
+              <a:rPr lang="zh-CN" altLang="en-US" b="1" dirty="0">
                 <a:solidFill>
                   <a:srgbClr val="0070C0"/>
                 </a:solidFill>
@@ -20984,7 +20778,7 @@
           </a:p>
           <a:p>
             <a:r>
-              <a:rPr lang="zh-CN" altLang="en-US" b="1">
+              <a:rPr lang="zh-CN" altLang="en-US" b="1" dirty="0">
                 <a:solidFill>
                   <a:srgbClr val="0070C0"/>
                 </a:solidFill>
@@ -20994,7 +20788,7 @@
           </a:p>
           <a:p>
             <a:r>
-              <a:rPr lang="zh-CN" altLang="en-US" b="1">
+              <a:rPr lang="zh-CN" altLang="en-US" b="1" dirty="0">
                 <a:solidFill>
                   <a:srgbClr val="0070C0"/>
                 </a:solidFill>
@@ -21004,7 +20798,7 @@
           </a:p>
           <a:p>
             <a:r>
-              <a:rPr lang="zh-CN" altLang="en-US" b="1">
+              <a:rPr lang="zh-CN" altLang="en-US" b="1" dirty="0">
                 <a:solidFill>
                   <a:srgbClr val="0070C0"/>
                 </a:solidFill>
@@ -21012,7 +20806,7 @@
               <a:t>new MyThread().start();</a:t>
             </a:r>
             <a:r>
-              <a:rPr lang="zh-CN" altLang="en-US" b="1">
+              <a:rPr lang="zh-CN" altLang="en-US" b="1" dirty="0">
                 <a:solidFill>
                   <a:srgbClr val="0070C0"/>
                 </a:solidFill>
@@ -21023,41 +20817,41 @@
           </a:p>
           <a:p>
             <a:r>
-              <a:rPr lang="zh-CN" altLang="en-US" b="1"/>
+              <a:rPr lang="zh-CN" altLang="en-US" b="1" dirty="0"/>
               <a:t>class MyThread2 implements Runnable{//2 继承Runnable接口方式</a:t>
             </a:r>
           </a:p>
           <a:p>
             <a:r>
-              <a:rPr lang="zh-CN" altLang="en-US" b="1"/>
+              <a:rPr lang="zh-CN" altLang="en-US" b="1" dirty="0"/>
               <a:t>        @Override</a:t>
             </a:r>
           </a:p>
           <a:p>
             <a:r>
-              <a:rPr lang="zh-CN" altLang="en-US" b="1"/>
+              <a:rPr lang="zh-CN" altLang="en-US" b="1" dirty="0"/>
               <a:t>        public void run() {}</a:t>
             </a:r>
           </a:p>
           <a:p>
             <a:r>
-              <a:rPr lang="zh-CN" altLang="en-US" b="1"/>
+              <a:rPr lang="zh-CN" altLang="en-US" b="1" dirty="0"/>
               <a:t>    }</a:t>
             </a:r>
           </a:p>
           <a:p>
             <a:r>
-              <a:rPr lang="zh-CN" altLang="en-US" b="1"/>
+              <a:rPr lang="zh-CN" altLang="en-US" b="1" dirty="0"/>
               <a:t>MyThread2 myThread2 = new MyThread2();//第2种线程定义的启动方法</a:t>
             </a:r>
           </a:p>
           <a:p>
             <a:r>
-              <a:rPr lang="zh-CN" altLang="en-US" b="1"/>
+              <a:rPr lang="zh-CN" altLang="en-US" b="1" dirty="0"/>
               <a:t>new Thread(myThread2).start();   </a:t>
             </a:r>
             <a:r>
-              <a:rPr lang="zh-CN" altLang="en-US" b="1">
+              <a:rPr lang="zh-CN" altLang="en-US" b="1" dirty="0">
                 <a:solidFill>
                   <a:srgbClr val="FF0000"/>
                 </a:solidFill>
@@ -21067,7 +20861,7 @@
           </a:p>
           <a:p>
             <a:r>
-              <a:rPr lang="zh-CN" altLang="en-US" b="1">
+              <a:rPr lang="zh-CN" altLang="en-US" b="1" dirty="0">
                 <a:solidFill>
                   <a:srgbClr val="FF0000"/>
                 </a:solidFill>
@@ -21075,7 +20869,7 @@
               <a:t>new Thread(new Runnable() {</a:t>
             </a:r>
             <a:r>
-              <a:rPr lang="zh-CN" altLang="en-US" b="1">
+              <a:rPr lang="zh-CN" altLang="en-US" b="1" dirty="0">
                 <a:solidFill>
                   <a:srgbClr val="FF0000"/>
                 </a:solidFill>
@@ -21086,7 +20880,7 @@
           </a:p>
           <a:p>
             <a:r>
-              <a:rPr lang="zh-CN" altLang="en-US" b="1">
+              <a:rPr lang="zh-CN" altLang="en-US" b="1" dirty="0">
                 <a:solidFill>
                   <a:srgbClr val="FF0000"/>
                 </a:solidFill>
@@ -21096,7 +20890,7 @@
           </a:p>
           <a:p>
             <a:r>
-              <a:rPr lang="zh-CN" altLang="en-US" b="1">
+              <a:rPr lang="zh-CN" altLang="en-US" b="1" dirty="0">
                 <a:solidFill>
                   <a:srgbClr val="FF0000"/>
                 </a:solidFill>
@@ -21106,7 +20900,7 @@
           </a:p>
           <a:p>
             <a:r>
-              <a:rPr lang="zh-CN" altLang="en-US" b="1">
+              <a:rPr lang="zh-CN" altLang="en-US" b="1" dirty="0">
                 <a:solidFill>
                   <a:srgbClr val="FF0000"/>
                 </a:solidFill>
@@ -21608,35 +21402,21 @@
         </p:nvSpPr>
         <p:spPr bwMode="auto">
           <a:xfrm>
-            <a:off x="304800" y="990600"/>
-            <a:ext cx="8572500" cy="3200400"/>
+            <a:off x="251700" y="1419670"/>
+            <a:ext cx="8572500" cy="2431435"/>
           </a:xfrm>
           <a:prstGeom prst="rect">
             <a:avLst/>
           </a:prstGeom>
-          <a:noFill/>
+          <a:solidFill>
+            <a:schemeClr val="tx1">
+              <a:lumMod val="20000"/>
+              <a:lumOff val="80000"/>
+            </a:schemeClr>
+          </a:solidFill>
           <a:ln>
             <a:noFill/>
           </a:ln>
-          <a:extLst>
-            <a:ext uri="{909E8E84-426E-40DD-AFC4-6F175D3DCCD1}">
-              <a14:hiddenFill xmlns:a14="http://schemas.microsoft.com/office/drawing/2010/main">
-                <a:solidFill>
-                  <a:srgbClr val="FFFFFF"/>
-                </a:solidFill>
-              </a14:hiddenFill>
-            </a:ext>
-            <a:ext uri="{91240B29-F687-4F45-9708-019B960494DF}">
-              <a14:hiddenLine xmlns:a14="http://schemas.microsoft.com/office/drawing/2010/main" w="9525">
-                <a:solidFill>
-                  <a:srgbClr val="000000"/>
-                </a:solidFill>
-                <a:miter lim="800000"/>
-                <a:headEnd/>
-                <a:tailEnd/>
-              </a14:hiddenLine>
-            </a:ext>
-          </a:extLst>
         </p:spPr>
         <p:txBody>
           <a:bodyPr>
@@ -21755,7 +21535,7 @@
           </a:lstStyle>
           <a:p>
             <a:r>
-              <a:rPr lang="zh-CN" altLang="en-US" sz="2400" b="1">
+              <a:rPr lang="zh-CN" altLang="en-US" sz="2400" b="1" dirty="0">
                 <a:solidFill>
                   <a:srgbClr val="FF0000"/>
                 </a:solidFill>
@@ -21763,7 +21543,7 @@
               <a:t>同步</a:t>
             </a:r>
             <a:r>
-              <a:rPr lang="zh-CN" altLang="en-US" sz="2400" b="1">
+              <a:rPr lang="zh-CN" altLang="en-US" sz="2400" b="1" dirty="0">
                 <a:solidFill>
                   <a:srgbClr val="0070C0"/>
                 </a:solidFill>
@@ -21771,7 +21551,7 @@
               <a:t>:发送一个请求,</a:t>
             </a:r>
             <a:r>
-              <a:rPr lang="zh-CN" altLang="en-US" sz="2400" b="1">
+              <a:rPr lang="zh-CN" altLang="en-US" sz="2400" b="1" dirty="0">
                 <a:solidFill>
                   <a:srgbClr val="FF0000"/>
                 </a:solidFill>
@@ -21779,7 +21559,7 @@
               <a:t>等待返回</a:t>
             </a:r>
             <a:r>
-              <a:rPr lang="zh-CN" altLang="en-US" sz="2400" b="1">
+              <a:rPr lang="zh-CN" altLang="en-US" sz="2400" b="1" dirty="0">
                 <a:solidFill>
                   <a:srgbClr val="0070C0"/>
                 </a:solidFill>
@@ -21789,7 +21569,7 @@
           </a:p>
           <a:p>
             <a:r>
-              <a:rPr lang="zh-CN" altLang="en-US" sz="2400" b="1">
+              <a:rPr lang="zh-CN" altLang="en-US" sz="2400" b="1" dirty="0">
                 <a:solidFill>
                   <a:srgbClr val="FF0000"/>
                 </a:solidFill>
@@ -21797,7 +21577,7 @@
               <a:t>异步</a:t>
             </a:r>
             <a:r>
-              <a:rPr lang="zh-CN" altLang="en-US" sz="2400" b="1">
+              <a:rPr lang="zh-CN" altLang="en-US" sz="2400" b="1" dirty="0">
                 <a:solidFill>
                   <a:srgbClr val="0070C0"/>
                 </a:solidFill>
@@ -21805,7 +21585,7 @@
               <a:t>:发送一个请求,</a:t>
             </a:r>
             <a:r>
-              <a:rPr lang="zh-CN" altLang="en-US" sz="2400" b="1">
+              <a:rPr lang="zh-CN" altLang="en-US" sz="2400" b="1" dirty="0">
                 <a:solidFill>
                   <a:srgbClr val="FF0000"/>
                 </a:solidFill>
@@ -21813,7 +21593,7 @@
               <a:t>不等待返回</a:t>
             </a:r>
             <a:r>
-              <a:rPr lang="zh-CN" altLang="en-US" sz="2400" b="1">
+              <a:rPr lang="zh-CN" altLang="en-US" sz="2400" b="1" dirty="0">
                 <a:solidFill>
                   <a:srgbClr val="0070C0"/>
                 </a:solidFill>
@@ -21822,45 +21602,36 @@
             </a:r>
           </a:p>
           <a:p>
-            <a:endParaRPr lang="zh-CN" altLang="en-US" sz="2400" b="1">
+            <a:endParaRPr lang="zh-CN" altLang="en-US" sz="2400" b="1" dirty="0">
               <a:solidFill>
                 <a:srgbClr val="0070C0"/>
               </a:solidFill>
             </a:endParaRPr>
           </a:p>
           <a:p>
-            <a:endParaRPr lang="zh-CN" altLang="en-US"/>
-          </a:p>
-          <a:p>
-            <a:r>
-              <a:rPr lang="zh-CN" altLang="en-US" sz="1600"/>
+            <a:r>
+              <a:rPr lang="zh-CN" altLang="en-US" sz="1600" dirty="0"/>
               <a:t>同步可以避免出现死锁，读脏数据的发生。</a:t>
             </a:r>
           </a:p>
           <a:p>
             <a:r>
-              <a:rPr lang="zh-CN" altLang="en-US" sz="1600"/>
+              <a:rPr lang="zh-CN" altLang="en-US" sz="1600" dirty="0"/>
               <a:t>异步可以提高效率，可以同时做多项工作，必须保证是可以并发处理的。</a:t>
             </a:r>
           </a:p>
           <a:p>
-            <a:endParaRPr lang="zh-CN" altLang="en-US" sz="1600"/>
-          </a:p>
-          <a:p>
-            <a:endParaRPr lang="zh-CN" altLang="en-US" sz="1600"/>
-          </a:p>
-          <a:p>
-            <a:endParaRPr lang="zh-CN" altLang="en-US" sz="1600"/>
-          </a:p>
-          <a:p>
-            <a:r>
-              <a:rPr lang="zh-CN" altLang="en-US" sz="1600"/>
+            <a:endParaRPr lang="zh-CN" altLang="en-US" sz="1600" dirty="0"/>
+          </a:p>
+          <a:p>
+            <a:r>
+              <a:rPr lang="zh-CN" altLang="en-US" sz="1600" dirty="0"/>
               <a:t>短信，异步。发起者不关心接收者的状态。不需要等待接收者的返回信息，可继续做其它事。</a:t>
             </a:r>
           </a:p>
           <a:p>
             <a:r>
-              <a:rPr lang="zh-CN" altLang="en-US" sz="1600"/>
+              <a:rPr lang="zh-CN" altLang="en-US" sz="1600" dirty="0"/>
               <a:t>电话，同步。发起者需要等待接收者，接通电话后，通信才开始。需要等待接收者的返回信息。 </a:t>
             </a:r>
           </a:p>
@@ -21943,38 +21714,24 @@
         </p:nvSpPr>
         <p:spPr bwMode="auto">
           <a:xfrm>
-            <a:off x="290513" y="2835275"/>
-            <a:ext cx="8208962" cy="1322388"/>
+            <a:off x="384175" y="2835275"/>
+            <a:ext cx="8115300" cy="1322388"/>
           </a:xfrm>
           <a:prstGeom prst="rect">
             <a:avLst/>
           </a:prstGeom>
-          <a:noFill/>
+          <a:solidFill>
+            <a:schemeClr val="tx1">
+              <a:lumMod val="20000"/>
+              <a:lumOff val="80000"/>
+            </a:schemeClr>
+          </a:solidFill>
           <a:ln>
             <a:noFill/>
           </a:ln>
-          <a:extLst>
-            <a:ext uri="{909E8E84-426E-40DD-AFC4-6F175D3DCCD1}">
-              <a14:hiddenFill xmlns:a14="http://schemas.microsoft.com/office/drawing/2010/main">
-                <a:solidFill>
-                  <a:srgbClr val="FFFFFF"/>
-                </a:solidFill>
-              </a14:hiddenFill>
-            </a:ext>
-            <a:ext uri="{91240B29-F687-4F45-9708-019B960494DF}">
-              <a14:hiddenLine xmlns:a14="http://schemas.microsoft.com/office/drawing/2010/main" w="9525">
-                <a:solidFill>
-                  <a:srgbClr val="000000"/>
-                </a:solidFill>
-                <a:miter lim="800000"/>
-                <a:headEnd/>
-                <a:tailEnd/>
-              </a14:hiddenLine>
-            </a:ext>
-          </a:extLst>
         </p:spPr>
         <p:txBody>
-          <a:bodyPr>
+          <a:bodyPr wrap="square">
             <a:spAutoFit/>
           </a:bodyPr>
           <a:lstStyle>
@@ -22090,19 +21847,19 @@
           </a:lstStyle>
           <a:p>
             <a:r>
-              <a:rPr lang="zh-CN" altLang="en-US" sz="1600"/>
+              <a:rPr lang="zh-CN" altLang="en-US" sz="1600" dirty="0"/>
               <a:t>小明（</a:t>
             </a:r>
             <a:r>
-              <a:rPr lang="en-US" altLang="zh-CN" sz="1600"/>
+              <a:rPr lang="en-US" altLang="zh-CN" sz="1600" dirty="0"/>
               <a:t>A</a:t>
             </a:r>
             <a:r>
-              <a:rPr lang="zh-CN" altLang="en-US" sz="1600"/>
+              <a:rPr lang="zh-CN" altLang="en-US" sz="1600" dirty="0"/>
               <a:t>）去商店</a:t>
             </a:r>
             <a:r>
-              <a:rPr lang="zh-CN" altLang="en-US" sz="1600" u="sng">
+              <a:rPr lang="zh-CN" altLang="en-US" sz="1600" u="sng" dirty="0">
                 <a:solidFill>
                   <a:srgbClr val="0070C0"/>
                 </a:solidFill>
@@ -22110,33 +21867,33 @@
               <a:t>买手机</a:t>
             </a:r>
             <a:r>
-              <a:rPr lang="zh-CN" altLang="en-US" sz="1600"/>
+              <a:rPr lang="zh-CN" altLang="en-US" sz="1600" dirty="0"/>
               <a:t>，手机无货（无货直接返回：异步。一直等待有货：同步回调）</a:t>
             </a:r>
           </a:p>
           <a:p>
             <a:r>
-              <a:rPr lang="zh-CN" altLang="en-US" sz="1600"/>
+              <a:rPr lang="zh-CN" altLang="en-US" sz="1600" dirty="0"/>
               <a:t>小明（</a:t>
             </a:r>
             <a:r>
-              <a:rPr lang="en-US" altLang="zh-CN" sz="1600"/>
+              <a:rPr lang="en-US" altLang="zh-CN" sz="1600" dirty="0"/>
               <a:t>A</a:t>
             </a:r>
             <a:r>
-              <a:rPr lang="zh-CN" altLang="en-US" sz="1600"/>
+              <a:rPr lang="zh-CN" altLang="en-US" sz="1600" dirty="0"/>
               <a:t>）给店员（</a:t>
             </a:r>
             <a:r>
-              <a:rPr lang="en-US" altLang="zh-CN" sz="1600"/>
+              <a:rPr lang="en-US" altLang="zh-CN" sz="1600" dirty="0"/>
               <a:t>B</a:t>
             </a:r>
             <a:r>
-              <a:rPr lang="zh-CN" altLang="en-US" sz="1600"/>
+              <a:rPr lang="zh-CN" altLang="en-US" sz="1600" dirty="0"/>
               <a:t>）</a:t>
             </a:r>
             <a:r>
-              <a:rPr lang="zh-CN" altLang="en-US" sz="1600">
+              <a:rPr lang="zh-CN" altLang="en-US" sz="1600" dirty="0">
                 <a:solidFill>
                   <a:srgbClr val="00B050"/>
                 </a:solidFill>
@@ -22144,39 +21901,39 @@
               <a:t>留电话</a:t>
             </a:r>
             <a:r>
-              <a:rPr lang="zh-CN" altLang="en-US" sz="1600"/>
+              <a:rPr lang="zh-CN" altLang="en-US" sz="1600" dirty="0"/>
               <a:t>（登记回调函数）</a:t>
             </a:r>
           </a:p>
           <a:p>
             <a:r>
-              <a:rPr lang="zh-CN" altLang="en-US" sz="1600"/>
+              <a:rPr lang="zh-CN" altLang="en-US" sz="1600" dirty="0"/>
               <a:t>手机到货（触发回调关联的事件）</a:t>
             </a:r>
           </a:p>
           <a:p>
             <a:r>
-              <a:rPr lang="zh-CN" altLang="en-US" sz="1600"/>
+              <a:rPr lang="zh-CN" altLang="en-US" sz="1600" dirty="0"/>
               <a:t>店员（</a:t>
             </a:r>
             <a:r>
-              <a:rPr lang="en-US" altLang="zh-CN" sz="1600"/>
+              <a:rPr lang="en-US" altLang="zh-CN" sz="1600" dirty="0"/>
               <a:t>B)</a:t>
             </a:r>
             <a:r>
-              <a:rPr lang="zh-CN" altLang="en-US" sz="1600"/>
+              <a:rPr lang="zh-CN" altLang="en-US" sz="1600" dirty="0"/>
               <a:t>给小明（</a:t>
             </a:r>
             <a:r>
-              <a:rPr lang="en-US" altLang="zh-CN" sz="1600"/>
+              <a:rPr lang="en-US" altLang="zh-CN" sz="1600" dirty="0"/>
               <a:t>A</a:t>
             </a:r>
             <a:r>
-              <a:rPr lang="zh-CN" altLang="en-US" sz="1600"/>
+              <a:rPr lang="zh-CN" altLang="en-US" sz="1600" dirty="0"/>
               <a:t>）</a:t>
             </a:r>
             <a:r>
-              <a:rPr lang="zh-CN" altLang="en-US" sz="1600">
+              <a:rPr lang="zh-CN" altLang="en-US" sz="1600" dirty="0">
                 <a:solidFill>
                   <a:srgbClr val="00B050"/>
                 </a:solidFill>
@@ -22184,25 +21941,25 @@
               <a:t>打电话</a:t>
             </a:r>
             <a:r>
-              <a:rPr lang="zh-CN" altLang="en-US" sz="1600"/>
+              <a:rPr lang="zh-CN" altLang="en-US" sz="1600" dirty="0"/>
               <a:t>（调用回调函数）</a:t>
             </a:r>
           </a:p>
           <a:p>
             <a:r>
-              <a:rPr lang="zh-CN" altLang="en-US" sz="1600"/>
+              <a:rPr lang="zh-CN" altLang="en-US" sz="1600" dirty="0"/>
               <a:t>小明</a:t>
             </a:r>
             <a:r>
-              <a:rPr lang="en-US" altLang="zh-CN" sz="1600"/>
+              <a:rPr lang="en-US" altLang="zh-CN" sz="1600" dirty="0"/>
               <a:t>(A)</a:t>
             </a:r>
             <a:r>
-              <a:rPr lang="zh-CN" altLang="en-US" sz="1600"/>
+              <a:rPr lang="zh-CN" altLang="en-US" sz="1600" dirty="0"/>
               <a:t>接到电话后到商店</a:t>
             </a:r>
             <a:r>
-              <a:rPr lang="zh-CN" altLang="en-US" sz="1600" u="sng">
+              <a:rPr lang="zh-CN" altLang="en-US" sz="1600" u="sng" dirty="0">
                 <a:solidFill>
                   <a:srgbClr val="0070C0"/>
                 </a:solidFill>
@@ -22210,10 +21967,10 @@
               <a:t>买手机</a:t>
             </a:r>
             <a:r>
-              <a:rPr lang="zh-CN" altLang="en-US" sz="1600"/>
+              <a:rPr lang="zh-CN" altLang="en-US" sz="1600" dirty="0"/>
               <a:t>（响应回调事件）</a:t>
             </a:r>
-            <a:endParaRPr lang="zh-CN" altLang="en-US"/>
+            <a:endParaRPr lang="zh-CN" altLang="en-US" dirty="0"/>
           </a:p>
         </p:txBody>
       </p:sp>
@@ -22233,38 +21990,24 @@
         </p:nvSpPr>
         <p:spPr bwMode="auto">
           <a:xfrm>
-            <a:off x="317500" y="4656138"/>
-            <a:ext cx="8509000" cy="368300"/>
+            <a:off x="384175" y="4443880"/>
+            <a:ext cx="8115300" cy="368300"/>
           </a:xfrm>
           <a:prstGeom prst="rect">
             <a:avLst/>
           </a:prstGeom>
-          <a:noFill/>
+          <a:solidFill>
+            <a:schemeClr val="tx1">
+              <a:lumMod val="20000"/>
+              <a:lumOff val="80000"/>
+            </a:schemeClr>
+          </a:solidFill>
           <a:ln>
             <a:noFill/>
           </a:ln>
-          <a:extLst>
-            <a:ext uri="{909E8E84-426E-40DD-AFC4-6F175D3DCCD1}">
-              <a14:hiddenFill xmlns:a14="http://schemas.microsoft.com/office/drawing/2010/main">
-                <a:solidFill>
-                  <a:srgbClr val="FFFFFF"/>
-                </a:solidFill>
-              </a14:hiddenFill>
-            </a:ext>
-            <a:ext uri="{91240B29-F687-4F45-9708-019B960494DF}">
-              <a14:hiddenLine xmlns:a14="http://schemas.microsoft.com/office/drawing/2010/main" w="9525">
-                <a:solidFill>
-                  <a:srgbClr val="000000"/>
-                </a:solidFill>
-                <a:miter lim="800000"/>
-                <a:headEnd/>
-                <a:tailEnd/>
-              </a14:hiddenLine>
-            </a:ext>
-          </a:extLst>
         </p:spPr>
         <p:txBody>
-          <a:bodyPr>
+          <a:bodyPr wrap="square">
             <a:spAutoFit/>
           </a:bodyPr>
           <a:lstStyle>
@@ -22416,29 +22159,15 @@
           <a:prstGeom prst="rect">
             <a:avLst/>
           </a:prstGeom>
-          <a:noFill/>
+          <a:solidFill>
+            <a:schemeClr val="tx1">
+              <a:lumMod val="20000"/>
+              <a:lumOff val="80000"/>
+            </a:schemeClr>
+          </a:solidFill>
           <a:ln>
             <a:noFill/>
           </a:ln>
-          <a:extLst>
-            <a:ext uri="{909E8E84-426E-40DD-AFC4-6F175D3DCCD1}">
-              <a14:hiddenFill xmlns:a14="http://schemas.microsoft.com/office/drawing/2010/main">
-                <a:solidFill>
-                  <a:srgbClr val="FFFFFF"/>
-                </a:solidFill>
-              </a14:hiddenFill>
-            </a:ext>
-            <a:ext uri="{91240B29-F687-4F45-9708-019B960494DF}">
-              <a14:hiddenLine xmlns:a14="http://schemas.microsoft.com/office/drawing/2010/main" w="9525">
-                <a:solidFill>
-                  <a:srgbClr val="000000"/>
-                </a:solidFill>
-                <a:miter lim="800000"/>
-                <a:headEnd/>
-                <a:tailEnd/>
-              </a14:hiddenLine>
-            </a:ext>
-          </a:extLst>
         </p:spPr>
         <p:txBody>
           <a:bodyPr>
@@ -22557,23 +22286,23 @@
           </a:lstStyle>
           <a:p>
             <a:r>
-              <a:rPr lang="zh-CN" altLang="en-US" sz="2400" b="1"/>
+              <a:rPr lang="zh-CN" altLang="en-US" sz="2400" b="1" dirty="0"/>
               <a:t>定义：</a:t>
             </a:r>
           </a:p>
           <a:p>
             <a:r>
-              <a:rPr lang="zh-CN" altLang="en-US"/>
+              <a:rPr lang="zh-CN" altLang="en-US" dirty="0"/>
               <a:t>在A类中定义了一个方法，这个方法中用到了一个接口和该接口中的抽象方法，但是抽象方法没有具体的实现，需要B类去实现；</a:t>
             </a:r>
           </a:p>
           <a:p>
             <a:r>
-              <a:rPr lang="zh-CN" altLang="en-US"/>
+              <a:rPr lang="zh-CN" altLang="en-US" dirty="0"/>
               <a:t>B类实现该方法后，它本身不会去调用该方法，而是传递给A类，供A类去调用，这种机制就称为</a:t>
             </a:r>
             <a:r>
-              <a:rPr lang="zh-CN" altLang="en-US" sz="2000" b="1">
+              <a:rPr lang="zh-CN" altLang="en-US" sz="2000" b="1" dirty="0">
                 <a:solidFill>
                   <a:srgbClr val="FF0000"/>
                 </a:solidFill>
@@ -22581,7 +22310,7 @@
               <a:t>回调</a:t>
             </a:r>
             <a:r>
-              <a:rPr lang="zh-CN" altLang="en-US"/>
+              <a:rPr lang="zh-CN" altLang="en-US" dirty="0"/>
               <a:t>。</a:t>
             </a:r>
           </a:p>
@@ -22796,13 +22525,18 @@
         </p:nvSpPr>
         <p:spPr>
           <a:xfrm>
-            <a:off x="385763" y="792163"/>
+            <a:off x="385763" y="1059645"/>
             <a:ext cx="8247062" cy="3460750"/>
           </a:xfrm>
           <a:prstGeom prst="rect">
             <a:avLst/>
           </a:prstGeom>
-          <a:noFill/>
+          <a:solidFill>
+            <a:schemeClr val="tx1">
+              <a:lumMod val="20000"/>
+              <a:lumOff val="80000"/>
+            </a:schemeClr>
+          </a:solidFill>
           <a:ln w="9525">
             <a:noFill/>
           </a:ln>

--- a/10.0 -- 线程 ------- 第10章.pptx
+++ b/10.0 -- 线程 ------- 第10章.pptx
@@ -5,39 +5,36 @@
     <p:sldMasterId id="2147483720" r:id="rId1"/>
   </p:sldMasterIdLst>
   <p:notesMasterIdLst>
-    <p:notesMasterId r:id="rId32"/>
+    <p:notesMasterId r:id="rId29"/>
   </p:notesMasterIdLst>
   <p:sldIdLst>
     <p:sldId id="362" r:id="rId2"/>
     <p:sldId id="365" r:id="rId3"/>
     <p:sldId id="370" r:id="rId4"/>
-    <p:sldId id="372" r:id="rId5"/>
-    <p:sldId id="448" r:id="rId6"/>
-    <p:sldId id="472" r:id="rId7"/>
-    <p:sldId id="449" r:id="rId8"/>
-    <p:sldId id="450" r:id="rId9"/>
-    <p:sldId id="374" r:id="rId10"/>
-    <p:sldId id="434" r:id="rId11"/>
-    <p:sldId id="473" r:id="rId12"/>
-    <p:sldId id="474" r:id="rId13"/>
-    <p:sldId id="419" r:id="rId14"/>
-    <p:sldId id="376" r:id="rId15"/>
-    <p:sldId id="377" r:id="rId16"/>
-    <p:sldId id="435" r:id="rId17"/>
-    <p:sldId id="379" r:id="rId18"/>
-    <p:sldId id="447" r:id="rId19"/>
-    <p:sldId id="380" r:id="rId20"/>
-    <p:sldId id="451" r:id="rId21"/>
-    <p:sldId id="452" r:id="rId22"/>
-    <p:sldId id="453" r:id="rId23"/>
-    <p:sldId id="383" r:id="rId24"/>
-    <p:sldId id="384" r:id="rId25"/>
-    <p:sldId id="385" r:id="rId26"/>
-    <p:sldId id="386" r:id="rId27"/>
-    <p:sldId id="387" r:id="rId28"/>
-    <p:sldId id="454" r:id="rId29"/>
-    <p:sldId id="455" r:id="rId30"/>
-    <p:sldId id="391" r:id="rId31"/>
+    <p:sldId id="448" r:id="rId5"/>
+    <p:sldId id="472" r:id="rId6"/>
+    <p:sldId id="449" r:id="rId7"/>
+    <p:sldId id="450" r:id="rId8"/>
+    <p:sldId id="374" r:id="rId9"/>
+    <p:sldId id="434" r:id="rId10"/>
+    <p:sldId id="473" r:id="rId11"/>
+    <p:sldId id="474" r:id="rId12"/>
+    <p:sldId id="376" r:id="rId13"/>
+    <p:sldId id="377" r:id="rId14"/>
+    <p:sldId id="435" r:id="rId15"/>
+    <p:sldId id="379" r:id="rId16"/>
+    <p:sldId id="447" r:id="rId17"/>
+    <p:sldId id="380" r:id="rId18"/>
+    <p:sldId id="451" r:id="rId19"/>
+    <p:sldId id="452" r:id="rId20"/>
+    <p:sldId id="453" r:id="rId21"/>
+    <p:sldId id="384" r:id="rId22"/>
+    <p:sldId id="385" r:id="rId23"/>
+    <p:sldId id="386" r:id="rId24"/>
+    <p:sldId id="387" r:id="rId25"/>
+    <p:sldId id="454" r:id="rId26"/>
+    <p:sldId id="455" r:id="rId27"/>
+    <p:sldId id="391" r:id="rId28"/>
   </p:sldIdLst>
   <p:sldSz cx="9144000" cy="5143500" type="screen16x9"/>
   <p:notesSz cx="6858000" cy="9144000"/>
@@ -291,7 +288,7 @@
             <a:fld id="{07F4A947-B69F-46AB-892A-142D315848C8}" type="datetimeFigureOut">
               <a:rPr lang="zh-CN" altLang="en-US"/>
               <a:pPr/>
-              <a:t>2020/12/7</a:t>
+              <a:t>2020/12/21</a:t>
             </a:fld>
             <a:endParaRPr lang="zh-CN" altLang="en-US">
               <a:latin typeface="Arial" panose="020B0604020202020204" pitchFamily="34" charset="0"/>
@@ -1105,7 +1102,7 @@
             <a:fld id="{AA36FAB4-857D-4520-91EF-E2AD55C1857F}" type="slidenum">
               <a:rPr lang="zh-CN" altLang="en-US"/>
               <a:pPr/>
-              <a:t>30</a:t>
+              <a:t>27</a:t>
             </a:fld>
             <a:endParaRPr lang="zh-CN" altLang="en-US"/>
           </a:p>
@@ -1389,7 +1386,7 @@
             <a:fld id="{C33D8BF3-04B1-4578-9944-A784348B543C}" type="datetimeFigureOut">
               <a:rPr lang="zh-CN" altLang="en-US"/>
               <a:pPr/>
-              <a:t>2020/12/7</a:t>
+              <a:t>2020/12/21</a:t>
             </a:fld>
             <a:endParaRPr lang="zh-CN" altLang="en-US"/>
           </a:p>
@@ -1588,7 +1585,7 @@
             <a:fld id="{C33D8BF3-04B1-4578-9944-A784348B543C}" type="datetimeFigureOut">
               <a:rPr lang="zh-CN" altLang="en-US"/>
               <a:pPr/>
-              <a:t>2020/12/7</a:t>
+              <a:t>2020/12/21</a:t>
             </a:fld>
             <a:endParaRPr lang="zh-CN" altLang="en-US"/>
           </a:p>
@@ -1737,7 +1734,7 @@
             <a:fld id="{C33D8BF3-04B1-4578-9944-A784348B543C}" type="datetimeFigureOut">
               <a:rPr lang="zh-CN" altLang="en-US"/>
               <a:pPr/>
-              <a:t>2020/12/7</a:t>
+              <a:t>2020/12/21</a:t>
             </a:fld>
             <a:endParaRPr lang="zh-CN" altLang="en-US"/>
           </a:p>
@@ -1939,7 +1936,7 @@
             <a:fld id="{C33D8BF3-04B1-4578-9944-A784348B543C}" type="datetimeFigureOut">
               <a:rPr lang="zh-CN" altLang="en-US"/>
               <a:pPr/>
-              <a:t>2020/12/7</a:t>
+              <a:t>2020/12/21</a:t>
             </a:fld>
             <a:endParaRPr lang="zh-CN" altLang="en-US"/>
           </a:p>
@@ -2328,7 +2325,7 @@
             <a:fld id="{C33D8BF3-04B1-4578-9944-A784348B543C}" type="datetimeFigureOut">
               <a:rPr lang="zh-CN" altLang="en-US"/>
               <a:pPr/>
-              <a:t>2020/12/7</a:t>
+              <a:t>2020/12/21</a:t>
             </a:fld>
             <a:endParaRPr lang="zh-CN" altLang="en-US"/>
           </a:p>
@@ -2596,7 +2593,7 @@
             <a:fld id="{C33D8BF3-04B1-4578-9944-A784348B543C}" type="datetimeFigureOut">
               <a:rPr lang="zh-CN" altLang="en-US"/>
               <a:pPr/>
-              <a:t>2020/12/7</a:t>
+              <a:t>2020/12/21</a:t>
             </a:fld>
             <a:endParaRPr lang="zh-CN" altLang="en-US"/>
           </a:p>
@@ -2999,7 +2996,7 @@
             <a:fld id="{C33D8BF3-04B1-4578-9944-A784348B543C}" type="datetimeFigureOut">
               <a:rPr lang="zh-CN" altLang="en-US"/>
               <a:pPr/>
-              <a:t>2020/12/7</a:t>
+              <a:t>2020/12/21</a:t>
             </a:fld>
             <a:endParaRPr lang="zh-CN" altLang="en-US"/>
           </a:p>
@@ -5364,7 +5361,7 @@
             <a:fld id="{C33D8BF3-04B1-4578-9944-A784348B543C}" type="datetimeFigureOut">
               <a:rPr lang="zh-CN" altLang="en-US"/>
               <a:pPr/>
-              <a:t>2020/12/7</a:t>
+              <a:t>2020/12/21</a:t>
             </a:fld>
             <a:endParaRPr lang="zh-CN" altLang="en-US"/>
           </a:p>
@@ -5491,7 +5488,7 @@
             <a:fld id="{C33D8BF3-04B1-4578-9944-A784348B543C}" type="datetimeFigureOut">
               <a:rPr lang="zh-CN" altLang="en-US"/>
               <a:pPr/>
-              <a:t>2020/12/7</a:t>
+              <a:t>2020/12/21</a:t>
             </a:fld>
             <a:endParaRPr lang="zh-CN" altLang="en-US"/>
           </a:p>
@@ -5707,7 +5704,7 @@
             <a:fld id="{C33D8BF3-04B1-4578-9944-A784348B543C}" type="datetimeFigureOut">
               <a:rPr lang="zh-CN" altLang="en-US"/>
               <a:pPr/>
-              <a:t>2020/12/7</a:t>
+              <a:t>2020/12/21</a:t>
             </a:fld>
             <a:endParaRPr lang="zh-CN" altLang="en-US"/>
           </a:p>
@@ -5929,7 +5926,7 @@
             <a:fld id="{C33D8BF3-04B1-4578-9944-A784348B543C}" type="datetimeFigureOut">
               <a:rPr lang="zh-CN" altLang="en-US"/>
               <a:pPr/>
-              <a:t>2020/12/7</a:t>
+              <a:t>2020/12/21</a:t>
             </a:fld>
             <a:endParaRPr lang="zh-CN" altLang="en-US"/>
           </a:p>
@@ -6339,7 +6336,7 @@
             <a:fld id="{C33D8BF3-04B1-4578-9944-A784348B543C}" type="datetimeFigureOut">
               <a:rPr lang="zh-CN" altLang="en-US"/>
               <a:pPr/>
-              <a:t>2020/12/7</a:t>
+              <a:t>2020/12/21</a:t>
             </a:fld>
             <a:endParaRPr lang="zh-CN" altLang="en-US"/>
           </a:p>
@@ -7908,7 +7905,7 @@
     <p:bldLst>
       <p:bldP spid="2" grpId="0" bldLvl="0" animBg="1"/>
       <p:bldP spid="3" grpId="0"/>
-      <p:bldP spid="5" grpId="0"/>
+      <p:bldP spid="5" grpId="0" animBg="1"/>
       <p:bldP spid="9" grpId="0"/>
       <p:bldP spid="10" grpId="0" bldLvl="0" animBg="1"/>
       <p:bldP spid="11" grpId="0" bldLvl="0" animBg="1"/>
@@ -7918,512 +7915,6 @@
 </file>
 
 <file path=ppt/slides/slide10.xml><?xml version="1.0" encoding="utf-8"?>
-<p:sld xmlns:a="http://schemas.openxmlformats.org/drawingml/2006/main" xmlns:r="http://schemas.openxmlformats.org/officeDocument/2006/relationships" xmlns:p="http://schemas.openxmlformats.org/presentationml/2006/main">
-  <p:cSld>
-    <p:spTree>
-      <p:nvGrpSpPr>
-        <p:cNvPr id="1" name=""/>
-        <p:cNvGrpSpPr/>
-        <p:nvPr/>
-      </p:nvGrpSpPr>
-      <p:grpSpPr>
-        <a:xfrm>
-          <a:off x="0" y="0"/>
-          <a:ext cx="0" cy="0"/>
-          <a:chOff x="0" y="0"/>
-          <a:chExt cx="0" cy="0"/>
-        </a:xfrm>
-      </p:grpSpPr>
-      <p:sp>
-        <p:nvSpPr>
-          <p:cNvPr id="18433" name="标题 5">
-            <a:extLst>
-              <a:ext uri="{FF2B5EF4-FFF2-40B4-BE49-F238E27FC236}">
-                <a16:creationId xmlns:a16="http://schemas.microsoft.com/office/drawing/2014/main" id="{13334E17-1719-4783-93AB-3A10E561C4A3}"/>
-              </a:ext>
-            </a:extLst>
-          </p:cNvPr>
-          <p:cNvSpPr>
-            <a:spLocks noGrp="1" noChangeArrowheads="1"/>
-          </p:cNvSpPr>
-          <p:nvPr>
-            <p:ph type="title"/>
-          </p:nvPr>
-        </p:nvSpPr>
-        <p:spPr>
-          <a:xfrm>
-            <a:off x="385763" y="182563"/>
-            <a:ext cx="7886700" cy="431800"/>
-          </a:xfrm>
-        </p:spPr>
-        <p:txBody>
-          <a:bodyPr/>
-          <a:lstStyle/>
-          <a:p>
-            <a:r>
-              <a:rPr lang="zh-CN" altLang="en-US"/>
-              <a:t>【例</a:t>
-            </a:r>
-            <a:r>
-              <a:rPr lang="en-US" altLang="zh-CN"/>
-              <a:t>10.2</a:t>
-            </a:r>
-            <a:r>
-              <a:rPr lang="zh-CN" altLang="en-US"/>
-              <a:t>】通过主线程</a:t>
-            </a:r>
-            <a:r>
-              <a:rPr lang="en-US" altLang="zh-CN"/>
-              <a:t>Handler</a:t>
-            </a:r>
-            <a:r>
-              <a:rPr lang="zh-CN" altLang="en-US"/>
-              <a:t>对子线程进行更新</a:t>
-            </a:r>
-            <a:r>
-              <a:rPr lang="en-US" altLang="zh-CN"/>
-              <a:t>UI</a:t>
-            </a:r>
-            <a:r>
-              <a:rPr lang="zh-CN" altLang="en-US"/>
-              <a:t>操作</a:t>
-            </a:r>
-          </a:p>
-        </p:txBody>
-      </p:sp>
-      <p:pic>
-        <p:nvPicPr>
-          <p:cNvPr id="18434" name="图片 6" descr="QQ截图20171105020556">
-            <a:extLst>
-              <a:ext uri="{FF2B5EF4-FFF2-40B4-BE49-F238E27FC236}">
-                <a16:creationId xmlns:a16="http://schemas.microsoft.com/office/drawing/2014/main" id="{87D9CE46-8C92-4216-9EAA-0BC9C87FD165}"/>
-              </a:ext>
-            </a:extLst>
-          </p:cNvPr>
-          <p:cNvPicPr>
-            <a:picLocks noChangeAspect="1" noChangeArrowheads="1"/>
-          </p:cNvPicPr>
-          <p:nvPr/>
-        </p:nvPicPr>
-        <p:blipFill>
-          <a:blip r:embed="rId3">
-            <a:extLst>
-              <a:ext uri="{28A0092B-C50C-407E-A947-70E740481C1C}">
-                <a14:useLocalDpi xmlns:a14="http://schemas.microsoft.com/office/drawing/2010/main" val="0"/>
-              </a:ext>
-            </a:extLst>
-          </a:blip>
-          <a:srcRect/>
-          <a:stretch>
-            <a:fillRect/>
-          </a:stretch>
-        </p:blipFill>
-        <p:spPr bwMode="auto">
-          <a:xfrm>
-            <a:off x="3606800" y="708025"/>
-            <a:ext cx="2292350" cy="4133850"/>
-          </a:xfrm>
-          <a:prstGeom prst="rect">
-            <a:avLst/>
-          </a:prstGeom>
-          <a:noFill/>
-          <a:ln>
-            <a:noFill/>
-          </a:ln>
-          <a:extLst>
-            <a:ext uri="{909E8E84-426E-40DD-AFC4-6F175D3DCCD1}">
-              <a14:hiddenFill xmlns:a14="http://schemas.microsoft.com/office/drawing/2010/main">
-                <a:solidFill>
-                  <a:srgbClr val="FFFFFF"/>
-                </a:solidFill>
-              </a14:hiddenFill>
-            </a:ext>
-            <a:ext uri="{91240B29-F687-4F45-9708-019B960494DF}">
-              <a14:hiddenLine xmlns:a14="http://schemas.microsoft.com/office/drawing/2010/main" w="9525">
-                <a:solidFill>
-                  <a:srgbClr val="000000"/>
-                </a:solidFill>
-                <a:miter lim="800000"/>
-                <a:headEnd/>
-                <a:tailEnd/>
-              </a14:hiddenLine>
-            </a:ext>
-          </a:extLst>
-        </p:spPr>
-      </p:pic>
-      <p:pic>
-        <p:nvPicPr>
-          <p:cNvPr id="18435" name="图片 7" descr="QQ截图20171105020511">
-            <a:extLst>
-              <a:ext uri="{FF2B5EF4-FFF2-40B4-BE49-F238E27FC236}">
-                <a16:creationId xmlns:a16="http://schemas.microsoft.com/office/drawing/2014/main" id="{836E3BCF-F4B9-4056-A7FF-81061CE49975}"/>
-              </a:ext>
-            </a:extLst>
-          </p:cNvPr>
-          <p:cNvPicPr>
-            <a:picLocks noChangeAspect="1" noChangeArrowheads="1"/>
-          </p:cNvPicPr>
-          <p:nvPr/>
-        </p:nvPicPr>
-        <p:blipFill>
-          <a:blip r:embed="rId4">
-            <a:extLst>
-              <a:ext uri="{28A0092B-C50C-407E-A947-70E740481C1C}">
-                <a14:useLocalDpi xmlns:a14="http://schemas.microsoft.com/office/drawing/2010/main" val="0"/>
-              </a:ext>
-            </a:extLst>
-          </a:blip>
-          <a:srcRect/>
-          <a:stretch>
-            <a:fillRect/>
-          </a:stretch>
-        </p:blipFill>
-        <p:spPr bwMode="auto">
-          <a:xfrm>
-            <a:off x="6218238" y="736600"/>
-            <a:ext cx="2298700" cy="4076700"/>
-          </a:xfrm>
-          <a:prstGeom prst="rect">
-            <a:avLst/>
-          </a:prstGeom>
-          <a:noFill/>
-          <a:ln>
-            <a:noFill/>
-          </a:ln>
-          <a:extLst>
-            <a:ext uri="{909E8E84-426E-40DD-AFC4-6F175D3DCCD1}">
-              <a14:hiddenFill xmlns:a14="http://schemas.microsoft.com/office/drawing/2010/main">
-                <a:solidFill>
-                  <a:srgbClr val="FFFFFF"/>
-                </a:solidFill>
-              </a14:hiddenFill>
-            </a:ext>
-            <a:ext uri="{91240B29-F687-4F45-9708-019B960494DF}">
-              <a14:hiddenLine xmlns:a14="http://schemas.microsoft.com/office/drawing/2010/main" w="9525">
-                <a:solidFill>
-                  <a:srgbClr val="000000"/>
-                </a:solidFill>
-                <a:miter lim="800000"/>
-                <a:headEnd/>
-                <a:tailEnd/>
-              </a14:hiddenLine>
-            </a:ext>
-          </a:extLst>
-        </p:spPr>
-      </p:pic>
-      <p:sp>
-        <p:nvSpPr>
-          <p:cNvPr id="18436" name="文本框 1">
-            <a:extLst>
-              <a:ext uri="{FF2B5EF4-FFF2-40B4-BE49-F238E27FC236}">
-                <a16:creationId xmlns:a16="http://schemas.microsoft.com/office/drawing/2014/main" id="{2C695FA4-6D4E-489C-B741-FD2F2D87E624}"/>
-              </a:ext>
-            </a:extLst>
-          </p:cNvPr>
-          <p:cNvSpPr txBox="1">
-            <a:spLocks noChangeArrowheads="1"/>
-          </p:cNvSpPr>
-          <p:nvPr/>
-        </p:nvSpPr>
-        <p:spPr bwMode="auto">
-          <a:xfrm>
-            <a:off x="201614" y="830263"/>
-            <a:ext cx="3146302" cy="4198393"/>
-          </a:xfrm>
-          <a:prstGeom prst="rect">
-            <a:avLst/>
-          </a:prstGeom>
-          <a:solidFill>
-            <a:schemeClr val="tx1">
-              <a:lumMod val="20000"/>
-              <a:lumOff val="80000"/>
-            </a:schemeClr>
-          </a:solidFill>
-          <a:ln>
-            <a:noFill/>
-          </a:ln>
-        </p:spPr>
-        <p:txBody>
-          <a:bodyPr wrap="square">
-            <a:spAutoFit/>
-          </a:bodyPr>
-          <a:lstStyle>
-            <a:lvl1pPr indent="457200">
-              <a:defRPr>
-                <a:solidFill>
-                  <a:schemeClr val="tx1"/>
-                </a:solidFill>
-                <a:latin typeface="Arial" panose="020B0604020202020204" pitchFamily="34" charset="0"/>
-                <a:ea typeface="黑体" panose="02010609060101010101" pitchFamily="49" charset="-122"/>
-              </a:defRPr>
-            </a:lvl1pPr>
-            <a:lvl2pPr>
-              <a:defRPr>
-                <a:solidFill>
-                  <a:schemeClr val="tx1"/>
-                </a:solidFill>
-                <a:latin typeface="Arial" panose="020B0604020202020204" pitchFamily="34" charset="0"/>
-                <a:ea typeface="黑体" panose="02010609060101010101" pitchFamily="49" charset="-122"/>
-              </a:defRPr>
-            </a:lvl2pPr>
-            <a:lvl3pPr>
-              <a:defRPr>
-                <a:solidFill>
-                  <a:schemeClr val="tx1"/>
-                </a:solidFill>
-                <a:latin typeface="Arial" panose="020B0604020202020204" pitchFamily="34" charset="0"/>
-                <a:ea typeface="黑体" panose="02010609060101010101" pitchFamily="49" charset="-122"/>
-              </a:defRPr>
-            </a:lvl3pPr>
-            <a:lvl4pPr>
-              <a:defRPr>
-                <a:solidFill>
-                  <a:schemeClr val="tx1"/>
-                </a:solidFill>
-                <a:latin typeface="Arial" panose="020B0604020202020204" pitchFamily="34" charset="0"/>
-                <a:ea typeface="黑体" panose="02010609060101010101" pitchFamily="49" charset="-122"/>
-              </a:defRPr>
-            </a:lvl4pPr>
-            <a:lvl5pPr>
-              <a:defRPr>
-                <a:solidFill>
-                  <a:schemeClr val="tx1"/>
-                </a:solidFill>
-                <a:latin typeface="Arial" panose="020B0604020202020204" pitchFamily="34" charset="0"/>
-                <a:ea typeface="黑体" panose="02010609060101010101" pitchFamily="49" charset="-122"/>
-              </a:defRPr>
-            </a:lvl5pPr>
-            <a:lvl6pPr fontAlgn="base">
-              <a:spcBef>
-                <a:spcPct val="0"/>
-              </a:spcBef>
-              <a:spcAft>
-                <a:spcPct val="0"/>
-              </a:spcAft>
-              <a:buFont typeface="Arial" panose="020B0604020202020204" pitchFamily="34" charset="0"/>
-              <a:defRPr>
-                <a:solidFill>
-                  <a:schemeClr val="tx1"/>
-                </a:solidFill>
-                <a:latin typeface="Arial" panose="020B0604020202020204" pitchFamily="34" charset="0"/>
-                <a:ea typeface="黑体" panose="02010609060101010101" pitchFamily="49" charset="-122"/>
-              </a:defRPr>
-            </a:lvl6pPr>
-            <a:lvl7pPr fontAlgn="base">
-              <a:spcBef>
-                <a:spcPct val="0"/>
-              </a:spcBef>
-              <a:spcAft>
-                <a:spcPct val="0"/>
-              </a:spcAft>
-              <a:buFont typeface="Arial" panose="020B0604020202020204" pitchFamily="34" charset="0"/>
-              <a:defRPr>
-                <a:solidFill>
-                  <a:schemeClr val="tx1"/>
-                </a:solidFill>
-                <a:latin typeface="Arial" panose="020B0604020202020204" pitchFamily="34" charset="0"/>
-                <a:ea typeface="黑体" panose="02010609060101010101" pitchFamily="49" charset="-122"/>
-              </a:defRPr>
-            </a:lvl7pPr>
-            <a:lvl8pPr fontAlgn="base">
-              <a:spcBef>
-                <a:spcPct val="0"/>
-              </a:spcBef>
-              <a:spcAft>
-                <a:spcPct val="0"/>
-              </a:spcAft>
-              <a:buFont typeface="Arial" panose="020B0604020202020204" pitchFamily="34" charset="0"/>
-              <a:defRPr>
-                <a:solidFill>
-                  <a:schemeClr val="tx1"/>
-                </a:solidFill>
-                <a:latin typeface="Arial" panose="020B0604020202020204" pitchFamily="34" charset="0"/>
-                <a:ea typeface="黑体" panose="02010609060101010101" pitchFamily="49" charset="-122"/>
-              </a:defRPr>
-            </a:lvl8pPr>
-            <a:lvl9pPr fontAlgn="base">
-              <a:spcBef>
-                <a:spcPct val="0"/>
-              </a:spcBef>
-              <a:spcAft>
-                <a:spcPct val="0"/>
-              </a:spcAft>
-              <a:buFont typeface="Arial" panose="020B0604020202020204" pitchFamily="34" charset="0"/>
-              <a:defRPr>
-                <a:solidFill>
-                  <a:schemeClr val="tx1"/>
-                </a:solidFill>
-                <a:latin typeface="Arial" panose="020B0604020202020204" pitchFamily="34" charset="0"/>
-                <a:ea typeface="黑体" panose="02010609060101010101" pitchFamily="49" charset="-122"/>
-              </a:defRPr>
-            </a:lvl9pPr>
-          </a:lstStyle>
-          <a:p>
-            <a:pPr>
-              <a:lnSpc>
-                <a:spcPct val="150000"/>
-              </a:lnSpc>
-            </a:pPr>
-            <a:r>
-              <a:rPr lang="en-US" altLang="zh-CN" dirty="0" err="1">
-                <a:latin typeface="微软雅黑" panose="020B0503020204020204" pitchFamily="34" charset="-122"/>
-                <a:ea typeface="微软雅黑" panose="020B0503020204020204" pitchFamily="34" charset="-122"/>
-              </a:rPr>
-              <a:t>ThreadUpdateTest</a:t>
-            </a:r>
-            <a:endParaRPr lang="en-US" altLang="zh-CN" dirty="0">
-              <a:latin typeface="微软雅黑" panose="020B0503020204020204" pitchFamily="34" charset="-122"/>
-              <a:ea typeface="微软雅黑" panose="020B0503020204020204" pitchFamily="34" charset="-122"/>
-            </a:endParaRPr>
-          </a:p>
-          <a:p>
-            <a:pPr>
-              <a:lnSpc>
-                <a:spcPct val="150000"/>
-              </a:lnSpc>
-            </a:pPr>
-            <a:r>
-              <a:rPr lang="zh-CN" altLang="en-US" dirty="0">
-                <a:latin typeface="微软雅黑" panose="020B0503020204020204" pitchFamily="34" charset="-122"/>
-                <a:ea typeface="微软雅黑" panose="020B0503020204020204" pitchFamily="34" charset="-122"/>
-              </a:rPr>
-              <a:t>点击按钮</a:t>
-            </a:r>
-            <a:r>
-              <a:rPr lang="en-US" altLang="zh-CN" dirty="0">
-                <a:latin typeface="微软雅黑" panose="020B0503020204020204" pitchFamily="34" charset="-122"/>
-                <a:ea typeface="微软雅黑" panose="020B0503020204020204" pitchFamily="34" charset="-122"/>
-              </a:rPr>
-              <a:t>1</a:t>
-            </a:r>
-            <a:r>
-              <a:rPr lang="zh-CN" altLang="en-US" dirty="0">
-                <a:latin typeface="微软雅黑" panose="020B0503020204020204" pitchFamily="34" charset="-122"/>
-                <a:ea typeface="微软雅黑" panose="020B0503020204020204" pitchFamily="34" charset="-122"/>
-              </a:rPr>
-              <a:t>，出现左图</a:t>
-            </a:r>
-          </a:p>
-          <a:p>
-            <a:pPr>
-              <a:lnSpc>
-                <a:spcPct val="150000"/>
-              </a:lnSpc>
-            </a:pPr>
-            <a:r>
-              <a:rPr lang="zh-CN" altLang="en-US" dirty="0">
-                <a:latin typeface="微软雅黑" panose="020B0503020204020204" pitchFamily="34" charset="-122"/>
-                <a:ea typeface="微软雅黑" panose="020B0503020204020204" pitchFamily="34" charset="-122"/>
-              </a:rPr>
-              <a:t>点击按钮</a:t>
-            </a:r>
-            <a:r>
-              <a:rPr lang="en-US" altLang="zh-CN" dirty="0">
-                <a:latin typeface="微软雅黑" panose="020B0503020204020204" pitchFamily="34" charset="-122"/>
-                <a:ea typeface="微软雅黑" panose="020B0503020204020204" pitchFamily="34" charset="-122"/>
-              </a:rPr>
-              <a:t>2</a:t>
-            </a:r>
-            <a:r>
-              <a:rPr lang="zh-CN" altLang="en-US" dirty="0">
-                <a:latin typeface="微软雅黑" panose="020B0503020204020204" pitchFamily="34" charset="-122"/>
-                <a:ea typeface="微软雅黑" panose="020B0503020204020204" pitchFamily="34" charset="-122"/>
-              </a:rPr>
-              <a:t>，出现右图</a:t>
-            </a:r>
-          </a:p>
-          <a:p>
-            <a:pPr>
-              <a:lnSpc>
-                <a:spcPct val="150000"/>
-              </a:lnSpc>
-            </a:pPr>
-            <a:endParaRPr lang="zh-CN" altLang="en-US" dirty="0">
-              <a:latin typeface="微软雅黑" panose="020B0503020204020204" pitchFamily="34" charset="-122"/>
-              <a:ea typeface="微软雅黑" panose="020B0503020204020204" pitchFamily="34" charset="-122"/>
-            </a:endParaRPr>
-          </a:p>
-          <a:p>
-            <a:pPr>
-              <a:lnSpc>
-                <a:spcPct val="150000"/>
-              </a:lnSpc>
-            </a:pPr>
-            <a:r>
-              <a:rPr lang="zh-CN" altLang="en-US" dirty="0">
-                <a:latin typeface="微软雅黑" panose="020B0503020204020204" pitchFamily="34" charset="-122"/>
-                <a:ea typeface="微软雅黑" panose="020B0503020204020204" pitchFamily="34" charset="-122"/>
-              </a:rPr>
-              <a:t>证明直接在子线程更新</a:t>
-            </a:r>
-            <a:r>
-              <a:rPr lang="en-US" altLang="zh-CN" dirty="0">
-                <a:latin typeface="微软雅黑" panose="020B0503020204020204" pitchFamily="34" charset="-122"/>
-                <a:ea typeface="微软雅黑" panose="020B0503020204020204" pitchFamily="34" charset="-122"/>
-              </a:rPr>
-              <a:t>UI</a:t>
-            </a:r>
-            <a:r>
-              <a:rPr lang="zh-CN" altLang="en-US" dirty="0">
-                <a:latin typeface="微软雅黑" panose="020B0503020204020204" pitchFamily="34" charset="-122"/>
-                <a:ea typeface="微软雅黑" panose="020B0503020204020204" pitchFamily="34" charset="-122"/>
-              </a:rPr>
-              <a:t>将会导致程序崩溃。必须通过子线程给主线程的</a:t>
-            </a:r>
-            <a:r>
-              <a:rPr lang="en-US" altLang="zh-CN" dirty="0">
-                <a:latin typeface="微软雅黑" panose="020B0503020204020204" pitchFamily="34" charset="-122"/>
-                <a:ea typeface="微软雅黑" panose="020B0503020204020204" pitchFamily="34" charset="-122"/>
-              </a:rPr>
-              <a:t>Handler</a:t>
-            </a:r>
-            <a:r>
-              <a:rPr lang="zh-CN" altLang="en-US" dirty="0">
-                <a:latin typeface="微软雅黑" panose="020B0503020204020204" pitchFamily="34" charset="-122"/>
-                <a:ea typeface="微软雅黑" panose="020B0503020204020204" pitchFamily="34" charset="-122"/>
-              </a:rPr>
-              <a:t>发送消息来完成更新</a:t>
-            </a:r>
-            <a:r>
-              <a:rPr lang="en-US" altLang="zh-CN" dirty="0">
-                <a:latin typeface="微软雅黑" panose="020B0503020204020204" pitchFamily="34" charset="-122"/>
-                <a:ea typeface="微软雅黑" panose="020B0503020204020204" pitchFamily="34" charset="-122"/>
-              </a:rPr>
-              <a:t>UI</a:t>
-            </a:r>
-            <a:r>
-              <a:rPr lang="zh-CN" altLang="en-US" dirty="0">
-                <a:latin typeface="微软雅黑" panose="020B0503020204020204" pitchFamily="34" charset="-122"/>
-                <a:ea typeface="微软雅黑" panose="020B0503020204020204" pitchFamily="34" charset="-122"/>
-              </a:rPr>
-              <a:t>的操作。</a:t>
-            </a:r>
-          </a:p>
-          <a:p>
-            <a:pPr>
-              <a:lnSpc>
-                <a:spcPct val="150000"/>
-              </a:lnSpc>
-            </a:pPr>
-            <a:endParaRPr lang="zh-CN" altLang="en-US" dirty="0">
-              <a:latin typeface="微软雅黑" panose="020B0503020204020204" pitchFamily="34" charset="-122"/>
-              <a:ea typeface="微软雅黑" panose="020B0503020204020204" pitchFamily="34" charset="-122"/>
-            </a:endParaRPr>
-          </a:p>
-        </p:txBody>
-      </p:sp>
-    </p:spTree>
-    <p:custDataLst>
-      <p:tags r:id="rId1"/>
-    </p:custDataLst>
-  </p:cSld>
-  <p:clrMapOvr>
-    <a:masterClrMapping/>
-  </p:clrMapOvr>
-</p:sld>
-</file>
-
-<file path=ppt/slides/slide11.xml><?xml version="1.0" encoding="utf-8"?>
 <p:sld xmlns:a="http://schemas.openxmlformats.org/drawingml/2006/main" xmlns:r="http://schemas.openxmlformats.org/officeDocument/2006/relationships" xmlns:p="http://schemas.openxmlformats.org/presentationml/2006/main">
   <p:cSld>
     <p:spTree>
@@ -8574,7 +8065,7 @@
         <p:spPr bwMode="auto">
           <a:xfrm>
             <a:off x="539720" y="915635"/>
-            <a:ext cx="3405187" cy="3414712"/>
+            <a:ext cx="4032280" cy="3414712"/>
           </a:xfrm>
           <a:prstGeom prst="rect">
             <a:avLst/>
@@ -8590,7 +8081,7 @@
           </a:ln>
         </p:spPr>
         <p:txBody>
-          <a:bodyPr>
+          <a:bodyPr wrap="square">
             <a:spAutoFit/>
           </a:bodyPr>
           <a:lstStyle>
@@ -8876,7 +8367,7 @@
 </p:sld>
 </file>
 
-<file path=ppt/slides/slide12.xml><?xml version="1.0" encoding="utf-8"?>
+<file path=ppt/slides/slide11.xml><?xml version="1.0" encoding="utf-8"?>
 <p:sld xmlns:a="http://schemas.openxmlformats.org/drawingml/2006/main" xmlns:r="http://schemas.openxmlformats.org/officeDocument/2006/relationships" xmlns:p="http://schemas.openxmlformats.org/presentationml/2006/main">
   <p:cSld>
     <p:spTree>
@@ -9252,345 +8743,7 @@
 </p:sld>
 </file>
 
-<file path=ppt/slides/slide13.xml><?xml version="1.0" encoding="utf-8"?>
-<p:sld xmlns:a="http://schemas.openxmlformats.org/drawingml/2006/main" xmlns:r="http://schemas.openxmlformats.org/officeDocument/2006/relationships" xmlns:p="http://schemas.openxmlformats.org/presentationml/2006/main">
-  <p:cSld>
-    <p:spTree>
-      <p:nvGrpSpPr>
-        <p:cNvPr id="1" name=""/>
-        <p:cNvGrpSpPr/>
-        <p:nvPr/>
-      </p:nvGrpSpPr>
-      <p:grpSpPr>
-        <a:xfrm>
-          <a:off x="0" y="0"/>
-          <a:ext cx="0" cy="0"/>
-          <a:chOff x="0" y="0"/>
-          <a:chExt cx="0" cy="0"/>
-        </a:xfrm>
-      </p:grpSpPr>
-      <p:sp>
-        <p:nvSpPr>
-          <p:cNvPr id="21505" name="标题 6">
-            <a:extLst>
-              <a:ext uri="{FF2B5EF4-FFF2-40B4-BE49-F238E27FC236}">
-                <a16:creationId xmlns:a16="http://schemas.microsoft.com/office/drawing/2014/main" id="{AA9DC80A-3CBA-4750-B996-35BC51ACF332}"/>
-              </a:ext>
-            </a:extLst>
-          </p:cNvPr>
-          <p:cNvSpPr>
-            <a:spLocks noGrp="1" noChangeArrowheads="1"/>
-          </p:cNvSpPr>
-          <p:nvPr>
-            <p:ph type="title"/>
-          </p:nvPr>
-        </p:nvSpPr>
-        <p:spPr>
-          <a:xfrm>
-            <a:off x="188913" y="184150"/>
-            <a:ext cx="8081962" cy="430213"/>
-          </a:xfrm>
-        </p:spPr>
-        <p:txBody>
-          <a:bodyPr/>
-          <a:lstStyle/>
-          <a:p>
-            <a:r>
-              <a:rPr lang="zh-CN" altLang="en-US"/>
-              <a:t>消息处理相关类：</a:t>
-            </a:r>
-          </a:p>
-        </p:txBody>
-      </p:sp>
-      <p:sp>
-        <p:nvSpPr>
-          <p:cNvPr id="21506" name="文本框 7">
-            <a:extLst>
-              <a:ext uri="{FF2B5EF4-FFF2-40B4-BE49-F238E27FC236}">
-                <a16:creationId xmlns:a16="http://schemas.microsoft.com/office/drawing/2014/main" id="{14089CAF-5DFA-431C-A187-C3BF637D4840}"/>
-              </a:ext>
-            </a:extLst>
-          </p:cNvPr>
-          <p:cNvSpPr txBox="1">
-            <a:spLocks noChangeArrowheads="1"/>
-          </p:cNvSpPr>
-          <p:nvPr/>
-        </p:nvSpPr>
-        <p:spPr bwMode="auto">
-          <a:xfrm>
-            <a:off x="103188" y="782638"/>
-            <a:ext cx="8937625" cy="3906837"/>
-          </a:xfrm>
-          <a:prstGeom prst="rect">
-            <a:avLst/>
-          </a:prstGeom>
-          <a:solidFill>
-            <a:schemeClr val="tx1">
-              <a:lumMod val="20000"/>
-              <a:lumOff val="80000"/>
-            </a:schemeClr>
-          </a:solidFill>
-          <a:ln>
-            <a:noFill/>
-          </a:ln>
-        </p:spPr>
-        <p:txBody>
-          <a:bodyPr>
-            <a:spAutoFit/>
-          </a:bodyPr>
-          <a:lstStyle>
-            <a:lvl1pPr>
-              <a:defRPr>
-                <a:solidFill>
-                  <a:schemeClr val="tx1"/>
-                </a:solidFill>
-                <a:latin typeface="Arial" panose="020B0604020202020204" pitchFamily="34" charset="0"/>
-                <a:ea typeface="黑体" panose="02010609060101010101" pitchFamily="49" charset="-122"/>
-              </a:defRPr>
-            </a:lvl1pPr>
-            <a:lvl2pPr>
-              <a:defRPr>
-                <a:solidFill>
-                  <a:schemeClr val="tx1"/>
-                </a:solidFill>
-                <a:latin typeface="Arial" panose="020B0604020202020204" pitchFamily="34" charset="0"/>
-                <a:ea typeface="黑体" panose="02010609060101010101" pitchFamily="49" charset="-122"/>
-              </a:defRPr>
-            </a:lvl2pPr>
-            <a:lvl3pPr>
-              <a:defRPr>
-                <a:solidFill>
-                  <a:schemeClr val="tx1"/>
-                </a:solidFill>
-                <a:latin typeface="Arial" panose="020B0604020202020204" pitchFamily="34" charset="0"/>
-                <a:ea typeface="黑体" panose="02010609060101010101" pitchFamily="49" charset="-122"/>
-              </a:defRPr>
-            </a:lvl3pPr>
-            <a:lvl4pPr>
-              <a:defRPr>
-                <a:solidFill>
-                  <a:schemeClr val="tx1"/>
-                </a:solidFill>
-                <a:latin typeface="Arial" panose="020B0604020202020204" pitchFamily="34" charset="0"/>
-                <a:ea typeface="黑体" panose="02010609060101010101" pitchFamily="49" charset="-122"/>
-              </a:defRPr>
-            </a:lvl4pPr>
-            <a:lvl5pPr>
-              <a:defRPr>
-                <a:solidFill>
-                  <a:schemeClr val="tx1"/>
-                </a:solidFill>
-                <a:latin typeface="Arial" panose="020B0604020202020204" pitchFamily="34" charset="0"/>
-                <a:ea typeface="黑体" panose="02010609060101010101" pitchFamily="49" charset="-122"/>
-              </a:defRPr>
-            </a:lvl5pPr>
-            <a:lvl6pPr fontAlgn="base">
-              <a:spcBef>
-                <a:spcPct val="0"/>
-              </a:spcBef>
-              <a:spcAft>
-                <a:spcPct val="0"/>
-              </a:spcAft>
-              <a:buFont typeface="Arial" panose="020B0604020202020204" pitchFamily="34" charset="0"/>
-              <a:defRPr>
-                <a:solidFill>
-                  <a:schemeClr val="tx1"/>
-                </a:solidFill>
-                <a:latin typeface="Arial" panose="020B0604020202020204" pitchFamily="34" charset="0"/>
-                <a:ea typeface="黑体" panose="02010609060101010101" pitchFamily="49" charset="-122"/>
-              </a:defRPr>
-            </a:lvl6pPr>
-            <a:lvl7pPr fontAlgn="base">
-              <a:spcBef>
-                <a:spcPct val="0"/>
-              </a:spcBef>
-              <a:spcAft>
-                <a:spcPct val="0"/>
-              </a:spcAft>
-              <a:buFont typeface="Arial" panose="020B0604020202020204" pitchFamily="34" charset="0"/>
-              <a:defRPr>
-                <a:solidFill>
-                  <a:schemeClr val="tx1"/>
-                </a:solidFill>
-                <a:latin typeface="Arial" panose="020B0604020202020204" pitchFamily="34" charset="0"/>
-                <a:ea typeface="黑体" panose="02010609060101010101" pitchFamily="49" charset="-122"/>
-              </a:defRPr>
-            </a:lvl7pPr>
-            <a:lvl8pPr fontAlgn="base">
-              <a:spcBef>
-                <a:spcPct val="0"/>
-              </a:spcBef>
-              <a:spcAft>
-                <a:spcPct val="0"/>
-              </a:spcAft>
-              <a:buFont typeface="Arial" panose="020B0604020202020204" pitchFamily="34" charset="0"/>
-              <a:defRPr>
-                <a:solidFill>
-                  <a:schemeClr val="tx1"/>
-                </a:solidFill>
-                <a:latin typeface="Arial" panose="020B0604020202020204" pitchFamily="34" charset="0"/>
-                <a:ea typeface="黑体" panose="02010609060101010101" pitchFamily="49" charset="-122"/>
-              </a:defRPr>
-            </a:lvl8pPr>
-            <a:lvl9pPr fontAlgn="base">
-              <a:spcBef>
-                <a:spcPct val="0"/>
-              </a:spcBef>
-              <a:spcAft>
-                <a:spcPct val="0"/>
-              </a:spcAft>
-              <a:buFont typeface="Arial" panose="020B0604020202020204" pitchFamily="34" charset="0"/>
-              <a:defRPr>
-                <a:solidFill>
-                  <a:schemeClr val="tx1"/>
-                </a:solidFill>
-                <a:latin typeface="Arial" panose="020B0604020202020204" pitchFamily="34" charset="0"/>
-                <a:ea typeface="黑体" panose="02010609060101010101" pitchFamily="49" charset="-122"/>
-              </a:defRPr>
-            </a:lvl9pPr>
-          </a:lstStyle>
-          <a:p>
-            <a:r>
-              <a:rPr lang="zh-CN" altLang="en-US" b="1" dirty="0">
-                <a:solidFill>
-                  <a:srgbClr val="0070C0"/>
-                </a:solidFill>
-              </a:rPr>
-              <a:t>Message 消息</a:t>
-            </a:r>
-            <a:endParaRPr lang="zh-CN" altLang="en-US" sz="1600" b="1" dirty="0">
-              <a:solidFill>
-                <a:srgbClr val="0070C0"/>
-              </a:solidFill>
-            </a:endParaRPr>
-          </a:p>
-          <a:p>
-            <a:r>
-              <a:rPr lang="zh-CN" altLang="en-US" sz="1600" u="sng" dirty="0"/>
-              <a:t>线程间通讯的数据单元</a:t>
-            </a:r>
-            <a:r>
-              <a:rPr lang="zh-CN" altLang="en-US" sz="1600" dirty="0"/>
-              <a:t>（Handler接受和处理的消息对象）</a:t>
-            </a:r>
-          </a:p>
-          <a:p>
-            <a:r>
-              <a:rPr lang="zh-CN" altLang="en-US" sz="1600" dirty="0"/>
-              <a:t>例如后台线程在处理数据完毕后需要更新UI，则可发送一条包含更新信息的Message给UI线程</a:t>
-            </a:r>
-          </a:p>
-          <a:p>
-            <a:endParaRPr lang="zh-CN" altLang="en-US" sz="1600" dirty="0"/>
-          </a:p>
-          <a:p>
-            <a:r>
-              <a:rPr lang="zh-CN" altLang="en-US" b="1" dirty="0">
-                <a:solidFill>
-                  <a:srgbClr val="0070C0"/>
-                </a:solidFill>
-              </a:rPr>
-              <a:t>Message Queue 消息队列</a:t>
-            </a:r>
-          </a:p>
-          <a:p>
-            <a:r>
-              <a:rPr lang="zh-CN" altLang="en-US" sz="1600" u="sng" dirty="0"/>
-              <a:t>存放通过Handler发过来的消息</a:t>
-            </a:r>
-            <a:r>
-              <a:rPr lang="zh-CN" altLang="en-US" sz="1600" dirty="0"/>
-              <a:t>，按照先进先出执行</a:t>
-            </a:r>
-          </a:p>
-          <a:p>
-            <a:endParaRPr lang="zh-CN" altLang="en-US" sz="1600" dirty="0"/>
-          </a:p>
-          <a:p>
-            <a:r>
-              <a:rPr lang="zh-CN" altLang="en-US" b="1" dirty="0">
-                <a:solidFill>
-                  <a:srgbClr val="0070C0"/>
-                </a:solidFill>
-              </a:rPr>
-              <a:t>Handler 处理者</a:t>
-            </a:r>
-            <a:endParaRPr lang="zh-CN" altLang="en-US" b="1" dirty="0">
-              <a:solidFill>
-                <a:schemeClr val="tx2"/>
-              </a:solidFill>
-            </a:endParaRPr>
-          </a:p>
-          <a:p>
-            <a:r>
-              <a:rPr lang="zh-CN" altLang="en-US" sz="1600" u="sng" dirty="0"/>
-              <a:t>Handler是Message的主要处理者</a:t>
-            </a:r>
-          </a:p>
-          <a:p>
-            <a:r>
-              <a:rPr lang="zh-CN" altLang="en-US" sz="1600" dirty="0"/>
-              <a:t>负责将Message添加到消息队列 &amp; 处理Looper分派过来的Message</a:t>
-            </a:r>
-          </a:p>
-          <a:p>
-            <a:endParaRPr lang="zh-CN" altLang="en-US" sz="1600" dirty="0"/>
-          </a:p>
-          <a:p>
-            <a:r>
-              <a:rPr lang="zh-CN" altLang="en-US" b="1" dirty="0">
-                <a:solidFill>
-                  <a:srgbClr val="0070C0"/>
-                </a:solidFill>
-              </a:rPr>
-              <a:t>Looper </a:t>
-            </a:r>
-            <a:r>
-              <a:rPr lang="zh-CN" altLang="en-US" b="1" dirty="0">
-                <a:solidFill>
-                  <a:srgbClr val="0070C0"/>
-                </a:solidFill>
-                <a:sym typeface="黑体" panose="02010609060101010101" pitchFamily="49" charset="-122"/>
-              </a:rPr>
-              <a:t>循环器</a:t>
-            </a:r>
-            <a:endParaRPr lang="zh-CN" altLang="en-US" sz="1600" b="1" dirty="0">
-              <a:sym typeface="黑体" panose="02010609060101010101" pitchFamily="49" charset="-122"/>
-            </a:endParaRPr>
-          </a:p>
-          <a:p>
-            <a:r>
-              <a:rPr lang="zh-CN" altLang="en-US" sz="1600" u="sng" dirty="0"/>
-              <a:t>Message Queue和Handler之间桥梁</a:t>
-            </a:r>
-          </a:p>
-          <a:p>
-            <a:r>
-              <a:rPr lang="zh-CN" altLang="en-US" sz="1600" dirty="0"/>
-              <a:t>消息循环：循环取出Message Queue的Message；</a:t>
-            </a:r>
-          </a:p>
-          <a:p>
-            <a:r>
-              <a:rPr lang="zh-CN" altLang="en-US" sz="1600" dirty="0"/>
-              <a:t>消息派发：将取出的Message交付给相应的Handler</a:t>
-            </a:r>
-            <a:endParaRPr lang="zh-CN" altLang="en-US" dirty="0"/>
-          </a:p>
-        </p:txBody>
-      </p:sp>
-    </p:spTree>
-    <p:custDataLst>
-      <p:tags r:id="rId1"/>
-    </p:custDataLst>
-  </p:cSld>
-  <p:clrMapOvr>
-    <a:masterClrMapping/>
-  </p:clrMapOvr>
-</p:sld>
-</file>
-
-<file path=ppt/slides/slide14.xml><?xml version="1.0" encoding="utf-8"?>
+<file path=ppt/slides/slide12.xml><?xml version="1.0" encoding="utf-8"?>
 <p:sld xmlns:a="http://schemas.openxmlformats.org/drawingml/2006/main" xmlns:r="http://schemas.openxmlformats.org/officeDocument/2006/relationships" xmlns:p="http://schemas.openxmlformats.org/presentationml/2006/main">
   <p:cSld>
     <p:spTree>
@@ -10084,7 +9237,7 @@
 </p:sld>
 </file>
 
-<file path=ppt/slides/slide15.xml><?xml version="1.0" encoding="utf-8"?>
+<file path=ppt/slides/slide13.xml><?xml version="1.0" encoding="utf-8"?>
 <p:sld xmlns:a="http://schemas.openxmlformats.org/drawingml/2006/main" xmlns:r="http://schemas.openxmlformats.org/officeDocument/2006/relationships" xmlns:p="http://schemas.openxmlformats.org/presentationml/2006/main">
   <p:cSld>
     <p:spTree>
@@ -10623,16 +9776,22 @@
         </p:blipFill>
         <p:spPr bwMode="auto">
           <a:xfrm>
-            <a:off x="300038" y="1871663"/>
+            <a:off x="118111" y="1871663"/>
             <a:ext cx="5729287" cy="3203575"/>
           </a:xfrm>
           <a:prstGeom prst="rect">
             <a:avLst/>
           </a:prstGeom>
-          <a:noFill/>
           <a:ln>
             <a:noFill/>
           </a:ln>
+          <a:effectLst>
+            <a:outerShdw blurRad="292100" dist="139700" dir="2700000" algn="tl" rotWithShape="0">
+              <a:srgbClr val="333333">
+                <a:alpha val="65000"/>
+              </a:srgbClr>
+            </a:outerShdw>
+          </a:effectLst>
           <a:extLst>
             <a:ext uri="{909E8E84-426E-40DD-AFC4-6F175D3DCCD1}">
               <a14:hiddenFill xmlns:a14="http://schemas.microsoft.com/office/drawing/2010/main">
@@ -10666,7 +9825,7 @@
 </p:sld>
 </file>
 
-<file path=ppt/slides/slide16.xml><?xml version="1.0" encoding="utf-8"?>
+<file path=ppt/slides/slide14.xml><?xml version="1.0" encoding="utf-8"?>
 <p:sld xmlns:a="http://schemas.openxmlformats.org/drawingml/2006/main" xmlns:r="http://schemas.openxmlformats.org/officeDocument/2006/relationships" xmlns:p="http://schemas.openxmlformats.org/presentationml/2006/main">
   <p:cSld>
     <p:spTree>
@@ -11239,7 +10398,7 @@
 </p:sld>
 </file>
 
-<file path=ppt/slides/slide17.xml><?xml version="1.0" encoding="utf-8"?>
+<file path=ppt/slides/slide15.xml><?xml version="1.0" encoding="utf-8"?>
 <p:sld xmlns:a="http://schemas.openxmlformats.org/drawingml/2006/main" xmlns:r="http://schemas.openxmlformats.org/officeDocument/2006/relationships" xmlns:p="http://schemas.openxmlformats.org/presentationml/2006/main">
   <p:cSld>
     <p:spTree>
@@ -11311,8 +10470,8 @@
         </p:nvSpPr>
         <p:spPr>
           <a:xfrm>
-            <a:off x="430213" y="987425"/>
-            <a:ext cx="8245475" cy="3000375"/>
+            <a:off x="440599" y="1275660"/>
+            <a:ext cx="8245475" cy="2637710"/>
           </a:xfrm>
           <a:prstGeom prst="rect">
             <a:avLst/>
@@ -11366,8 +10525,19 @@
                 <a:solidFill>
                   <a:srgbClr val="FF0000"/>
                 </a:solidFill>
-              </a:rPr>
-              <a:t>AsyncTask：</a:t>
+                <a:highlight>
+                  <a:srgbClr val="FFFF00"/>
+                </a:highlight>
+              </a:rPr>
+              <a:t>AsyncTask</a:t>
+            </a:r>
+            <a:r>
+              <a:rPr lang="zh-CN" altLang="en-US" sz="2800" b="1" noProof="1">
+                <a:solidFill>
+                  <a:srgbClr val="FF0000"/>
+                </a:solidFill>
+              </a:rPr>
+              <a:t>：</a:t>
             </a:r>
             <a:r>
               <a:rPr lang="zh-CN" altLang="en-US" sz="2800" b="1" noProof="1">
@@ -11422,19 +10592,7 @@
               <a:rPr lang="zh-CN" altLang="en-US" sz="1400" noProof="1"/>
               <a:t>对Thread和Handler进行封装，方便使用。</a:t>
             </a:r>
-          </a:p>
-          <a:p>
-            <a:pPr marL="285750" indent="-285750">
-              <a:lnSpc>
-                <a:spcPct val="150000"/>
-              </a:lnSpc>
-              <a:buFont typeface="Wingdings" panose="05000000000000000000" charset="0"/>
-              <a:buChar char=""/>
-            </a:pPr>
-            <a:r>
-              <a:rPr lang="zh-CN" altLang="en-US" sz="1400" noProof="1"/>
-              <a:t>在后台线程中执行操作，然后将结果发送给主线程，从而在主线程中进行UI更新等操作。</a:t>
-            </a:r>
+            <a:endParaRPr lang="en-US" altLang="zh-CN" sz="1400" noProof="1"/>
           </a:p>
           <a:p>
             <a:pPr marL="285750" indent="-285750">
@@ -11598,7 +10756,7 @@
 </p:sld>
 </file>
 
-<file path=ppt/slides/slide18.xml><?xml version="1.0" encoding="utf-8"?>
+<file path=ppt/slides/slide16.xml><?xml version="1.0" encoding="utf-8"?>
 <p:sld xmlns:a="http://schemas.openxmlformats.org/drawingml/2006/main" xmlns:r="http://schemas.openxmlformats.org/officeDocument/2006/relationships" xmlns:p="http://schemas.openxmlformats.org/presentationml/2006/main">
   <p:cSld>
     <p:spTree>
@@ -11961,7 +11119,7 @@
         <p:spPr bwMode="auto">
           <a:xfrm>
             <a:off x="219075" y="4446588"/>
-            <a:ext cx="8705850" cy="506412"/>
+            <a:ext cx="7233125" cy="454035"/>
           </a:xfrm>
           <a:prstGeom prst="rect">
             <a:avLst/>
@@ -11991,7 +11149,7 @@
           </a:extLst>
         </p:spPr>
         <p:txBody>
-          <a:bodyPr>
+          <a:bodyPr wrap="square">
             <a:spAutoFit/>
           </a:bodyPr>
           <a:lstStyle>
@@ -12114,18 +11272,18 @@
               <a:buNone/>
             </a:pPr>
             <a:r>
-              <a:rPr lang="zh-CN" altLang="en-US"/>
+              <a:rPr lang="zh-CN" altLang="en-US" dirty="0"/>
               <a:t>在AsyncTask的不同时期进行</a:t>
             </a:r>
             <a:r>
-              <a:rPr lang="zh-CN" altLang="en-US" b="1" u="sng"/>
+              <a:rPr lang="zh-CN" altLang="en-US" b="1" u="sng" dirty="0"/>
               <a:t>自动调用</a:t>
             </a:r>
             <a:r>
-              <a:rPr lang="zh-CN" altLang="en-US"/>
+              <a:rPr lang="zh-CN" altLang="en-US" dirty="0"/>
               <a:t>，只需实现方法内部逻辑。</a:t>
             </a:r>
-            <a:endParaRPr lang="zh-CN" altLang="en-US" u="sng">
+            <a:endParaRPr lang="zh-CN" altLang="en-US" u="sng" dirty="0">
               <a:latin typeface="黑体" panose="02010609060101010101" pitchFamily="49" charset="-122"/>
             </a:endParaRPr>
           </a:p>
@@ -12160,8 +11318,8 @@
         </p:blipFill>
         <p:spPr bwMode="auto">
           <a:xfrm>
-            <a:off x="107950" y="103188"/>
-            <a:ext cx="8297863" cy="4343400"/>
+            <a:off x="334304" y="675588"/>
+            <a:ext cx="7056230" cy="3693485"/>
           </a:xfrm>
           <a:prstGeom prst="rect">
             <a:avLst/>
@@ -12203,7 +11361,7 @@
 </p:sld>
 </file>
 
-<file path=ppt/slides/slide19.xml><?xml version="1.0" encoding="utf-8"?>
+<file path=ppt/slides/slide17.xml><?xml version="1.0" encoding="utf-8"?>
 <p:sld xmlns:a="http://schemas.openxmlformats.org/drawingml/2006/main" xmlns:r="http://schemas.openxmlformats.org/officeDocument/2006/relationships" xmlns:p="http://schemas.openxmlformats.org/presentationml/2006/main">
   <p:cSld>
     <p:spTree>
@@ -12992,6 +12150,1100 @@
     <a:masterClrMapping/>
   </p:clrMapOvr>
   <p:transition spd="slow" advClick="0"/>
+</p:sld>
+</file>
+
+<file path=ppt/slides/slide18.xml><?xml version="1.0" encoding="utf-8"?>
+<p:sld xmlns:a="http://schemas.openxmlformats.org/drawingml/2006/main" xmlns:r="http://schemas.openxmlformats.org/officeDocument/2006/relationships" xmlns:p="http://schemas.openxmlformats.org/presentationml/2006/main">
+  <p:cSld>
+    <p:spTree>
+      <p:nvGrpSpPr>
+        <p:cNvPr id="1" name=""/>
+        <p:cNvGrpSpPr/>
+        <p:nvPr/>
+      </p:nvGrpSpPr>
+      <p:grpSpPr>
+        <a:xfrm>
+          <a:off x="0" y="0"/>
+          <a:ext cx="0" cy="0"/>
+          <a:chOff x="0" y="0"/>
+          <a:chExt cx="0" cy="0"/>
+        </a:xfrm>
+      </p:grpSpPr>
+      <p:sp>
+        <p:nvSpPr>
+          <p:cNvPr id="28673" name="标题 1">
+            <a:extLst>
+              <a:ext uri="{FF2B5EF4-FFF2-40B4-BE49-F238E27FC236}">
+                <a16:creationId xmlns:a16="http://schemas.microsoft.com/office/drawing/2014/main" id="{0F4F25AD-D834-4D5E-A700-1155872560CF}"/>
+              </a:ext>
+            </a:extLst>
+          </p:cNvPr>
+          <p:cNvSpPr>
+            <a:spLocks noGrp="1" noChangeArrowheads="1"/>
+          </p:cNvSpPr>
+          <p:nvPr>
+            <p:ph type="title"/>
+          </p:nvPr>
+        </p:nvSpPr>
+        <p:spPr/>
+        <p:txBody>
+          <a:bodyPr/>
+          <a:lstStyle/>
+          <a:p>
+            <a:r>
+              <a:rPr lang="en-US" altLang="zh-CN">
+                <a:solidFill>
+                  <a:schemeClr val="bg2"/>
+                </a:solidFill>
+                <a:latin typeface="微软雅黑" panose="020B0503020204020204" pitchFamily="34" charset="-122"/>
+                <a:ea typeface="微软雅黑" panose="020B0503020204020204" pitchFamily="34" charset="-122"/>
+              </a:rPr>
+              <a:t>10.2.5 </a:t>
+            </a:r>
+            <a:r>
+              <a:rPr lang="zh-CN" altLang="en-US">
+                <a:latin typeface="Calibri" panose="020F0502020204030204" pitchFamily="34" charset="0"/>
+                <a:ea typeface="宋体" panose="02010600030101010101" pitchFamily="2" charset="-122"/>
+              </a:rPr>
+              <a:t>AsyncTask的使用</a:t>
+            </a:r>
+            <a:endParaRPr lang="zh-CN" altLang="en-US"/>
+          </a:p>
+        </p:txBody>
+      </p:sp>
+      <p:sp>
+        <p:nvSpPr>
+          <p:cNvPr id="28674" name="Text Box 4">
+            <a:extLst>
+              <a:ext uri="{FF2B5EF4-FFF2-40B4-BE49-F238E27FC236}">
+                <a16:creationId xmlns:a16="http://schemas.microsoft.com/office/drawing/2014/main" id="{E306F320-3552-40BC-9DB9-022F31593184}"/>
+              </a:ext>
+            </a:extLst>
+          </p:cNvPr>
+          <p:cNvSpPr txBox="1">
+            <a:spLocks noChangeArrowheads="1"/>
+          </p:cNvSpPr>
+          <p:nvPr/>
+        </p:nvSpPr>
+        <p:spPr bwMode="auto">
+          <a:xfrm>
+            <a:off x="385763" y="985838"/>
+            <a:ext cx="8389937" cy="3414712"/>
+          </a:xfrm>
+          <a:prstGeom prst="rect">
+            <a:avLst/>
+          </a:prstGeom>
+          <a:solidFill>
+            <a:schemeClr val="tx1">
+              <a:lumMod val="20000"/>
+              <a:lumOff val="80000"/>
+            </a:schemeClr>
+          </a:solidFill>
+          <a:ln>
+            <a:noFill/>
+          </a:ln>
+        </p:spPr>
+        <p:txBody>
+          <a:bodyPr>
+            <a:spAutoFit/>
+          </a:bodyPr>
+          <a:lstStyle>
+            <a:lvl1pPr>
+              <a:defRPr>
+                <a:solidFill>
+                  <a:schemeClr val="tx1"/>
+                </a:solidFill>
+                <a:latin typeface="Arial" panose="020B0604020202020204" pitchFamily="34" charset="0"/>
+                <a:ea typeface="黑体" panose="02010609060101010101" pitchFamily="49" charset="-122"/>
+              </a:defRPr>
+            </a:lvl1pPr>
+            <a:lvl2pPr>
+              <a:defRPr>
+                <a:solidFill>
+                  <a:schemeClr val="tx1"/>
+                </a:solidFill>
+                <a:latin typeface="Arial" panose="020B0604020202020204" pitchFamily="34" charset="0"/>
+                <a:ea typeface="黑体" panose="02010609060101010101" pitchFamily="49" charset="-122"/>
+              </a:defRPr>
+            </a:lvl2pPr>
+            <a:lvl3pPr>
+              <a:defRPr>
+                <a:solidFill>
+                  <a:schemeClr val="tx1"/>
+                </a:solidFill>
+                <a:latin typeface="Arial" panose="020B0604020202020204" pitchFamily="34" charset="0"/>
+                <a:ea typeface="黑体" panose="02010609060101010101" pitchFamily="49" charset="-122"/>
+              </a:defRPr>
+            </a:lvl3pPr>
+            <a:lvl4pPr>
+              <a:defRPr>
+                <a:solidFill>
+                  <a:schemeClr val="tx1"/>
+                </a:solidFill>
+                <a:latin typeface="Arial" panose="020B0604020202020204" pitchFamily="34" charset="0"/>
+                <a:ea typeface="黑体" panose="02010609060101010101" pitchFamily="49" charset="-122"/>
+              </a:defRPr>
+            </a:lvl4pPr>
+            <a:lvl5pPr>
+              <a:defRPr>
+                <a:solidFill>
+                  <a:schemeClr val="tx1"/>
+                </a:solidFill>
+                <a:latin typeface="Arial" panose="020B0604020202020204" pitchFamily="34" charset="0"/>
+                <a:ea typeface="黑体" panose="02010609060101010101" pitchFamily="49" charset="-122"/>
+              </a:defRPr>
+            </a:lvl5pPr>
+            <a:lvl6pPr fontAlgn="base">
+              <a:spcBef>
+                <a:spcPct val="0"/>
+              </a:spcBef>
+              <a:spcAft>
+                <a:spcPct val="0"/>
+              </a:spcAft>
+              <a:buFont typeface="Arial" panose="020B0604020202020204" pitchFamily="34" charset="0"/>
+              <a:defRPr>
+                <a:solidFill>
+                  <a:schemeClr val="tx1"/>
+                </a:solidFill>
+                <a:latin typeface="Arial" panose="020B0604020202020204" pitchFamily="34" charset="0"/>
+                <a:ea typeface="黑体" panose="02010609060101010101" pitchFamily="49" charset="-122"/>
+              </a:defRPr>
+            </a:lvl6pPr>
+            <a:lvl7pPr fontAlgn="base">
+              <a:spcBef>
+                <a:spcPct val="0"/>
+              </a:spcBef>
+              <a:spcAft>
+                <a:spcPct val="0"/>
+              </a:spcAft>
+              <a:buFont typeface="Arial" panose="020B0604020202020204" pitchFamily="34" charset="0"/>
+              <a:defRPr>
+                <a:solidFill>
+                  <a:schemeClr val="tx1"/>
+                </a:solidFill>
+                <a:latin typeface="Arial" panose="020B0604020202020204" pitchFamily="34" charset="0"/>
+                <a:ea typeface="黑体" panose="02010609060101010101" pitchFamily="49" charset="-122"/>
+              </a:defRPr>
+            </a:lvl7pPr>
+            <a:lvl8pPr fontAlgn="base">
+              <a:spcBef>
+                <a:spcPct val="0"/>
+              </a:spcBef>
+              <a:spcAft>
+                <a:spcPct val="0"/>
+              </a:spcAft>
+              <a:buFont typeface="Arial" panose="020B0604020202020204" pitchFamily="34" charset="0"/>
+              <a:defRPr>
+                <a:solidFill>
+                  <a:schemeClr val="tx1"/>
+                </a:solidFill>
+                <a:latin typeface="Arial" panose="020B0604020202020204" pitchFamily="34" charset="0"/>
+                <a:ea typeface="黑体" panose="02010609060101010101" pitchFamily="49" charset="-122"/>
+              </a:defRPr>
+            </a:lvl8pPr>
+            <a:lvl9pPr fontAlgn="base">
+              <a:spcBef>
+                <a:spcPct val="0"/>
+              </a:spcBef>
+              <a:spcAft>
+                <a:spcPct val="0"/>
+              </a:spcAft>
+              <a:buFont typeface="Arial" panose="020B0604020202020204" pitchFamily="34" charset="0"/>
+              <a:defRPr>
+                <a:solidFill>
+                  <a:schemeClr val="tx1"/>
+                </a:solidFill>
+                <a:latin typeface="Arial" panose="020B0604020202020204" pitchFamily="34" charset="0"/>
+                <a:ea typeface="黑体" panose="02010609060101010101" pitchFamily="49" charset="-122"/>
+              </a:defRPr>
+            </a:lvl9pPr>
+          </a:lstStyle>
+          <a:p>
+            <a:pPr>
+              <a:lnSpc>
+                <a:spcPct val="150000"/>
+              </a:lnSpc>
+            </a:pPr>
+            <a:r>
+              <a:rPr lang="zh-CN" altLang="en-US" sz="1400" dirty="0"/>
+              <a:t>使用</a:t>
+            </a:r>
+            <a:r>
+              <a:rPr lang="en-US" altLang="zh-CN" sz="1400" dirty="0" err="1"/>
+              <a:t>AsyncTask</a:t>
+            </a:r>
+            <a:r>
+              <a:rPr lang="zh-CN" altLang="en-US" sz="1400" dirty="0"/>
+              <a:t>的</a:t>
+            </a:r>
+            <a:r>
+              <a:rPr lang="en-US" altLang="zh-CN" sz="1400" dirty="0"/>
+              <a:t>3</a:t>
+            </a:r>
+            <a:r>
+              <a:rPr lang="zh-CN" altLang="en-US" sz="1400" dirty="0"/>
+              <a:t>个步骤：</a:t>
+            </a:r>
+          </a:p>
+          <a:p>
+            <a:pPr>
+              <a:lnSpc>
+                <a:spcPct val="150000"/>
+              </a:lnSpc>
+            </a:pPr>
+            <a:endParaRPr lang="en-US" altLang="zh-CN" sz="1400" dirty="0"/>
+          </a:p>
+          <a:p>
+            <a:pPr>
+              <a:lnSpc>
+                <a:spcPct val="150000"/>
+              </a:lnSpc>
+            </a:pPr>
+            <a:r>
+              <a:rPr lang="zh-CN" altLang="en-US" sz="2000" b="1" dirty="0">
+                <a:solidFill>
+                  <a:srgbClr val="0070C0"/>
+                </a:solidFill>
+              </a:rPr>
+              <a:t>（1）创建一个类继承自</a:t>
+            </a:r>
+            <a:r>
+              <a:rPr lang="zh-CN" altLang="en-US" sz="2000" b="1" dirty="0">
+                <a:solidFill>
+                  <a:srgbClr val="FF0000"/>
+                </a:solidFill>
+              </a:rPr>
+              <a:t>AsyncTask</a:t>
+            </a:r>
+            <a:r>
+              <a:rPr lang="zh-CN" altLang="en-US" sz="2000" b="1" dirty="0">
+                <a:solidFill>
+                  <a:srgbClr val="0070C0"/>
+                </a:solidFill>
+              </a:rPr>
+              <a:t>；</a:t>
+            </a:r>
+          </a:p>
+          <a:p>
+            <a:pPr>
+              <a:lnSpc>
+                <a:spcPct val="150000"/>
+              </a:lnSpc>
+            </a:pPr>
+            <a:r>
+              <a:rPr lang="zh-CN" altLang="en-US" sz="2000" b="1" dirty="0">
+                <a:solidFill>
+                  <a:srgbClr val="0070C0"/>
+                </a:solidFill>
+              </a:rPr>
+              <a:t>（2）复写</a:t>
+            </a:r>
+            <a:r>
+              <a:rPr lang="zh-CN" altLang="en-US" sz="2000" b="1" dirty="0">
+                <a:solidFill>
+                  <a:srgbClr val="FF0000"/>
+                </a:solidFill>
+              </a:rPr>
+              <a:t>doInBackgoround()</a:t>
+            </a:r>
+            <a:r>
+              <a:rPr lang="zh-CN" altLang="en-US" sz="2000" b="1" dirty="0">
+                <a:solidFill>
+                  <a:srgbClr val="0070C0"/>
+                </a:solidFill>
+              </a:rPr>
+              <a:t>方法，在该方法中写后台执行任务的代码；</a:t>
+            </a:r>
+          </a:p>
+          <a:p>
+            <a:pPr>
+              <a:lnSpc>
+                <a:spcPct val="150000"/>
+              </a:lnSpc>
+            </a:pPr>
+            <a:r>
+              <a:rPr lang="zh-CN" altLang="en-US" sz="2000" b="1" dirty="0">
+                <a:solidFill>
+                  <a:srgbClr val="0070C0"/>
+                </a:solidFill>
+              </a:rPr>
+              <a:t>（3）UI Thread中创建实例并调用</a:t>
+            </a:r>
+            <a:r>
+              <a:rPr lang="zh-CN" altLang="en-US" sz="2000" b="1" dirty="0">
+                <a:solidFill>
+                  <a:srgbClr val="FF0000"/>
+                </a:solidFill>
+              </a:rPr>
+              <a:t>execute()</a:t>
+            </a:r>
+            <a:r>
+              <a:rPr lang="zh-CN" altLang="en-US" sz="2000" b="1" dirty="0">
+                <a:solidFill>
+                  <a:srgbClr val="0070C0"/>
+                </a:solidFill>
+              </a:rPr>
+              <a:t>方法，传入参数。</a:t>
+            </a:r>
+          </a:p>
+          <a:p>
+            <a:pPr>
+              <a:lnSpc>
+                <a:spcPct val="150000"/>
+              </a:lnSpc>
+            </a:pPr>
+            <a:endParaRPr lang="zh-CN" altLang="en-US" sz="1400" dirty="0"/>
+          </a:p>
+          <a:p>
+            <a:pPr>
+              <a:lnSpc>
+                <a:spcPct val="150000"/>
+              </a:lnSpc>
+            </a:pPr>
+            <a:endParaRPr lang="zh-CN" altLang="en-US" sz="1400" dirty="0"/>
+          </a:p>
+          <a:p>
+            <a:pPr>
+              <a:lnSpc>
+                <a:spcPct val="150000"/>
+              </a:lnSpc>
+            </a:pPr>
+            <a:r>
+              <a:rPr lang="zh-CN" altLang="en-US" sz="1400" dirty="0"/>
+              <a:t>【注意】onPreExecute（），onPostExecute（）可以访问UI 组件，doInBackgroud()中不能访问UI组件。</a:t>
+            </a:r>
+            <a:endParaRPr lang="en-US" altLang="zh-CN" sz="1400" dirty="0"/>
+          </a:p>
+          <a:p>
+            <a:pPr>
+              <a:lnSpc>
+                <a:spcPct val="150000"/>
+              </a:lnSpc>
+            </a:pPr>
+            <a:endParaRPr lang="zh-CN" altLang="en-US" sz="1400" dirty="0"/>
+          </a:p>
+        </p:txBody>
+      </p:sp>
+      <p:grpSp>
+        <p:nvGrpSpPr>
+          <p:cNvPr id="28675" name="组合 7">
+            <a:extLst>
+              <a:ext uri="{FF2B5EF4-FFF2-40B4-BE49-F238E27FC236}">
+                <a16:creationId xmlns:a16="http://schemas.microsoft.com/office/drawing/2014/main" id="{DD60031D-7B48-49DE-90CF-6E46C5BA3FBA}"/>
+              </a:ext>
+            </a:extLst>
+          </p:cNvPr>
+          <p:cNvGrpSpPr>
+            <a:grpSpLocks/>
+          </p:cNvGrpSpPr>
+          <p:nvPr/>
+        </p:nvGrpSpPr>
+        <p:grpSpPr bwMode="auto">
+          <a:xfrm>
+            <a:off x="107950" y="244475"/>
+            <a:ext cx="360363" cy="360363"/>
+            <a:chOff x="1965186" y="1419622"/>
+            <a:chExt cx="302558" cy="314067"/>
+          </a:xfrm>
+        </p:grpSpPr>
+        <p:sp>
+          <p:nvSpPr>
+            <p:cNvPr id="9" name="矩形 8">
+              <a:extLst>
+                <a:ext uri="{FF2B5EF4-FFF2-40B4-BE49-F238E27FC236}">
+                  <a16:creationId xmlns:a16="http://schemas.microsoft.com/office/drawing/2014/main" id="{A71A059F-9208-4536-A108-10797E7EA7B2}"/>
+                </a:ext>
+              </a:extLst>
+            </p:cNvPr>
+            <p:cNvSpPr/>
+            <p:nvPr userDrawn="1"/>
+          </p:nvSpPr>
+          <p:spPr>
+            <a:xfrm>
+              <a:off x="1965186" y="1419622"/>
+              <a:ext cx="251910" cy="251807"/>
+            </a:xfrm>
+            <a:prstGeom prst="rect">
+              <a:avLst/>
+            </a:prstGeom>
+            <a:solidFill>
+              <a:srgbClr val="414455"/>
+            </a:solidFill>
+            <a:ln>
+              <a:noFill/>
+            </a:ln>
+          </p:spPr>
+          <p:style>
+            <a:lnRef idx="2">
+              <a:schemeClr val="accent1">
+                <a:shade val="50000"/>
+              </a:schemeClr>
+            </a:lnRef>
+            <a:fillRef idx="1">
+              <a:schemeClr val="accent1"/>
+            </a:fillRef>
+            <a:effectRef idx="0">
+              <a:schemeClr val="accent1"/>
+            </a:effectRef>
+            <a:fontRef idx="minor">
+              <a:schemeClr val="lt1"/>
+            </a:fontRef>
+          </p:style>
+          <p:txBody>
+            <a:bodyPr anchor="ctr"/>
+            <a:lstStyle/>
+            <a:p>
+              <a:pPr algn="ctr" fontAlgn="auto"/>
+              <a:endParaRPr lang="zh-CN" altLang="en-US" noProof="1"/>
+            </a:p>
+          </p:txBody>
+        </p:sp>
+        <p:sp>
+          <p:nvSpPr>
+            <p:cNvPr id="10" name="矩形 9">
+              <a:extLst>
+                <a:ext uri="{FF2B5EF4-FFF2-40B4-BE49-F238E27FC236}">
+                  <a16:creationId xmlns:a16="http://schemas.microsoft.com/office/drawing/2014/main" id="{3C605003-91E0-4512-ADC4-4DE9AD2A9EF5}"/>
+                </a:ext>
+              </a:extLst>
+            </p:cNvPr>
+            <p:cNvSpPr/>
+            <p:nvPr userDrawn="1"/>
+          </p:nvSpPr>
+          <p:spPr>
+            <a:xfrm>
+              <a:off x="2087808" y="1553827"/>
+              <a:ext cx="179936" cy="179862"/>
+            </a:xfrm>
+            <a:prstGeom prst="rect">
+              <a:avLst/>
+            </a:prstGeom>
+            <a:solidFill>
+              <a:srgbClr val="0E90BE"/>
+            </a:solidFill>
+            <a:ln>
+              <a:noFill/>
+            </a:ln>
+          </p:spPr>
+          <p:style>
+            <a:lnRef idx="2">
+              <a:schemeClr val="accent1">
+                <a:shade val="50000"/>
+              </a:schemeClr>
+            </a:lnRef>
+            <a:fillRef idx="1">
+              <a:schemeClr val="accent1"/>
+            </a:fillRef>
+            <a:effectRef idx="0">
+              <a:schemeClr val="accent1"/>
+            </a:effectRef>
+            <a:fontRef idx="minor">
+              <a:schemeClr val="lt1"/>
+            </a:fontRef>
+          </p:style>
+          <p:txBody>
+            <a:bodyPr anchor="ctr"/>
+            <a:lstStyle/>
+            <a:p>
+              <a:pPr algn="ctr" fontAlgn="auto"/>
+              <a:endParaRPr lang="zh-CN" altLang="en-US" noProof="1"/>
+            </a:p>
+          </p:txBody>
+        </p:sp>
+      </p:grpSp>
+      <p:sp>
+        <p:nvSpPr>
+          <p:cNvPr id="28678" name="TextBox 108">
+            <a:extLst>
+              <a:ext uri="{FF2B5EF4-FFF2-40B4-BE49-F238E27FC236}">
+                <a16:creationId xmlns:a16="http://schemas.microsoft.com/office/drawing/2014/main" id="{340D1C86-F8A6-42EF-8135-97F9C5C5F99F}"/>
+              </a:ext>
+            </a:extLst>
+          </p:cNvPr>
+          <p:cNvSpPr txBox="1">
+            <a:spLocks noChangeArrowheads="1"/>
+          </p:cNvSpPr>
+          <p:nvPr/>
+        </p:nvSpPr>
+        <p:spPr bwMode="auto">
+          <a:xfrm>
+            <a:off x="574675" y="742950"/>
+            <a:ext cx="309563" cy="368300"/>
+          </a:xfrm>
+          <a:prstGeom prst="rect">
+            <a:avLst/>
+          </a:prstGeom>
+          <a:noFill/>
+          <a:ln>
+            <a:noFill/>
+          </a:ln>
+          <a:extLst>
+            <a:ext uri="{909E8E84-426E-40DD-AFC4-6F175D3DCCD1}">
+              <a14:hiddenFill xmlns:a14="http://schemas.microsoft.com/office/drawing/2010/main">
+                <a:solidFill>
+                  <a:srgbClr val="FFFFFF"/>
+                </a:solidFill>
+              </a14:hiddenFill>
+            </a:ext>
+            <a:ext uri="{91240B29-F687-4F45-9708-019B960494DF}">
+              <a14:hiddenLine xmlns:a14="http://schemas.microsoft.com/office/drawing/2010/main" w="9525">
+                <a:solidFill>
+                  <a:srgbClr val="000000"/>
+                </a:solidFill>
+                <a:miter lim="800000"/>
+                <a:headEnd/>
+                <a:tailEnd/>
+              </a14:hiddenLine>
+            </a:ext>
+          </a:extLst>
+        </p:spPr>
+        <p:txBody>
+          <a:bodyPr wrap="none">
+            <a:spAutoFit/>
+          </a:bodyPr>
+          <a:lstStyle>
+            <a:lvl1pPr>
+              <a:defRPr>
+                <a:solidFill>
+                  <a:schemeClr val="tx1"/>
+                </a:solidFill>
+                <a:latin typeface="Arial" panose="020B0604020202020204" pitchFamily="34" charset="0"/>
+                <a:ea typeface="黑体" panose="02010609060101010101" pitchFamily="49" charset="-122"/>
+              </a:defRPr>
+            </a:lvl1pPr>
+            <a:lvl2pPr>
+              <a:defRPr>
+                <a:solidFill>
+                  <a:schemeClr val="tx1"/>
+                </a:solidFill>
+                <a:latin typeface="Arial" panose="020B0604020202020204" pitchFamily="34" charset="0"/>
+                <a:ea typeface="黑体" panose="02010609060101010101" pitchFamily="49" charset="-122"/>
+              </a:defRPr>
+            </a:lvl2pPr>
+            <a:lvl3pPr>
+              <a:defRPr>
+                <a:solidFill>
+                  <a:schemeClr val="tx1"/>
+                </a:solidFill>
+                <a:latin typeface="Arial" panose="020B0604020202020204" pitchFamily="34" charset="0"/>
+                <a:ea typeface="黑体" panose="02010609060101010101" pitchFamily="49" charset="-122"/>
+              </a:defRPr>
+            </a:lvl3pPr>
+            <a:lvl4pPr>
+              <a:defRPr>
+                <a:solidFill>
+                  <a:schemeClr val="tx1"/>
+                </a:solidFill>
+                <a:latin typeface="Arial" panose="020B0604020202020204" pitchFamily="34" charset="0"/>
+                <a:ea typeface="黑体" panose="02010609060101010101" pitchFamily="49" charset="-122"/>
+              </a:defRPr>
+            </a:lvl4pPr>
+            <a:lvl5pPr>
+              <a:defRPr>
+                <a:solidFill>
+                  <a:schemeClr val="tx1"/>
+                </a:solidFill>
+                <a:latin typeface="Arial" panose="020B0604020202020204" pitchFamily="34" charset="0"/>
+                <a:ea typeface="黑体" panose="02010609060101010101" pitchFamily="49" charset="-122"/>
+              </a:defRPr>
+            </a:lvl5pPr>
+            <a:lvl6pPr fontAlgn="base">
+              <a:spcBef>
+                <a:spcPct val="0"/>
+              </a:spcBef>
+              <a:spcAft>
+                <a:spcPct val="0"/>
+              </a:spcAft>
+              <a:buFont typeface="Arial" panose="020B0604020202020204" pitchFamily="34" charset="0"/>
+              <a:defRPr>
+                <a:solidFill>
+                  <a:schemeClr val="tx1"/>
+                </a:solidFill>
+                <a:latin typeface="Arial" panose="020B0604020202020204" pitchFamily="34" charset="0"/>
+                <a:ea typeface="黑体" panose="02010609060101010101" pitchFamily="49" charset="-122"/>
+              </a:defRPr>
+            </a:lvl6pPr>
+            <a:lvl7pPr fontAlgn="base">
+              <a:spcBef>
+                <a:spcPct val="0"/>
+              </a:spcBef>
+              <a:spcAft>
+                <a:spcPct val="0"/>
+              </a:spcAft>
+              <a:buFont typeface="Arial" panose="020B0604020202020204" pitchFamily="34" charset="0"/>
+              <a:defRPr>
+                <a:solidFill>
+                  <a:schemeClr val="tx1"/>
+                </a:solidFill>
+                <a:latin typeface="Arial" panose="020B0604020202020204" pitchFamily="34" charset="0"/>
+                <a:ea typeface="黑体" panose="02010609060101010101" pitchFamily="49" charset="-122"/>
+              </a:defRPr>
+            </a:lvl7pPr>
+            <a:lvl8pPr fontAlgn="base">
+              <a:spcBef>
+                <a:spcPct val="0"/>
+              </a:spcBef>
+              <a:spcAft>
+                <a:spcPct val="0"/>
+              </a:spcAft>
+              <a:buFont typeface="Arial" panose="020B0604020202020204" pitchFamily="34" charset="0"/>
+              <a:defRPr>
+                <a:solidFill>
+                  <a:schemeClr val="tx1"/>
+                </a:solidFill>
+                <a:latin typeface="Arial" panose="020B0604020202020204" pitchFamily="34" charset="0"/>
+                <a:ea typeface="黑体" panose="02010609060101010101" pitchFamily="49" charset="-122"/>
+              </a:defRPr>
+            </a:lvl8pPr>
+            <a:lvl9pPr fontAlgn="base">
+              <a:spcBef>
+                <a:spcPct val="0"/>
+              </a:spcBef>
+              <a:spcAft>
+                <a:spcPct val="0"/>
+              </a:spcAft>
+              <a:buFont typeface="Arial" panose="020B0604020202020204" pitchFamily="34" charset="0"/>
+              <a:defRPr>
+                <a:solidFill>
+                  <a:schemeClr val="tx1"/>
+                </a:solidFill>
+                <a:latin typeface="Arial" panose="020B0604020202020204" pitchFamily="34" charset="0"/>
+                <a:ea typeface="黑体" panose="02010609060101010101" pitchFamily="49" charset="-122"/>
+              </a:defRPr>
+            </a:lvl9pPr>
+          </a:lstStyle>
+          <a:p>
+            <a:endParaRPr lang="en-US" altLang="zh-CN">
+              <a:solidFill>
+                <a:srgbClr val="000000"/>
+              </a:solidFill>
+              <a:latin typeface="黑体" panose="02010609060101010101" pitchFamily="49" charset="-122"/>
+            </a:endParaRPr>
+          </a:p>
+        </p:txBody>
+      </p:sp>
+    </p:spTree>
+    <p:custDataLst>
+      <p:tags r:id="rId1"/>
+    </p:custDataLst>
+  </p:cSld>
+  <p:clrMapOvr>
+    <a:masterClrMapping/>
+  </p:clrMapOvr>
+  <p:transition spd="slow" advClick="0"/>
+</p:sld>
+</file>
+
+<file path=ppt/slides/slide19.xml><?xml version="1.0" encoding="utf-8"?>
+<p:sld xmlns:a="http://schemas.openxmlformats.org/drawingml/2006/main" xmlns:r="http://schemas.openxmlformats.org/officeDocument/2006/relationships" xmlns:p="http://schemas.openxmlformats.org/presentationml/2006/main">
+  <p:cSld>
+    <p:spTree>
+      <p:nvGrpSpPr>
+        <p:cNvPr id="1" name=""/>
+        <p:cNvGrpSpPr/>
+        <p:nvPr/>
+      </p:nvGrpSpPr>
+      <p:grpSpPr>
+        <a:xfrm>
+          <a:off x="0" y="0"/>
+          <a:ext cx="0" cy="0"/>
+          <a:chOff x="0" y="0"/>
+          <a:chExt cx="0" cy="0"/>
+        </a:xfrm>
+      </p:grpSpPr>
+      <p:sp>
+        <p:nvSpPr>
+          <p:cNvPr id="29697" name="标题 5">
+            <a:extLst>
+              <a:ext uri="{FF2B5EF4-FFF2-40B4-BE49-F238E27FC236}">
+                <a16:creationId xmlns:a16="http://schemas.microsoft.com/office/drawing/2014/main" id="{FFA5DEBF-47ED-4EA1-A32B-0D5295B51AA3}"/>
+              </a:ext>
+            </a:extLst>
+          </p:cNvPr>
+          <p:cNvSpPr>
+            <a:spLocks noGrp="1" noChangeArrowheads="1"/>
+          </p:cNvSpPr>
+          <p:nvPr>
+            <p:ph type="title"/>
+          </p:nvPr>
+        </p:nvSpPr>
+        <p:spPr>
+          <a:xfrm>
+            <a:off x="385763" y="182563"/>
+            <a:ext cx="7886700" cy="431800"/>
+          </a:xfrm>
+        </p:spPr>
+        <p:txBody>
+          <a:bodyPr/>
+          <a:lstStyle/>
+          <a:p>
+            <a:r>
+              <a:rPr lang="zh-CN" altLang="en-US"/>
+              <a:t>【例</a:t>
+            </a:r>
+            <a:r>
+              <a:rPr lang="en-US" altLang="zh-CN"/>
+              <a:t>10.7</a:t>
+            </a:r>
+            <a:r>
+              <a:rPr lang="zh-CN" altLang="en-US"/>
+              <a:t>】使用</a:t>
+            </a:r>
+            <a:r>
+              <a:rPr lang="zh-CN" altLang="en-US">
+                <a:latin typeface="Calibri" panose="020F0502020204030204" pitchFamily="34" charset="0"/>
+                <a:ea typeface="宋体" panose="02010600030101010101" pitchFamily="2" charset="-122"/>
+              </a:rPr>
+              <a:t>AsyncTask更新</a:t>
+            </a:r>
+            <a:r>
+              <a:rPr lang="en-US" altLang="zh-CN">
+                <a:latin typeface="Calibri" panose="020F0502020204030204" pitchFamily="34" charset="0"/>
+                <a:ea typeface="宋体" panose="02010600030101010101" pitchFamily="2" charset="-122"/>
+              </a:rPr>
+              <a:t>UI</a:t>
+            </a:r>
+            <a:r>
+              <a:rPr lang="zh-CN" altLang="en-US">
+                <a:latin typeface="Calibri" panose="020F0502020204030204" pitchFamily="34" charset="0"/>
+                <a:ea typeface="宋体" panose="02010600030101010101" pitchFamily="2" charset="-122"/>
+              </a:rPr>
+              <a:t>（</a:t>
+            </a:r>
+            <a:r>
+              <a:rPr lang="en-US" altLang="zh-CN">
+                <a:latin typeface="Calibri" panose="020F0502020204030204" pitchFamily="34" charset="0"/>
+                <a:ea typeface="宋体" panose="02010600030101010101" pitchFamily="2" charset="-122"/>
+              </a:rPr>
+              <a:t>A</a:t>
+            </a:r>
+            <a:r>
+              <a:rPr lang="zh-CN" altLang="en-US">
+                <a:latin typeface="Calibri" panose="020F0502020204030204" pitchFamily="34" charset="0"/>
+                <a:ea typeface="宋体" panose="02010600030101010101" pitchFamily="2" charset="-122"/>
+              </a:rPr>
+              <a:t>sync</a:t>
+            </a:r>
+            <a:r>
+              <a:rPr lang="en-US" altLang="zh-CN">
+                <a:latin typeface="Calibri" panose="020F0502020204030204" pitchFamily="34" charset="0"/>
+                <a:ea typeface="宋体" panose="02010600030101010101" pitchFamily="2" charset="-122"/>
+              </a:rPr>
+              <a:t>T</a:t>
+            </a:r>
+            <a:r>
+              <a:rPr lang="zh-CN" altLang="en-US">
+                <a:latin typeface="Calibri" panose="020F0502020204030204" pitchFamily="34" charset="0"/>
+                <a:ea typeface="宋体" panose="02010600030101010101" pitchFamily="2" charset="-122"/>
+              </a:rPr>
+              <a:t>ask_learning）</a:t>
+            </a:r>
+          </a:p>
+        </p:txBody>
+      </p:sp>
+      <p:pic>
+        <p:nvPicPr>
+          <p:cNvPr id="29698" name="图片 6" descr="QQ截图20171105152800">
+            <a:extLst>
+              <a:ext uri="{FF2B5EF4-FFF2-40B4-BE49-F238E27FC236}">
+                <a16:creationId xmlns:a16="http://schemas.microsoft.com/office/drawing/2014/main" id="{39F23ABA-669F-4AED-8913-3C3A06780F69}"/>
+              </a:ext>
+            </a:extLst>
+          </p:cNvPr>
+          <p:cNvPicPr>
+            <a:picLocks noChangeAspect="1" noChangeArrowheads="1"/>
+          </p:cNvPicPr>
+          <p:nvPr/>
+        </p:nvPicPr>
+        <p:blipFill>
+          <a:blip r:embed="rId3">
+            <a:extLst>
+              <a:ext uri="{28A0092B-C50C-407E-A947-70E740481C1C}">
+                <a14:useLocalDpi xmlns:a14="http://schemas.microsoft.com/office/drawing/2010/main" val="0"/>
+              </a:ext>
+            </a:extLst>
+          </a:blip>
+          <a:srcRect/>
+          <a:stretch>
+            <a:fillRect/>
+          </a:stretch>
+        </p:blipFill>
+        <p:spPr bwMode="auto">
+          <a:xfrm>
+            <a:off x="6578600" y="731838"/>
+            <a:ext cx="2317750" cy="4000500"/>
+          </a:xfrm>
+          <a:prstGeom prst="rect">
+            <a:avLst/>
+          </a:prstGeom>
+          <a:noFill/>
+          <a:ln>
+            <a:noFill/>
+          </a:ln>
+          <a:extLst>
+            <a:ext uri="{909E8E84-426E-40DD-AFC4-6F175D3DCCD1}">
+              <a14:hiddenFill xmlns:a14="http://schemas.microsoft.com/office/drawing/2010/main">
+                <a:solidFill>
+                  <a:srgbClr val="FFFFFF"/>
+                </a:solidFill>
+              </a14:hiddenFill>
+            </a:ext>
+            <a:ext uri="{91240B29-F687-4F45-9708-019B960494DF}">
+              <a14:hiddenLine xmlns:a14="http://schemas.microsoft.com/office/drawing/2010/main" w="9525">
+                <a:solidFill>
+                  <a:srgbClr val="000000"/>
+                </a:solidFill>
+                <a:miter lim="800000"/>
+                <a:headEnd/>
+                <a:tailEnd/>
+              </a14:hiddenLine>
+            </a:ext>
+          </a:extLst>
+        </p:spPr>
+      </p:pic>
+      <p:pic>
+        <p:nvPicPr>
+          <p:cNvPr id="29699" name="图片 7" descr="QQ截图20171105152737">
+            <a:extLst>
+              <a:ext uri="{FF2B5EF4-FFF2-40B4-BE49-F238E27FC236}">
+                <a16:creationId xmlns:a16="http://schemas.microsoft.com/office/drawing/2014/main" id="{0EF5F34D-0389-4418-B56D-067B9CB68B3A}"/>
+              </a:ext>
+            </a:extLst>
+          </p:cNvPr>
+          <p:cNvPicPr>
+            <a:picLocks noChangeAspect="1" noChangeArrowheads="1"/>
+          </p:cNvPicPr>
+          <p:nvPr/>
+        </p:nvPicPr>
+        <p:blipFill>
+          <a:blip r:embed="rId4">
+            <a:extLst>
+              <a:ext uri="{28A0092B-C50C-407E-A947-70E740481C1C}">
+                <a14:useLocalDpi xmlns:a14="http://schemas.microsoft.com/office/drawing/2010/main" val="0"/>
+              </a:ext>
+            </a:extLst>
+          </a:blip>
+          <a:srcRect/>
+          <a:stretch>
+            <a:fillRect/>
+          </a:stretch>
+        </p:blipFill>
+        <p:spPr bwMode="auto">
+          <a:xfrm>
+            <a:off x="356141" y="2203881"/>
+            <a:ext cx="6087989" cy="1532097"/>
+          </a:xfrm>
+          <a:prstGeom prst="rect">
+            <a:avLst/>
+          </a:prstGeom>
+          <a:noFill/>
+          <a:ln>
+            <a:noFill/>
+          </a:ln>
+          <a:extLst>
+            <a:ext uri="{909E8E84-426E-40DD-AFC4-6F175D3DCCD1}">
+              <a14:hiddenFill xmlns:a14="http://schemas.microsoft.com/office/drawing/2010/main">
+                <a:solidFill>
+                  <a:srgbClr val="FFFFFF"/>
+                </a:solidFill>
+              </a14:hiddenFill>
+            </a:ext>
+            <a:ext uri="{91240B29-F687-4F45-9708-019B960494DF}">
+              <a14:hiddenLine xmlns:a14="http://schemas.microsoft.com/office/drawing/2010/main" w="9525">
+                <a:solidFill>
+                  <a:srgbClr val="000000"/>
+                </a:solidFill>
+                <a:miter lim="800000"/>
+                <a:headEnd/>
+                <a:tailEnd/>
+              </a14:hiddenLine>
+            </a:ext>
+          </a:extLst>
+        </p:spPr>
+      </p:pic>
+      <p:sp>
+        <p:nvSpPr>
+          <p:cNvPr id="29700" name="文本框 1">
+            <a:extLst>
+              <a:ext uri="{FF2B5EF4-FFF2-40B4-BE49-F238E27FC236}">
+                <a16:creationId xmlns:a16="http://schemas.microsoft.com/office/drawing/2014/main" id="{ABA1CDEE-6E38-4605-81AB-655216CB4865}"/>
+              </a:ext>
+            </a:extLst>
+          </p:cNvPr>
+          <p:cNvSpPr txBox="1">
+            <a:spLocks noChangeArrowheads="1"/>
+          </p:cNvSpPr>
+          <p:nvPr/>
+        </p:nvSpPr>
+        <p:spPr bwMode="auto">
+          <a:xfrm>
+            <a:off x="356141" y="797147"/>
+            <a:ext cx="4598987" cy="1198563"/>
+          </a:xfrm>
+          <a:prstGeom prst="rect">
+            <a:avLst/>
+          </a:prstGeom>
+          <a:solidFill>
+            <a:schemeClr val="tx1">
+              <a:lumMod val="20000"/>
+              <a:lumOff val="80000"/>
+            </a:schemeClr>
+          </a:solidFill>
+          <a:ln>
+            <a:noFill/>
+          </a:ln>
+        </p:spPr>
+        <p:txBody>
+          <a:bodyPr>
+            <a:spAutoFit/>
+          </a:bodyPr>
+          <a:lstStyle>
+            <a:lvl1pPr indent="457200">
+              <a:defRPr>
+                <a:solidFill>
+                  <a:schemeClr val="tx1"/>
+                </a:solidFill>
+                <a:latin typeface="Arial" panose="020B0604020202020204" pitchFamily="34" charset="0"/>
+                <a:ea typeface="黑体" panose="02010609060101010101" pitchFamily="49" charset="-122"/>
+              </a:defRPr>
+            </a:lvl1pPr>
+            <a:lvl2pPr>
+              <a:defRPr>
+                <a:solidFill>
+                  <a:schemeClr val="tx1"/>
+                </a:solidFill>
+                <a:latin typeface="Arial" panose="020B0604020202020204" pitchFamily="34" charset="0"/>
+                <a:ea typeface="黑体" panose="02010609060101010101" pitchFamily="49" charset="-122"/>
+              </a:defRPr>
+            </a:lvl2pPr>
+            <a:lvl3pPr>
+              <a:defRPr>
+                <a:solidFill>
+                  <a:schemeClr val="tx1"/>
+                </a:solidFill>
+                <a:latin typeface="Arial" panose="020B0604020202020204" pitchFamily="34" charset="0"/>
+                <a:ea typeface="黑体" panose="02010609060101010101" pitchFamily="49" charset="-122"/>
+              </a:defRPr>
+            </a:lvl3pPr>
+            <a:lvl4pPr>
+              <a:defRPr>
+                <a:solidFill>
+                  <a:schemeClr val="tx1"/>
+                </a:solidFill>
+                <a:latin typeface="Arial" panose="020B0604020202020204" pitchFamily="34" charset="0"/>
+                <a:ea typeface="黑体" panose="02010609060101010101" pitchFamily="49" charset="-122"/>
+              </a:defRPr>
+            </a:lvl4pPr>
+            <a:lvl5pPr>
+              <a:defRPr>
+                <a:solidFill>
+                  <a:schemeClr val="tx1"/>
+                </a:solidFill>
+                <a:latin typeface="Arial" panose="020B0604020202020204" pitchFamily="34" charset="0"/>
+                <a:ea typeface="黑体" panose="02010609060101010101" pitchFamily="49" charset="-122"/>
+              </a:defRPr>
+            </a:lvl5pPr>
+            <a:lvl6pPr fontAlgn="base">
+              <a:spcBef>
+                <a:spcPct val="0"/>
+              </a:spcBef>
+              <a:spcAft>
+                <a:spcPct val="0"/>
+              </a:spcAft>
+              <a:buFont typeface="Arial" panose="020B0604020202020204" pitchFamily="34" charset="0"/>
+              <a:defRPr>
+                <a:solidFill>
+                  <a:schemeClr val="tx1"/>
+                </a:solidFill>
+                <a:latin typeface="Arial" panose="020B0604020202020204" pitchFamily="34" charset="0"/>
+                <a:ea typeface="黑体" panose="02010609060101010101" pitchFamily="49" charset="-122"/>
+              </a:defRPr>
+            </a:lvl6pPr>
+            <a:lvl7pPr fontAlgn="base">
+              <a:spcBef>
+                <a:spcPct val="0"/>
+              </a:spcBef>
+              <a:spcAft>
+                <a:spcPct val="0"/>
+              </a:spcAft>
+              <a:buFont typeface="Arial" panose="020B0604020202020204" pitchFamily="34" charset="0"/>
+              <a:defRPr>
+                <a:solidFill>
+                  <a:schemeClr val="tx1"/>
+                </a:solidFill>
+                <a:latin typeface="Arial" panose="020B0604020202020204" pitchFamily="34" charset="0"/>
+                <a:ea typeface="黑体" panose="02010609060101010101" pitchFamily="49" charset="-122"/>
+              </a:defRPr>
+            </a:lvl7pPr>
+            <a:lvl8pPr fontAlgn="base">
+              <a:spcBef>
+                <a:spcPct val="0"/>
+              </a:spcBef>
+              <a:spcAft>
+                <a:spcPct val="0"/>
+              </a:spcAft>
+              <a:buFont typeface="Arial" panose="020B0604020202020204" pitchFamily="34" charset="0"/>
+              <a:defRPr>
+                <a:solidFill>
+                  <a:schemeClr val="tx1"/>
+                </a:solidFill>
+                <a:latin typeface="Arial" panose="020B0604020202020204" pitchFamily="34" charset="0"/>
+                <a:ea typeface="黑体" panose="02010609060101010101" pitchFamily="49" charset="-122"/>
+              </a:defRPr>
+            </a:lvl8pPr>
+            <a:lvl9pPr fontAlgn="base">
+              <a:spcBef>
+                <a:spcPct val="0"/>
+              </a:spcBef>
+              <a:spcAft>
+                <a:spcPct val="0"/>
+              </a:spcAft>
+              <a:buFont typeface="Arial" panose="020B0604020202020204" pitchFamily="34" charset="0"/>
+              <a:defRPr>
+                <a:solidFill>
+                  <a:schemeClr val="tx1"/>
+                </a:solidFill>
+                <a:latin typeface="Arial" panose="020B0604020202020204" pitchFamily="34" charset="0"/>
+                <a:ea typeface="黑体" panose="02010609060101010101" pitchFamily="49" charset="-122"/>
+              </a:defRPr>
+            </a:lvl9pPr>
+          </a:lstStyle>
+          <a:p>
+            <a:pPr>
+              <a:lnSpc>
+                <a:spcPct val="150000"/>
+              </a:lnSpc>
+            </a:pPr>
+            <a:r>
+              <a:rPr lang="zh-CN" altLang="en-US" sz="2400" dirty="0">
+                <a:latin typeface="黑体" panose="02010609060101010101" pitchFamily="49" charset="-122"/>
+              </a:rPr>
+              <a:t>更新进度条对话框，并在</a:t>
+            </a:r>
+            <a:r>
+              <a:rPr lang="en-US" altLang="zh-CN" sz="2400" dirty="0" err="1">
+                <a:latin typeface="黑体" panose="02010609060101010101" pitchFamily="49" charset="-122"/>
+              </a:rPr>
+              <a:t>LogCat</a:t>
+            </a:r>
+            <a:r>
+              <a:rPr lang="zh-CN" altLang="en-US" sz="2400" dirty="0">
+                <a:latin typeface="黑体" panose="02010609060101010101" pitchFamily="49" charset="-122"/>
+              </a:rPr>
+              <a:t>中观察线程。</a:t>
+            </a:r>
+          </a:p>
+        </p:txBody>
+      </p:sp>
+    </p:spTree>
+    <p:custDataLst>
+      <p:tags r:id="rId1"/>
+    </p:custDataLst>
+  </p:cSld>
+  <p:clrMapOvr>
+    <a:masterClrMapping/>
+  </p:clrMapOvr>
 </p:sld>
 </file>
 
@@ -13750,1100 +14002,6 @@
       </p:grpSpPr>
       <p:sp>
         <p:nvSpPr>
-          <p:cNvPr id="28673" name="标题 1">
-            <a:extLst>
-              <a:ext uri="{FF2B5EF4-FFF2-40B4-BE49-F238E27FC236}">
-                <a16:creationId xmlns:a16="http://schemas.microsoft.com/office/drawing/2014/main" id="{0F4F25AD-D834-4D5E-A700-1155872560CF}"/>
-              </a:ext>
-            </a:extLst>
-          </p:cNvPr>
-          <p:cNvSpPr>
-            <a:spLocks noGrp="1" noChangeArrowheads="1"/>
-          </p:cNvSpPr>
-          <p:nvPr>
-            <p:ph type="title"/>
-          </p:nvPr>
-        </p:nvSpPr>
-        <p:spPr/>
-        <p:txBody>
-          <a:bodyPr/>
-          <a:lstStyle/>
-          <a:p>
-            <a:r>
-              <a:rPr lang="en-US" altLang="zh-CN">
-                <a:solidFill>
-                  <a:schemeClr val="bg2"/>
-                </a:solidFill>
-                <a:latin typeface="微软雅黑" panose="020B0503020204020204" pitchFamily="34" charset="-122"/>
-                <a:ea typeface="微软雅黑" panose="020B0503020204020204" pitchFamily="34" charset="-122"/>
-              </a:rPr>
-              <a:t>10.2.5 </a:t>
-            </a:r>
-            <a:r>
-              <a:rPr lang="zh-CN" altLang="en-US">
-                <a:latin typeface="Calibri" panose="020F0502020204030204" pitchFamily="34" charset="0"/>
-                <a:ea typeface="宋体" panose="02010600030101010101" pitchFamily="2" charset="-122"/>
-              </a:rPr>
-              <a:t>AsyncTask的使用</a:t>
-            </a:r>
-            <a:endParaRPr lang="zh-CN" altLang="en-US"/>
-          </a:p>
-        </p:txBody>
-      </p:sp>
-      <p:sp>
-        <p:nvSpPr>
-          <p:cNvPr id="28674" name="Text Box 4">
-            <a:extLst>
-              <a:ext uri="{FF2B5EF4-FFF2-40B4-BE49-F238E27FC236}">
-                <a16:creationId xmlns:a16="http://schemas.microsoft.com/office/drawing/2014/main" id="{E306F320-3552-40BC-9DB9-022F31593184}"/>
-              </a:ext>
-            </a:extLst>
-          </p:cNvPr>
-          <p:cNvSpPr txBox="1">
-            <a:spLocks noChangeArrowheads="1"/>
-          </p:cNvSpPr>
-          <p:nvPr/>
-        </p:nvSpPr>
-        <p:spPr bwMode="auto">
-          <a:xfrm>
-            <a:off x="385763" y="985838"/>
-            <a:ext cx="8389937" cy="3414712"/>
-          </a:xfrm>
-          <a:prstGeom prst="rect">
-            <a:avLst/>
-          </a:prstGeom>
-          <a:solidFill>
-            <a:schemeClr val="tx1">
-              <a:lumMod val="20000"/>
-              <a:lumOff val="80000"/>
-            </a:schemeClr>
-          </a:solidFill>
-          <a:ln>
-            <a:noFill/>
-          </a:ln>
-        </p:spPr>
-        <p:txBody>
-          <a:bodyPr>
-            <a:spAutoFit/>
-          </a:bodyPr>
-          <a:lstStyle>
-            <a:lvl1pPr>
-              <a:defRPr>
-                <a:solidFill>
-                  <a:schemeClr val="tx1"/>
-                </a:solidFill>
-                <a:latin typeface="Arial" panose="020B0604020202020204" pitchFamily="34" charset="0"/>
-                <a:ea typeface="黑体" panose="02010609060101010101" pitchFamily="49" charset="-122"/>
-              </a:defRPr>
-            </a:lvl1pPr>
-            <a:lvl2pPr>
-              <a:defRPr>
-                <a:solidFill>
-                  <a:schemeClr val="tx1"/>
-                </a:solidFill>
-                <a:latin typeface="Arial" panose="020B0604020202020204" pitchFamily="34" charset="0"/>
-                <a:ea typeface="黑体" panose="02010609060101010101" pitchFamily="49" charset="-122"/>
-              </a:defRPr>
-            </a:lvl2pPr>
-            <a:lvl3pPr>
-              <a:defRPr>
-                <a:solidFill>
-                  <a:schemeClr val="tx1"/>
-                </a:solidFill>
-                <a:latin typeface="Arial" panose="020B0604020202020204" pitchFamily="34" charset="0"/>
-                <a:ea typeface="黑体" panose="02010609060101010101" pitchFamily="49" charset="-122"/>
-              </a:defRPr>
-            </a:lvl3pPr>
-            <a:lvl4pPr>
-              <a:defRPr>
-                <a:solidFill>
-                  <a:schemeClr val="tx1"/>
-                </a:solidFill>
-                <a:latin typeface="Arial" panose="020B0604020202020204" pitchFamily="34" charset="0"/>
-                <a:ea typeface="黑体" panose="02010609060101010101" pitchFamily="49" charset="-122"/>
-              </a:defRPr>
-            </a:lvl4pPr>
-            <a:lvl5pPr>
-              <a:defRPr>
-                <a:solidFill>
-                  <a:schemeClr val="tx1"/>
-                </a:solidFill>
-                <a:latin typeface="Arial" panose="020B0604020202020204" pitchFamily="34" charset="0"/>
-                <a:ea typeface="黑体" panose="02010609060101010101" pitchFamily="49" charset="-122"/>
-              </a:defRPr>
-            </a:lvl5pPr>
-            <a:lvl6pPr fontAlgn="base">
-              <a:spcBef>
-                <a:spcPct val="0"/>
-              </a:spcBef>
-              <a:spcAft>
-                <a:spcPct val="0"/>
-              </a:spcAft>
-              <a:buFont typeface="Arial" panose="020B0604020202020204" pitchFamily="34" charset="0"/>
-              <a:defRPr>
-                <a:solidFill>
-                  <a:schemeClr val="tx1"/>
-                </a:solidFill>
-                <a:latin typeface="Arial" panose="020B0604020202020204" pitchFamily="34" charset="0"/>
-                <a:ea typeface="黑体" panose="02010609060101010101" pitchFamily="49" charset="-122"/>
-              </a:defRPr>
-            </a:lvl6pPr>
-            <a:lvl7pPr fontAlgn="base">
-              <a:spcBef>
-                <a:spcPct val="0"/>
-              </a:spcBef>
-              <a:spcAft>
-                <a:spcPct val="0"/>
-              </a:spcAft>
-              <a:buFont typeface="Arial" panose="020B0604020202020204" pitchFamily="34" charset="0"/>
-              <a:defRPr>
-                <a:solidFill>
-                  <a:schemeClr val="tx1"/>
-                </a:solidFill>
-                <a:latin typeface="Arial" panose="020B0604020202020204" pitchFamily="34" charset="0"/>
-                <a:ea typeface="黑体" panose="02010609060101010101" pitchFamily="49" charset="-122"/>
-              </a:defRPr>
-            </a:lvl7pPr>
-            <a:lvl8pPr fontAlgn="base">
-              <a:spcBef>
-                <a:spcPct val="0"/>
-              </a:spcBef>
-              <a:spcAft>
-                <a:spcPct val="0"/>
-              </a:spcAft>
-              <a:buFont typeface="Arial" panose="020B0604020202020204" pitchFamily="34" charset="0"/>
-              <a:defRPr>
-                <a:solidFill>
-                  <a:schemeClr val="tx1"/>
-                </a:solidFill>
-                <a:latin typeface="Arial" panose="020B0604020202020204" pitchFamily="34" charset="0"/>
-                <a:ea typeface="黑体" panose="02010609060101010101" pitchFamily="49" charset="-122"/>
-              </a:defRPr>
-            </a:lvl8pPr>
-            <a:lvl9pPr fontAlgn="base">
-              <a:spcBef>
-                <a:spcPct val="0"/>
-              </a:spcBef>
-              <a:spcAft>
-                <a:spcPct val="0"/>
-              </a:spcAft>
-              <a:buFont typeface="Arial" panose="020B0604020202020204" pitchFamily="34" charset="0"/>
-              <a:defRPr>
-                <a:solidFill>
-                  <a:schemeClr val="tx1"/>
-                </a:solidFill>
-                <a:latin typeface="Arial" panose="020B0604020202020204" pitchFamily="34" charset="0"/>
-                <a:ea typeface="黑体" panose="02010609060101010101" pitchFamily="49" charset="-122"/>
-              </a:defRPr>
-            </a:lvl9pPr>
-          </a:lstStyle>
-          <a:p>
-            <a:pPr>
-              <a:lnSpc>
-                <a:spcPct val="150000"/>
-              </a:lnSpc>
-            </a:pPr>
-            <a:r>
-              <a:rPr lang="zh-CN" altLang="en-US" sz="1400" dirty="0"/>
-              <a:t>使用</a:t>
-            </a:r>
-            <a:r>
-              <a:rPr lang="en-US" altLang="zh-CN" sz="1400" dirty="0" err="1"/>
-              <a:t>AsyncTask</a:t>
-            </a:r>
-            <a:r>
-              <a:rPr lang="zh-CN" altLang="en-US" sz="1400" dirty="0"/>
-              <a:t>的</a:t>
-            </a:r>
-            <a:r>
-              <a:rPr lang="en-US" altLang="zh-CN" sz="1400" dirty="0"/>
-              <a:t>3</a:t>
-            </a:r>
-            <a:r>
-              <a:rPr lang="zh-CN" altLang="en-US" sz="1400" dirty="0"/>
-              <a:t>个步骤：</a:t>
-            </a:r>
-          </a:p>
-          <a:p>
-            <a:pPr>
-              <a:lnSpc>
-                <a:spcPct val="150000"/>
-              </a:lnSpc>
-            </a:pPr>
-            <a:endParaRPr lang="en-US" altLang="zh-CN" sz="1400" dirty="0"/>
-          </a:p>
-          <a:p>
-            <a:pPr>
-              <a:lnSpc>
-                <a:spcPct val="150000"/>
-              </a:lnSpc>
-            </a:pPr>
-            <a:r>
-              <a:rPr lang="zh-CN" altLang="en-US" sz="2000" b="1" dirty="0">
-                <a:solidFill>
-                  <a:srgbClr val="0070C0"/>
-                </a:solidFill>
-              </a:rPr>
-              <a:t>（1）创建一个类继承自</a:t>
-            </a:r>
-            <a:r>
-              <a:rPr lang="zh-CN" altLang="en-US" sz="2000" b="1" dirty="0">
-                <a:solidFill>
-                  <a:srgbClr val="FF0000"/>
-                </a:solidFill>
-              </a:rPr>
-              <a:t>AsyncTask</a:t>
-            </a:r>
-            <a:r>
-              <a:rPr lang="zh-CN" altLang="en-US" sz="2000" b="1" dirty="0">
-                <a:solidFill>
-                  <a:srgbClr val="0070C0"/>
-                </a:solidFill>
-              </a:rPr>
-              <a:t>；</a:t>
-            </a:r>
-          </a:p>
-          <a:p>
-            <a:pPr>
-              <a:lnSpc>
-                <a:spcPct val="150000"/>
-              </a:lnSpc>
-            </a:pPr>
-            <a:r>
-              <a:rPr lang="zh-CN" altLang="en-US" sz="2000" b="1" dirty="0">
-                <a:solidFill>
-                  <a:srgbClr val="0070C0"/>
-                </a:solidFill>
-              </a:rPr>
-              <a:t>（2）复写</a:t>
-            </a:r>
-            <a:r>
-              <a:rPr lang="zh-CN" altLang="en-US" sz="2000" b="1" dirty="0">
-                <a:solidFill>
-                  <a:srgbClr val="FF0000"/>
-                </a:solidFill>
-              </a:rPr>
-              <a:t>doInBackgoround()</a:t>
-            </a:r>
-            <a:r>
-              <a:rPr lang="zh-CN" altLang="en-US" sz="2000" b="1" dirty="0">
-                <a:solidFill>
-                  <a:srgbClr val="0070C0"/>
-                </a:solidFill>
-              </a:rPr>
-              <a:t>方法，在该方法中写后台执行任务的代码；</a:t>
-            </a:r>
-          </a:p>
-          <a:p>
-            <a:pPr>
-              <a:lnSpc>
-                <a:spcPct val="150000"/>
-              </a:lnSpc>
-            </a:pPr>
-            <a:r>
-              <a:rPr lang="zh-CN" altLang="en-US" sz="2000" b="1" dirty="0">
-                <a:solidFill>
-                  <a:srgbClr val="0070C0"/>
-                </a:solidFill>
-              </a:rPr>
-              <a:t>（3）UI Thread中创建实例并调用</a:t>
-            </a:r>
-            <a:r>
-              <a:rPr lang="zh-CN" altLang="en-US" sz="2000" b="1" dirty="0">
-                <a:solidFill>
-                  <a:srgbClr val="FF0000"/>
-                </a:solidFill>
-              </a:rPr>
-              <a:t>execute()</a:t>
-            </a:r>
-            <a:r>
-              <a:rPr lang="zh-CN" altLang="en-US" sz="2000" b="1" dirty="0">
-                <a:solidFill>
-                  <a:srgbClr val="0070C0"/>
-                </a:solidFill>
-              </a:rPr>
-              <a:t>方法，传入参数。</a:t>
-            </a:r>
-          </a:p>
-          <a:p>
-            <a:pPr>
-              <a:lnSpc>
-                <a:spcPct val="150000"/>
-              </a:lnSpc>
-            </a:pPr>
-            <a:endParaRPr lang="zh-CN" altLang="en-US" sz="1400" dirty="0"/>
-          </a:p>
-          <a:p>
-            <a:pPr>
-              <a:lnSpc>
-                <a:spcPct val="150000"/>
-              </a:lnSpc>
-            </a:pPr>
-            <a:endParaRPr lang="zh-CN" altLang="en-US" sz="1400" dirty="0"/>
-          </a:p>
-          <a:p>
-            <a:pPr>
-              <a:lnSpc>
-                <a:spcPct val="150000"/>
-              </a:lnSpc>
-            </a:pPr>
-            <a:r>
-              <a:rPr lang="zh-CN" altLang="en-US" sz="1400" dirty="0"/>
-              <a:t>【注意】onPreExecute（），onPostExecute（）可以访问UI 组件，doInBackgroud()中不能访问UI组件。</a:t>
-            </a:r>
-            <a:endParaRPr lang="en-US" altLang="zh-CN" sz="1400" dirty="0"/>
-          </a:p>
-          <a:p>
-            <a:pPr>
-              <a:lnSpc>
-                <a:spcPct val="150000"/>
-              </a:lnSpc>
-            </a:pPr>
-            <a:endParaRPr lang="zh-CN" altLang="en-US" sz="1400" dirty="0"/>
-          </a:p>
-        </p:txBody>
-      </p:sp>
-      <p:grpSp>
-        <p:nvGrpSpPr>
-          <p:cNvPr id="28675" name="组合 7">
-            <a:extLst>
-              <a:ext uri="{FF2B5EF4-FFF2-40B4-BE49-F238E27FC236}">
-                <a16:creationId xmlns:a16="http://schemas.microsoft.com/office/drawing/2014/main" id="{DD60031D-7B48-49DE-90CF-6E46C5BA3FBA}"/>
-              </a:ext>
-            </a:extLst>
-          </p:cNvPr>
-          <p:cNvGrpSpPr>
-            <a:grpSpLocks/>
-          </p:cNvGrpSpPr>
-          <p:nvPr/>
-        </p:nvGrpSpPr>
-        <p:grpSpPr bwMode="auto">
-          <a:xfrm>
-            <a:off x="107950" y="244475"/>
-            <a:ext cx="360363" cy="360363"/>
-            <a:chOff x="1965186" y="1419622"/>
-            <a:chExt cx="302558" cy="314067"/>
-          </a:xfrm>
-        </p:grpSpPr>
-        <p:sp>
-          <p:nvSpPr>
-            <p:cNvPr id="9" name="矩形 8">
-              <a:extLst>
-                <a:ext uri="{FF2B5EF4-FFF2-40B4-BE49-F238E27FC236}">
-                  <a16:creationId xmlns:a16="http://schemas.microsoft.com/office/drawing/2014/main" id="{A71A059F-9208-4536-A108-10797E7EA7B2}"/>
-                </a:ext>
-              </a:extLst>
-            </p:cNvPr>
-            <p:cNvSpPr/>
-            <p:nvPr userDrawn="1"/>
-          </p:nvSpPr>
-          <p:spPr>
-            <a:xfrm>
-              <a:off x="1965186" y="1419622"/>
-              <a:ext cx="251910" cy="251807"/>
-            </a:xfrm>
-            <a:prstGeom prst="rect">
-              <a:avLst/>
-            </a:prstGeom>
-            <a:solidFill>
-              <a:srgbClr val="414455"/>
-            </a:solidFill>
-            <a:ln>
-              <a:noFill/>
-            </a:ln>
-          </p:spPr>
-          <p:style>
-            <a:lnRef idx="2">
-              <a:schemeClr val="accent1">
-                <a:shade val="50000"/>
-              </a:schemeClr>
-            </a:lnRef>
-            <a:fillRef idx="1">
-              <a:schemeClr val="accent1"/>
-            </a:fillRef>
-            <a:effectRef idx="0">
-              <a:schemeClr val="accent1"/>
-            </a:effectRef>
-            <a:fontRef idx="minor">
-              <a:schemeClr val="lt1"/>
-            </a:fontRef>
-          </p:style>
-          <p:txBody>
-            <a:bodyPr anchor="ctr"/>
-            <a:lstStyle/>
-            <a:p>
-              <a:pPr algn="ctr" fontAlgn="auto"/>
-              <a:endParaRPr lang="zh-CN" altLang="en-US" noProof="1"/>
-            </a:p>
-          </p:txBody>
-        </p:sp>
-        <p:sp>
-          <p:nvSpPr>
-            <p:cNvPr id="10" name="矩形 9">
-              <a:extLst>
-                <a:ext uri="{FF2B5EF4-FFF2-40B4-BE49-F238E27FC236}">
-                  <a16:creationId xmlns:a16="http://schemas.microsoft.com/office/drawing/2014/main" id="{3C605003-91E0-4512-ADC4-4DE9AD2A9EF5}"/>
-                </a:ext>
-              </a:extLst>
-            </p:cNvPr>
-            <p:cNvSpPr/>
-            <p:nvPr userDrawn="1"/>
-          </p:nvSpPr>
-          <p:spPr>
-            <a:xfrm>
-              <a:off x="2087808" y="1553827"/>
-              <a:ext cx="179936" cy="179862"/>
-            </a:xfrm>
-            <a:prstGeom prst="rect">
-              <a:avLst/>
-            </a:prstGeom>
-            <a:solidFill>
-              <a:srgbClr val="0E90BE"/>
-            </a:solidFill>
-            <a:ln>
-              <a:noFill/>
-            </a:ln>
-          </p:spPr>
-          <p:style>
-            <a:lnRef idx="2">
-              <a:schemeClr val="accent1">
-                <a:shade val="50000"/>
-              </a:schemeClr>
-            </a:lnRef>
-            <a:fillRef idx="1">
-              <a:schemeClr val="accent1"/>
-            </a:fillRef>
-            <a:effectRef idx="0">
-              <a:schemeClr val="accent1"/>
-            </a:effectRef>
-            <a:fontRef idx="minor">
-              <a:schemeClr val="lt1"/>
-            </a:fontRef>
-          </p:style>
-          <p:txBody>
-            <a:bodyPr anchor="ctr"/>
-            <a:lstStyle/>
-            <a:p>
-              <a:pPr algn="ctr" fontAlgn="auto"/>
-              <a:endParaRPr lang="zh-CN" altLang="en-US" noProof="1"/>
-            </a:p>
-          </p:txBody>
-        </p:sp>
-      </p:grpSp>
-      <p:sp>
-        <p:nvSpPr>
-          <p:cNvPr id="28678" name="TextBox 108">
-            <a:extLst>
-              <a:ext uri="{FF2B5EF4-FFF2-40B4-BE49-F238E27FC236}">
-                <a16:creationId xmlns:a16="http://schemas.microsoft.com/office/drawing/2014/main" id="{340D1C86-F8A6-42EF-8135-97F9C5C5F99F}"/>
-              </a:ext>
-            </a:extLst>
-          </p:cNvPr>
-          <p:cNvSpPr txBox="1">
-            <a:spLocks noChangeArrowheads="1"/>
-          </p:cNvSpPr>
-          <p:nvPr/>
-        </p:nvSpPr>
-        <p:spPr bwMode="auto">
-          <a:xfrm>
-            <a:off x="574675" y="742950"/>
-            <a:ext cx="309563" cy="368300"/>
-          </a:xfrm>
-          <a:prstGeom prst="rect">
-            <a:avLst/>
-          </a:prstGeom>
-          <a:noFill/>
-          <a:ln>
-            <a:noFill/>
-          </a:ln>
-          <a:extLst>
-            <a:ext uri="{909E8E84-426E-40DD-AFC4-6F175D3DCCD1}">
-              <a14:hiddenFill xmlns:a14="http://schemas.microsoft.com/office/drawing/2010/main">
-                <a:solidFill>
-                  <a:srgbClr val="FFFFFF"/>
-                </a:solidFill>
-              </a14:hiddenFill>
-            </a:ext>
-            <a:ext uri="{91240B29-F687-4F45-9708-019B960494DF}">
-              <a14:hiddenLine xmlns:a14="http://schemas.microsoft.com/office/drawing/2010/main" w="9525">
-                <a:solidFill>
-                  <a:srgbClr val="000000"/>
-                </a:solidFill>
-                <a:miter lim="800000"/>
-                <a:headEnd/>
-                <a:tailEnd/>
-              </a14:hiddenLine>
-            </a:ext>
-          </a:extLst>
-        </p:spPr>
-        <p:txBody>
-          <a:bodyPr wrap="none">
-            <a:spAutoFit/>
-          </a:bodyPr>
-          <a:lstStyle>
-            <a:lvl1pPr>
-              <a:defRPr>
-                <a:solidFill>
-                  <a:schemeClr val="tx1"/>
-                </a:solidFill>
-                <a:latin typeface="Arial" panose="020B0604020202020204" pitchFamily="34" charset="0"/>
-                <a:ea typeface="黑体" panose="02010609060101010101" pitchFamily="49" charset="-122"/>
-              </a:defRPr>
-            </a:lvl1pPr>
-            <a:lvl2pPr>
-              <a:defRPr>
-                <a:solidFill>
-                  <a:schemeClr val="tx1"/>
-                </a:solidFill>
-                <a:latin typeface="Arial" panose="020B0604020202020204" pitchFamily="34" charset="0"/>
-                <a:ea typeface="黑体" panose="02010609060101010101" pitchFamily="49" charset="-122"/>
-              </a:defRPr>
-            </a:lvl2pPr>
-            <a:lvl3pPr>
-              <a:defRPr>
-                <a:solidFill>
-                  <a:schemeClr val="tx1"/>
-                </a:solidFill>
-                <a:latin typeface="Arial" panose="020B0604020202020204" pitchFamily="34" charset="0"/>
-                <a:ea typeface="黑体" panose="02010609060101010101" pitchFamily="49" charset="-122"/>
-              </a:defRPr>
-            </a:lvl3pPr>
-            <a:lvl4pPr>
-              <a:defRPr>
-                <a:solidFill>
-                  <a:schemeClr val="tx1"/>
-                </a:solidFill>
-                <a:latin typeface="Arial" panose="020B0604020202020204" pitchFamily="34" charset="0"/>
-                <a:ea typeface="黑体" panose="02010609060101010101" pitchFamily="49" charset="-122"/>
-              </a:defRPr>
-            </a:lvl4pPr>
-            <a:lvl5pPr>
-              <a:defRPr>
-                <a:solidFill>
-                  <a:schemeClr val="tx1"/>
-                </a:solidFill>
-                <a:latin typeface="Arial" panose="020B0604020202020204" pitchFamily="34" charset="0"/>
-                <a:ea typeface="黑体" panose="02010609060101010101" pitchFamily="49" charset="-122"/>
-              </a:defRPr>
-            </a:lvl5pPr>
-            <a:lvl6pPr fontAlgn="base">
-              <a:spcBef>
-                <a:spcPct val="0"/>
-              </a:spcBef>
-              <a:spcAft>
-                <a:spcPct val="0"/>
-              </a:spcAft>
-              <a:buFont typeface="Arial" panose="020B0604020202020204" pitchFamily="34" charset="0"/>
-              <a:defRPr>
-                <a:solidFill>
-                  <a:schemeClr val="tx1"/>
-                </a:solidFill>
-                <a:latin typeface="Arial" panose="020B0604020202020204" pitchFamily="34" charset="0"/>
-                <a:ea typeface="黑体" panose="02010609060101010101" pitchFamily="49" charset="-122"/>
-              </a:defRPr>
-            </a:lvl6pPr>
-            <a:lvl7pPr fontAlgn="base">
-              <a:spcBef>
-                <a:spcPct val="0"/>
-              </a:spcBef>
-              <a:spcAft>
-                <a:spcPct val="0"/>
-              </a:spcAft>
-              <a:buFont typeface="Arial" panose="020B0604020202020204" pitchFamily="34" charset="0"/>
-              <a:defRPr>
-                <a:solidFill>
-                  <a:schemeClr val="tx1"/>
-                </a:solidFill>
-                <a:latin typeface="Arial" panose="020B0604020202020204" pitchFamily="34" charset="0"/>
-                <a:ea typeface="黑体" panose="02010609060101010101" pitchFamily="49" charset="-122"/>
-              </a:defRPr>
-            </a:lvl7pPr>
-            <a:lvl8pPr fontAlgn="base">
-              <a:spcBef>
-                <a:spcPct val="0"/>
-              </a:spcBef>
-              <a:spcAft>
-                <a:spcPct val="0"/>
-              </a:spcAft>
-              <a:buFont typeface="Arial" panose="020B0604020202020204" pitchFamily="34" charset="0"/>
-              <a:defRPr>
-                <a:solidFill>
-                  <a:schemeClr val="tx1"/>
-                </a:solidFill>
-                <a:latin typeface="Arial" panose="020B0604020202020204" pitchFamily="34" charset="0"/>
-                <a:ea typeface="黑体" panose="02010609060101010101" pitchFamily="49" charset="-122"/>
-              </a:defRPr>
-            </a:lvl8pPr>
-            <a:lvl9pPr fontAlgn="base">
-              <a:spcBef>
-                <a:spcPct val="0"/>
-              </a:spcBef>
-              <a:spcAft>
-                <a:spcPct val="0"/>
-              </a:spcAft>
-              <a:buFont typeface="Arial" panose="020B0604020202020204" pitchFamily="34" charset="0"/>
-              <a:defRPr>
-                <a:solidFill>
-                  <a:schemeClr val="tx1"/>
-                </a:solidFill>
-                <a:latin typeface="Arial" panose="020B0604020202020204" pitchFamily="34" charset="0"/>
-                <a:ea typeface="黑体" panose="02010609060101010101" pitchFamily="49" charset="-122"/>
-              </a:defRPr>
-            </a:lvl9pPr>
-          </a:lstStyle>
-          <a:p>
-            <a:endParaRPr lang="en-US" altLang="zh-CN">
-              <a:solidFill>
-                <a:srgbClr val="000000"/>
-              </a:solidFill>
-              <a:latin typeface="黑体" panose="02010609060101010101" pitchFamily="49" charset="-122"/>
-            </a:endParaRPr>
-          </a:p>
-        </p:txBody>
-      </p:sp>
-    </p:spTree>
-    <p:custDataLst>
-      <p:tags r:id="rId1"/>
-    </p:custDataLst>
-  </p:cSld>
-  <p:clrMapOvr>
-    <a:masterClrMapping/>
-  </p:clrMapOvr>
-  <p:transition spd="slow" advClick="0"/>
-</p:sld>
-</file>
-
-<file path=ppt/slides/slide21.xml><?xml version="1.0" encoding="utf-8"?>
-<p:sld xmlns:a="http://schemas.openxmlformats.org/drawingml/2006/main" xmlns:r="http://schemas.openxmlformats.org/officeDocument/2006/relationships" xmlns:p="http://schemas.openxmlformats.org/presentationml/2006/main">
-  <p:cSld>
-    <p:spTree>
-      <p:nvGrpSpPr>
-        <p:cNvPr id="1" name=""/>
-        <p:cNvGrpSpPr/>
-        <p:nvPr/>
-      </p:nvGrpSpPr>
-      <p:grpSpPr>
-        <a:xfrm>
-          <a:off x="0" y="0"/>
-          <a:ext cx="0" cy="0"/>
-          <a:chOff x="0" y="0"/>
-          <a:chExt cx="0" cy="0"/>
-        </a:xfrm>
-      </p:grpSpPr>
-      <p:sp>
-        <p:nvSpPr>
-          <p:cNvPr id="29697" name="标题 5">
-            <a:extLst>
-              <a:ext uri="{FF2B5EF4-FFF2-40B4-BE49-F238E27FC236}">
-                <a16:creationId xmlns:a16="http://schemas.microsoft.com/office/drawing/2014/main" id="{FFA5DEBF-47ED-4EA1-A32B-0D5295B51AA3}"/>
-              </a:ext>
-            </a:extLst>
-          </p:cNvPr>
-          <p:cNvSpPr>
-            <a:spLocks noGrp="1" noChangeArrowheads="1"/>
-          </p:cNvSpPr>
-          <p:nvPr>
-            <p:ph type="title"/>
-          </p:nvPr>
-        </p:nvSpPr>
-        <p:spPr>
-          <a:xfrm>
-            <a:off x="385763" y="182563"/>
-            <a:ext cx="7886700" cy="431800"/>
-          </a:xfrm>
-        </p:spPr>
-        <p:txBody>
-          <a:bodyPr/>
-          <a:lstStyle/>
-          <a:p>
-            <a:r>
-              <a:rPr lang="zh-CN" altLang="en-US"/>
-              <a:t>【例</a:t>
-            </a:r>
-            <a:r>
-              <a:rPr lang="en-US" altLang="zh-CN"/>
-              <a:t>10.7</a:t>
-            </a:r>
-            <a:r>
-              <a:rPr lang="zh-CN" altLang="en-US"/>
-              <a:t>】使用</a:t>
-            </a:r>
-            <a:r>
-              <a:rPr lang="zh-CN" altLang="en-US">
-                <a:latin typeface="Calibri" panose="020F0502020204030204" pitchFamily="34" charset="0"/>
-                <a:ea typeface="宋体" panose="02010600030101010101" pitchFamily="2" charset="-122"/>
-              </a:rPr>
-              <a:t>AsyncTask更新</a:t>
-            </a:r>
-            <a:r>
-              <a:rPr lang="en-US" altLang="zh-CN">
-                <a:latin typeface="Calibri" panose="020F0502020204030204" pitchFamily="34" charset="0"/>
-                <a:ea typeface="宋体" panose="02010600030101010101" pitchFamily="2" charset="-122"/>
-              </a:rPr>
-              <a:t>UI</a:t>
-            </a:r>
-            <a:r>
-              <a:rPr lang="zh-CN" altLang="en-US">
-                <a:latin typeface="Calibri" panose="020F0502020204030204" pitchFamily="34" charset="0"/>
-                <a:ea typeface="宋体" panose="02010600030101010101" pitchFamily="2" charset="-122"/>
-              </a:rPr>
-              <a:t>（</a:t>
-            </a:r>
-            <a:r>
-              <a:rPr lang="en-US" altLang="zh-CN">
-                <a:latin typeface="Calibri" panose="020F0502020204030204" pitchFamily="34" charset="0"/>
-                <a:ea typeface="宋体" panose="02010600030101010101" pitchFamily="2" charset="-122"/>
-              </a:rPr>
-              <a:t>A</a:t>
-            </a:r>
-            <a:r>
-              <a:rPr lang="zh-CN" altLang="en-US">
-                <a:latin typeface="Calibri" panose="020F0502020204030204" pitchFamily="34" charset="0"/>
-                <a:ea typeface="宋体" panose="02010600030101010101" pitchFamily="2" charset="-122"/>
-              </a:rPr>
-              <a:t>sync</a:t>
-            </a:r>
-            <a:r>
-              <a:rPr lang="en-US" altLang="zh-CN">
-                <a:latin typeface="Calibri" panose="020F0502020204030204" pitchFamily="34" charset="0"/>
-                <a:ea typeface="宋体" panose="02010600030101010101" pitchFamily="2" charset="-122"/>
-              </a:rPr>
-              <a:t>T</a:t>
-            </a:r>
-            <a:r>
-              <a:rPr lang="zh-CN" altLang="en-US">
-                <a:latin typeface="Calibri" panose="020F0502020204030204" pitchFamily="34" charset="0"/>
-                <a:ea typeface="宋体" panose="02010600030101010101" pitchFamily="2" charset="-122"/>
-              </a:rPr>
-              <a:t>ask_learning）</a:t>
-            </a:r>
-          </a:p>
-        </p:txBody>
-      </p:sp>
-      <p:pic>
-        <p:nvPicPr>
-          <p:cNvPr id="29698" name="图片 6" descr="QQ截图20171105152800">
-            <a:extLst>
-              <a:ext uri="{FF2B5EF4-FFF2-40B4-BE49-F238E27FC236}">
-                <a16:creationId xmlns:a16="http://schemas.microsoft.com/office/drawing/2014/main" id="{39F23ABA-669F-4AED-8913-3C3A06780F69}"/>
-              </a:ext>
-            </a:extLst>
-          </p:cNvPr>
-          <p:cNvPicPr>
-            <a:picLocks noChangeAspect="1" noChangeArrowheads="1"/>
-          </p:cNvPicPr>
-          <p:nvPr/>
-        </p:nvPicPr>
-        <p:blipFill>
-          <a:blip r:embed="rId3">
-            <a:extLst>
-              <a:ext uri="{28A0092B-C50C-407E-A947-70E740481C1C}">
-                <a14:useLocalDpi xmlns:a14="http://schemas.microsoft.com/office/drawing/2010/main" val="0"/>
-              </a:ext>
-            </a:extLst>
-          </a:blip>
-          <a:srcRect/>
-          <a:stretch>
-            <a:fillRect/>
-          </a:stretch>
-        </p:blipFill>
-        <p:spPr bwMode="auto">
-          <a:xfrm>
-            <a:off x="6578600" y="731838"/>
-            <a:ext cx="2317750" cy="4000500"/>
-          </a:xfrm>
-          <a:prstGeom prst="rect">
-            <a:avLst/>
-          </a:prstGeom>
-          <a:noFill/>
-          <a:ln>
-            <a:noFill/>
-          </a:ln>
-          <a:extLst>
-            <a:ext uri="{909E8E84-426E-40DD-AFC4-6F175D3DCCD1}">
-              <a14:hiddenFill xmlns:a14="http://schemas.microsoft.com/office/drawing/2010/main">
-                <a:solidFill>
-                  <a:srgbClr val="FFFFFF"/>
-                </a:solidFill>
-              </a14:hiddenFill>
-            </a:ext>
-            <a:ext uri="{91240B29-F687-4F45-9708-019B960494DF}">
-              <a14:hiddenLine xmlns:a14="http://schemas.microsoft.com/office/drawing/2010/main" w="9525">
-                <a:solidFill>
-                  <a:srgbClr val="000000"/>
-                </a:solidFill>
-                <a:miter lim="800000"/>
-                <a:headEnd/>
-                <a:tailEnd/>
-              </a14:hiddenLine>
-            </a:ext>
-          </a:extLst>
-        </p:spPr>
-      </p:pic>
-      <p:pic>
-        <p:nvPicPr>
-          <p:cNvPr id="29699" name="图片 7" descr="QQ截图20171105152737">
-            <a:extLst>
-              <a:ext uri="{FF2B5EF4-FFF2-40B4-BE49-F238E27FC236}">
-                <a16:creationId xmlns:a16="http://schemas.microsoft.com/office/drawing/2014/main" id="{0EF5F34D-0389-4418-B56D-067B9CB68B3A}"/>
-              </a:ext>
-            </a:extLst>
-          </p:cNvPr>
-          <p:cNvPicPr>
-            <a:picLocks noChangeAspect="1" noChangeArrowheads="1"/>
-          </p:cNvPicPr>
-          <p:nvPr/>
-        </p:nvPicPr>
-        <p:blipFill>
-          <a:blip r:embed="rId4">
-            <a:extLst>
-              <a:ext uri="{28A0092B-C50C-407E-A947-70E740481C1C}">
-                <a14:useLocalDpi xmlns:a14="http://schemas.microsoft.com/office/drawing/2010/main" val="0"/>
-              </a:ext>
-            </a:extLst>
-          </a:blip>
-          <a:srcRect/>
-          <a:stretch>
-            <a:fillRect/>
-          </a:stretch>
-        </p:blipFill>
-        <p:spPr bwMode="auto">
-          <a:xfrm>
-            <a:off x="119063" y="3106738"/>
-            <a:ext cx="6459537" cy="1625600"/>
-          </a:xfrm>
-          <a:prstGeom prst="rect">
-            <a:avLst/>
-          </a:prstGeom>
-          <a:noFill/>
-          <a:ln>
-            <a:noFill/>
-          </a:ln>
-          <a:extLst>
-            <a:ext uri="{909E8E84-426E-40DD-AFC4-6F175D3DCCD1}">
-              <a14:hiddenFill xmlns:a14="http://schemas.microsoft.com/office/drawing/2010/main">
-                <a:solidFill>
-                  <a:srgbClr val="FFFFFF"/>
-                </a:solidFill>
-              </a14:hiddenFill>
-            </a:ext>
-            <a:ext uri="{91240B29-F687-4F45-9708-019B960494DF}">
-              <a14:hiddenLine xmlns:a14="http://schemas.microsoft.com/office/drawing/2010/main" w="9525">
-                <a:solidFill>
-                  <a:srgbClr val="000000"/>
-                </a:solidFill>
-                <a:miter lim="800000"/>
-                <a:headEnd/>
-                <a:tailEnd/>
-              </a14:hiddenLine>
-            </a:ext>
-          </a:extLst>
-        </p:spPr>
-      </p:pic>
-      <p:sp>
-        <p:nvSpPr>
-          <p:cNvPr id="29700" name="文本框 1">
-            <a:extLst>
-              <a:ext uri="{FF2B5EF4-FFF2-40B4-BE49-F238E27FC236}">
-                <a16:creationId xmlns:a16="http://schemas.microsoft.com/office/drawing/2014/main" id="{ABA1CDEE-6E38-4605-81AB-655216CB4865}"/>
-              </a:ext>
-            </a:extLst>
-          </p:cNvPr>
-          <p:cNvSpPr txBox="1">
-            <a:spLocks noChangeArrowheads="1"/>
-          </p:cNvSpPr>
-          <p:nvPr/>
-        </p:nvSpPr>
-        <p:spPr bwMode="auto">
-          <a:xfrm>
-            <a:off x="620713" y="1152525"/>
-            <a:ext cx="4598987" cy="1198563"/>
-          </a:xfrm>
-          <a:prstGeom prst="rect">
-            <a:avLst/>
-          </a:prstGeom>
-          <a:solidFill>
-            <a:schemeClr val="tx1">
-              <a:lumMod val="20000"/>
-              <a:lumOff val="80000"/>
-            </a:schemeClr>
-          </a:solidFill>
-          <a:ln>
-            <a:noFill/>
-          </a:ln>
-        </p:spPr>
-        <p:txBody>
-          <a:bodyPr>
-            <a:spAutoFit/>
-          </a:bodyPr>
-          <a:lstStyle>
-            <a:lvl1pPr indent="457200">
-              <a:defRPr>
-                <a:solidFill>
-                  <a:schemeClr val="tx1"/>
-                </a:solidFill>
-                <a:latin typeface="Arial" panose="020B0604020202020204" pitchFamily="34" charset="0"/>
-                <a:ea typeface="黑体" panose="02010609060101010101" pitchFamily="49" charset="-122"/>
-              </a:defRPr>
-            </a:lvl1pPr>
-            <a:lvl2pPr>
-              <a:defRPr>
-                <a:solidFill>
-                  <a:schemeClr val="tx1"/>
-                </a:solidFill>
-                <a:latin typeface="Arial" panose="020B0604020202020204" pitchFamily="34" charset="0"/>
-                <a:ea typeface="黑体" panose="02010609060101010101" pitchFamily="49" charset="-122"/>
-              </a:defRPr>
-            </a:lvl2pPr>
-            <a:lvl3pPr>
-              <a:defRPr>
-                <a:solidFill>
-                  <a:schemeClr val="tx1"/>
-                </a:solidFill>
-                <a:latin typeface="Arial" panose="020B0604020202020204" pitchFamily="34" charset="0"/>
-                <a:ea typeface="黑体" panose="02010609060101010101" pitchFamily="49" charset="-122"/>
-              </a:defRPr>
-            </a:lvl3pPr>
-            <a:lvl4pPr>
-              <a:defRPr>
-                <a:solidFill>
-                  <a:schemeClr val="tx1"/>
-                </a:solidFill>
-                <a:latin typeface="Arial" panose="020B0604020202020204" pitchFamily="34" charset="0"/>
-                <a:ea typeface="黑体" panose="02010609060101010101" pitchFamily="49" charset="-122"/>
-              </a:defRPr>
-            </a:lvl4pPr>
-            <a:lvl5pPr>
-              <a:defRPr>
-                <a:solidFill>
-                  <a:schemeClr val="tx1"/>
-                </a:solidFill>
-                <a:latin typeface="Arial" panose="020B0604020202020204" pitchFamily="34" charset="0"/>
-                <a:ea typeface="黑体" panose="02010609060101010101" pitchFamily="49" charset="-122"/>
-              </a:defRPr>
-            </a:lvl5pPr>
-            <a:lvl6pPr fontAlgn="base">
-              <a:spcBef>
-                <a:spcPct val="0"/>
-              </a:spcBef>
-              <a:spcAft>
-                <a:spcPct val="0"/>
-              </a:spcAft>
-              <a:buFont typeface="Arial" panose="020B0604020202020204" pitchFamily="34" charset="0"/>
-              <a:defRPr>
-                <a:solidFill>
-                  <a:schemeClr val="tx1"/>
-                </a:solidFill>
-                <a:latin typeface="Arial" panose="020B0604020202020204" pitchFamily="34" charset="0"/>
-                <a:ea typeface="黑体" panose="02010609060101010101" pitchFamily="49" charset="-122"/>
-              </a:defRPr>
-            </a:lvl6pPr>
-            <a:lvl7pPr fontAlgn="base">
-              <a:spcBef>
-                <a:spcPct val="0"/>
-              </a:spcBef>
-              <a:spcAft>
-                <a:spcPct val="0"/>
-              </a:spcAft>
-              <a:buFont typeface="Arial" panose="020B0604020202020204" pitchFamily="34" charset="0"/>
-              <a:defRPr>
-                <a:solidFill>
-                  <a:schemeClr val="tx1"/>
-                </a:solidFill>
-                <a:latin typeface="Arial" panose="020B0604020202020204" pitchFamily="34" charset="0"/>
-                <a:ea typeface="黑体" panose="02010609060101010101" pitchFamily="49" charset="-122"/>
-              </a:defRPr>
-            </a:lvl7pPr>
-            <a:lvl8pPr fontAlgn="base">
-              <a:spcBef>
-                <a:spcPct val="0"/>
-              </a:spcBef>
-              <a:spcAft>
-                <a:spcPct val="0"/>
-              </a:spcAft>
-              <a:buFont typeface="Arial" panose="020B0604020202020204" pitchFamily="34" charset="0"/>
-              <a:defRPr>
-                <a:solidFill>
-                  <a:schemeClr val="tx1"/>
-                </a:solidFill>
-                <a:latin typeface="Arial" panose="020B0604020202020204" pitchFamily="34" charset="0"/>
-                <a:ea typeface="黑体" panose="02010609060101010101" pitchFamily="49" charset="-122"/>
-              </a:defRPr>
-            </a:lvl8pPr>
-            <a:lvl9pPr fontAlgn="base">
-              <a:spcBef>
-                <a:spcPct val="0"/>
-              </a:spcBef>
-              <a:spcAft>
-                <a:spcPct val="0"/>
-              </a:spcAft>
-              <a:buFont typeface="Arial" panose="020B0604020202020204" pitchFamily="34" charset="0"/>
-              <a:defRPr>
-                <a:solidFill>
-                  <a:schemeClr val="tx1"/>
-                </a:solidFill>
-                <a:latin typeface="Arial" panose="020B0604020202020204" pitchFamily="34" charset="0"/>
-                <a:ea typeface="黑体" panose="02010609060101010101" pitchFamily="49" charset="-122"/>
-              </a:defRPr>
-            </a:lvl9pPr>
-          </a:lstStyle>
-          <a:p>
-            <a:pPr>
-              <a:lnSpc>
-                <a:spcPct val="150000"/>
-              </a:lnSpc>
-            </a:pPr>
-            <a:r>
-              <a:rPr lang="zh-CN" altLang="en-US" sz="2400" dirty="0">
-                <a:latin typeface="黑体" panose="02010609060101010101" pitchFamily="49" charset="-122"/>
-              </a:rPr>
-              <a:t>更新进度条对话框，并在</a:t>
-            </a:r>
-            <a:r>
-              <a:rPr lang="en-US" altLang="zh-CN" sz="2400" dirty="0" err="1">
-                <a:latin typeface="黑体" panose="02010609060101010101" pitchFamily="49" charset="-122"/>
-              </a:rPr>
-              <a:t>LogCat</a:t>
-            </a:r>
-            <a:r>
-              <a:rPr lang="zh-CN" altLang="en-US" sz="2400" dirty="0">
-                <a:latin typeface="黑体" panose="02010609060101010101" pitchFamily="49" charset="-122"/>
-              </a:rPr>
-              <a:t>中观察线程。</a:t>
-            </a:r>
-          </a:p>
-        </p:txBody>
-      </p:sp>
-    </p:spTree>
-    <p:custDataLst>
-      <p:tags r:id="rId1"/>
-    </p:custDataLst>
-  </p:cSld>
-  <p:clrMapOvr>
-    <a:masterClrMapping/>
-  </p:clrMapOvr>
-</p:sld>
-</file>
-
-<file path=ppt/slides/slide22.xml><?xml version="1.0" encoding="utf-8"?>
-<p:sld xmlns:a="http://schemas.openxmlformats.org/drawingml/2006/main" xmlns:r="http://schemas.openxmlformats.org/officeDocument/2006/relationships" xmlns:p="http://schemas.openxmlformats.org/presentationml/2006/main">
-  <p:cSld>
-    <p:spTree>
-      <p:nvGrpSpPr>
-        <p:cNvPr id="1" name=""/>
-        <p:cNvGrpSpPr/>
-        <p:nvPr/>
-      </p:nvGrpSpPr>
-      <p:grpSpPr>
-        <a:xfrm>
-          <a:off x="0" y="0"/>
-          <a:ext cx="0" cy="0"/>
-          <a:chOff x="0" y="0"/>
-          <a:chExt cx="0" cy="0"/>
-        </a:xfrm>
-      </p:grpSpPr>
-      <p:sp>
-        <p:nvSpPr>
           <p:cNvPr id="30721" name="标题 5">
             <a:extLst>
               <a:ext uri="{FF2B5EF4-FFF2-40B4-BE49-F238E27FC236}">
@@ -14989,7 +14147,7 @@
         </p:blipFill>
         <p:spPr bwMode="auto">
           <a:xfrm>
-            <a:off x="1020763" y="2470150"/>
+            <a:off x="200025" y="2283730"/>
             <a:ext cx="4103687" cy="2562225"/>
           </a:xfrm>
           <a:prstGeom prst="rect">
@@ -15037,7 +14195,7 @@
         <p:spPr bwMode="auto">
           <a:xfrm>
             <a:off x="200025" y="693738"/>
-            <a:ext cx="5610225" cy="1476375"/>
+            <a:ext cx="5610225" cy="1405193"/>
           </a:xfrm>
           <a:prstGeom prst="rect">
             <a:avLst/>
@@ -15177,7 +14335,7 @@
               <a:rPr lang="zh-CN" altLang="en-US" sz="2000" dirty="0">
                 <a:latin typeface="黑体" panose="02010609060101010101" pitchFamily="49" charset="-122"/>
               </a:rPr>
-              <a:t>上边是子进程时钟，下边是主进程时钟。</a:t>
+              <a:t>上边是子线程时钟，下边是主线程时钟。</a:t>
             </a:r>
           </a:p>
           <a:p>
@@ -15206,487 +14364,7 @@
 </p:sld>
 </file>
 
-<file path=ppt/slides/slide23.xml><?xml version="1.0" encoding="utf-8"?>
-<p:sld xmlns:a="http://schemas.openxmlformats.org/drawingml/2006/main" xmlns:r="http://schemas.openxmlformats.org/officeDocument/2006/relationships" xmlns:p="http://schemas.openxmlformats.org/presentationml/2006/main">
-  <p:cSld>
-    <p:spTree>
-      <p:nvGrpSpPr>
-        <p:cNvPr id="1" name=""/>
-        <p:cNvGrpSpPr/>
-        <p:nvPr/>
-      </p:nvGrpSpPr>
-      <p:grpSpPr>
-        <a:xfrm>
-          <a:off x="0" y="0"/>
-          <a:ext cx="0" cy="0"/>
-          <a:chOff x="0" y="0"/>
-          <a:chExt cx="0" cy="0"/>
-        </a:xfrm>
-      </p:grpSpPr>
-      <p:sp>
-        <p:nvSpPr>
-          <p:cNvPr id="31745" name="标题 1">
-            <a:extLst>
-              <a:ext uri="{FF2B5EF4-FFF2-40B4-BE49-F238E27FC236}">
-                <a16:creationId xmlns:a16="http://schemas.microsoft.com/office/drawing/2014/main" id="{AE814B06-8F05-42C1-899B-E3B2CE2AD9E9}"/>
-              </a:ext>
-            </a:extLst>
-          </p:cNvPr>
-          <p:cNvSpPr>
-            <a:spLocks noGrp="1" noChangeArrowheads="1"/>
-          </p:cNvSpPr>
-          <p:nvPr>
-            <p:ph type="title"/>
-          </p:nvPr>
-        </p:nvSpPr>
-        <p:spPr/>
-        <p:txBody>
-          <a:bodyPr/>
-          <a:lstStyle/>
-          <a:p>
-            <a:r>
-              <a:rPr lang="zh-CN" altLang="en-US">
-                <a:latin typeface="Calibri" panose="020F0502020204030204" pitchFamily="34" charset="0"/>
-                <a:ea typeface="宋体" panose="02010600030101010101" pitchFamily="2" charset="-122"/>
-              </a:rPr>
-              <a:t>AsyncTask使用注意事项</a:t>
-            </a:r>
-            <a:endParaRPr lang="zh-CN" altLang="en-US"/>
-          </a:p>
-        </p:txBody>
-      </p:sp>
-      <p:sp>
-        <p:nvSpPr>
-          <p:cNvPr id="31746" name="Text Box 4">
-            <a:extLst>
-              <a:ext uri="{FF2B5EF4-FFF2-40B4-BE49-F238E27FC236}">
-                <a16:creationId xmlns:a16="http://schemas.microsoft.com/office/drawing/2014/main" id="{D8C3BA4E-D031-41C3-BE49-FD9AB7E6BB52}"/>
-              </a:ext>
-            </a:extLst>
-          </p:cNvPr>
-          <p:cNvSpPr txBox="1">
-            <a:spLocks noChangeArrowheads="1"/>
-          </p:cNvSpPr>
-          <p:nvPr/>
-        </p:nvSpPr>
-        <p:spPr bwMode="auto">
-          <a:xfrm>
-            <a:off x="539720" y="1203655"/>
-            <a:ext cx="7992555" cy="3368486"/>
-          </a:xfrm>
-          <a:prstGeom prst="rect">
-            <a:avLst/>
-          </a:prstGeom>
-          <a:solidFill>
-            <a:schemeClr val="tx1">
-              <a:lumMod val="20000"/>
-              <a:lumOff val="80000"/>
-            </a:schemeClr>
-          </a:solidFill>
-          <a:ln>
-            <a:noFill/>
-          </a:ln>
-        </p:spPr>
-        <p:txBody>
-          <a:bodyPr wrap="square">
-            <a:spAutoFit/>
-          </a:bodyPr>
-          <a:lstStyle>
-            <a:lvl1pPr indent="457200">
-              <a:defRPr>
-                <a:solidFill>
-                  <a:schemeClr val="tx1"/>
-                </a:solidFill>
-                <a:latin typeface="Arial" panose="020B0604020202020204" pitchFamily="34" charset="0"/>
-                <a:ea typeface="黑体" panose="02010609060101010101" pitchFamily="49" charset="-122"/>
-              </a:defRPr>
-            </a:lvl1pPr>
-            <a:lvl2pPr>
-              <a:defRPr>
-                <a:solidFill>
-                  <a:schemeClr val="tx1"/>
-                </a:solidFill>
-                <a:latin typeface="Arial" panose="020B0604020202020204" pitchFamily="34" charset="0"/>
-                <a:ea typeface="黑体" panose="02010609060101010101" pitchFamily="49" charset="-122"/>
-              </a:defRPr>
-            </a:lvl2pPr>
-            <a:lvl3pPr>
-              <a:defRPr>
-                <a:solidFill>
-                  <a:schemeClr val="tx1"/>
-                </a:solidFill>
-                <a:latin typeface="Arial" panose="020B0604020202020204" pitchFamily="34" charset="0"/>
-                <a:ea typeface="黑体" panose="02010609060101010101" pitchFamily="49" charset="-122"/>
-              </a:defRPr>
-            </a:lvl3pPr>
-            <a:lvl4pPr>
-              <a:defRPr>
-                <a:solidFill>
-                  <a:schemeClr val="tx1"/>
-                </a:solidFill>
-                <a:latin typeface="Arial" panose="020B0604020202020204" pitchFamily="34" charset="0"/>
-                <a:ea typeface="黑体" panose="02010609060101010101" pitchFamily="49" charset="-122"/>
-              </a:defRPr>
-            </a:lvl4pPr>
-            <a:lvl5pPr>
-              <a:defRPr>
-                <a:solidFill>
-                  <a:schemeClr val="tx1"/>
-                </a:solidFill>
-                <a:latin typeface="Arial" panose="020B0604020202020204" pitchFamily="34" charset="0"/>
-                <a:ea typeface="黑体" panose="02010609060101010101" pitchFamily="49" charset="-122"/>
-              </a:defRPr>
-            </a:lvl5pPr>
-            <a:lvl6pPr fontAlgn="base">
-              <a:spcBef>
-                <a:spcPct val="0"/>
-              </a:spcBef>
-              <a:spcAft>
-                <a:spcPct val="0"/>
-              </a:spcAft>
-              <a:buFont typeface="Arial" panose="020B0604020202020204" pitchFamily="34" charset="0"/>
-              <a:defRPr>
-                <a:solidFill>
-                  <a:schemeClr val="tx1"/>
-                </a:solidFill>
-                <a:latin typeface="Arial" panose="020B0604020202020204" pitchFamily="34" charset="0"/>
-                <a:ea typeface="黑体" panose="02010609060101010101" pitchFamily="49" charset="-122"/>
-              </a:defRPr>
-            </a:lvl6pPr>
-            <a:lvl7pPr fontAlgn="base">
-              <a:spcBef>
-                <a:spcPct val="0"/>
-              </a:spcBef>
-              <a:spcAft>
-                <a:spcPct val="0"/>
-              </a:spcAft>
-              <a:buFont typeface="Arial" panose="020B0604020202020204" pitchFamily="34" charset="0"/>
-              <a:defRPr>
-                <a:solidFill>
-                  <a:schemeClr val="tx1"/>
-                </a:solidFill>
-                <a:latin typeface="Arial" panose="020B0604020202020204" pitchFamily="34" charset="0"/>
-                <a:ea typeface="黑体" panose="02010609060101010101" pitchFamily="49" charset="-122"/>
-              </a:defRPr>
-            </a:lvl7pPr>
-            <a:lvl8pPr fontAlgn="base">
-              <a:spcBef>
-                <a:spcPct val="0"/>
-              </a:spcBef>
-              <a:spcAft>
-                <a:spcPct val="0"/>
-              </a:spcAft>
-              <a:buFont typeface="Arial" panose="020B0604020202020204" pitchFamily="34" charset="0"/>
-              <a:defRPr>
-                <a:solidFill>
-                  <a:schemeClr val="tx1"/>
-                </a:solidFill>
-                <a:latin typeface="Arial" panose="020B0604020202020204" pitchFamily="34" charset="0"/>
-                <a:ea typeface="黑体" panose="02010609060101010101" pitchFamily="49" charset="-122"/>
-              </a:defRPr>
-            </a:lvl8pPr>
-            <a:lvl9pPr fontAlgn="base">
-              <a:spcBef>
-                <a:spcPct val="0"/>
-              </a:spcBef>
-              <a:spcAft>
-                <a:spcPct val="0"/>
-              </a:spcAft>
-              <a:buFont typeface="Arial" panose="020B0604020202020204" pitchFamily="34" charset="0"/>
-              <a:defRPr>
-                <a:solidFill>
-                  <a:schemeClr val="tx1"/>
-                </a:solidFill>
-                <a:latin typeface="Arial" panose="020B0604020202020204" pitchFamily="34" charset="0"/>
-                <a:ea typeface="黑体" panose="02010609060101010101" pitchFamily="49" charset="-122"/>
-              </a:defRPr>
-            </a:lvl9pPr>
-          </a:lstStyle>
-          <a:p>
-            <a:pPr>
-              <a:lnSpc>
-                <a:spcPct val="150000"/>
-              </a:lnSpc>
-            </a:pPr>
-            <a:r>
-              <a:rPr lang="zh-CN" altLang="en-US" sz="1600" dirty="0"/>
-              <a:t>1.Handler需要和主线程交互，Handler内置于AsyncTask中，</a:t>
-            </a:r>
-            <a:r>
-              <a:rPr lang="zh-CN" altLang="en-US" sz="1600" dirty="0">
-                <a:solidFill>
-                  <a:srgbClr val="0070C0"/>
-                </a:solidFill>
-              </a:rPr>
-              <a:t>AsyncTask的创建必须在主线程</a:t>
-            </a:r>
-            <a:r>
-              <a:rPr lang="zh-CN" altLang="en-US" sz="1600" dirty="0"/>
-              <a:t>。</a:t>
-            </a:r>
-          </a:p>
-          <a:p>
-            <a:pPr>
-              <a:lnSpc>
-                <a:spcPct val="150000"/>
-              </a:lnSpc>
-            </a:pPr>
-            <a:r>
-              <a:rPr lang="zh-CN" altLang="en-US" sz="1600" dirty="0"/>
-              <a:t>2.</a:t>
-            </a:r>
-            <a:r>
-              <a:rPr lang="zh-CN" altLang="en-US" sz="1600" dirty="0">
-                <a:solidFill>
-                  <a:srgbClr val="0070C0"/>
-                </a:solidFill>
-              </a:rPr>
-              <a:t>doInBackground(Params)方法</a:t>
-            </a:r>
-            <a:r>
-              <a:rPr lang="zh-CN" altLang="en-US" sz="1600" dirty="0"/>
-              <a:t>执行异步任务</a:t>
-            </a:r>
-            <a:r>
-              <a:rPr lang="zh-CN" altLang="en-US" sz="1600" dirty="0">
-                <a:solidFill>
-                  <a:srgbClr val="0070C0"/>
-                </a:solidFill>
-              </a:rPr>
-              <a:t>运行在子线程</a:t>
-            </a:r>
-            <a:r>
-              <a:rPr lang="zh-CN" altLang="en-US" sz="1600" dirty="0"/>
-              <a:t>中。</a:t>
-            </a:r>
-          </a:p>
-          <a:p>
-            <a:pPr>
-              <a:lnSpc>
-                <a:spcPct val="150000"/>
-              </a:lnSpc>
-            </a:pPr>
-            <a:r>
-              <a:rPr lang="zh-CN" altLang="en-US" sz="1600" dirty="0"/>
-              <a:t>3.</a:t>
-            </a:r>
-            <a:r>
-              <a:rPr lang="zh-CN" altLang="en-US" sz="1600" dirty="0">
-                <a:solidFill>
-                  <a:srgbClr val="0070C0"/>
-                </a:solidFill>
-              </a:rPr>
-              <a:t>其他方法运行在主线程</a:t>
-            </a:r>
-            <a:r>
-              <a:rPr lang="zh-CN" altLang="en-US" sz="1600" dirty="0"/>
-              <a:t>中，可以操作UI组件。</a:t>
-            </a:r>
-          </a:p>
-          <a:p>
-            <a:pPr>
-              <a:lnSpc>
-                <a:spcPct val="150000"/>
-              </a:lnSpc>
-            </a:pPr>
-            <a:r>
-              <a:rPr lang="zh-CN" altLang="en-US" sz="1600" dirty="0"/>
-              <a:t>4.一个AsyncTask任务只能被执行一次。</a:t>
-            </a:r>
-          </a:p>
-          <a:p>
-            <a:pPr>
-              <a:lnSpc>
-                <a:spcPct val="150000"/>
-              </a:lnSpc>
-            </a:pPr>
-            <a:r>
-              <a:rPr lang="zh-CN" altLang="en-US" sz="1600" dirty="0"/>
-              <a:t>5.运行中可以</a:t>
-            </a:r>
-            <a:r>
-              <a:rPr lang="zh-CN" altLang="en-US" sz="1600" dirty="0">
-                <a:solidFill>
-                  <a:srgbClr val="0070C0"/>
-                </a:solidFill>
-              </a:rPr>
-              <a:t>随时调用cancel(boolean)方法取消任务</a:t>
-            </a:r>
-            <a:r>
-              <a:rPr lang="zh-CN" altLang="en-US" sz="1600" dirty="0"/>
-              <a:t>。</a:t>
-            </a:r>
-            <a:endParaRPr lang="en-US" altLang="zh-CN" sz="1600" dirty="0"/>
-          </a:p>
-          <a:p>
-            <a:pPr>
-              <a:lnSpc>
-                <a:spcPct val="150000"/>
-              </a:lnSpc>
-            </a:pPr>
-            <a:r>
-              <a:rPr lang="en-US" altLang="zh-CN" sz="1600" dirty="0"/>
-              <a:t>6.</a:t>
-            </a:r>
-            <a:r>
-              <a:rPr lang="zh-CN" altLang="en-US" sz="1600" dirty="0"/>
-              <a:t>不要手动的去调用AsyncTask的onPreExecute, doInBackground, publishProgress, onProgressUpdate, onPostExecute方法，这些都是由</a:t>
-            </a:r>
-            <a:r>
-              <a:rPr lang="zh-CN" altLang="en-US" sz="1600" dirty="0">
-                <a:solidFill>
-                  <a:srgbClr val="0070C0"/>
-                </a:solidFill>
-              </a:rPr>
-              <a:t>android系统自动调用</a:t>
-            </a:r>
-            <a:r>
-              <a:rPr lang="zh-CN" altLang="en-US" sz="1600" dirty="0"/>
-              <a:t>的。</a:t>
-            </a:r>
-          </a:p>
-        </p:txBody>
-      </p:sp>
-      <p:grpSp>
-        <p:nvGrpSpPr>
-          <p:cNvPr id="31747" name="组合 7">
-            <a:extLst>
-              <a:ext uri="{FF2B5EF4-FFF2-40B4-BE49-F238E27FC236}">
-                <a16:creationId xmlns:a16="http://schemas.microsoft.com/office/drawing/2014/main" id="{393C6F9A-03A1-4786-B626-61480F0CC52F}"/>
-              </a:ext>
-            </a:extLst>
-          </p:cNvPr>
-          <p:cNvGrpSpPr>
-            <a:grpSpLocks/>
-          </p:cNvGrpSpPr>
-          <p:nvPr/>
-        </p:nvGrpSpPr>
-        <p:grpSpPr bwMode="auto">
-          <a:xfrm>
-            <a:off x="107950" y="244475"/>
-            <a:ext cx="360363" cy="360363"/>
-            <a:chOff x="1965186" y="1419622"/>
-            <a:chExt cx="302558" cy="314067"/>
-          </a:xfrm>
-        </p:grpSpPr>
-        <p:sp>
-          <p:nvSpPr>
-            <p:cNvPr id="9" name="矩形 8">
-              <a:extLst>
-                <a:ext uri="{FF2B5EF4-FFF2-40B4-BE49-F238E27FC236}">
-                  <a16:creationId xmlns:a16="http://schemas.microsoft.com/office/drawing/2014/main" id="{6A1FFAD9-2062-47F2-A4A3-127DFA98B94A}"/>
-                </a:ext>
-              </a:extLst>
-            </p:cNvPr>
-            <p:cNvSpPr/>
-            <p:nvPr userDrawn="1"/>
-          </p:nvSpPr>
-          <p:spPr>
-            <a:xfrm>
-              <a:off x="1965186" y="1419622"/>
-              <a:ext cx="251910" cy="251807"/>
-            </a:xfrm>
-            <a:prstGeom prst="rect">
-              <a:avLst/>
-            </a:prstGeom>
-            <a:solidFill>
-              <a:srgbClr val="414455"/>
-            </a:solidFill>
-            <a:ln>
-              <a:noFill/>
-            </a:ln>
-          </p:spPr>
-          <p:style>
-            <a:lnRef idx="2">
-              <a:schemeClr val="accent1">
-                <a:shade val="50000"/>
-              </a:schemeClr>
-            </a:lnRef>
-            <a:fillRef idx="1">
-              <a:schemeClr val="accent1"/>
-            </a:fillRef>
-            <a:effectRef idx="0">
-              <a:schemeClr val="accent1"/>
-            </a:effectRef>
-            <a:fontRef idx="minor">
-              <a:schemeClr val="lt1"/>
-            </a:fontRef>
-          </p:style>
-          <p:txBody>
-            <a:bodyPr anchor="ctr"/>
-            <a:lstStyle/>
-            <a:p>
-              <a:pPr algn="ctr" fontAlgn="auto"/>
-              <a:endParaRPr lang="zh-CN" altLang="en-US" noProof="1"/>
-            </a:p>
-          </p:txBody>
-        </p:sp>
-        <p:sp>
-          <p:nvSpPr>
-            <p:cNvPr id="10" name="矩形 9">
-              <a:extLst>
-                <a:ext uri="{FF2B5EF4-FFF2-40B4-BE49-F238E27FC236}">
-                  <a16:creationId xmlns:a16="http://schemas.microsoft.com/office/drawing/2014/main" id="{114D2BC4-05C9-418F-BCBE-FB57C7A4E9EC}"/>
-                </a:ext>
-              </a:extLst>
-            </p:cNvPr>
-            <p:cNvSpPr/>
-            <p:nvPr userDrawn="1"/>
-          </p:nvSpPr>
-          <p:spPr>
-            <a:xfrm>
-              <a:off x="2087808" y="1553827"/>
-              <a:ext cx="179936" cy="179862"/>
-            </a:xfrm>
-            <a:prstGeom prst="rect">
-              <a:avLst/>
-            </a:prstGeom>
-            <a:solidFill>
-              <a:srgbClr val="0E90BE"/>
-            </a:solidFill>
-            <a:ln>
-              <a:noFill/>
-            </a:ln>
-          </p:spPr>
-          <p:style>
-            <a:lnRef idx="2">
-              <a:schemeClr val="accent1">
-                <a:shade val="50000"/>
-              </a:schemeClr>
-            </a:lnRef>
-            <a:fillRef idx="1">
-              <a:schemeClr val="accent1"/>
-            </a:fillRef>
-            <a:effectRef idx="0">
-              <a:schemeClr val="accent1"/>
-            </a:effectRef>
-            <a:fontRef idx="minor">
-              <a:schemeClr val="lt1"/>
-            </a:fontRef>
-          </p:style>
-          <p:txBody>
-            <a:bodyPr anchor="ctr"/>
-            <a:lstStyle/>
-            <a:p>
-              <a:pPr algn="ctr" fontAlgn="auto"/>
-              <a:endParaRPr lang="zh-CN" altLang="en-US" noProof="1"/>
-            </a:p>
-          </p:txBody>
-        </p:sp>
-      </p:grpSp>
-    </p:spTree>
-    <p:custDataLst>
-      <p:tags r:id="rId1"/>
-    </p:custDataLst>
-  </p:cSld>
-  <p:clrMapOvr>
-    <a:masterClrMapping/>
-  </p:clrMapOvr>
-  <p:transition spd="slow" advClick="0"/>
-</p:sld>
-</file>
-
-<file path=ppt/slides/slide24.xml><?xml version="1.0" encoding="utf-8"?>
+<file path=ppt/slides/slide21.xml><?xml version="1.0" encoding="utf-8"?>
 <p:sld xmlns:a="http://schemas.openxmlformats.org/drawingml/2006/main" xmlns:r="http://schemas.openxmlformats.org/officeDocument/2006/relationships" xmlns:p="http://schemas.openxmlformats.org/presentationml/2006/main">
   <p:cSld>
     <p:spTree>
@@ -16086,7 +14764,7 @@
 </p:sld>
 </file>
 
-<file path=ppt/slides/slide25.xml><?xml version="1.0" encoding="utf-8"?>
+<file path=ppt/slides/slide22.xml><?xml version="1.0" encoding="utf-8"?>
 <p:sld xmlns:a="http://schemas.openxmlformats.org/drawingml/2006/main" xmlns:r="http://schemas.openxmlformats.org/officeDocument/2006/relationships" xmlns:p="http://schemas.openxmlformats.org/presentationml/2006/main">
   <p:cSld>
     <p:spTree>
@@ -16632,7 +15310,7 @@
 </p:sld>
 </file>
 
-<file path=ppt/slides/slide26.xml><?xml version="1.0" encoding="utf-8"?>
+<file path=ppt/slides/slide23.xml><?xml version="1.0" encoding="utf-8"?>
 <p:sld xmlns:a="http://schemas.openxmlformats.org/drawingml/2006/main" xmlns:r="http://schemas.openxmlformats.org/officeDocument/2006/relationships" xmlns:p="http://schemas.openxmlformats.org/presentationml/2006/main">
   <p:cSld>
     <p:spTree>
@@ -17191,7 +15869,7 @@
 </p:sld>
 </file>
 
-<file path=ppt/slides/slide27.xml><?xml version="1.0" encoding="utf-8"?>
+<file path=ppt/slides/slide24.xml><?xml version="1.0" encoding="utf-8"?>
 <p:sld xmlns:a="http://schemas.openxmlformats.org/drawingml/2006/main" xmlns:r="http://schemas.openxmlformats.org/officeDocument/2006/relationships" xmlns:p="http://schemas.openxmlformats.org/presentationml/2006/main">
   <p:cSld>
     <p:spTree>
@@ -18045,7 +16723,7 @@
 </p:sld>
 </file>
 
-<file path=ppt/slides/slide28.xml><?xml version="1.0" encoding="utf-8"?>
+<file path=ppt/slides/slide25.xml><?xml version="1.0" encoding="utf-8"?>
 <p:sld xmlns:a="http://schemas.openxmlformats.org/drawingml/2006/main" xmlns:r="http://schemas.openxmlformats.org/officeDocument/2006/relationships" xmlns:p="http://schemas.openxmlformats.org/presentationml/2006/main">
   <p:cSld>
     <p:spTree>
@@ -18123,7 +16801,7 @@
         </p:nvSpPr>
         <p:spPr bwMode="auto">
           <a:xfrm>
-            <a:off x="477838" y="3613150"/>
+            <a:off x="290956" y="3147790"/>
             <a:ext cx="5294312" cy="1198563"/>
           </a:xfrm>
           <a:prstGeom prst="rect">
@@ -18275,7 +16953,7 @@
               </a:lnSpc>
             </a:pPr>
             <a:r>
-              <a:rPr lang="zh-CN" altLang="en-US" sz="1200">
+              <a:rPr lang="zh-CN" altLang="en-US" sz="1200" dirty="0">
                 <a:latin typeface="黑体" panose="02010609060101010101" pitchFamily="49" charset="-122"/>
               </a:rPr>
               <a:t>一个程序可以有多个入口。如果设置两个，且category都是android.intent.category.LAUNCHER，那么手机中就会出现两个快捷方式，也就是两个程序的入口，但进去以后打开的第一个页不同。category设置成其他的话，就会只出现一个。</a:t>
@@ -18600,7 +17278,7 @@
 </p:sld>
 </file>
 
-<file path=ppt/slides/slide29.xml><?xml version="1.0" encoding="utf-8"?>
+<file path=ppt/slides/slide26.xml><?xml version="1.0" encoding="utf-8"?>
 <p:sld xmlns:a="http://schemas.openxmlformats.org/drawingml/2006/main" xmlns:r="http://schemas.openxmlformats.org/officeDocument/2006/relationships" xmlns:p="http://schemas.openxmlformats.org/presentationml/2006/main">
   <p:cSld>
     <p:spTree>
@@ -18675,8 +17353,8 @@
         </p:nvSpPr>
         <p:spPr bwMode="auto">
           <a:xfrm>
-            <a:off x="57150" y="681038"/>
-            <a:ext cx="9051925" cy="4246562"/>
+            <a:off x="323705" y="701947"/>
+            <a:ext cx="8331115" cy="4214680"/>
           </a:xfrm>
           <a:prstGeom prst="rect">
             <a:avLst/>
@@ -18692,7 +17370,7 @@
           </a:ln>
         </p:spPr>
         <p:txBody>
-          <a:bodyPr>
+          <a:bodyPr wrap="square">
             <a:spAutoFit/>
           </a:bodyPr>
           <a:lstStyle>
@@ -18814,6 +17492,9 @@
             </a:pPr>
             <a:r>
               <a:rPr lang="zh-CN" altLang="en-US" dirty="0">
+                <a:highlight>
+                  <a:srgbClr val="FFFF00"/>
+                </a:highlight>
                 <a:latin typeface="微软雅黑" panose="020B0503020204020204" pitchFamily="34" charset="-122"/>
                 <a:ea typeface="微软雅黑" panose="020B0503020204020204" pitchFamily="34" charset="-122"/>
               </a:rPr>
@@ -18993,489 +17674,7 @@
 </p:sld>
 </file>
 
-<file path=ppt/slides/slide3.xml><?xml version="1.0" encoding="utf-8"?>
-<p:sld xmlns:a="http://schemas.openxmlformats.org/drawingml/2006/main" xmlns:r="http://schemas.openxmlformats.org/officeDocument/2006/relationships" xmlns:p="http://schemas.openxmlformats.org/presentationml/2006/main">
-  <p:cSld>
-    <p:spTree>
-      <p:nvGrpSpPr>
-        <p:cNvPr id="1" name=""/>
-        <p:cNvGrpSpPr/>
-        <p:nvPr/>
-      </p:nvGrpSpPr>
-      <p:grpSpPr>
-        <a:xfrm>
-          <a:off x="0" y="0"/>
-          <a:ext cx="0" cy="0"/>
-          <a:chOff x="0" y="0"/>
-          <a:chExt cx="0" cy="0"/>
-        </a:xfrm>
-      </p:grpSpPr>
-      <p:sp>
-        <p:nvSpPr>
-          <p:cNvPr id="11265" name="标题 1">
-            <a:extLst>
-              <a:ext uri="{FF2B5EF4-FFF2-40B4-BE49-F238E27FC236}">
-                <a16:creationId xmlns:a16="http://schemas.microsoft.com/office/drawing/2014/main" id="{EBCF8A44-B6D0-4EA1-8EFE-D2A76E91F132}"/>
-              </a:ext>
-            </a:extLst>
-          </p:cNvPr>
-          <p:cNvSpPr>
-            <a:spLocks noGrp="1" noChangeArrowheads="1"/>
-          </p:cNvSpPr>
-          <p:nvPr>
-            <p:ph type="title"/>
-          </p:nvPr>
-        </p:nvSpPr>
-        <p:spPr>
-          <a:xfrm>
-            <a:off x="468313" y="204788"/>
-            <a:ext cx="7886700" cy="431800"/>
-          </a:xfrm>
-        </p:spPr>
-        <p:txBody>
-          <a:bodyPr/>
-          <a:lstStyle/>
-          <a:p>
-            <a:r>
-              <a:rPr lang="zh-CN" altLang="en-US" b="1">
-                <a:latin typeface="Calibri" panose="020F0502020204030204" pitchFamily="34" charset="0"/>
-                <a:ea typeface="宋体" panose="02010600030101010101" pitchFamily="2" charset="-122"/>
-              </a:rPr>
-              <a:t>线程</a:t>
-            </a:r>
-            <a:r>
-              <a:rPr lang="zh-CN" altLang="en-US">
-                <a:latin typeface="Calibri" panose="020F0502020204030204" pitchFamily="34" charset="0"/>
-                <a:ea typeface="宋体" panose="02010600030101010101" pitchFamily="2" charset="-122"/>
-              </a:rPr>
-              <a:t> thread </a:t>
-            </a:r>
-          </a:p>
-        </p:txBody>
-      </p:sp>
-      <p:sp>
-        <p:nvSpPr>
-          <p:cNvPr id="11266" name="Text Box 4">
-            <a:extLst>
-              <a:ext uri="{FF2B5EF4-FFF2-40B4-BE49-F238E27FC236}">
-                <a16:creationId xmlns:a16="http://schemas.microsoft.com/office/drawing/2014/main" id="{1C79AA61-A38F-4CA0-90DE-C0B00F37BB24}"/>
-              </a:ext>
-            </a:extLst>
-          </p:cNvPr>
-          <p:cNvSpPr txBox="1">
-            <a:spLocks noChangeArrowheads="1"/>
-          </p:cNvSpPr>
-          <p:nvPr/>
-        </p:nvSpPr>
-        <p:spPr bwMode="auto">
-          <a:xfrm>
-            <a:off x="215106" y="987640"/>
-            <a:ext cx="8713788" cy="3460750"/>
-          </a:xfrm>
-          <a:prstGeom prst="rect">
-            <a:avLst/>
-          </a:prstGeom>
-          <a:solidFill>
-            <a:schemeClr val="tx1">
-              <a:lumMod val="20000"/>
-              <a:lumOff val="80000"/>
-            </a:schemeClr>
-          </a:solidFill>
-          <a:ln>
-            <a:noFill/>
-          </a:ln>
-        </p:spPr>
-        <p:txBody>
-          <a:bodyPr>
-            <a:spAutoFit/>
-          </a:bodyPr>
-          <a:lstStyle>
-            <a:lvl1pPr indent="457200">
-              <a:defRPr>
-                <a:solidFill>
-                  <a:schemeClr val="tx1"/>
-                </a:solidFill>
-                <a:latin typeface="Arial" panose="020B0604020202020204" pitchFamily="34" charset="0"/>
-                <a:ea typeface="黑体" panose="02010609060101010101" pitchFamily="49" charset="-122"/>
-              </a:defRPr>
-            </a:lvl1pPr>
-            <a:lvl2pPr>
-              <a:defRPr>
-                <a:solidFill>
-                  <a:schemeClr val="tx1"/>
-                </a:solidFill>
-                <a:latin typeface="Arial" panose="020B0604020202020204" pitchFamily="34" charset="0"/>
-                <a:ea typeface="黑体" panose="02010609060101010101" pitchFamily="49" charset="-122"/>
-              </a:defRPr>
-            </a:lvl2pPr>
-            <a:lvl3pPr>
-              <a:defRPr>
-                <a:solidFill>
-                  <a:schemeClr val="tx1"/>
-                </a:solidFill>
-                <a:latin typeface="Arial" panose="020B0604020202020204" pitchFamily="34" charset="0"/>
-                <a:ea typeface="黑体" panose="02010609060101010101" pitchFamily="49" charset="-122"/>
-              </a:defRPr>
-            </a:lvl3pPr>
-            <a:lvl4pPr>
-              <a:defRPr>
-                <a:solidFill>
-                  <a:schemeClr val="tx1"/>
-                </a:solidFill>
-                <a:latin typeface="Arial" panose="020B0604020202020204" pitchFamily="34" charset="0"/>
-                <a:ea typeface="黑体" panose="02010609060101010101" pitchFamily="49" charset="-122"/>
-              </a:defRPr>
-            </a:lvl4pPr>
-            <a:lvl5pPr>
-              <a:defRPr>
-                <a:solidFill>
-                  <a:schemeClr val="tx1"/>
-                </a:solidFill>
-                <a:latin typeface="Arial" panose="020B0604020202020204" pitchFamily="34" charset="0"/>
-                <a:ea typeface="黑体" panose="02010609060101010101" pitchFamily="49" charset="-122"/>
-              </a:defRPr>
-            </a:lvl5pPr>
-            <a:lvl6pPr fontAlgn="base">
-              <a:spcBef>
-                <a:spcPct val="0"/>
-              </a:spcBef>
-              <a:spcAft>
-                <a:spcPct val="0"/>
-              </a:spcAft>
-              <a:buFont typeface="Arial" panose="020B0604020202020204" pitchFamily="34" charset="0"/>
-              <a:defRPr>
-                <a:solidFill>
-                  <a:schemeClr val="tx1"/>
-                </a:solidFill>
-                <a:latin typeface="Arial" panose="020B0604020202020204" pitchFamily="34" charset="0"/>
-                <a:ea typeface="黑体" panose="02010609060101010101" pitchFamily="49" charset="-122"/>
-              </a:defRPr>
-            </a:lvl6pPr>
-            <a:lvl7pPr fontAlgn="base">
-              <a:spcBef>
-                <a:spcPct val="0"/>
-              </a:spcBef>
-              <a:spcAft>
-                <a:spcPct val="0"/>
-              </a:spcAft>
-              <a:buFont typeface="Arial" panose="020B0604020202020204" pitchFamily="34" charset="0"/>
-              <a:defRPr>
-                <a:solidFill>
-                  <a:schemeClr val="tx1"/>
-                </a:solidFill>
-                <a:latin typeface="Arial" panose="020B0604020202020204" pitchFamily="34" charset="0"/>
-                <a:ea typeface="黑体" panose="02010609060101010101" pitchFamily="49" charset="-122"/>
-              </a:defRPr>
-            </a:lvl7pPr>
-            <a:lvl8pPr fontAlgn="base">
-              <a:spcBef>
-                <a:spcPct val="0"/>
-              </a:spcBef>
-              <a:spcAft>
-                <a:spcPct val="0"/>
-              </a:spcAft>
-              <a:buFont typeface="Arial" panose="020B0604020202020204" pitchFamily="34" charset="0"/>
-              <a:defRPr>
-                <a:solidFill>
-                  <a:schemeClr val="tx1"/>
-                </a:solidFill>
-                <a:latin typeface="Arial" panose="020B0604020202020204" pitchFamily="34" charset="0"/>
-                <a:ea typeface="黑体" panose="02010609060101010101" pitchFamily="49" charset="-122"/>
-              </a:defRPr>
-            </a:lvl8pPr>
-            <a:lvl9pPr fontAlgn="base">
-              <a:spcBef>
-                <a:spcPct val="0"/>
-              </a:spcBef>
-              <a:spcAft>
-                <a:spcPct val="0"/>
-              </a:spcAft>
-              <a:buFont typeface="Arial" panose="020B0604020202020204" pitchFamily="34" charset="0"/>
-              <a:defRPr>
-                <a:solidFill>
-                  <a:schemeClr val="tx1"/>
-                </a:solidFill>
-                <a:latin typeface="Arial" panose="020B0604020202020204" pitchFamily="34" charset="0"/>
-                <a:ea typeface="黑体" panose="02010609060101010101" pitchFamily="49" charset="-122"/>
-              </a:defRPr>
-            </a:lvl9pPr>
-          </a:lstStyle>
-          <a:p>
-            <a:pPr>
-              <a:lnSpc>
-                <a:spcPct val="150000"/>
-              </a:lnSpc>
-            </a:pPr>
-            <a:r>
-              <a:rPr lang="zh-CN" altLang="en-US" sz="1400" b="1" dirty="0"/>
-              <a:t>线程是进程中的一个实体</a:t>
-            </a:r>
-            <a:r>
-              <a:rPr lang="zh-CN" altLang="en-US" sz="1400" dirty="0"/>
-              <a:t>，是CPU调度和分派的基本单位,它是比进程更小的能独立运行的基本单位。</a:t>
-            </a:r>
-          </a:p>
-          <a:p>
-            <a:pPr>
-              <a:lnSpc>
-                <a:spcPct val="150000"/>
-              </a:lnSpc>
-            </a:pPr>
-            <a:endParaRPr lang="zh-CN" altLang="en-US" sz="1400" b="1" dirty="0">
-              <a:solidFill>
-                <a:srgbClr val="0070C0"/>
-              </a:solidFill>
-            </a:endParaRPr>
-          </a:p>
-          <a:p>
-            <a:pPr>
-              <a:lnSpc>
-                <a:spcPct val="150000"/>
-              </a:lnSpc>
-            </a:pPr>
-            <a:r>
-              <a:rPr lang="zh-CN" altLang="en-US" sz="2400" b="1" dirty="0">
-                <a:solidFill>
-                  <a:srgbClr val="0070C0"/>
-                </a:solidFill>
-              </a:rPr>
-              <a:t>主线程（Main Thread）</a:t>
-            </a:r>
-          </a:p>
-          <a:p>
-            <a:pPr>
-              <a:lnSpc>
-                <a:spcPct val="150000"/>
-              </a:lnSpc>
-            </a:pPr>
-            <a:r>
-              <a:rPr lang="zh-CN" altLang="en-US" sz="1400" b="1" dirty="0">
-                <a:solidFill>
-                  <a:schemeClr val="tx2"/>
-                </a:solidFill>
-              </a:rPr>
-              <a:t>程序第一次启动时，Android会同时启动一条主线程</a:t>
-            </a:r>
-          </a:p>
-          <a:p>
-            <a:pPr>
-              <a:lnSpc>
-                <a:spcPct val="150000"/>
-              </a:lnSpc>
-            </a:pPr>
-            <a:r>
-              <a:rPr lang="zh-CN" altLang="en-US" sz="1400" b="1" dirty="0">
-                <a:solidFill>
-                  <a:schemeClr val="tx2"/>
-                </a:solidFill>
-              </a:rPr>
-              <a:t>主线程主要负责处理与UI相关的事件，所以主线程又叫UI线程</a:t>
-            </a:r>
-          </a:p>
-          <a:p>
-            <a:pPr>
-              <a:lnSpc>
-                <a:spcPct val="150000"/>
-              </a:lnSpc>
-            </a:pPr>
-            <a:endParaRPr lang="zh-CN" altLang="en-US" sz="1400" b="1" dirty="0">
-              <a:solidFill>
-                <a:schemeClr val="tx2"/>
-              </a:solidFill>
-            </a:endParaRPr>
-          </a:p>
-          <a:p>
-            <a:pPr>
-              <a:lnSpc>
-                <a:spcPct val="150000"/>
-              </a:lnSpc>
-            </a:pPr>
-            <a:r>
-              <a:rPr lang="zh-CN" altLang="en-US" sz="2400" b="1" dirty="0">
-                <a:solidFill>
-                  <a:srgbClr val="0070C0"/>
-                </a:solidFill>
-              </a:rPr>
-              <a:t>子线程（Worker Thread）</a:t>
-            </a:r>
-          </a:p>
-          <a:p>
-            <a:pPr>
-              <a:lnSpc>
-                <a:spcPct val="150000"/>
-              </a:lnSpc>
-            </a:pPr>
-            <a:r>
-              <a:rPr lang="zh-CN" altLang="en-US" sz="1400" b="1" dirty="0">
-                <a:solidFill>
-                  <a:schemeClr val="tx2"/>
-                </a:solidFill>
-              </a:rPr>
-              <a:t>除了UI线程外的线程都叫子线程</a:t>
-            </a:r>
-          </a:p>
-          <a:p>
-            <a:pPr>
-              <a:lnSpc>
-                <a:spcPct val="150000"/>
-              </a:lnSpc>
-            </a:pPr>
-            <a:r>
-              <a:rPr lang="zh-CN" altLang="en-US" sz="1400" b="1" dirty="0">
-                <a:solidFill>
-                  <a:schemeClr val="tx2"/>
-                </a:solidFill>
-              </a:rPr>
-              <a:t>负责一些比较耗时的操作(联网、取数据、SD卡数据加载等操作)</a:t>
-            </a:r>
-            <a:endParaRPr lang="zh-CN" altLang="en-US" sz="1400" b="1" dirty="0">
-              <a:solidFill>
-                <a:srgbClr val="FF0000"/>
-              </a:solidFill>
-            </a:endParaRPr>
-          </a:p>
-        </p:txBody>
-      </p:sp>
-      <p:grpSp>
-        <p:nvGrpSpPr>
-          <p:cNvPr id="11267" name="组合 7">
-            <a:extLst>
-              <a:ext uri="{FF2B5EF4-FFF2-40B4-BE49-F238E27FC236}">
-                <a16:creationId xmlns:a16="http://schemas.microsoft.com/office/drawing/2014/main" id="{E28BE2AE-A981-4813-A4C4-07C0C4B35370}"/>
-              </a:ext>
-            </a:extLst>
-          </p:cNvPr>
-          <p:cNvGrpSpPr>
-            <a:grpSpLocks/>
-          </p:cNvGrpSpPr>
-          <p:nvPr/>
-        </p:nvGrpSpPr>
-        <p:grpSpPr bwMode="auto">
-          <a:xfrm>
-            <a:off x="107950" y="244475"/>
-            <a:ext cx="360363" cy="360363"/>
-            <a:chOff x="1965186" y="1419622"/>
-            <a:chExt cx="302558" cy="314067"/>
-          </a:xfrm>
-        </p:grpSpPr>
-        <p:sp>
-          <p:nvSpPr>
-            <p:cNvPr id="9" name="矩形 8">
-              <a:extLst>
-                <a:ext uri="{FF2B5EF4-FFF2-40B4-BE49-F238E27FC236}">
-                  <a16:creationId xmlns:a16="http://schemas.microsoft.com/office/drawing/2014/main" id="{918CB490-3A76-410E-AC7D-11C74DBC9C62}"/>
-                </a:ext>
-              </a:extLst>
-            </p:cNvPr>
-            <p:cNvSpPr/>
-            <p:nvPr userDrawn="1"/>
-          </p:nvSpPr>
-          <p:spPr>
-            <a:xfrm>
-              <a:off x="1965186" y="1419622"/>
-              <a:ext cx="251910" cy="251807"/>
-            </a:xfrm>
-            <a:prstGeom prst="rect">
-              <a:avLst/>
-            </a:prstGeom>
-            <a:solidFill>
-              <a:srgbClr val="414455"/>
-            </a:solidFill>
-            <a:ln>
-              <a:noFill/>
-            </a:ln>
-          </p:spPr>
-          <p:style>
-            <a:lnRef idx="2">
-              <a:schemeClr val="accent1">
-                <a:shade val="50000"/>
-              </a:schemeClr>
-            </a:lnRef>
-            <a:fillRef idx="1">
-              <a:schemeClr val="accent1"/>
-            </a:fillRef>
-            <a:effectRef idx="0">
-              <a:schemeClr val="accent1"/>
-            </a:effectRef>
-            <a:fontRef idx="minor">
-              <a:schemeClr val="lt1"/>
-            </a:fontRef>
-          </p:style>
-          <p:txBody>
-            <a:bodyPr anchor="ctr"/>
-            <a:lstStyle/>
-            <a:p>
-              <a:pPr algn="ctr" fontAlgn="auto"/>
-              <a:endParaRPr lang="zh-CN" altLang="en-US" noProof="1"/>
-            </a:p>
-          </p:txBody>
-        </p:sp>
-        <p:sp>
-          <p:nvSpPr>
-            <p:cNvPr id="10" name="矩形 9">
-              <a:extLst>
-                <a:ext uri="{FF2B5EF4-FFF2-40B4-BE49-F238E27FC236}">
-                  <a16:creationId xmlns:a16="http://schemas.microsoft.com/office/drawing/2014/main" id="{858164A8-7068-41C1-9207-3C4D8ED1C764}"/>
-                </a:ext>
-              </a:extLst>
-            </p:cNvPr>
-            <p:cNvSpPr/>
-            <p:nvPr userDrawn="1"/>
-          </p:nvSpPr>
-          <p:spPr>
-            <a:xfrm>
-              <a:off x="2087808" y="1553827"/>
-              <a:ext cx="179936" cy="179862"/>
-            </a:xfrm>
-            <a:prstGeom prst="rect">
-              <a:avLst/>
-            </a:prstGeom>
-            <a:solidFill>
-              <a:srgbClr val="0E90BE"/>
-            </a:solidFill>
-            <a:ln>
-              <a:noFill/>
-            </a:ln>
-          </p:spPr>
-          <p:style>
-            <a:lnRef idx="2">
-              <a:schemeClr val="accent1">
-                <a:shade val="50000"/>
-              </a:schemeClr>
-            </a:lnRef>
-            <a:fillRef idx="1">
-              <a:schemeClr val="accent1"/>
-            </a:fillRef>
-            <a:effectRef idx="0">
-              <a:schemeClr val="accent1"/>
-            </a:effectRef>
-            <a:fontRef idx="minor">
-              <a:schemeClr val="lt1"/>
-            </a:fontRef>
-          </p:style>
-          <p:txBody>
-            <a:bodyPr anchor="ctr"/>
-            <a:lstStyle/>
-            <a:p>
-              <a:pPr algn="ctr" fontAlgn="auto"/>
-              <a:endParaRPr lang="zh-CN" altLang="en-US" noProof="1"/>
-            </a:p>
-          </p:txBody>
-        </p:sp>
-      </p:grpSp>
-    </p:spTree>
-    <p:custDataLst>
-      <p:tags r:id="rId1"/>
-    </p:custDataLst>
-  </p:cSld>
-  <p:clrMapOvr>
-    <a:masterClrMapping/>
-  </p:clrMapOvr>
-  <p:transition spd="slow" advClick="0"/>
-</p:sld>
-</file>
-
-<file path=ppt/slides/slide30.xml><?xml version="1.0" encoding="utf-8"?>
+<file path=ppt/slides/slide27.xml><?xml version="1.0" encoding="utf-8"?>
 <p:sld xmlns:a="http://schemas.openxmlformats.org/drawingml/2006/main" xmlns:r="http://schemas.openxmlformats.org/officeDocument/2006/relationships" xmlns:p="http://schemas.openxmlformats.org/presentationml/2006/main">
   <p:cSld>
     <p:spTree>
@@ -20055,7 +18254,7 @@
 </p:sld>
 </file>
 
-<file path=ppt/slides/slide4.xml><?xml version="1.0" encoding="utf-8"?>
+<file path=ppt/slides/slide3.xml><?xml version="1.0" encoding="utf-8"?>
 <p:sld xmlns:a="http://schemas.openxmlformats.org/drawingml/2006/main" xmlns:r="http://schemas.openxmlformats.org/officeDocument/2006/relationships" xmlns:p="http://schemas.openxmlformats.org/presentationml/2006/main">
   <p:cSld>
     <p:spTree>
@@ -20074,20 +18273,65 @@
       </p:grpSpPr>
       <p:sp>
         <p:nvSpPr>
-          <p:cNvPr id="12289" name="Text Box 4">
+          <p:cNvPr id="11265" name="标题 1">
             <a:extLst>
               <a:ext uri="{FF2B5EF4-FFF2-40B4-BE49-F238E27FC236}">
-                <a16:creationId xmlns:a16="http://schemas.microsoft.com/office/drawing/2014/main" id="{6819AC79-DE01-40AC-9ED3-FFD6DAE68745}"/>
+                <a16:creationId xmlns:a16="http://schemas.microsoft.com/office/drawing/2014/main" id="{EBCF8A44-B6D0-4EA1-8EFE-D2A76E91F132}"/>
               </a:ext>
             </a:extLst>
           </p:cNvPr>
-          <p:cNvSpPr txBox="1"/>
-          <p:nvPr/>
+          <p:cNvSpPr>
+            <a:spLocks noGrp="1" noChangeArrowheads="1"/>
+          </p:cNvSpPr>
+          <p:nvPr>
+            <p:ph type="title"/>
+          </p:nvPr>
         </p:nvSpPr>
         <p:spPr>
           <a:xfrm>
-            <a:off x="430213" y="987425"/>
-            <a:ext cx="8245475" cy="3646488"/>
+            <a:off x="468313" y="204788"/>
+            <a:ext cx="7886700" cy="431800"/>
+          </a:xfrm>
+        </p:spPr>
+        <p:txBody>
+          <a:bodyPr/>
+          <a:lstStyle/>
+          <a:p>
+            <a:r>
+              <a:rPr lang="zh-CN" altLang="en-US" b="1">
+                <a:latin typeface="Calibri" panose="020F0502020204030204" pitchFamily="34" charset="0"/>
+                <a:ea typeface="宋体" panose="02010600030101010101" pitchFamily="2" charset="-122"/>
+              </a:rPr>
+              <a:t>线程</a:t>
+            </a:r>
+            <a:r>
+              <a:rPr lang="zh-CN" altLang="en-US">
+                <a:latin typeface="Calibri" panose="020F0502020204030204" pitchFamily="34" charset="0"/>
+                <a:ea typeface="宋体" panose="02010600030101010101" pitchFamily="2" charset="-122"/>
+              </a:rPr>
+              <a:t> thread </a:t>
+            </a:r>
+          </a:p>
+        </p:txBody>
+      </p:sp>
+      <p:sp>
+        <p:nvSpPr>
+          <p:cNvPr id="11266" name="Text Box 4">
+            <a:extLst>
+              <a:ext uri="{FF2B5EF4-FFF2-40B4-BE49-F238E27FC236}">
+                <a16:creationId xmlns:a16="http://schemas.microsoft.com/office/drawing/2014/main" id="{1C79AA61-A38F-4CA0-90DE-C0B00F37BB24}"/>
+              </a:ext>
+            </a:extLst>
+          </p:cNvPr>
+          <p:cNvSpPr txBox="1">
+            <a:spLocks noChangeArrowheads="1"/>
+          </p:cNvSpPr>
+          <p:nvPr/>
+        </p:nvSpPr>
+        <p:spPr bwMode="auto">
+          <a:xfrm>
+            <a:off x="215106" y="987640"/>
+            <a:ext cx="8713788" cy="3460750"/>
           </a:xfrm>
           <a:prstGeom prst="rect">
             <a:avLst/>
@@ -20098,7 +18342,7 @@
               <a:lumOff val="80000"/>
             </a:schemeClr>
           </a:solidFill>
-          <a:ln w="9525">
+          <a:ln>
             <a:noFill/>
           </a:ln>
         </p:spPr>
@@ -20106,144 +18350,297 @@
           <a:bodyPr>
             <a:spAutoFit/>
           </a:bodyPr>
-          <a:lstStyle/>
-          <a:p>
-            <a:pPr marL="342900" indent="-342900">
-              <a:lnSpc>
-                <a:spcPct val="150000"/>
-              </a:lnSpc>
-              <a:buFont typeface="Wingdings" panose="05000000000000000000" charset="0"/>
-              <a:buChar char=""/>
-            </a:pPr>
-            <a:r>
-              <a:rPr lang="zh-CN" altLang="en-US" sz="2000" b="1" noProof="1"/>
-              <a:t>一个Android应用只能存在一个进程，但是</a:t>
-            </a:r>
-            <a:r>
-              <a:rPr lang="zh-CN" altLang="en-US" sz="2000" b="1" noProof="1">
-                <a:solidFill>
-                  <a:srgbClr val="0070C0"/>
-                </a:solidFill>
-              </a:rPr>
-              <a:t>可以存在多个线程</a:t>
-            </a:r>
-            <a:r>
-              <a:rPr lang="zh-CN" altLang="en-US" sz="2000" b="1" noProof="1"/>
-              <a:t>。</a:t>
-            </a:r>
-          </a:p>
-          <a:p>
-            <a:pPr marL="285750" indent="-285750">
-              <a:lnSpc>
-                <a:spcPct val="150000"/>
-              </a:lnSpc>
-              <a:buFont typeface="Wingdings" panose="05000000000000000000" charset="0"/>
-              <a:buChar char=""/>
-            </a:pPr>
-            <a:endParaRPr lang="zh-CN" altLang="en-US" sz="1400" b="1" noProof="1">
-              <a:solidFill>
-                <a:schemeClr val="tx2"/>
-              </a:solidFill>
-            </a:endParaRPr>
-          </a:p>
-          <a:p>
-            <a:pPr marL="342900" indent="-342900">
-              <a:lnSpc>
-                <a:spcPct val="150000"/>
-              </a:lnSpc>
-              <a:buFont typeface="Wingdings" panose="05000000000000000000" charset="0"/>
-              <a:buChar char=""/>
-            </a:pPr>
-            <a:r>
-              <a:rPr lang="zh-CN" altLang="en-US" sz="2000" b="1" noProof="1">
-                <a:sym typeface="+mn-ea"/>
-              </a:rPr>
-              <a:t>在开发Android应用时必须遵守</a:t>
-            </a:r>
-            <a:r>
-              <a:rPr lang="zh-CN" altLang="en-US" sz="2000" noProof="1">
-                <a:solidFill>
-                  <a:srgbClr val="0070C0"/>
-                </a:solidFill>
-                <a:sym typeface="+mn-ea"/>
-              </a:rPr>
-              <a:t>单线程模型</a:t>
-            </a:r>
-            <a:r>
-              <a:rPr lang="zh-CN" altLang="en-US" sz="2000" b="1" noProof="1">
-                <a:sym typeface="+mn-ea"/>
-              </a:rPr>
-              <a:t>的原则： </a:t>
-            </a:r>
-            <a:endParaRPr lang="zh-CN" altLang="en-US" sz="2000" b="1" noProof="1"/>
-          </a:p>
-          <a:p>
-            <a:pPr>
-              <a:lnSpc>
-                <a:spcPct val="150000"/>
-              </a:lnSpc>
-              <a:buFont typeface="Wingdings" panose="05000000000000000000" charset="0"/>
-              <a:buNone/>
-            </a:pPr>
-            <a:r>
-              <a:rPr lang="zh-CN" altLang="en-US" sz="2000" b="1" noProof="1">
-                <a:sym typeface="+mn-ea"/>
-              </a:rPr>
-              <a:t>Android UI操作并不是线程安全的并且这些操作必须在UI线程中执行。</a:t>
-            </a:r>
-            <a:endParaRPr lang="zh-CN" altLang="en-US" sz="2000" b="1" noProof="1"/>
-          </a:p>
-          <a:p>
-            <a:pPr marL="342900" indent="-342900">
-              <a:lnSpc>
-                <a:spcPct val="150000"/>
-              </a:lnSpc>
-              <a:buFont typeface="Wingdings" panose="05000000000000000000" charset="0"/>
-              <a:buChar char=""/>
-            </a:pPr>
-            <a:endParaRPr lang="zh-CN" altLang="en-US" sz="2000" b="1" noProof="1"/>
-          </a:p>
-          <a:p>
-            <a:pPr marL="342900" indent="-342900">
-              <a:lnSpc>
-                <a:spcPct val="150000"/>
-              </a:lnSpc>
-              <a:buFont typeface="Wingdings" panose="05000000000000000000" charset="0"/>
-              <a:buChar char=""/>
-            </a:pPr>
-            <a:r>
-              <a:rPr lang="zh-CN" altLang="en-US" sz="2000" b="1" noProof="1"/>
-              <a:t>合理的应用线程可以</a:t>
-            </a:r>
-            <a:r>
-              <a:rPr lang="zh-CN" altLang="en-US" sz="2000" b="1" noProof="1">
-                <a:solidFill>
-                  <a:srgbClr val="0070C0"/>
-                </a:solidFill>
-              </a:rPr>
-              <a:t>提高系统资源的利用率</a:t>
-            </a:r>
-            <a:r>
-              <a:rPr lang="zh-CN" altLang="en-US" sz="2000" b="1" noProof="1"/>
-              <a:t>，提高应用的质量，给用户更好的体验。应该理解并熟练掌握线程知识。</a:t>
-            </a:r>
-          </a:p>
+          <a:lstStyle>
+            <a:lvl1pPr indent="457200">
+              <a:defRPr>
+                <a:solidFill>
+                  <a:schemeClr val="tx1"/>
+                </a:solidFill>
+                <a:latin typeface="Arial" panose="020B0604020202020204" pitchFamily="34" charset="0"/>
+                <a:ea typeface="黑体" panose="02010609060101010101" pitchFamily="49" charset="-122"/>
+              </a:defRPr>
+            </a:lvl1pPr>
+            <a:lvl2pPr>
+              <a:defRPr>
+                <a:solidFill>
+                  <a:schemeClr val="tx1"/>
+                </a:solidFill>
+                <a:latin typeface="Arial" panose="020B0604020202020204" pitchFamily="34" charset="0"/>
+                <a:ea typeface="黑体" panose="02010609060101010101" pitchFamily="49" charset="-122"/>
+              </a:defRPr>
+            </a:lvl2pPr>
+            <a:lvl3pPr>
+              <a:defRPr>
+                <a:solidFill>
+                  <a:schemeClr val="tx1"/>
+                </a:solidFill>
+                <a:latin typeface="Arial" panose="020B0604020202020204" pitchFamily="34" charset="0"/>
+                <a:ea typeface="黑体" panose="02010609060101010101" pitchFamily="49" charset="-122"/>
+              </a:defRPr>
+            </a:lvl3pPr>
+            <a:lvl4pPr>
+              <a:defRPr>
+                <a:solidFill>
+                  <a:schemeClr val="tx1"/>
+                </a:solidFill>
+                <a:latin typeface="Arial" panose="020B0604020202020204" pitchFamily="34" charset="0"/>
+                <a:ea typeface="黑体" panose="02010609060101010101" pitchFamily="49" charset="-122"/>
+              </a:defRPr>
+            </a:lvl4pPr>
+            <a:lvl5pPr>
+              <a:defRPr>
+                <a:solidFill>
+                  <a:schemeClr val="tx1"/>
+                </a:solidFill>
+                <a:latin typeface="Arial" panose="020B0604020202020204" pitchFamily="34" charset="0"/>
+                <a:ea typeface="黑体" panose="02010609060101010101" pitchFamily="49" charset="-122"/>
+              </a:defRPr>
+            </a:lvl5pPr>
+            <a:lvl6pPr fontAlgn="base">
+              <a:spcBef>
+                <a:spcPct val="0"/>
+              </a:spcBef>
+              <a:spcAft>
+                <a:spcPct val="0"/>
+              </a:spcAft>
+              <a:buFont typeface="Arial" panose="020B0604020202020204" pitchFamily="34" charset="0"/>
+              <a:defRPr>
+                <a:solidFill>
+                  <a:schemeClr val="tx1"/>
+                </a:solidFill>
+                <a:latin typeface="Arial" panose="020B0604020202020204" pitchFamily="34" charset="0"/>
+                <a:ea typeface="黑体" panose="02010609060101010101" pitchFamily="49" charset="-122"/>
+              </a:defRPr>
+            </a:lvl6pPr>
+            <a:lvl7pPr fontAlgn="base">
+              <a:spcBef>
+                <a:spcPct val="0"/>
+              </a:spcBef>
+              <a:spcAft>
+                <a:spcPct val="0"/>
+              </a:spcAft>
+              <a:buFont typeface="Arial" panose="020B0604020202020204" pitchFamily="34" charset="0"/>
+              <a:defRPr>
+                <a:solidFill>
+                  <a:schemeClr val="tx1"/>
+                </a:solidFill>
+                <a:latin typeface="Arial" panose="020B0604020202020204" pitchFamily="34" charset="0"/>
+                <a:ea typeface="黑体" panose="02010609060101010101" pitchFamily="49" charset="-122"/>
+              </a:defRPr>
+            </a:lvl7pPr>
+            <a:lvl8pPr fontAlgn="base">
+              <a:spcBef>
+                <a:spcPct val="0"/>
+              </a:spcBef>
+              <a:spcAft>
+                <a:spcPct val="0"/>
+              </a:spcAft>
+              <a:buFont typeface="Arial" panose="020B0604020202020204" pitchFamily="34" charset="0"/>
+              <a:defRPr>
+                <a:solidFill>
+                  <a:schemeClr val="tx1"/>
+                </a:solidFill>
+                <a:latin typeface="Arial" panose="020B0604020202020204" pitchFamily="34" charset="0"/>
+                <a:ea typeface="黑体" panose="02010609060101010101" pitchFamily="49" charset="-122"/>
+              </a:defRPr>
+            </a:lvl8pPr>
+            <a:lvl9pPr fontAlgn="base">
+              <a:spcBef>
+                <a:spcPct val="0"/>
+              </a:spcBef>
+              <a:spcAft>
+                <a:spcPct val="0"/>
+              </a:spcAft>
+              <a:buFont typeface="Arial" panose="020B0604020202020204" pitchFamily="34" charset="0"/>
+              <a:defRPr>
+                <a:solidFill>
+                  <a:schemeClr val="tx1"/>
+                </a:solidFill>
+                <a:latin typeface="Arial" panose="020B0604020202020204" pitchFamily="34" charset="0"/>
+                <a:ea typeface="黑体" panose="02010609060101010101" pitchFamily="49" charset="-122"/>
+              </a:defRPr>
+            </a:lvl9pPr>
+          </a:lstStyle>
           <a:p>
             <a:pPr>
               <a:lnSpc>
                 <a:spcPct val="150000"/>
               </a:lnSpc>
             </a:pPr>
-            <a:endParaRPr lang="zh-CN" altLang="en-US" sz="2000" b="1" noProof="1"/>
+            <a:r>
+              <a:rPr lang="zh-CN" altLang="en-US" sz="1400" b="1" dirty="0">
+                <a:highlight>
+                  <a:srgbClr val="FFFF00"/>
+                </a:highlight>
+              </a:rPr>
+              <a:t>线程</a:t>
+            </a:r>
+            <a:r>
+              <a:rPr lang="zh-CN" altLang="en-US" sz="1400" b="1" dirty="0"/>
+              <a:t>是进程中的一个实体</a:t>
+            </a:r>
+            <a:r>
+              <a:rPr lang="zh-CN" altLang="en-US" sz="1400" dirty="0"/>
+              <a:t>，是CPU调度和分派的基本单位,它是比进程更小的能独立运行的基本单位。</a:t>
+            </a:r>
+          </a:p>
+          <a:p>
+            <a:pPr>
+              <a:lnSpc>
+                <a:spcPct val="150000"/>
+              </a:lnSpc>
+            </a:pPr>
+            <a:endParaRPr lang="zh-CN" altLang="en-US" sz="1400" b="1" dirty="0">
+              <a:solidFill>
+                <a:srgbClr val="0070C0"/>
+              </a:solidFill>
+            </a:endParaRPr>
+          </a:p>
+          <a:p>
+            <a:pPr>
+              <a:lnSpc>
+                <a:spcPct val="150000"/>
+              </a:lnSpc>
+            </a:pPr>
+            <a:r>
+              <a:rPr lang="zh-CN" altLang="en-US" sz="2400" b="1" dirty="0">
+                <a:solidFill>
+                  <a:srgbClr val="0070C0"/>
+                </a:solidFill>
+              </a:rPr>
+              <a:t>主线程（Main Thread）</a:t>
+            </a:r>
+          </a:p>
+          <a:p>
+            <a:pPr>
+              <a:lnSpc>
+                <a:spcPct val="150000"/>
+              </a:lnSpc>
+            </a:pPr>
+            <a:r>
+              <a:rPr lang="zh-CN" altLang="en-US" sz="1400" b="1" dirty="0">
+                <a:solidFill>
+                  <a:schemeClr val="tx2"/>
+                </a:solidFill>
+              </a:rPr>
+              <a:t>程序第一次启动时，Android会同时启动一条主线程</a:t>
+            </a:r>
+          </a:p>
+          <a:p>
+            <a:pPr>
+              <a:lnSpc>
+                <a:spcPct val="150000"/>
+              </a:lnSpc>
+            </a:pPr>
+            <a:r>
+              <a:rPr lang="zh-CN" altLang="en-US" sz="1400" b="1" dirty="0">
+                <a:solidFill>
+                  <a:schemeClr val="tx2"/>
+                </a:solidFill>
+              </a:rPr>
+              <a:t>主线程主要负责处理与UI相关的事件，所以</a:t>
+            </a:r>
+            <a:r>
+              <a:rPr lang="zh-CN" altLang="en-US" sz="1400" b="1" dirty="0">
+                <a:solidFill>
+                  <a:schemeClr val="tx2"/>
+                </a:solidFill>
+                <a:highlight>
+                  <a:srgbClr val="FFFF00"/>
+                </a:highlight>
+              </a:rPr>
+              <a:t>主线程</a:t>
+            </a:r>
+            <a:r>
+              <a:rPr lang="zh-CN" altLang="en-US" sz="1400" b="1" dirty="0">
+                <a:solidFill>
+                  <a:schemeClr val="tx2"/>
+                </a:solidFill>
+              </a:rPr>
+              <a:t>又叫</a:t>
+            </a:r>
+            <a:r>
+              <a:rPr lang="zh-CN" altLang="en-US" sz="1400" b="1" dirty="0">
+                <a:solidFill>
+                  <a:schemeClr val="tx2"/>
+                </a:solidFill>
+                <a:highlight>
+                  <a:srgbClr val="FFFF00"/>
+                </a:highlight>
+              </a:rPr>
+              <a:t>UI线程</a:t>
+            </a:r>
+          </a:p>
+          <a:p>
+            <a:pPr>
+              <a:lnSpc>
+                <a:spcPct val="150000"/>
+              </a:lnSpc>
+            </a:pPr>
+            <a:endParaRPr lang="zh-CN" altLang="en-US" sz="1400" b="1" dirty="0">
+              <a:solidFill>
+                <a:schemeClr val="tx2"/>
+              </a:solidFill>
+            </a:endParaRPr>
+          </a:p>
+          <a:p>
+            <a:pPr>
+              <a:lnSpc>
+                <a:spcPct val="150000"/>
+              </a:lnSpc>
+            </a:pPr>
+            <a:r>
+              <a:rPr lang="zh-CN" altLang="en-US" sz="2400" b="1" dirty="0">
+                <a:solidFill>
+                  <a:srgbClr val="0070C0"/>
+                </a:solidFill>
+              </a:rPr>
+              <a:t>子线程（Worker Thread）</a:t>
+            </a:r>
+          </a:p>
+          <a:p>
+            <a:pPr>
+              <a:lnSpc>
+                <a:spcPct val="150000"/>
+              </a:lnSpc>
+            </a:pPr>
+            <a:r>
+              <a:rPr lang="zh-CN" altLang="en-US" sz="1400" b="1" dirty="0">
+                <a:solidFill>
+                  <a:schemeClr val="tx2"/>
+                </a:solidFill>
+              </a:rPr>
+              <a:t>除了UI线程外的线程都叫子线程</a:t>
+            </a:r>
+          </a:p>
+          <a:p>
+            <a:pPr>
+              <a:lnSpc>
+                <a:spcPct val="150000"/>
+              </a:lnSpc>
+            </a:pPr>
+            <a:r>
+              <a:rPr lang="zh-CN" altLang="en-US" sz="1400" b="1" dirty="0">
+                <a:solidFill>
+                  <a:schemeClr val="tx2"/>
+                </a:solidFill>
+              </a:rPr>
+              <a:t>负责一些比较耗时的操作(联网、取数据、SD卡数据加载等操作)</a:t>
+            </a:r>
+            <a:endParaRPr lang="zh-CN" altLang="en-US" sz="1400" b="1" dirty="0">
+              <a:solidFill>
+                <a:srgbClr val="FF0000"/>
+              </a:solidFill>
+            </a:endParaRPr>
           </a:p>
         </p:txBody>
       </p:sp>
       <p:grpSp>
         <p:nvGrpSpPr>
-          <p:cNvPr id="12290" name="组合 7">
+          <p:cNvPr id="11267" name="组合 7">
             <a:extLst>
               <a:ext uri="{FF2B5EF4-FFF2-40B4-BE49-F238E27FC236}">
-                <a16:creationId xmlns:a16="http://schemas.microsoft.com/office/drawing/2014/main" id="{8886F04C-BA80-4D67-8BA0-9814040DB562}"/>
+                <a16:creationId xmlns:a16="http://schemas.microsoft.com/office/drawing/2014/main" id="{E28BE2AE-A981-4813-A4C4-07C0C4B35370}"/>
               </a:ext>
             </a:extLst>
           </p:cNvPr>
@@ -20265,7 +18662,7 @@
             <p:cNvPr id="9" name="矩形 8">
               <a:extLst>
                 <a:ext uri="{FF2B5EF4-FFF2-40B4-BE49-F238E27FC236}">
-                  <a16:creationId xmlns:a16="http://schemas.microsoft.com/office/drawing/2014/main" id="{2067D1E0-69B4-4CAD-98EF-8DC6D9A63452}"/>
+                  <a16:creationId xmlns:a16="http://schemas.microsoft.com/office/drawing/2014/main" id="{918CB490-3A76-410E-AC7D-11C74DBC9C62}"/>
                 </a:ext>
               </a:extLst>
             </p:cNvPr>
@@ -20317,7 +18714,7 @@
             <p:cNvPr id="10" name="矩形 9">
               <a:extLst>
                 <a:ext uri="{FF2B5EF4-FFF2-40B4-BE49-F238E27FC236}">
-                  <a16:creationId xmlns:a16="http://schemas.microsoft.com/office/drawing/2014/main" id="{A4043BBD-542D-4042-908D-B5E86DA82AE5}"/>
+                  <a16:creationId xmlns:a16="http://schemas.microsoft.com/office/drawing/2014/main" id="{858164A8-7068-41C1-9207-3C4D8ED1C764}"/>
                 </a:ext>
               </a:extLst>
             </p:cNvPr>
@@ -20365,181 +18762,6 @@
           </p:txBody>
         </p:sp>
       </p:grpSp>
-      <p:sp>
-        <p:nvSpPr>
-          <p:cNvPr id="12293" name="TextBox 108">
-            <a:extLst>
-              <a:ext uri="{FF2B5EF4-FFF2-40B4-BE49-F238E27FC236}">
-                <a16:creationId xmlns:a16="http://schemas.microsoft.com/office/drawing/2014/main" id="{F79F239D-271F-434A-8833-EFCF76FF0795}"/>
-              </a:ext>
-            </a:extLst>
-          </p:cNvPr>
-          <p:cNvSpPr txBox="1">
-            <a:spLocks noChangeArrowheads="1"/>
-          </p:cNvSpPr>
-          <p:nvPr/>
-        </p:nvSpPr>
-        <p:spPr bwMode="auto">
-          <a:xfrm>
-            <a:off x="539750" y="268288"/>
-            <a:ext cx="639763" cy="368300"/>
-          </a:xfrm>
-          <a:prstGeom prst="rect">
-            <a:avLst/>
-          </a:prstGeom>
-          <a:noFill/>
-          <a:ln>
-            <a:noFill/>
-          </a:ln>
-          <a:extLst>
-            <a:ext uri="{909E8E84-426E-40DD-AFC4-6F175D3DCCD1}">
-              <a14:hiddenFill xmlns:a14="http://schemas.microsoft.com/office/drawing/2010/main">
-                <a:solidFill>
-                  <a:srgbClr val="FFFFFF"/>
-                </a:solidFill>
-              </a14:hiddenFill>
-            </a:ext>
-            <a:ext uri="{91240B29-F687-4F45-9708-019B960494DF}">
-              <a14:hiddenLine xmlns:a14="http://schemas.microsoft.com/office/drawing/2010/main" w="9525">
-                <a:solidFill>
-                  <a:srgbClr val="000000"/>
-                </a:solidFill>
-                <a:miter lim="800000"/>
-                <a:headEnd/>
-                <a:tailEnd/>
-              </a14:hiddenLine>
-            </a:ext>
-          </a:extLst>
-        </p:spPr>
-        <p:txBody>
-          <a:bodyPr wrap="none">
-            <a:spAutoFit/>
-          </a:bodyPr>
-          <a:lstStyle>
-            <a:lvl1pPr>
-              <a:defRPr>
-                <a:solidFill>
-                  <a:schemeClr val="tx1"/>
-                </a:solidFill>
-                <a:latin typeface="Arial" panose="020B0604020202020204" pitchFamily="34" charset="0"/>
-                <a:ea typeface="黑体" panose="02010609060101010101" pitchFamily="49" charset="-122"/>
-              </a:defRPr>
-            </a:lvl1pPr>
-            <a:lvl2pPr>
-              <a:defRPr>
-                <a:solidFill>
-                  <a:schemeClr val="tx1"/>
-                </a:solidFill>
-                <a:latin typeface="Arial" panose="020B0604020202020204" pitchFamily="34" charset="0"/>
-                <a:ea typeface="黑体" panose="02010609060101010101" pitchFamily="49" charset="-122"/>
-              </a:defRPr>
-            </a:lvl2pPr>
-            <a:lvl3pPr>
-              <a:defRPr>
-                <a:solidFill>
-                  <a:schemeClr val="tx1"/>
-                </a:solidFill>
-                <a:latin typeface="Arial" panose="020B0604020202020204" pitchFamily="34" charset="0"/>
-                <a:ea typeface="黑体" panose="02010609060101010101" pitchFamily="49" charset="-122"/>
-              </a:defRPr>
-            </a:lvl3pPr>
-            <a:lvl4pPr>
-              <a:defRPr>
-                <a:solidFill>
-                  <a:schemeClr val="tx1"/>
-                </a:solidFill>
-                <a:latin typeface="Arial" panose="020B0604020202020204" pitchFamily="34" charset="0"/>
-                <a:ea typeface="黑体" panose="02010609060101010101" pitchFamily="49" charset="-122"/>
-              </a:defRPr>
-            </a:lvl4pPr>
-            <a:lvl5pPr>
-              <a:defRPr>
-                <a:solidFill>
-                  <a:schemeClr val="tx1"/>
-                </a:solidFill>
-                <a:latin typeface="Arial" panose="020B0604020202020204" pitchFamily="34" charset="0"/>
-                <a:ea typeface="黑体" panose="02010609060101010101" pitchFamily="49" charset="-122"/>
-              </a:defRPr>
-            </a:lvl5pPr>
-            <a:lvl6pPr fontAlgn="base">
-              <a:spcBef>
-                <a:spcPct val="0"/>
-              </a:spcBef>
-              <a:spcAft>
-                <a:spcPct val="0"/>
-              </a:spcAft>
-              <a:buFont typeface="Arial" panose="020B0604020202020204" pitchFamily="34" charset="0"/>
-              <a:defRPr>
-                <a:solidFill>
-                  <a:schemeClr val="tx1"/>
-                </a:solidFill>
-                <a:latin typeface="Arial" panose="020B0604020202020204" pitchFamily="34" charset="0"/>
-                <a:ea typeface="黑体" panose="02010609060101010101" pitchFamily="49" charset="-122"/>
-              </a:defRPr>
-            </a:lvl6pPr>
-            <a:lvl7pPr fontAlgn="base">
-              <a:spcBef>
-                <a:spcPct val="0"/>
-              </a:spcBef>
-              <a:spcAft>
-                <a:spcPct val="0"/>
-              </a:spcAft>
-              <a:buFont typeface="Arial" panose="020B0604020202020204" pitchFamily="34" charset="0"/>
-              <a:defRPr>
-                <a:solidFill>
-                  <a:schemeClr val="tx1"/>
-                </a:solidFill>
-                <a:latin typeface="Arial" panose="020B0604020202020204" pitchFamily="34" charset="0"/>
-                <a:ea typeface="黑体" panose="02010609060101010101" pitchFamily="49" charset="-122"/>
-              </a:defRPr>
-            </a:lvl7pPr>
-            <a:lvl8pPr fontAlgn="base">
-              <a:spcBef>
-                <a:spcPct val="0"/>
-              </a:spcBef>
-              <a:spcAft>
-                <a:spcPct val="0"/>
-              </a:spcAft>
-              <a:buFont typeface="Arial" panose="020B0604020202020204" pitchFamily="34" charset="0"/>
-              <a:defRPr>
-                <a:solidFill>
-                  <a:schemeClr val="tx1"/>
-                </a:solidFill>
-                <a:latin typeface="Arial" panose="020B0604020202020204" pitchFamily="34" charset="0"/>
-                <a:ea typeface="黑体" panose="02010609060101010101" pitchFamily="49" charset="-122"/>
-              </a:defRPr>
-            </a:lvl8pPr>
-            <a:lvl9pPr fontAlgn="base">
-              <a:spcBef>
-                <a:spcPct val="0"/>
-              </a:spcBef>
-              <a:spcAft>
-                <a:spcPct val="0"/>
-              </a:spcAft>
-              <a:buFont typeface="Arial" panose="020B0604020202020204" pitchFamily="34" charset="0"/>
-              <a:defRPr>
-                <a:solidFill>
-                  <a:schemeClr val="tx1"/>
-                </a:solidFill>
-                <a:latin typeface="Arial" panose="020B0604020202020204" pitchFamily="34" charset="0"/>
-                <a:ea typeface="黑体" panose="02010609060101010101" pitchFamily="49" charset="-122"/>
-              </a:defRPr>
-            </a:lvl9pPr>
-          </a:lstStyle>
-          <a:p>
-            <a:r>
-              <a:rPr lang="zh-CN" altLang="en-US">
-                <a:solidFill>
-                  <a:schemeClr val="bg2"/>
-                </a:solidFill>
-                <a:latin typeface="Calibri" panose="020F0502020204030204" pitchFamily="34" charset="0"/>
-                <a:ea typeface="宋体" panose="02010600030101010101" pitchFamily="2" charset="-122"/>
-              </a:rPr>
-              <a:t>线程</a:t>
-            </a:r>
-          </a:p>
-        </p:txBody>
-      </p:sp>
     </p:spTree>
     <p:custDataLst>
       <p:tags r:id="rId1"/>
@@ -20552,7 +18774,7 @@
 </p:sld>
 </file>
 
-<file path=ppt/slides/slide5.xml><?xml version="1.0" encoding="utf-8"?>
+<file path=ppt/slides/slide4.xml><?xml version="1.0" encoding="utf-8"?>
 <p:sld xmlns:a="http://schemas.openxmlformats.org/drawingml/2006/main" xmlns:r="http://schemas.openxmlformats.org/officeDocument/2006/relationships" xmlns:p="http://schemas.openxmlformats.org/presentationml/2006/main">
   <p:cSld>
     <p:spTree>
@@ -20596,15 +18818,23 @@
           <a:lstStyle/>
           <a:p>
             <a:r>
-              <a:rPr lang="en-US" altLang="zh-CN">
+              <a:rPr lang="en-US" altLang="zh-CN" dirty="0">
                 <a:latin typeface="微软雅黑" panose="020B0503020204020204" pitchFamily="34" charset="-122"/>
                 <a:ea typeface="微软雅黑" panose="020B0503020204020204" pitchFamily="34" charset="-122"/>
               </a:rPr>
               <a:t>Thread</a:t>
             </a:r>
             <a:r>
-              <a:rPr lang="zh-CN" altLang="en-US"/>
-              <a:t>的表示方法</a:t>
+              <a:rPr lang="zh-CN" altLang="en-US" dirty="0"/>
+              <a:t>的</a:t>
+            </a:r>
+            <a:r>
+              <a:rPr lang="en-US" altLang="zh-CN" dirty="0"/>
+              <a:t>3</a:t>
+            </a:r>
+            <a:r>
+              <a:rPr lang="zh-CN" altLang="en-US" dirty="0"/>
+              <a:t>种表示方法</a:t>
             </a:r>
           </a:p>
         </p:txBody>
@@ -20763,15 +18993,26 @@
                   <a:srgbClr val="0070C0"/>
                 </a:solidFill>
               </a:rPr>
-              <a:t>class MyThread extends Thread{//1 继承Thread方式</a:t>
-            </a:r>
-          </a:p>
-          <a:p>
+              <a:t>class MyThread extends Thread{//</a:t>
+            </a:r>
             <a:r>
               <a:rPr lang="zh-CN" altLang="en-US" b="1" dirty="0">
                 <a:solidFill>
                   <a:srgbClr val="0070C0"/>
                 </a:solidFill>
+                <a:highlight>
+                  <a:srgbClr val="FFFF00"/>
+                </a:highlight>
+              </a:rPr>
+              <a:t>1 继承Thread方式</a:t>
+            </a:r>
+          </a:p>
+          <a:p>
+            <a:r>
+              <a:rPr lang="zh-CN" altLang="en-US" b="1" dirty="0">
+                <a:solidFill>
+                  <a:srgbClr val="0070C0"/>
+                </a:solidFill>
               </a:rPr>
               <a:t>        @Override</a:t>
             </a:r>
@@ -20818,7 +19059,15 @@
           <a:p>
             <a:r>
               <a:rPr lang="zh-CN" altLang="en-US" b="1" dirty="0"/>
-              <a:t>class MyThread2 implements Runnable{//2 继承Runnable接口方式</a:t>
+              <a:t>class MyThread2 implements Runnable{//</a:t>
+            </a:r>
+            <a:r>
+              <a:rPr lang="zh-CN" altLang="en-US" b="1" dirty="0">
+                <a:highlight>
+                  <a:srgbClr val="FFFF00"/>
+                </a:highlight>
+              </a:rPr>
+              <a:t>2 继承Runnable接口方式</a:t>
             </a:r>
           </a:p>
           <a:p>
@@ -20875,7 +19124,28 @@
                 </a:solidFill>
                 <a:sym typeface="黑体" panose="02010609060101010101" pitchFamily="49" charset="-122"/>
               </a:rPr>
-              <a:t>//匿名方式实现第2种方法（不定义新类，直接使用。）</a:t>
+              <a:t>//</a:t>
+            </a:r>
+            <a:r>
+              <a:rPr lang="zh-CN" altLang="en-US" b="1" dirty="0">
+                <a:solidFill>
+                  <a:srgbClr val="FF0000"/>
+                </a:solidFill>
+                <a:highlight>
+                  <a:srgbClr val="FFFF00"/>
+                </a:highlight>
+                <a:sym typeface="黑体" panose="02010609060101010101" pitchFamily="49" charset="-122"/>
+              </a:rPr>
+              <a:t>匿名方式实现第2种方法</a:t>
+            </a:r>
+            <a:r>
+              <a:rPr lang="zh-CN" altLang="en-US" b="1" dirty="0">
+                <a:solidFill>
+                  <a:srgbClr val="FF0000"/>
+                </a:solidFill>
+                <a:sym typeface="黑体" panose="02010609060101010101" pitchFamily="49" charset="-122"/>
+              </a:rPr>
+              <a:t>（不定义新类，直接使用。）</a:t>
             </a:r>
           </a:p>
           <a:p>
@@ -21007,7 +19277,7 @@
 </p:sld>
 </file>
 
-<file path=ppt/slides/slide6.xml><?xml version="1.0" encoding="utf-8"?>
+<file path=ppt/slides/slide5.xml><?xml version="1.0" encoding="utf-8"?>
 <p:sld xmlns:a="http://schemas.openxmlformats.org/drawingml/2006/main" xmlns:r="http://schemas.openxmlformats.org/officeDocument/2006/relationships" xmlns:p="http://schemas.openxmlformats.org/presentationml/2006/main">
   <p:cSld>
     <p:spTree>
@@ -21098,16 +19368,22 @@
         </p:blipFill>
         <p:spPr bwMode="auto">
           <a:xfrm>
-            <a:off x="-6350" y="663575"/>
+            <a:off x="151519" y="569118"/>
             <a:ext cx="4183063" cy="2276475"/>
           </a:xfrm>
           <a:prstGeom prst="rect">
             <a:avLst/>
           </a:prstGeom>
-          <a:noFill/>
           <a:ln>
             <a:noFill/>
           </a:ln>
+          <a:effectLst>
+            <a:outerShdw blurRad="292100" dist="139700" dir="2700000" algn="tl" rotWithShape="0">
+              <a:srgbClr val="333333">
+                <a:alpha val="65000"/>
+              </a:srgbClr>
+            </a:outerShdw>
+          </a:effectLst>
           <a:extLst>
             <a:ext uri="{909E8E84-426E-40DD-AFC4-6F175D3DCCD1}">
               <a14:hiddenFill xmlns:a14="http://schemas.microsoft.com/office/drawing/2010/main">
@@ -21158,16 +19434,22 @@
         </p:blipFill>
         <p:spPr bwMode="auto">
           <a:xfrm>
-            <a:off x="4741863" y="184150"/>
+            <a:off x="4568826" y="232558"/>
             <a:ext cx="4310062" cy="2517775"/>
           </a:xfrm>
           <a:prstGeom prst="rect">
             <a:avLst/>
           </a:prstGeom>
-          <a:noFill/>
           <a:ln>
             <a:noFill/>
           </a:ln>
+          <a:effectLst>
+            <a:outerShdw blurRad="292100" dist="139700" dir="2700000" algn="tl" rotWithShape="0">
+              <a:srgbClr val="333333">
+                <a:alpha val="65000"/>
+              </a:srgbClr>
+            </a:outerShdw>
+          </a:effectLst>
           <a:extLst>
             <a:ext uri="{909E8E84-426E-40DD-AFC4-6F175D3DCCD1}">
               <a14:hiddenFill xmlns:a14="http://schemas.microsoft.com/office/drawing/2010/main">
@@ -21218,16 +19500,22 @@
         </p:blipFill>
         <p:spPr bwMode="auto">
           <a:xfrm>
-            <a:off x="-6350" y="2989263"/>
+            <a:off x="151519" y="2931775"/>
             <a:ext cx="5270500" cy="2093912"/>
           </a:xfrm>
           <a:prstGeom prst="rect">
             <a:avLst/>
           </a:prstGeom>
-          <a:noFill/>
           <a:ln>
             <a:noFill/>
           </a:ln>
+          <a:effectLst>
+            <a:outerShdw blurRad="292100" dist="139700" dir="2700000" algn="tl" rotWithShape="0">
+              <a:srgbClr val="333333">
+                <a:alpha val="65000"/>
+              </a:srgbClr>
+            </a:outerShdw>
+          </a:effectLst>
           <a:extLst>
             <a:ext uri="{909E8E84-426E-40DD-AFC4-6F175D3DCCD1}">
               <a14:hiddenFill xmlns:a14="http://schemas.microsoft.com/office/drawing/2010/main">
@@ -21278,7 +19566,7 @@
         </p:blipFill>
         <p:spPr bwMode="auto">
           <a:xfrm>
-            <a:off x="4227513" y="3925888"/>
+            <a:off x="4306925" y="4083855"/>
             <a:ext cx="4824412" cy="827087"/>
           </a:xfrm>
           <a:prstGeom prst="rect">
@@ -21320,7 +19608,7 @@
 </p:sld>
 </file>
 
-<file path=ppt/slides/slide7.xml><?xml version="1.0" encoding="utf-8"?>
+<file path=ppt/slides/slide6.xml><?xml version="1.0" encoding="utf-8"?>
 <p:sld xmlns:a="http://schemas.openxmlformats.org/drawingml/2006/main" xmlns:r="http://schemas.openxmlformats.org/officeDocument/2006/relationships" xmlns:p="http://schemas.openxmlformats.org/presentationml/2006/main">
   <p:cSld>
     <p:spTree>
@@ -21539,6 +19827,9 @@
                 <a:solidFill>
                   <a:srgbClr val="FF0000"/>
                 </a:solidFill>
+                <a:highlight>
+                  <a:srgbClr val="FFFF00"/>
+                </a:highlight>
               </a:rPr>
               <a:t>同步</a:t>
             </a:r>
@@ -21573,6 +19864,9 @@
                 <a:solidFill>
                   <a:srgbClr val="FF0000"/>
                 </a:solidFill>
+                <a:highlight>
+                  <a:srgbClr val="FFFF00"/>
+                </a:highlight>
               </a:rPr>
               <a:t>异步</a:t>
             </a:r>
@@ -21648,7 +19942,7 @@
 </p:sld>
 </file>
 
-<file path=ppt/slides/slide8.xml><?xml version="1.0" encoding="utf-8"?>
+<file path=ppt/slides/slide7.xml><?xml version="1.0" encoding="utf-8"?>
 <p:sld xmlns:a="http://schemas.openxmlformats.org/drawingml/2006/main" xmlns:r="http://schemas.openxmlformats.org/officeDocument/2006/relationships" xmlns:p="http://schemas.openxmlformats.org/presentationml/2006/main">
   <p:cSld>
     <p:spTree>
@@ -21714,8 +20008,8 @@
         </p:nvSpPr>
         <p:spPr bwMode="auto">
           <a:xfrm>
-            <a:off x="384175" y="2835275"/>
-            <a:ext cx="8115300" cy="1322388"/>
+            <a:off x="384175" y="2758974"/>
+            <a:ext cx="8229599" cy="1322388"/>
           </a:xfrm>
           <a:prstGeom prst="rect">
             <a:avLst/>
@@ -21990,8 +20284,8 @@
         </p:nvSpPr>
         <p:spPr bwMode="auto">
           <a:xfrm>
-            <a:off x="384175" y="4443880"/>
-            <a:ext cx="8115300" cy="368300"/>
+            <a:off x="384176" y="4376536"/>
+            <a:ext cx="8229598" cy="368300"/>
           </a:xfrm>
           <a:prstGeom prst="rect">
             <a:avLst/>
@@ -22123,15 +20417,19 @@
           </a:lstStyle>
           <a:p>
             <a:r>
-              <a:rPr lang="zh-CN" altLang="en-US"/>
+              <a:rPr lang="zh-CN" altLang="en-US" dirty="0"/>
               <a:t>回调方法最大的优势在于</a:t>
             </a:r>
             <a:r>
-              <a:rPr lang="zh-CN" altLang="en-US" b="1" u="sng"/>
+              <a:rPr lang="zh-CN" altLang="en-US" b="1" u="sng" dirty="0">
+                <a:highlight>
+                  <a:srgbClr val="FFFF00"/>
+                </a:highlight>
+              </a:rPr>
               <a:t>异步回调</a:t>
             </a:r>
             <a:r>
-              <a:rPr lang="zh-CN" altLang="en-US"/>
+              <a:rPr lang="zh-CN" altLang="en-US" dirty="0"/>
               <a:t>，这是其最被广为使用的原因。</a:t>
             </a:r>
           </a:p>
@@ -22306,6 +20604,9 @@
                 <a:solidFill>
                   <a:srgbClr val="FF0000"/>
                 </a:solidFill>
+                <a:highlight>
+                  <a:srgbClr val="FFFF00"/>
+                </a:highlight>
               </a:rPr>
               <a:t>回调</a:t>
             </a:r>
@@ -22327,7 +20628,7 @@
 </p:sld>
 </file>
 
-<file path=ppt/slides/slide9.xml><?xml version="1.0" encoding="utf-8"?>
+<file path=ppt/slides/slide8.xml><?xml version="1.0" encoding="utf-8"?>
 <p:sld xmlns:a="http://schemas.openxmlformats.org/drawingml/2006/main" xmlns:r="http://schemas.openxmlformats.org/officeDocument/2006/relationships" xmlns:p="http://schemas.openxmlformats.org/presentationml/2006/main">
   <p:cSld>
     <p:spTree>
@@ -22526,7 +20827,7 @@
         <p:spPr>
           <a:xfrm>
             <a:off x="385763" y="1059645"/>
-            <a:ext cx="8247062" cy="3460750"/>
+            <a:ext cx="8247062" cy="2774286"/>
           </a:xfrm>
           <a:prstGeom prst="rect">
             <a:avLst/>
@@ -22598,6 +20899,7 @@
               <a:rPr lang="zh-CN" altLang="en-US" sz="1400" noProof="1"/>
               <a:t>的一个辅助类。</a:t>
             </a:r>
+            <a:endParaRPr lang="en-US" altLang="zh-CN" sz="1400" noProof="1"/>
           </a:p>
           <a:p>
             <a:pPr marL="285750" indent="-285750">
@@ -22607,9 +20909,17 @@
               <a:buFont typeface="Wingdings" panose="05000000000000000000" charset="0"/>
               <a:buChar char=""/>
             </a:pPr>
-            <a:r>
-              <a:rPr lang="zh-CN" altLang="en-US" sz="1400" noProof="1"/>
-              <a:t>通过Handler能够很容易的处理消息的发送和接收处理。</a:t>
+            <a:endParaRPr lang="zh-CN" altLang="en-US" sz="1400" noProof="1"/>
+          </a:p>
+          <a:p>
+            <a:pPr indent="360680">
+              <a:lnSpc>
+                <a:spcPct val="150000"/>
+              </a:lnSpc>
+            </a:pPr>
+            <a:r>
+              <a:rPr lang="zh-CN" altLang="en-US" sz="2000" noProof="1"/>
+              <a:t>作用：</a:t>
             </a:r>
           </a:p>
           <a:p>
@@ -22622,39 +20932,19 @@
             </a:pPr>
             <a:r>
               <a:rPr lang="zh-CN" altLang="en-US" sz="1400" noProof="1"/>
-              <a:t>Handler运作的过程中包含了Android的消息机制。</a:t>
-            </a:r>
-          </a:p>
-          <a:p>
-            <a:pPr indent="360680">
-              <a:lnSpc>
-                <a:spcPct val="150000"/>
-              </a:lnSpc>
-            </a:pPr>
-            <a:endParaRPr lang="zh-CN" altLang="en-US" sz="1400" noProof="1"/>
-          </a:p>
-          <a:p>
-            <a:pPr indent="360680">
-              <a:lnSpc>
-                <a:spcPct val="150000"/>
-              </a:lnSpc>
-            </a:pPr>
-            <a:r>
-              <a:rPr lang="zh-CN" altLang="en-US" sz="2000" noProof="1"/>
-              <a:t>作用：</a:t>
-            </a:r>
-          </a:p>
-          <a:p>
-            <a:pPr marL="285750" indent="-285750">
-              <a:lnSpc>
-                <a:spcPct val="150000"/>
-              </a:lnSpc>
-              <a:buFont typeface="Wingdings" panose="05000000000000000000" charset="0"/>
-              <a:buChar char=""/>
-            </a:pPr>
+              <a:t>用于实现</a:t>
+            </a:r>
+            <a:r>
+              <a:rPr lang="zh-CN" altLang="en-US" sz="1400" noProof="1">
+                <a:highlight>
+                  <a:srgbClr val="FFFF00"/>
+                </a:highlight>
+              </a:rPr>
+              <a:t>子线程对UI线程的更新</a:t>
+            </a:r>
             <a:r>
               <a:rPr lang="zh-CN" altLang="en-US" sz="1400" noProof="1"/>
-              <a:t>用于实现子线程对UI线程的更新，实现异步消息的处理</a:t>
+              <a:t>，实现异步消息的处理</a:t>
             </a:r>
           </a:p>
           <a:p>
@@ -22694,6 +20984,512 @@
     <a:masterClrMapping/>
   </p:clrMapOvr>
   <p:transition spd="slow" advClick="0"/>
+</p:sld>
+</file>
+
+<file path=ppt/slides/slide9.xml><?xml version="1.0" encoding="utf-8"?>
+<p:sld xmlns:a="http://schemas.openxmlformats.org/drawingml/2006/main" xmlns:r="http://schemas.openxmlformats.org/officeDocument/2006/relationships" xmlns:p="http://schemas.openxmlformats.org/presentationml/2006/main">
+  <p:cSld>
+    <p:spTree>
+      <p:nvGrpSpPr>
+        <p:cNvPr id="1" name=""/>
+        <p:cNvGrpSpPr/>
+        <p:nvPr/>
+      </p:nvGrpSpPr>
+      <p:grpSpPr>
+        <a:xfrm>
+          <a:off x="0" y="0"/>
+          <a:ext cx="0" cy="0"/>
+          <a:chOff x="0" y="0"/>
+          <a:chExt cx="0" cy="0"/>
+        </a:xfrm>
+      </p:grpSpPr>
+      <p:sp>
+        <p:nvSpPr>
+          <p:cNvPr id="18433" name="标题 5">
+            <a:extLst>
+              <a:ext uri="{FF2B5EF4-FFF2-40B4-BE49-F238E27FC236}">
+                <a16:creationId xmlns:a16="http://schemas.microsoft.com/office/drawing/2014/main" id="{13334E17-1719-4783-93AB-3A10E561C4A3}"/>
+              </a:ext>
+            </a:extLst>
+          </p:cNvPr>
+          <p:cNvSpPr>
+            <a:spLocks noGrp="1" noChangeArrowheads="1"/>
+          </p:cNvSpPr>
+          <p:nvPr>
+            <p:ph type="title"/>
+          </p:nvPr>
+        </p:nvSpPr>
+        <p:spPr>
+          <a:xfrm>
+            <a:off x="385763" y="182563"/>
+            <a:ext cx="7886700" cy="431800"/>
+          </a:xfrm>
+        </p:spPr>
+        <p:txBody>
+          <a:bodyPr/>
+          <a:lstStyle/>
+          <a:p>
+            <a:r>
+              <a:rPr lang="zh-CN" altLang="en-US"/>
+              <a:t>【例</a:t>
+            </a:r>
+            <a:r>
+              <a:rPr lang="en-US" altLang="zh-CN"/>
+              <a:t>10.2</a:t>
+            </a:r>
+            <a:r>
+              <a:rPr lang="zh-CN" altLang="en-US"/>
+              <a:t>】通过主线程</a:t>
+            </a:r>
+            <a:r>
+              <a:rPr lang="en-US" altLang="zh-CN"/>
+              <a:t>Handler</a:t>
+            </a:r>
+            <a:r>
+              <a:rPr lang="zh-CN" altLang="en-US"/>
+              <a:t>对子线程进行更新</a:t>
+            </a:r>
+            <a:r>
+              <a:rPr lang="en-US" altLang="zh-CN"/>
+              <a:t>UI</a:t>
+            </a:r>
+            <a:r>
+              <a:rPr lang="zh-CN" altLang="en-US"/>
+              <a:t>操作</a:t>
+            </a:r>
+          </a:p>
+        </p:txBody>
+      </p:sp>
+      <p:pic>
+        <p:nvPicPr>
+          <p:cNvPr id="18434" name="图片 6" descr="QQ截图20171105020556">
+            <a:extLst>
+              <a:ext uri="{FF2B5EF4-FFF2-40B4-BE49-F238E27FC236}">
+                <a16:creationId xmlns:a16="http://schemas.microsoft.com/office/drawing/2014/main" id="{87D9CE46-8C92-4216-9EAA-0BC9C87FD165}"/>
+              </a:ext>
+            </a:extLst>
+          </p:cNvPr>
+          <p:cNvPicPr>
+            <a:picLocks noChangeAspect="1" noChangeArrowheads="1"/>
+          </p:cNvPicPr>
+          <p:nvPr/>
+        </p:nvPicPr>
+        <p:blipFill>
+          <a:blip r:embed="rId3">
+            <a:extLst>
+              <a:ext uri="{28A0092B-C50C-407E-A947-70E740481C1C}">
+                <a14:useLocalDpi xmlns:a14="http://schemas.microsoft.com/office/drawing/2010/main" val="0"/>
+              </a:ext>
+            </a:extLst>
+          </a:blip>
+          <a:srcRect/>
+          <a:stretch>
+            <a:fillRect/>
+          </a:stretch>
+        </p:blipFill>
+        <p:spPr bwMode="auto">
+          <a:xfrm>
+            <a:off x="3606800" y="708025"/>
+            <a:ext cx="2292350" cy="4133850"/>
+          </a:xfrm>
+          <a:prstGeom prst="rect">
+            <a:avLst/>
+          </a:prstGeom>
+          <a:noFill/>
+          <a:ln>
+            <a:noFill/>
+          </a:ln>
+          <a:extLst>
+            <a:ext uri="{909E8E84-426E-40DD-AFC4-6F175D3DCCD1}">
+              <a14:hiddenFill xmlns:a14="http://schemas.microsoft.com/office/drawing/2010/main">
+                <a:solidFill>
+                  <a:srgbClr val="FFFFFF"/>
+                </a:solidFill>
+              </a14:hiddenFill>
+            </a:ext>
+            <a:ext uri="{91240B29-F687-4F45-9708-019B960494DF}">
+              <a14:hiddenLine xmlns:a14="http://schemas.microsoft.com/office/drawing/2010/main" w="9525">
+                <a:solidFill>
+                  <a:srgbClr val="000000"/>
+                </a:solidFill>
+                <a:miter lim="800000"/>
+                <a:headEnd/>
+                <a:tailEnd/>
+              </a14:hiddenLine>
+            </a:ext>
+          </a:extLst>
+        </p:spPr>
+      </p:pic>
+      <p:pic>
+        <p:nvPicPr>
+          <p:cNvPr id="18435" name="图片 7" descr="QQ截图20171105020511">
+            <a:extLst>
+              <a:ext uri="{FF2B5EF4-FFF2-40B4-BE49-F238E27FC236}">
+                <a16:creationId xmlns:a16="http://schemas.microsoft.com/office/drawing/2014/main" id="{836E3BCF-F4B9-4056-A7FF-81061CE49975}"/>
+              </a:ext>
+            </a:extLst>
+          </p:cNvPr>
+          <p:cNvPicPr>
+            <a:picLocks noChangeAspect="1" noChangeArrowheads="1"/>
+          </p:cNvPicPr>
+          <p:nvPr/>
+        </p:nvPicPr>
+        <p:blipFill>
+          <a:blip r:embed="rId4">
+            <a:extLst>
+              <a:ext uri="{28A0092B-C50C-407E-A947-70E740481C1C}">
+                <a14:useLocalDpi xmlns:a14="http://schemas.microsoft.com/office/drawing/2010/main" val="0"/>
+              </a:ext>
+            </a:extLst>
+          </a:blip>
+          <a:srcRect/>
+          <a:stretch>
+            <a:fillRect/>
+          </a:stretch>
+        </p:blipFill>
+        <p:spPr bwMode="auto">
+          <a:xfrm>
+            <a:off x="6218238" y="736600"/>
+            <a:ext cx="2298700" cy="4076700"/>
+          </a:xfrm>
+          <a:prstGeom prst="rect">
+            <a:avLst/>
+          </a:prstGeom>
+          <a:noFill/>
+          <a:ln>
+            <a:noFill/>
+          </a:ln>
+          <a:extLst>
+            <a:ext uri="{909E8E84-426E-40DD-AFC4-6F175D3DCCD1}">
+              <a14:hiddenFill xmlns:a14="http://schemas.microsoft.com/office/drawing/2010/main">
+                <a:solidFill>
+                  <a:srgbClr val="FFFFFF"/>
+                </a:solidFill>
+              </a14:hiddenFill>
+            </a:ext>
+            <a:ext uri="{91240B29-F687-4F45-9708-019B960494DF}">
+              <a14:hiddenLine xmlns:a14="http://schemas.microsoft.com/office/drawing/2010/main" w="9525">
+                <a:solidFill>
+                  <a:srgbClr val="000000"/>
+                </a:solidFill>
+                <a:miter lim="800000"/>
+                <a:headEnd/>
+                <a:tailEnd/>
+              </a14:hiddenLine>
+            </a:ext>
+          </a:extLst>
+        </p:spPr>
+      </p:pic>
+      <p:sp>
+        <p:nvSpPr>
+          <p:cNvPr id="18436" name="文本框 1">
+            <a:extLst>
+              <a:ext uri="{FF2B5EF4-FFF2-40B4-BE49-F238E27FC236}">
+                <a16:creationId xmlns:a16="http://schemas.microsoft.com/office/drawing/2014/main" id="{2C695FA4-6D4E-489C-B741-FD2F2D87E624}"/>
+              </a:ext>
+            </a:extLst>
+          </p:cNvPr>
+          <p:cNvSpPr txBox="1">
+            <a:spLocks noChangeArrowheads="1"/>
+          </p:cNvSpPr>
+          <p:nvPr/>
+        </p:nvSpPr>
+        <p:spPr bwMode="auto">
+          <a:xfrm>
+            <a:off x="201614" y="830263"/>
+            <a:ext cx="3146302" cy="4198393"/>
+          </a:xfrm>
+          <a:prstGeom prst="rect">
+            <a:avLst/>
+          </a:prstGeom>
+          <a:solidFill>
+            <a:schemeClr val="tx1">
+              <a:lumMod val="20000"/>
+              <a:lumOff val="80000"/>
+            </a:schemeClr>
+          </a:solidFill>
+          <a:ln>
+            <a:noFill/>
+          </a:ln>
+        </p:spPr>
+        <p:txBody>
+          <a:bodyPr wrap="square">
+            <a:spAutoFit/>
+          </a:bodyPr>
+          <a:lstStyle>
+            <a:lvl1pPr indent="457200">
+              <a:defRPr>
+                <a:solidFill>
+                  <a:schemeClr val="tx1"/>
+                </a:solidFill>
+                <a:latin typeface="Arial" panose="020B0604020202020204" pitchFamily="34" charset="0"/>
+                <a:ea typeface="黑体" panose="02010609060101010101" pitchFamily="49" charset="-122"/>
+              </a:defRPr>
+            </a:lvl1pPr>
+            <a:lvl2pPr>
+              <a:defRPr>
+                <a:solidFill>
+                  <a:schemeClr val="tx1"/>
+                </a:solidFill>
+                <a:latin typeface="Arial" panose="020B0604020202020204" pitchFamily="34" charset="0"/>
+                <a:ea typeface="黑体" panose="02010609060101010101" pitchFamily="49" charset="-122"/>
+              </a:defRPr>
+            </a:lvl2pPr>
+            <a:lvl3pPr>
+              <a:defRPr>
+                <a:solidFill>
+                  <a:schemeClr val="tx1"/>
+                </a:solidFill>
+                <a:latin typeface="Arial" panose="020B0604020202020204" pitchFamily="34" charset="0"/>
+                <a:ea typeface="黑体" panose="02010609060101010101" pitchFamily="49" charset="-122"/>
+              </a:defRPr>
+            </a:lvl3pPr>
+            <a:lvl4pPr>
+              <a:defRPr>
+                <a:solidFill>
+                  <a:schemeClr val="tx1"/>
+                </a:solidFill>
+                <a:latin typeface="Arial" panose="020B0604020202020204" pitchFamily="34" charset="0"/>
+                <a:ea typeface="黑体" panose="02010609060101010101" pitchFamily="49" charset="-122"/>
+              </a:defRPr>
+            </a:lvl4pPr>
+            <a:lvl5pPr>
+              <a:defRPr>
+                <a:solidFill>
+                  <a:schemeClr val="tx1"/>
+                </a:solidFill>
+                <a:latin typeface="Arial" panose="020B0604020202020204" pitchFamily="34" charset="0"/>
+                <a:ea typeface="黑体" panose="02010609060101010101" pitchFamily="49" charset="-122"/>
+              </a:defRPr>
+            </a:lvl5pPr>
+            <a:lvl6pPr fontAlgn="base">
+              <a:spcBef>
+                <a:spcPct val="0"/>
+              </a:spcBef>
+              <a:spcAft>
+                <a:spcPct val="0"/>
+              </a:spcAft>
+              <a:buFont typeface="Arial" panose="020B0604020202020204" pitchFamily="34" charset="0"/>
+              <a:defRPr>
+                <a:solidFill>
+                  <a:schemeClr val="tx1"/>
+                </a:solidFill>
+                <a:latin typeface="Arial" panose="020B0604020202020204" pitchFamily="34" charset="0"/>
+                <a:ea typeface="黑体" panose="02010609060101010101" pitchFamily="49" charset="-122"/>
+              </a:defRPr>
+            </a:lvl6pPr>
+            <a:lvl7pPr fontAlgn="base">
+              <a:spcBef>
+                <a:spcPct val="0"/>
+              </a:spcBef>
+              <a:spcAft>
+                <a:spcPct val="0"/>
+              </a:spcAft>
+              <a:buFont typeface="Arial" panose="020B0604020202020204" pitchFamily="34" charset="0"/>
+              <a:defRPr>
+                <a:solidFill>
+                  <a:schemeClr val="tx1"/>
+                </a:solidFill>
+                <a:latin typeface="Arial" panose="020B0604020202020204" pitchFamily="34" charset="0"/>
+                <a:ea typeface="黑体" panose="02010609060101010101" pitchFamily="49" charset="-122"/>
+              </a:defRPr>
+            </a:lvl7pPr>
+            <a:lvl8pPr fontAlgn="base">
+              <a:spcBef>
+                <a:spcPct val="0"/>
+              </a:spcBef>
+              <a:spcAft>
+                <a:spcPct val="0"/>
+              </a:spcAft>
+              <a:buFont typeface="Arial" panose="020B0604020202020204" pitchFamily="34" charset="0"/>
+              <a:defRPr>
+                <a:solidFill>
+                  <a:schemeClr val="tx1"/>
+                </a:solidFill>
+                <a:latin typeface="Arial" panose="020B0604020202020204" pitchFamily="34" charset="0"/>
+                <a:ea typeface="黑体" panose="02010609060101010101" pitchFamily="49" charset="-122"/>
+              </a:defRPr>
+            </a:lvl8pPr>
+            <a:lvl9pPr fontAlgn="base">
+              <a:spcBef>
+                <a:spcPct val="0"/>
+              </a:spcBef>
+              <a:spcAft>
+                <a:spcPct val="0"/>
+              </a:spcAft>
+              <a:buFont typeface="Arial" panose="020B0604020202020204" pitchFamily="34" charset="0"/>
+              <a:defRPr>
+                <a:solidFill>
+                  <a:schemeClr val="tx1"/>
+                </a:solidFill>
+                <a:latin typeface="Arial" panose="020B0604020202020204" pitchFamily="34" charset="0"/>
+                <a:ea typeface="黑体" panose="02010609060101010101" pitchFamily="49" charset="-122"/>
+              </a:defRPr>
+            </a:lvl9pPr>
+          </a:lstStyle>
+          <a:p>
+            <a:pPr>
+              <a:lnSpc>
+                <a:spcPct val="150000"/>
+              </a:lnSpc>
+            </a:pPr>
+            <a:r>
+              <a:rPr lang="en-US" altLang="zh-CN" dirty="0" err="1">
+                <a:latin typeface="微软雅黑" panose="020B0503020204020204" pitchFamily="34" charset="-122"/>
+                <a:ea typeface="微软雅黑" panose="020B0503020204020204" pitchFamily="34" charset="-122"/>
+              </a:rPr>
+              <a:t>ThreadUpdateTest</a:t>
+            </a:r>
+            <a:endParaRPr lang="en-US" altLang="zh-CN" dirty="0">
+              <a:latin typeface="微软雅黑" panose="020B0503020204020204" pitchFamily="34" charset="-122"/>
+              <a:ea typeface="微软雅黑" panose="020B0503020204020204" pitchFamily="34" charset="-122"/>
+            </a:endParaRPr>
+          </a:p>
+          <a:p>
+            <a:pPr>
+              <a:lnSpc>
+                <a:spcPct val="150000"/>
+              </a:lnSpc>
+            </a:pPr>
+            <a:r>
+              <a:rPr lang="zh-CN" altLang="en-US" dirty="0">
+                <a:latin typeface="微软雅黑" panose="020B0503020204020204" pitchFamily="34" charset="-122"/>
+                <a:ea typeface="微软雅黑" panose="020B0503020204020204" pitchFamily="34" charset="-122"/>
+              </a:rPr>
+              <a:t>点击按钮</a:t>
+            </a:r>
+            <a:r>
+              <a:rPr lang="en-US" altLang="zh-CN" dirty="0">
+                <a:latin typeface="微软雅黑" panose="020B0503020204020204" pitchFamily="34" charset="-122"/>
+                <a:ea typeface="微软雅黑" panose="020B0503020204020204" pitchFamily="34" charset="-122"/>
+              </a:rPr>
+              <a:t>1</a:t>
+            </a:r>
+            <a:r>
+              <a:rPr lang="zh-CN" altLang="en-US" dirty="0">
+                <a:latin typeface="微软雅黑" panose="020B0503020204020204" pitchFamily="34" charset="-122"/>
+                <a:ea typeface="微软雅黑" panose="020B0503020204020204" pitchFamily="34" charset="-122"/>
+              </a:rPr>
+              <a:t>，出现左图</a:t>
+            </a:r>
+          </a:p>
+          <a:p>
+            <a:pPr>
+              <a:lnSpc>
+                <a:spcPct val="150000"/>
+              </a:lnSpc>
+            </a:pPr>
+            <a:r>
+              <a:rPr lang="zh-CN" altLang="en-US" dirty="0">
+                <a:latin typeface="微软雅黑" panose="020B0503020204020204" pitchFamily="34" charset="-122"/>
+                <a:ea typeface="微软雅黑" panose="020B0503020204020204" pitchFamily="34" charset="-122"/>
+              </a:rPr>
+              <a:t>点击按钮</a:t>
+            </a:r>
+            <a:r>
+              <a:rPr lang="en-US" altLang="zh-CN" dirty="0">
+                <a:latin typeface="微软雅黑" panose="020B0503020204020204" pitchFamily="34" charset="-122"/>
+                <a:ea typeface="微软雅黑" panose="020B0503020204020204" pitchFamily="34" charset="-122"/>
+              </a:rPr>
+              <a:t>2</a:t>
+            </a:r>
+            <a:r>
+              <a:rPr lang="zh-CN" altLang="en-US" dirty="0">
+                <a:latin typeface="微软雅黑" panose="020B0503020204020204" pitchFamily="34" charset="-122"/>
+                <a:ea typeface="微软雅黑" panose="020B0503020204020204" pitchFamily="34" charset="-122"/>
+              </a:rPr>
+              <a:t>，出现右图</a:t>
+            </a:r>
+          </a:p>
+          <a:p>
+            <a:pPr>
+              <a:lnSpc>
+                <a:spcPct val="150000"/>
+              </a:lnSpc>
+            </a:pPr>
+            <a:endParaRPr lang="zh-CN" altLang="en-US" dirty="0">
+              <a:latin typeface="微软雅黑" panose="020B0503020204020204" pitchFamily="34" charset="-122"/>
+              <a:ea typeface="微软雅黑" panose="020B0503020204020204" pitchFamily="34" charset="-122"/>
+            </a:endParaRPr>
+          </a:p>
+          <a:p>
+            <a:pPr>
+              <a:lnSpc>
+                <a:spcPct val="150000"/>
+              </a:lnSpc>
+            </a:pPr>
+            <a:r>
+              <a:rPr lang="zh-CN" altLang="en-US" dirty="0">
+                <a:latin typeface="微软雅黑" panose="020B0503020204020204" pitchFamily="34" charset="-122"/>
+                <a:ea typeface="微软雅黑" panose="020B0503020204020204" pitchFamily="34" charset="-122"/>
+              </a:rPr>
+              <a:t>证明直接在子线程更新</a:t>
+            </a:r>
+            <a:r>
+              <a:rPr lang="en-US" altLang="zh-CN" dirty="0">
+                <a:latin typeface="微软雅黑" panose="020B0503020204020204" pitchFamily="34" charset="-122"/>
+                <a:ea typeface="微软雅黑" panose="020B0503020204020204" pitchFamily="34" charset="-122"/>
+              </a:rPr>
+              <a:t>UI</a:t>
+            </a:r>
+            <a:r>
+              <a:rPr lang="zh-CN" altLang="en-US" dirty="0">
+                <a:latin typeface="微软雅黑" panose="020B0503020204020204" pitchFamily="34" charset="-122"/>
+                <a:ea typeface="微软雅黑" panose="020B0503020204020204" pitchFamily="34" charset="-122"/>
+              </a:rPr>
+              <a:t>将会导致程序崩溃。必须通过子线程给主线程的</a:t>
+            </a:r>
+            <a:r>
+              <a:rPr lang="en-US" altLang="zh-CN" dirty="0">
+                <a:latin typeface="微软雅黑" panose="020B0503020204020204" pitchFamily="34" charset="-122"/>
+                <a:ea typeface="微软雅黑" panose="020B0503020204020204" pitchFamily="34" charset="-122"/>
+              </a:rPr>
+              <a:t>Handler</a:t>
+            </a:r>
+            <a:r>
+              <a:rPr lang="zh-CN" altLang="en-US" dirty="0">
+                <a:latin typeface="微软雅黑" panose="020B0503020204020204" pitchFamily="34" charset="-122"/>
+                <a:ea typeface="微软雅黑" panose="020B0503020204020204" pitchFamily="34" charset="-122"/>
+              </a:rPr>
+              <a:t>发送消息来完成更新</a:t>
+            </a:r>
+            <a:r>
+              <a:rPr lang="en-US" altLang="zh-CN" dirty="0">
+                <a:latin typeface="微软雅黑" panose="020B0503020204020204" pitchFamily="34" charset="-122"/>
+                <a:ea typeface="微软雅黑" panose="020B0503020204020204" pitchFamily="34" charset="-122"/>
+              </a:rPr>
+              <a:t>UI</a:t>
+            </a:r>
+            <a:r>
+              <a:rPr lang="zh-CN" altLang="en-US" dirty="0">
+                <a:latin typeface="微软雅黑" panose="020B0503020204020204" pitchFamily="34" charset="-122"/>
+                <a:ea typeface="微软雅黑" panose="020B0503020204020204" pitchFamily="34" charset="-122"/>
+              </a:rPr>
+              <a:t>的操作。</a:t>
+            </a:r>
+          </a:p>
+          <a:p>
+            <a:pPr>
+              <a:lnSpc>
+                <a:spcPct val="150000"/>
+              </a:lnSpc>
+            </a:pPr>
+            <a:endParaRPr lang="zh-CN" altLang="en-US" dirty="0">
+              <a:latin typeface="微软雅黑" panose="020B0503020204020204" pitchFamily="34" charset="-122"/>
+              <a:ea typeface="微软雅黑" panose="020B0503020204020204" pitchFamily="34" charset="-122"/>
+            </a:endParaRPr>
+          </a:p>
+        </p:txBody>
+      </p:sp>
+    </p:spTree>
+    <p:custDataLst>
+      <p:tags r:id="rId1"/>
+    </p:custDataLst>
+  </p:cSld>
+  <p:clrMapOvr>
+    <a:masterClrMapping/>
+  </p:clrMapOvr>
 </p:sld>
 </file>
 
@@ -22731,7 +21527,6 @@
 
 <file path=ppt/tags/tag13.xml><?xml version="1.0" encoding="utf-8"?>
 <p:tagLst xmlns:a="http://schemas.openxmlformats.org/drawingml/2006/main" xmlns:r="http://schemas.openxmlformats.org/officeDocument/2006/relationships" xmlns:p="http://schemas.openxmlformats.org/presentationml/2006/main">
-  <p:tag name="KSO_WM_BEAUTIFY_FLAG" val="#wm#"/>
   <p:tag name="KSO_WM_TEMPLATE_CATEGORY" val="custom"/>
   <p:tag name="KSO_WM_TEMPLATE_INDEX" val="160404"/>
 </p:tagLst>
@@ -22739,6 +21534,7 @@
 
 <file path=ppt/tags/tag14.xml><?xml version="1.0" encoding="utf-8"?>
 <p:tagLst xmlns:a="http://schemas.openxmlformats.org/drawingml/2006/main" xmlns:r="http://schemas.openxmlformats.org/officeDocument/2006/relationships" xmlns:p="http://schemas.openxmlformats.org/presentationml/2006/main">
+  <p:tag name="KSO_WM_BEAUTIFY_FLAG" val="#wm#"/>
   <p:tag name="KSO_WM_TEMPLATE_CATEGORY" val="custom"/>
   <p:tag name="KSO_WM_TEMPLATE_INDEX" val="160404"/>
 </p:tagLst>
@@ -22762,7 +21558,6 @@
 
 <file path=ppt/tags/tag17.xml><?xml version="1.0" encoding="utf-8"?>
 <p:tagLst xmlns:a="http://schemas.openxmlformats.org/drawingml/2006/main" xmlns:r="http://schemas.openxmlformats.org/officeDocument/2006/relationships" xmlns:p="http://schemas.openxmlformats.org/presentationml/2006/main">
-  <p:tag name="KSO_WM_BEAUTIFY_FLAG" val="#wm#"/>
   <p:tag name="KSO_WM_TEMPLATE_CATEGORY" val="custom"/>
   <p:tag name="KSO_WM_TEMPLATE_INDEX" val="160404"/>
 </p:tagLst>
@@ -22770,7 +21565,6 @@
 
 <file path=ppt/tags/tag18.xml><?xml version="1.0" encoding="utf-8"?>
 <p:tagLst xmlns:a="http://schemas.openxmlformats.org/drawingml/2006/main" xmlns:r="http://schemas.openxmlformats.org/officeDocument/2006/relationships" xmlns:p="http://schemas.openxmlformats.org/presentationml/2006/main">
-  <p:tag name="KSO_WM_BEAUTIFY_FLAG" val="#wm#"/>
   <p:tag name="KSO_WM_TEMPLATE_CATEGORY" val="custom"/>
   <p:tag name="KSO_WM_TEMPLATE_INDEX" val="160404"/>
 </p:tagLst>
@@ -22821,6 +21615,7 @@
 
 <file path=ppt/tags/tag24.xml><?xml version="1.0" encoding="utf-8"?>
 <p:tagLst xmlns:a="http://schemas.openxmlformats.org/drawingml/2006/main" xmlns:r="http://schemas.openxmlformats.org/officeDocument/2006/relationships" xmlns:p="http://schemas.openxmlformats.org/presentationml/2006/main">
+  <p:tag name="KSO_WM_BEAUTIFY_FLAG" val="#wm#"/>
   <p:tag name="KSO_WM_TEMPLATE_CATEGORY" val="custom"/>
   <p:tag name="KSO_WM_TEMPLATE_INDEX" val="160404"/>
 </p:tagLst>
@@ -22828,6 +21623,7 @@
 
 <file path=ppt/tags/tag25.xml><?xml version="1.0" encoding="utf-8"?>
 <p:tagLst xmlns:a="http://schemas.openxmlformats.org/drawingml/2006/main" xmlns:r="http://schemas.openxmlformats.org/officeDocument/2006/relationships" xmlns:p="http://schemas.openxmlformats.org/presentationml/2006/main">
+  <p:tag name="KSO_WM_BEAUTIFY_FLAG" val="#wm#"/>
   <p:tag name="KSO_WM_TEMPLATE_CATEGORY" val="custom"/>
   <p:tag name="KSO_WM_TEMPLATE_INDEX" val="160404"/>
 </p:tagLst>
@@ -22835,7 +21631,6 @@
 
 <file path=ppt/tags/tag26.xml><?xml version="1.0" encoding="utf-8"?>
 <p:tagLst xmlns:a="http://schemas.openxmlformats.org/drawingml/2006/main" xmlns:r="http://schemas.openxmlformats.org/officeDocument/2006/relationships" xmlns:p="http://schemas.openxmlformats.org/presentationml/2006/main">
-  <p:tag name="KSO_WM_BEAUTIFY_FLAG" val="#wm#"/>
   <p:tag name="KSO_WM_TEMPLATE_CATEGORY" val="custom"/>
   <p:tag name="KSO_WM_TEMPLATE_INDEX" val="160404"/>
 </p:tagLst>
@@ -22843,7 +21638,6 @@
 
 <file path=ppt/tags/tag27.xml><?xml version="1.0" encoding="utf-8"?>
 <p:tagLst xmlns:a="http://schemas.openxmlformats.org/drawingml/2006/main" xmlns:r="http://schemas.openxmlformats.org/officeDocument/2006/relationships" xmlns:p="http://schemas.openxmlformats.org/presentationml/2006/main">
-  <p:tag name="KSO_WM_BEAUTIFY_FLAG" val="#wm#"/>
   <p:tag name="KSO_WM_TEMPLATE_CATEGORY" val="custom"/>
   <p:tag name="KSO_WM_TEMPLATE_INDEX" val="160404"/>
 </p:tagLst>
@@ -22876,6 +21670,7 @@
 
 <file path=ppt/tags/tag30.xml><?xml version="1.0" encoding="utf-8"?>
 <p:tagLst xmlns:a="http://schemas.openxmlformats.org/drawingml/2006/main" xmlns:r="http://schemas.openxmlformats.org/officeDocument/2006/relationships" xmlns:p="http://schemas.openxmlformats.org/presentationml/2006/main">
+  <p:tag name="KSO_WM_BEAUTIFY_FLAG" val="#wm#"/>
   <p:tag name="KSO_WM_TEMPLATE_CATEGORY" val="custom"/>
   <p:tag name="KSO_WM_TEMPLATE_INDEX" val="160404"/>
 </p:tagLst>
@@ -22883,35 +21678,13 @@
 
 <file path=ppt/tags/tag31.xml><?xml version="1.0" encoding="utf-8"?>
 <p:tagLst xmlns:a="http://schemas.openxmlformats.org/drawingml/2006/main" xmlns:r="http://schemas.openxmlformats.org/officeDocument/2006/relationships" xmlns:p="http://schemas.openxmlformats.org/presentationml/2006/main">
+  <p:tag name="KSO_WM_BEAUTIFY_FLAG" val="#wm#"/>
   <p:tag name="KSO_WM_TEMPLATE_CATEGORY" val="custom"/>
   <p:tag name="KSO_WM_TEMPLATE_INDEX" val="160404"/>
 </p:tagLst>
 </file>
 
 <file path=ppt/tags/tag32.xml><?xml version="1.0" encoding="utf-8"?>
-<p:tagLst xmlns:a="http://schemas.openxmlformats.org/drawingml/2006/main" xmlns:r="http://schemas.openxmlformats.org/officeDocument/2006/relationships" xmlns:p="http://schemas.openxmlformats.org/presentationml/2006/main">
-  <p:tag name="KSO_WM_TEMPLATE_CATEGORY" val="custom"/>
-  <p:tag name="KSO_WM_TEMPLATE_INDEX" val="160404"/>
-</p:tagLst>
-</file>
-
-<file path=ppt/tags/tag33.xml><?xml version="1.0" encoding="utf-8"?>
-<p:tagLst xmlns:a="http://schemas.openxmlformats.org/drawingml/2006/main" xmlns:r="http://schemas.openxmlformats.org/officeDocument/2006/relationships" xmlns:p="http://schemas.openxmlformats.org/presentationml/2006/main">
-  <p:tag name="KSO_WM_BEAUTIFY_FLAG" val="#wm#"/>
-  <p:tag name="KSO_WM_TEMPLATE_CATEGORY" val="custom"/>
-  <p:tag name="KSO_WM_TEMPLATE_INDEX" val="160404"/>
-</p:tagLst>
-</file>
-
-<file path=ppt/tags/tag34.xml><?xml version="1.0" encoding="utf-8"?>
-<p:tagLst xmlns:a="http://schemas.openxmlformats.org/drawingml/2006/main" xmlns:r="http://schemas.openxmlformats.org/officeDocument/2006/relationships" xmlns:p="http://schemas.openxmlformats.org/presentationml/2006/main">
-  <p:tag name="KSO_WM_BEAUTIFY_FLAG" val="#wm#"/>
-  <p:tag name="KSO_WM_TEMPLATE_CATEGORY" val="custom"/>
-  <p:tag name="KSO_WM_TEMPLATE_INDEX" val="160404"/>
-</p:tagLst>
-</file>
-
-<file path=ppt/tags/tag35.xml><?xml version="1.0" encoding="utf-8"?>
 <p:tagLst xmlns:a="http://schemas.openxmlformats.org/drawingml/2006/main" xmlns:r="http://schemas.openxmlformats.org/officeDocument/2006/relationships" xmlns:p="http://schemas.openxmlformats.org/presentationml/2006/main">
   <p:tag name="KSO_WM_TEMPLATE_CATEGORY" val="custom"/>
   <p:tag name="KSO_WM_TEMPLATE_INDEX" val="160404"/>
@@ -22963,6 +21736,7 @@
 
 <file path=ppt/tags/tag9.xml><?xml version="1.0" encoding="utf-8"?>
 <p:tagLst xmlns:a="http://schemas.openxmlformats.org/drawingml/2006/main" xmlns:r="http://schemas.openxmlformats.org/officeDocument/2006/relationships" xmlns:p="http://schemas.openxmlformats.org/presentationml/2006/main">
+  <p:tag name="KSO_WM_BEAUTIFY_FLAG" val="#wm#"/>
   <p:tag name="KSO_WM_TEMPLATE_CATEGORY" val="custom"/>
   <p:tag name="KSO_WM_TEMPLATE_INDEX" val="160404"/>
 </p:tagLst>
